--- a/04-ML_KNN/slides.pptx
+++ b/04-ML_KNN/slides.pptx
@@ -6,7 +6,7 @@
     <p:sldMasterId id="2147483649" r:id="rId2"/>
   </p:sldMasterIdLst>
   <p:notesMasterIdLst>
-    <p:notesMasterId r:id="rId51"/>
+    <p:notesMasterId r:id="rId55"/>
   </p:notesMasterIdLst>
   <p:sldIdLst>
     <p:sldId id="382" r:id="rId3"/>
@@ -23,40 +23,44 @@
     <p:sldId id="380" r:id="rId14"/>
     <p:sldId id="384" r:id="rId15"/>
     <p:sldId id="381" r:id="rId16"/>
-    <p:sldId id="365" r:id="rId17"/>
-    <p:sldId id="366" r:id="rId18"/>
-    <p:sldId id="367" r:id="rId19"/>
-    <p:sldId id="328" r:id="rId20"/>
-    <p:sldId id="370" r:id="rId21"/>
-    <p:sldId id="371" r:id="rId22"/>
-    <p:sldId id="372" r:id="rId23"/>
-    <p:sldId id="406" r:id="rId24"/>
-    <p:sldId id="407" r:id="rId25"/>
-    <p:sldId id="408" r:id="rId26"/>
-    <p:sldId id="409" r:id="rId27"/>
-    <p:sldId id="374" r:id="rId28"/>
-    <p:sldId id="392" r:id="rId29"/>
-    <p:sldId id="403" r:id="rId30"/>
-    <p:sldId id="323" r:id="rId31"/>
-    <p:sldId id="375" r:id="rId32"/>
-    <p:sldId id="394" r:id="rId33"/>
-    <p:sldId id="385" r:id="rId34"/>
-    <p:sldId id="386" r:id="rId35"/>
-    <p:sldId id="387" r:id="rId36"/>
-    <p:sldId id="388" r:id="rId37"/>
-    <p:sldId id="389" r:id="rId38"/>
-    <p:sldId id="390" r:id="rId39"/>
-    <p:sldId id="391" r:id="rId40"/>
-    <p:sldId id="404" r:id="rId41"/>
-    <p:sldId id="393" r:id="rId42"/>
-    <p:sldId id="395" r:id="rId43"/>
-    <p:sldId id="402" r:id="rId44"/>
-    <p:sldId id="405" r:id="rId45"/>
-    <p:sldId id="396" r:id="rId46"/>
-    <p:sldId id="397" r:id="rId47"/>
-    <p:sldId id="398" r:id="rId48"/>
-    <p:sldId id="399" r:id="rId49"/>
-    <p:sldId id="339" r:id="rId50"/>
+    <p:sldId id="410" r:id="rId17"/>
+    <p:sldId id="365" r:id="rId18"/>
+    <p:sldId id="366" r:id="rId19"/>
+    <p:sldId id="367" r:id="rId20"/>
+    <p:sldId id="328" r:id="rId21"/>
+    <p:sldId id="370" r:id="rId22"/>
+    <p:sldId id="371" r:id="rId23"/>
+    <p:sldId id="372" r:id="rId24"/>
+    <p:sldId id="406" r:id="rId25"/>
+    <p:sldId id="407" r:id="rId26"/>
+    <p:sldId id="408" r:id="rId27"/>
+    <p:sldId id="409" r:id="rId28"/>
+    <p:sldId id="374" r:id="rId29"/>
+    <p:sldId id="414" r:id="rId30"/>
+    <p:sldId id="412" r:id="rId31"/>
+    <p:sldId id="411" r:id="rId32"/>
+    <p:sldId id="413" r:id="rId33"/>
+    <p:sldId id="403" r:id="rId34"/>
+    <p:sldId id="323" r:id="rId35"/>
+    <p:sldId id="375" r:id="rId36"/>
+    <p:sldId id="394" r:id="rId37"/>
+    <p:sldId id="385" r:id="rId38"/>
+    <p:sldId id="386" r:id="rId39"/>
+    <p:sldId id="387" r:id="rId40"/>
+    <p:sldId id="388" r:id="rId41"/>
+    <p:sldId id="389" r:id="rId42"/>
+    <p:sldId id="390" r:id="rId43"/>
+    <p:sldId id="391" r:id="rId44"/>
+    <p:sldId id="404" r:id="rId45"/>
+    <p:sldId id="393" r:id="rId46"/>
+    <p:sldId id="395" r:id="rId47"/>
+    <p:sldId id="402" r:id="rId48"/>
+    <p:sldId id="405" r:id="rId49"/>
+    <p:sldId id="396" r:id="rId50"/>
+    <p:sldId id="397" r:id="rId51"/>
+    <p:sldId id="398" r:id="rId52"/>
+    <p:sldId id="399" r:id="rId53"/>
+    <p:sldId id="339" r:id="rId54"/>
   </p:sldIdLst>
   <p:sldSz cx="9363075" cy="5257800"/>
   <p:notesSz cx="6858000" cy="9144000"/>
@@ -1324,21 +1328,26 @@
       </p:grpSpPr>
       <p:sp>
         <p:nvSpPr>
-          <p:cNvPr id="2" name="Slide Image Placeholder 1"/>
-          <p:cNvSpPr>
-            <a:spLocks noGrp="1" noRot="1" noChangeAspect="1"/>
+          <p:cNvPr id="56321" name="Rectangle 1"/>
+          <p:cNvSpPr>
+            <a:spLocks noChangeArrowheads="1"/>
           </p:cNvSpPr>
           <p:nvPr>
             <p:ph type="sldImg"/>
           </p:nvPr>
         </p:nvSpPr>
-        <p:spPr/>
-      </p:sp>
-      <p:sp>
-        <p:nvSpPr>
-          <p:cNvPr id="3" name="Notes Placeholder 2"/>
-          <p:cNvSpPr>
-            <a:spLocks noGrp="1"/>
+        <p:spPr>
+          <a:xfrm>
+            <a:off x="376238" y="685800"/>
+            <a:ext cx="6105525" cy="3429000"/>
+          </a:xfrm>
+        </p:spPr>
+      </p:sp>
+      <p:sp>
+        <p:nvSpPr>
+          <p:cNvPr id="56322" name="Rectangle 2"/>
+          <p:cNvSpPr>
+            <a:spLocks noChangeArrowheads="1"/>
           </p:cNvSpPr>
           <p:nvPr>
             <p:ph type="body" idx="1"/>
@@ -1349,82 +1358,79 @@
           <a:bodyPr/>
           <a:lstStyle/>
           <a:p>
-            <a:pPr marL="0" marR="0" indent="0" algn="l" defTabSz="457200" rtl="0" eaLnBrk="1" fontAlgn="auto" latinLnBrk="0" hangingPunct="1">
-              <a:lnSpc>
-                <a:spcPct val="100000"/>
-              </a:lnSpc>
-              <a:spcBef>
-                <a:spcPts val="0"/>
-              </a:spcBef>
-              <a:spcAft>
-                <a:spcPts val="0"/>
-              </a:spcAft>
-              <a:buClrTx/>
-              <a:buSzTx/>
-              <a:buFontTx/>
+            <a:pPr>
+              <a:buClr>
+                <a:srgbClr val="000000"/>
+              </a:buClr>
+              <a:buFont typeface="Arial" charset="0"/>
               <a:buNone/>
-              <a:tabLst/>
-              <a:defRPr/>
             </a:pPr>
             <a:r>
-              <a:rPr lang="en-US" sz="1200" baseline="0" dirty="0" smtClean="0">
+              <a:rPr lang="en-US">
                 <a:solidFill>
-                  <a:prstClr val="black"/>
+                  <a:srgbClr val="000000"/>
                 </a:solidFill>
-                <a:latin typeface="ArialMT"/>
-                <a:sym typeface="Wingdings"/>
-              </a:rPr>
-              <a:t>Note: these characterize the dependent </a:t>
-            </a:r>
-            <a:r>
-              <a:rPr lang="en-US" sz="1200" baseline="0" smtClean="0">
+                <a:latin typeface="Arial" charset="0"/>
+                <a:cs typeface="Arial" charset="0"/>
+                <a:sym typeface="Arial" charset="0"/>
+              </a:rPr>
+              <a:t>Note: these characterize </a:t>
+            </a:r>
+            <a:endParaRPr lang="en-US">
+              <a:solidFill>
+                <a:srgbClr val="000000"/>
+              </a:solidFill>
+            </a:endParaRPr>
+          </a:p>
+          <a:p>
+            <a:pPr>
+              <a:buClr>
+                <a:srgbClr val="000000"/>
+              </a:buClr>
+              <a:buFont typeface="Arial" charset="0"/>
+              <a:buNone/>
+            </a:pPr>
+            <a:r>
+              <a:rPr lang="en-US">
                 <a:solidFill>
-                  <a:prstClr val="black"/>
+                  <a:srgbClr val="000000"/>
                 </a:solidFill>
-                <a:latin typeface="ArialMT"/>
-                <a:sym typeface="Wingdings"/>
-              </a:rPr>
-              <a:t>(target) variables!</a:t>
-            </a:r>
-            <a:endParaRPr lang="en-US" sz="1200" baseline="0" dirty="0" smtClean="0">
+                <a:latin typeface="Arial" charset="0"/>
+                <a:cs typeface="Arial" charset="0"/>
+                <a:sym typeface="Arial" charset="0"/>
+              </a:rPr>
+              <a:t>Q: can you think of examples?</a:t>
+            </a:r>
+            <a:endParaRPr lang="en-US">
               <a:solidFill>
-                <a:prstClr val="black"/>
+                <a:srgbClr val="000000"/>
               </a:solidFill>
-              <a:latin typeface="ArialMT"/>
-              <a:sym typeface="Wingdings"/>
             </a:endParaRPr>
           </a:p>
-        </p:txBody>
-      </p:sp>
-      <p:sp>
-        <p:nvSpPr>
-          <p:cNvPr id="4" name="Slide Number Placeholder 3"/>
-          <p:cNvSpPr>
-            <a:spLocks noGrp="1"/>
-          </p:cNvSpPr>
-          <p:nvPr>
-            <p:ph type="sldNum" sz="quarter" idx="10"/>
-          </p:nvPr>
-        </p:nvSpPr>
-        <p:spPr/>
-        <p:txBody>
-          <a:bodyPr/>
-          <a:lstStyle/>
-          <a:p>
-            <a:fld id="{ADD4B5B7-85EF-4E48-AC80-2380FACD9C23}" type="slidenum">
-              <a:rPr lang="en-US" smtClean="0"/>
-              <a:t>15</a:t>
-            </a:fld>
+          <a:p>
+            <a:pPr>
+              <a:buClr>
+                <a:srgbClr val="000000"/>
+              </a:buClr>
+              <a:buFont typeface="Arial" charset="0"/>
+              <a:buNone/>
+            </a:pPr>
+            <a:r>
+              <a:rPr lang="en-US">
+                <a:solidFill>
+                  <a:srgbClr val="000000"/>
+                </a:solidFill>
+                <a:latin typeface="Arial" charset="0"/>
+                <a:cs typeface="Arial" charset="0"/>
+                <a:sym typeface="Arial" charset="0"/>
+              </a:rPr>
+              <a:t>Q: what kinds of learning tasks could we carry out with these types of data?</a:t>
+            </a:r>
             <a:endParaRPr lang="en-US"/>
           </a:p>
         </p:txBody>
       </p:sp>
     </p:spTree>
-    <p:extLst>
-      <p:ext uri="{BB962C8B-B14F-4D97-AF65-F5344CB8AC3E}">
-        <p14:creationId xmlns:p14="http://schemas.microsoft.com/office/powerpoint/2010/main" val="645762702"/>
-      </p:ext>
-    </p:extLst>
   </p:cSld>
   <p:clrMapOvr>
     <a:masterClrMapping/>
@@ -1501,191 +1507,18 @@
                 <a:latin typeface="ArialMT"/>
                 <a:sym typeface="Wingdings"/>
               </a:rPr>
-              <a:t>Q: do you know of any particular models/algorithms that fit into these categories?</a:t>
-            </a:r>
-          </a:p>
-          <a:p>
-            <a:pPr marL="0" marR="0" indent="0" algn="l" defTabSz="457200" rtl="0" eaLnBrk="1" fontAlgn="auto" latinLnBrk="0" hangingPunct="1">
-              <a:lnSpc>
-                <a:spcPct val="100000"/>
-              </a:lnSpc>
-              <a:spcBef>
-                <a:spcPts val="0"/>
-              </a:spcBef>
-              <a:spcAft>
-                <a:spcPts val="0"/>
-              </a:spcAft>
-              <a:buClrTx/>
-              <a:buSzTx/>
-              <a:buFontTx/>
-              <a:buNone/>
-              <a:tabLst/>
-              <a:defRPr/>
-            </a:pPr>
-            <a:endParaRPr lang="en-US" sz="1200" baseline="0" dirty="0" smtClean="0">
-              <a:solidFill>
-                <a:prstClr val="black"/>
-              </a:solidFill>
-              <a:latin typeface="ArialMT"/>
-              <a:sym typeface="Wingdings"/>
-            </a:endParaRPr>
-          </a:p>
-          <a:p>
-            <a:pPr marL="0" marR="0" indent="0" algn="l" defTabSz="457200" rtl="0" eaLnBrk="1" fontAlgn="auto" latinLnBrk="0" hangingPunct="1">
-              <a:lnSpc>
-                <a:spcPct val="100000"/>
-              </a:lnSpc>
-              <a:spcBef>
-                <a:spcPts val="0"/>
-              </a:spcBef>
-              <a:spcAft>
-                <a:spcPts val="0"/>
-              </a:spcAft>
-              <a:buClrTx/>
-              <a:buSzTx/>
-              <a:buFontTx/>
-              <a:buNone/>
-              <a:tabLst/>
-              <a:defRPr/>
-            </a:pPr>
-            <a:r>
-              <a:rPr lang="en-US" sz="1200" baseline="0" dirty="0" smtClean="0">
+              <a:t>Note: these characterize the dependent </a:t>
+            </a:r>
+            <a:r>
+              <a:rPr lang="en-US" sz="1200" baseline="0" smtClean="0">
                 <a:solidFill>
                   <a:prstClr val="black"/>
                 </a:solidFill>
                 <a:latin typeface="ArialMT"/>
                 <a:sym typeface="Wingdings"/>
               </a:rPr>
-              <a:t>Classification for targeting ads (likely purchasers), regression, clustering (</a:t>
-            </a:r>
-            <a:r>
-              <a:rPr lang="en-US" sz="1200" baseline="0" dirty="0" err="1" smtClean="0">
-                <a:solidFill>
-                  <a:prstClr val="black"/>
-                </a:solidFill>
-                <a:latin typeface="ArialMT"/>
-                <a:sym typeface="Wingdings"/>
-              </a:rPr>
-              <a:t>recsys</a:t>
-            </a:r>
-            <a:r>
-              <a:rPr lang="en-US" sz="1200" baseline="0" dirty="0" smtClean="0">
-                <a:solidFill>
-                  <a:prstClr val="black"/>
-                </a:solidFill>
-                <a:latin typeface="ArialMT"/>
-                <a:sym typeface="Wingdings"/>
-              </a:rPr>
-              <a:t>), dim reduction (</a:t>
-            </a:r>
-            <a:r>
-              <a:rPr lang="en-US" sz="1200" baseline="0" dirty="0" err="1" smtClean="0">
-                <a:solidFill>
-                  <a:prstClr val="black"/>
-                </a:solidFill>
-                <a:latin typeface="ArialMT"/>
-                <a:sym typeface="Wingdings"/>
-              </a:rPr>
-              <a:t>mtx</a:t>
-            </a:r>
-            <a:r>
-              <a:rPr lang="en-US" sz="1200" baseline="0" dirty="0" smtClean="0">
-                <a:solidFill>
-                  <a:prstClr val="black"/>
-                </a:solidFill>
-                <a:latin typeface="ArialMT"/>
-                <a:sym typeface="Wingdings"/>
-              </a:rPr>
-              <a:t> decomposition)</a:t>
-            </a:r>
-          </a:p>
-          <a:p>
-            <a:pPr marL="0" marR="0" indent="0" algn="l" defTabSz="457200" rtl="0" eaLnBrk="1" fontAlgn="auto" latinLnBrk="0" hangingPunct="1">
-              <a:lnSpc>
-                <a:spcPct val="100000"/>
-              </a:lnSpc>
-              <a:spcBef>
-                <a:spcPts val="0"/>
-              </a:spcBef>
-              <a:spcAft>
-                <a:spcPts val="0"/>
-              </a:spcAft>
-              <a:buClrTx/>
-              <a:buSzTx/>
-              <a:buFontTx/>
-              <a:buNone/>
-              <a:tabLst/>
-              <a:defRPr/>
-            </a:pPr>
-            <a:r>
-              <a:rPr lang="en-US" sz="1200" baseline="0" dirty="0" smtClean="0">
-                <a:solidFill>
-                  <a:prstClr val="black"/>
-                </a:solidFill>
-                <a:latin typeface="ArialMT"/>
-                <a:sym typeface="Wingdings"/>
-              </a:rPr>
-              <a:t>Combo: </a:t>
-            </a:r>
-            <a:r>
-              <a:rPr lang="en-US" sz="1200" baseline="0" dirty="0" err="1" smtClean="0">
-                <a:solidFill>
-                  <a:prstClr val="black"/>
-                </a:solidFill>
-                <a:latin typeface="ArialMT"/>
-                <a:sym typeface="Wingdings"/>
-              </a:rPr>
-              <a:t>nnmf</a:t>
-            </a:r>
-            <a:r>
-              <a:rPr lang="en-US" sz="1200" baseline="0" dirty="0" smtClean="0">
-                <a:solidFill>
-                  <a:prstClr val="black"/>
-                </a:solidFill>
-                <a:latin typeface="ArialMT"/>
-                <a:sym typeface="Wingdings"/>
-              </a:rPr>
-              <a:t> (</a:t>
-            </a:r>
-            <a:r>
-              <a:rPr lang="en-US" sz="1200" baseline="0" dirty="0" err="1" smtClean="0">
-                <a:solidFill>
-                  <a:prstClr val="black"/>
-                </a:solidFill>
-                <a:latin typeface="ArialMT"/>
-                <a:sym typeface="Wingdings"/>
-              </a:rPr>
-              <a:t>netflix</a:t>
-            </a:r>
-            <a:r>
-              <a:rPr lang="en-US" sz="1200" baseline="0" dirty="0" smtClean="0">
-                <a:solidFill>
-                  <a:prstClr val="black"/>
-                </a:solidFill>
-                <a:latin typeface="ArialMT"/>
-                <a:sym typeface="Wingdings"/>
-              </a:rPr>
-              <a:t> prize)</a:t>
-            </a:r>
-          </a:p>
-          <a:p>
-            <a:pPr marL="0" marR="0" indent="0" algn="l" defTabSz="457200" rtl="0" eaLnBrk="1" fontAlgn="auto" latinLnBrk="0" hangingPunct="1">
-              <a:lnSpc>
-                <a:spcPct val="100000"/>
-              </a:lnSpc>
-              <a:spcBef>
-                <a:spcPts val="0"/>
-              </a:spcBef>
-              <a:spcAft>
-                <a:spcPts val="0"/>
-              </a:spcAft>
-              <a:buClrTx/>
-              <a:buSzTx/>
-              <a:buFontTx/>
-              <a:buNone/>
-              <a:tabLst/>
-              <a:defRPr/>
-            </a:pPr>
+              <a:t>(target) variables!</a:t>
+            </a:r>
             <a:endParaRPr lang="en-US" sz="1200" baseline="0" dirty="0" smtClean="0">
               <a:solidFill>
                 <a:prstClr val="black"/>
@@ -1801,7 +1634,7 @@
                 <a:latin typeface="ArialMT"/>
                 <a:sym typeface="Wingdings"/>
               </a:rPr>
-              <a:t>Q: are these terms familiar?</a:t>
+              <a:t>Q: do you know of any particular models/algorithms that fit into these categories?</a:t>
             </a:r>
           </a:p>
           <a:p>
@@ -1822,6 +1655,32 @@
               <a:tabLst/>
               <a:defRPr/>
             </a:pPr>
+            <a:endParaRPr lang="en-US" sz="1200" baseline="0" dirty="0" smtClean="0">
+              <a:solidFill>
+                <a:prstClr val="black"/>
+              </a:solidFill>
+              <a:latin typeface="ArialMT"/>
+              <a:sym typeface="Wingdings"/>
+            </a:endParaRPr>
+          </a:p>
+          <a:p>
+            <a:pPr marL="0" marR="0" indent="0" algn="l" defTabSz="457200" rtl="0" eaLnBrk="1" fontAlgn="auto" latinLnBrk="0" hangingPunct="1">
+              <a:lnSpc>
+                <a:spcPct val="100000"/>
+              </a:lnSpc>
+              <a:spcBef>
+                <a:spcPts val="0"/>
+              </a:spcBef>
+              <a:spcAft>
+                <a:spcPts val="0"/>
+              </a:spcAft>
+              <a:buClrTx/>
+              <a:buSzTx/>
+              <a:buFontTx/>
+              <a:buNone/>
+              <a:tabLst/>
+              <a:defRPr/>
+            </a:pPr>
             <a:r>
               <a:rPr lang="en-US" sz="1200" baseline="0" dirty="0" smtClean="0">
                 <a:solidFill>
@@ -1830,7 +1689,116 @@
                 <a:latin typeface="ArialMT"/>
                 <a:sym typeface="Wingdings"/>
               </a:rPr>
-              <a:t>Q: can you think of particular algorithms that fit into these categories?</a:t>
+              <a:t>Classification for targeting ads (likely purchasers), regression, clustering (</a:t>
+            </a:r>
+            <a:r>
+              <a:rPr lang="en-US" sz="1200" baseline="0" dirty="0" err="1" smtClean="0">
+                <a:solidFill>
+                  <a:prstClr val="black"/>
+                </a:solidFill>
+                <a:latin typeface="ArialMT"/>
+                <a:sym typeface="Wingdings"/>
+              </a:rPr>
+              <a:t>recsys</a:t>
+            </a:r>
+            <a:r>
+              <a:rPr lang="en-US" sz="1200" baseline="0" dirty="0" smtClean="0">
+                <a:solidFill>
+                  <a:prstClr val="black"/>
+                </a:solidFill>
+                <a:latin typeface="ArialMT"/>
+                <a:sym typeface="Wingdings"/>
+              </a:rPr>
+              <a:t>), dim reduction (</a:t>
+            </a:r>
+            <a:r>
+              <a:rPr lang="en-US" sz="1200" baseline="0" dirty="0" err="1" smtClean="0">
+                <a:solidFill>
+                  <a:prstClr val="black"/>
+                </a:solidFill>
+                <a:latin typeface="ArialMT"/>
+                <a:sym typeface="Wingdings"/>
+              </a:rPr>
+              <a:t>mtx</a:t>
+            </a:r>
+            <a:r>
+              <a:rPr lang="en-US" sz="1200" baseline="0" dirty="0" smtClean="0">
+                <a:solidFill>
+                  <a:prstClr val="black"/>
+                </a:solidFill>
+                <a:latin typeface="ArialMT"/>
+                <a:sym typeface="Wingdings"/>
+              </a:rPr>
+              <a:t> decomposition)</a:t>
+            </a:r>
+          </a:p>
+          <a:p>
+            <a:pPr marL="0" marR="0" indent="0" algn="l" defTabSz="457200" rtl="0" eaLnBrk="1" fontAlgn="auto" latinLnBrk="0" hangingPunct="1">
+              <a:lnSpc>
+                <a:spcPct val="100000"/>
+              </a:lnSpc>
+              <a:spcBef>
+                <a:spcPts val="0"/>
+              </a:spcBef>
+              <a:spcAft>
+                <a:spcPts val="0"/>
+              </a:spcAft>
+              <a:buClrTx/>
+              <a:buSzTx/>
+              <a:buFontTx/>
+              <a:buNone/>
+              <a:tabLst/>
+              <a:defRPr/>
+            </a:pPr>
+            <a:r>
+              <a:rPr lang="en-US" sz="1200" baseline="0" dirty="0" smtClean="0">
+                <a:solidFill>
+                  <a:prstClr val="black"/>
+                </a:solidFill>
+                <a:latin typeface="ArialMT"/>
+                <a:sym typeface="Wingdings"/>
+              </a:rPr>
+              <a:t>Combo: </a:t>
+            </a:r>
+            <a:r>
+              <a:rPr lang="en-US" sz="1200" baseline="0" dirty="0" err="1" smtClean="0">
+                <a:solidFill>
+                  <a:prstClr val="black"/>
+                </a:solidFill>
+                <a:latin typeface="ArialMT"/>
+                <a:sym typeface="Wingdings"/>
+              </a:rPr>
+              <a:t>nnmf</a:t>
+            </a:r>
+            <a:r>
+              <a:rPr lang="en-US" sz="1200" baseline="0" dirty="0" smtClean="0">
+                <a:solidFill>
+                  <a:prstClr val="black"/>
+                </a:solidFill>
+                <a:latin typeface="ArialMT"/>
+                <a:sym typeface="Wingdings"/>
+              </a:rPr>
+              <a:t> (</a:t>
+            </a:r>
+            <a:r>
+              <a:rPr lang="en-US" sz="1200" baseline="0" dirty="0" err="1" smtClean="0">
+                <a:solidFill>
+                  <a:prstClr val="black"/>
+                </a:solidFill>
+                <a:latin typeface="ArialMT"/>
+                <a:sym typeface="Wingdings"/>
+              </a:rPr>
+              <a:t>netflix</a:t>
+            </a:r>
+            <a:r>
+              <a:rPr lang="en-US" sz="1200" baseline="0" dirty="0" smtClean="0">
+                <a:solidFill>
+                  <a:prstClr val="black"/>
+                </a:solidFill>
+                <a:latin typeface="ArialMT"/>
+                <a:sym typeface="Wingdings"/>
+              </a:rPr>
+              <a:t> prize)</a:t>
             </a:r>
           </a:p>
           <a:p>
@@ -1941,24 +1909,88 @@
           <a:bodyPr/>
           <a:lstStyle/>
           <a:p>
-            <a:r>
-              <a:rPr lang="en-US" dirty="0" smtClean="0"/>
-              <a:t>~3 min</a:t>
-            </a:r>
-          </a:p>
-          <a:p>
-            <a:endParaRPr lang="en-US" dirty="0" smtClean="0"/>
-          </a:p>
-          <a:p>
-            <a:r>
-              <a:rPr lang="en-US" dirty="0" smtClean="0"/>
-              <a:t>Talk to the person next to you for a couple minute,</a:t>
-            </a:r>
-            <a:r>
-              <a:rPr lang="en-US" baseline="0" dirty="0" smtClean="0"/>
-              <a:t> decide on an answer together</a:t>
-            </a:r>
-            <a:endParaRPr lang="en-US" dirty="0"/>
+            <a:pPr marL="0" marR="0" indent="0" algn="l" defTabSz="457200" rtl="0" eaLnBrk="1" fontAlgn="auto" latinLnBrk="0" hangingPunct="1">
+              <a:lnSpc>
+                <a:spcPct val="100000"/>
+              </a:lnSpc>
+              <a:spcBef>
+                <a:spcPts val="0"/>
+              </a:spcBef>
+              <a:spcAft>
+                <a:spcPts val="0"/>
+              </a:spcAft>
+              <a:buClrTx/>
+              <a:buSzTx/>
+              <a:buFontTx/>
+              <a:buNone/>
+              <a:tabLst/>
+              <a:defRPr/>
+            </a:pPr>
+            <a:r>
+              <a:rPr lang="en-US" sz="1200" baseline="0" dirty="0" smtClean="0">
+                <a:solidFill>
+                  <a:prstClr val="black"/>
+                </a:solidFill>
+                <a:latin typeface="ArialMT"/>
+                <a:sym typeface="Wingdings"/>
+              </a:rPr>
+              <a:t>Q: are these terms familiar?</a:t>
+            </a:r>
+          </a:p>
+          <a:p>
+            <a:pPr marL="0" marR="0" indent="0" algn="l" defTabSz="457200" rtl="0" eaLnBrk="1" fontAlgn="auto" latinLnBrk="0" hangingPunct="1">
+              <a:lnSpc>
+                <a:spcPct val="100000"/>
+              </a:lnSpc>
+              <a:spcBef>
+                <a:spcPts val="0"/>
+              </a:spcBef>
+              <a:spcAft>
+                <a:spcPts val="0"/>
+              </a:spcAft>
+              <a:buClrTx/>
+              <a:buSzTx/>
+              <a:buFontTx/>
+              <a:buNone/>
+              <a:tabLst/>
+              <a:defRPr/>
+            </a:pPr>
+            <a:r>
+              <a:rPr lang="en-US" sz="1200" baseline="0" dirty="0" smtClean="0">
+                <a:solidFill>
+                  <a:prstClr val="black"/>
+                </a:solidFill>
+                <a:latin typeface="ArialMT"/>
+                <a:sym typeface="Wingdings"/>
+              </a:rPr>
+              <a:t>Q: can you think of particular algorithms that fit into these categories?</a:t>
+            </a:r>
+          </a:p>
+          <a:p>
+            <a:pPr marL="0" marR="0" indent="0" algn="l" defTabSz="457200" rtl="0" eaLnBrk="1" fontAlgn="auto" latinLnBrk="0" hangingPunct="1">
+              <a:lnSpc>
+                <a:spcPct val="100000"/>
+              </a:lnSpc>
+              <a:spcBef>
+                <a:spcPts val="0"/>
+              </a:spcBef>
+              <a:spcAft>
+                <a:spcPts val="0"/>
+              </a:spcAft>
+              <a:buClrTx/>
+              <a:buSzTx/>
+              <a:buFontTx/>
+              <a:buNone/>
+              <a:tabLst/>
+              <a:defRPr/>
+            </a:pPr>
+            <a:endParaRPr lang="en-US" sz="1200" baseline="0" dirty="0" smtClean="0">
+              <a:solidFill>
+                <a:prstClr val="black"/>
+              </a:solidFill>
+              <a:latin typeface="ArialMT"/>
+              <a:sym typeface="Wingdings"/>
+            </a:endParaRPr>
           </a:p>
         </p:txBody>
       </p:sp>
@@ -1988,7 +2020,7 @@
     </p:spTree>
     <p:extLst>
       <p:ext uri="{BB962C8B-B14F-4D97-AF65-F5344CB8AC3E}">
-        <p14:creationId xmlns:p14="http://schemas.microsoft.com/office/powerpoint/2010/main" val="158773868"/>
+        <p14:creationId xmlns:p14="http://schemas.microsoft.com/office/powerpoint/2010/main" val="645762702"/>
       </p:ext>
     </p:extLst>
   </p:cSld>
@@ -2042,33 +2074,24 @@
           <a:bodyPr/>
           <a:lstStyle/>
           <a:p>
-            <a:pPr marL="0" marR="0" indent="0" algn="l" defTabSz="457200" rtl="0" eaLnBrk="1" fontAlgn="auto" latinLnBrk="0" hangingPunct="1">
-              <a:lnSpc>
-                <a:spcPct val="100000"/>
-              </a:lnSpc>
-              <a:spcBef>
-                <a:spcPts val="0"/>
-              </a:spcBef>
-              <a:spcAft>
-                <a:spcPts val="0"/>
-              </a:spcAft>
-              <a:buClrTx/>
-              <a:buSzTx/>
-              <a:buFontTx/>
-              <a:buNone/>
-              <a:tabLst/>
-              <a:defRPr/>
-            </a:pPr>
-            <a:r>
-              <a:rPr lang="en-US" sz="1200" baseline="0" dirty="0" smtClean="0">
-                <a:solidFill>
-                  <a:prstClr val="black"/>
-                </a:solidFill>
-                <a:latin typeface="ArialMT"/>
-                <a:sym typeface="Wingdings"/>
-              </a:rPr>
-              <a:t>Aha!</a:t>
-            </a:r>
+            <a:r>
+              <a:rPr lang="en-US" dirty="0" smtClean="0"/>
+              <a:t>~3 min</a:t>
+            </a:r>
+          </a:p>
+          <a:p>
+            <a:endParaRPr lang="en-US" dirty="0" smtClean="0"/>
+          </a:p>
+          <a:p>
+            <a:r>
+              <a:rPr lang="en-US" dirty="0" smtClean="0"/>
+              <a:t>Talk to the person next to you for a couple minute,</a:t>
+            </a:r>
+            <a:r>
+              <a:rPr lang="en-US" baseline="0" dirty="0" smtClean="0"/>
+              <a:t> decide on an answer together</a:t>
+            </a:r>
+            <a:endParaRPr lang="en-US" dirty="0"/>
           </a:p>
         </p:txBody>
       </p:sp>
@@ -2098,7 +2121,7 @@
     </p:spTree>
     <p:extLst>
       <p:ext uri="{BB962C8B-B14F-4D97-AF65-F5344CB8AC3E}">
-        <p14:creationId xmlns:p14="http://schemas.microsoft.com/office/powerpoint/2010/main" val="645762702"/>
+        <p14:creationId xmlns:p14="http://schemas.microsoft.com/office/powerpoint/2010/main" val="158773868"/>
       </p:ext>
     </p:extLst>
   </p:cSld>
@@ -2240,20 +2263,33 @@
           <a:bodyPr/>
           <a:lstStyle/>
           <a:p>
-            <a:r>
-              <a:rPr lang="en-US" dirty="0" smtClean="0"/>
-              <a:t>~3 min</a:t>
-            </a:r>
-          </a:p>
-          <a:p>
-            <a:endParaRPr lang="en-US" dirty="0" smtClean="0"/>
-          </a:p>
-          <a:p>
-            <a:r>
-              <a:rPr lang="en-US" dirty="0" smtClean="0"/>
-              <a:t>Talk amongst yourselves</a:t>
-            </a:r>
-            <a:endParaRPr lang="en-US" dirty="0"/>
+            <a:pPr marL="0" marR="0" indent="0" algn="l" defTabSz="457200" rtl="0" eaLnBrk="1" fontAlgn="auto" latinLnBrk="0" hangingPunct="1">
+              <a:lnSpc>
+                <a:spcPct val="100000"/>
+              </a:lnSpc>
+              <a:spcBef>
+                <a:spcPts val="0"/>
+              </a:spcBef>
+              <a:spcAft>
+                <a:spcPts val="0"/>
+              </a:spcAft>
+              <a:buClrTx/>
+              <a:buSzTx/>
+              <a:buFontTx/>
+              <a:buNone/>
+              <a:tabLst/>
+              <a:defRPr/>
+            </a:pPr>
+            <a:r>
+              <a:rPr lang="en-US" sz="1200" baseline="0" dirty="0" smtClean="0">
+                <a:solidFill>
+                  <a:prstClr val="black"/>
+                </a:solidFill>
+                <a:latin typeface="ArialMT"/>
+                <a:sym typeface="Wingdings"/>
+              </a:rPr>
+              <a:t>Aha!</a:t>
+            </a:r>
           </a:p>
         </p:txBody>
       </p:sp>
@@ -2283,7 +2319,7 @@
     </p:spTree>
     <p:extLst>
       <p:ext uri="{BB962C8B-B14F-4D97-AF65-F5344CB8AC3E}">
-        <p14:creationId xmlns:p14="http://schemas.microsoft.com/office/powerpoint/2010/main" val="158773868"/>
+        <p14:creationId xmlns:p14="http://schemas.microsoft.com/office/powerpoint/2010/main" val="645762702"/>
       </p:ext>
     </p:extLst>
   </p:cSld>
@@ -2337,33 +2373,20 @@
           <a:bodyPr/>
           <a:lstStyle/>
           <a:p>
-            <a:pPr marL="0" marR="0" indent="0" algn="l" defTabSz="457200" rtl="0" eaLnBrk="1" fontAlgn="auto" latinLnBrk="0" hangingPunct="1">
-              <a:lnSpc>
-                <a:spcPct val="100000"/>
-              </a:lnSpc>
-              <a:spcBef>
-                <a:spcPts val="0"/>
-              </a:spcBef>
-              <a:spcAft>
-                <a:spcPts val="0"/>
-              </a:spcAft>
-              <a:buClrTx/>
-              <a:buSzTx/>
-              <a:buFontTx/>
-              <a:buNone/>
-              <a:tabLst/>
-              <a:defRPr/>
-            </a:pPr>
-            <a:r>
-              <a:rPr lang="en-US" sz="1200" baseline="0" dirty="0" smtClean="0">
-                <a:solidFill>
-                  <a:prstClr val="black"/>
-                </a:solidFill>
-                <a:latin typeface="ArialMT"/>
-                <a:sym typeface="Wingdings"/>
-              </a:rPr>
-              <a:t>Makes sense</a:t>
-            </a:r>
+            <a:r>
+              <a:rPr lang="en-US" dirty="0" smtClean="0"/>
+              <a:t>~3 min</a:t>
+            </a:r>
+          </a:p>
+          <a:p>
+            <a:endParaRPr lang="en-US" dirty="0" smtClean="0"/>
+          </a:p>
+          <a:p>
+            <a:r>
+              <a:rPr lang="en-US" dirty="0" smtClean="0"/>
+              <a:t>Talk amongst yourselves</a:t>
+            </a:r>
+            <a:endParaRPr lang="en-US" dirty="0"/>
           </a:p>
         </p:txBody>
       </p:sp>
@@ -2393,7 +2416,7 @@
     </p:spTree>
     <p:extLst>
       <p:ext uri="{BB962C8B-B14F-4D97-AF65-F5344CB8AC3E}">
-        <p14:creationId xmlns:p14="http://schemas.microsoft.com/office/powerpoint/2010/main" val="645762702"/>
+        <p14:creationId xmlns:p14="http://schemas.microsoft.com/office/powerpoint/2010/main" val="158773868"/>
       </p:ext>
     </p:extLst>
   </p:cSld>
@@ -2422,26 +2445,21 @@
       </p:grpSpPr>
       <p:sp>
         <p:nvSpPr>
-          <p:cNvPr id="39937" name="Rectangle 1"/>
-          <p:cNvSpPr>
-            <a:spLocks noChangeArrowheads="1"/>
+          <p:cNvPr id="2" name="Slide Image Placeholder 1"/>
+          <p:cNvSpPr>
+            <a:spLocks noGrp="1" noRot="1" noChangeAspect="1"/>
           </p:cNvSpPr>
           <p:nvPr>
             <p:ph type="sldImg"/>
           </p:nvPr>
         </p:nvSpPr>
-        <p:spPr>
-          <a:xfrm>
-            <a:off x="376238" y="685800"/>
-            <a:ext cx="6105525" cy="3429000"/>
-          </a:xfrm>
-        </p:spPr>
-      </p:sp>
-      <p:sp>
-        <p:nvSpPr>
-          <p:cNvPr id="39938" name="Rectangle 2"/>
-          <p:cNvSpPr>
-            <a:spLocks noChangeArrowheads="1"/>
+        <p:spPr/>
+      </p:sp>
+      <p:sp>
+        <p:nvSpPr>
+          <p:cNvPr id="3" name="Notes Placeholder 2"/>
+          <p:cNvSpPr>
+            <a:spLocks noGrp="1"/>
           </p:cNvSpPr>
           <p:nvPr>
             <p:ph type="body" idx="1"/>
@@ -2452,54 +2470,65 @@
           <a:bodyPr/>
           <a:lstStyle/>
           <a:p>
-            <a:pPr>
-              <a:buClr>
-                <a:srgbClr val="000000"/>
-              </a:buClr>
-              <a:buFont typeface="Arial" charset="0"/>
+            <a:pPr marL="0" marR="0" indent="0" algn="l" defTabSz="457200" rtl="0" eaLnBrk="1" fontAlgn="auto" latinLnBrk="0" hangingPunct="1">
+              <a:lnSpc>
+                <a:spcPct val="100000"/>
+              </a:lnSpc>
+              <a:spcBef>
+                <a:spcPts val="0"/>
+              </a:spcBef>
+              <a:spcAft>
+                <a:spcPts val="0"/>
+              </a:spcAft>
+              <a:buClrTx/>
+              <a:buSzTx/>
+              <a:buFontTx/>
               <a:buNone/>
+              <a:tabLst/>
+              <a:defRPr/>
             </a:pPr>
             <a:r>
-              <a:rPr lang="en-US">
+              <a:rPr lang="en-US" sz="1200" baseline="0" dirty="0" smtClean="0">
                 <a:solidFill>
-                  <a:srgbClr val="000000"/>
+                  <a:prstClr val="black"/>
                 </a:solidFill>
-                <a:latin typeface="Arial" charset="0"/>
-                <a:cs typeface="Arial" charset="0"/>
-                <a:sym typeface="Arial" charset="0"/>
-              </a:rPr>
-              <a:t>Q: are these terms familiar?</a:t>
-            </a:r>
-            <a:endParaRPr lang="en-US">
-              <a:solidFill>
-                <a:srgbClr val="000000"/>
-              </a:solidFill>
-            </a:endParaRPr>
-          </a:p>
-          <a:p>
-            <a:pPr>
-              <a:buClr>
-                <a:srgbClr val="000000"/>
-              </a:buClr>
-              <a:buFont typeface="Arial" charset="0"/>
-              <a:buNone/>
-            </a:pPr>
-            <a:r>
-              <a:rPr lang="en-US">
-                <a:solidFill>
-                  <a:srgbClr val="000000"/>
-                </a:solidFill>
-                <a:latin typeface="Arial" charset="0"/>
-                <a:cs typeface="Arial" charset="0"/>
-                <a:sym typeface="Arial" charset="0"/>
-              </a:rPr>
-              <a:t>Q: can you think of particular algorithms that fit into these categories?</a:t>
-            </a:r>
+                <a:latin typeface="ArialMT"/>
+                <a:sym typeface="Wingdings"/>
+              </a:rPr>
+              <a:t>Makes sense</a:t>
+            </a:r>
+          </a:p>
+        </p:txBody>
+      </p:sp>
+      <p:sp>
+        <p:nvSpPr>
+          <p:cNvPr id="4" name="Slide Number Placeholder 3"/>
+          <p:cNvSpPr>
+            <a:spLocks noGrp="1"/>
+          </p:cNvSpPr>
+          <p:nvPr>
+            <p:ph type="sldNum" sz="quarter" idx="10"/>
+          </p:nvPr>
+        </p:nvSpPr>
+        <p:spPr/>
+        <p:txBody>
+          <a:bodyPr/>
+          <a:lstStyle/>
+          <a:p>
+            <a:fld id="{ADD4B5B7-85EF-4E48-AC80-2380FACD9C23}" type="slidenum">
+              <a:rPr lang="en-US" smtClean="0"/>
+              <a:t>22</a:t>
+            </a:fld>
             <a:endParaRPr lang="en-US"/>
           </a:p>
         </p:txBody>
       </p:sp>
     </p:spTree>
+    <p:extLst>
+      <p:ext uri="{BB962C8B-B14F-4D97-AF65-F5344CB8AC3E}">
+        <p14:creationId xmlns:p14="http://schemas.microsoft.com/office/powerpoint/2010/main" val="645762702"/>
+      </p:ext>
+    </p:extLst>
   </p:cSld>
   <p:clrMapOvr>
     <a:masterClrMapping/>
@@ -2526,7 +2555,7 @@
       </p:grpSpPr>
       <p:sp>
         <p:nvSpPr>
-          <p:cNvPr id="41985" name="Rectangle 1"/>
+          <p:cNvPr id="39937" name="Rectangle 1"/>
           <p:cNvSpPr>
             <a:spLocks noChangeArrowheads="1"/>
           </p:cNvSpPr>
@@ -2543,7 +2572,7 @@
       </p:sp>
       <p:sp>
         <p:nvSpPr>
-          <p:cNvPr id="41986" name="Rectangle 2"/>
+          <p:cNvPr id="39938" name="Rectangle 2"/>
           <p:cNvSpPr>
             <a:spLocks noChangeArrowheads="1"/>
           </p:cNvSpPr>
@@ -2630,7 +2659,7 @@
       </p:grpSpPr>
       <p:sp>
         <p:nvSpPr>
-          <p:cNvPr id="44033" name="Rectangle 1"/>
+          <p:cNvPr id="41985" name="Rectangle 1"/>
           <p:cNvSpPr>
             <a:spLocks noChangeArrowheads="1"/>
           </p:cNvSpPr>
@@ -2647,7 +2676,7 @@
       </p:sp>
       <p:sp>
         <p:nvSpPr>
-          <p:cNvPr id="44034" name="Rectangle 2"/>
+          <p:cNvPr id="41986" name="Rectangle 2"/>
           <p:cNvSpPr>
             <a:spLocks noChangeArrowheads="1"/>
           </p:cNvSpPr>
@@ -2734,7 +2763,7 @@
       </p:grpSpPr>
       <p:sp>
         <p:nvSpPr>
-          <p:cNvPr id="46081" name="Rectangle 1"/>
+          <p:cNvPr id="44033" name="Rectangle 1"/>
           <p:cNvSpPr>
             <a:spLocks noChangeArrowheads="1"/>
           </p:cNvSpPr>
@@ -2751,7 +2780,7 @@
       </p:sp>
       <p:sp>
         <p:nvSpPr>
-          <p:cNvPr id="46082" name="Rectangle 2"/>
+          <p:cNvPr id="44034" name="Rectangle 2"/>
           <p:cNvSpPr>
             <a:spLocks noChangeArrowheads="1"/>
           </p:cNvSpPr>
@@ -2838,21 +2867,26 @@
       </p:grpSpPr>
       <p:sp>
         <p:nvSpPr>
-          <p:cNvPr id="2" name="Slide Image Placeholder 1"/>
-          <p:cNvSpPr>
-            <a:spLocks noGrp="1" noRot="1" noChangeAspect="1"/>
+          <p:cNvPr id="46081" name="Rectangle 1"/>
+          <p:cNvSpPr>
+            <a:spLocks noChangeArrowheads="1"/>
           </p:cNvSpPr>
           <p:nvPr>
             <p:ph type="sldImg"/>
           </p:nvPr>
         </p:nvSpPr>
-        <p:spPr/>
-      </p:sp>
-      <p:sp>
-        <p:nvSpPr>
-          <p:cNvPr id="3" name="Notes Placeholder 2"/>
-          <p:cNvSpPr>
-            <a:spLocks noGrp="1"/>
+        <p:spPr>
+          <a:xfrm>
+            <a:off x="376238" y="685800"/>
+            <a:ext cx="6105525" cy="3429000"/>
+          </a:xfrm>
+        </p:spPr>
+      </p:sp>
+      <p:sp>
+        <p:nvSpPr>
+          <p:cNvPr id="46082" name="Rectangle 2"/>
+          <p:cNvSpPr>
+            <a:spLocks noChangeArrowheads="1"/>
           </p:cNvSpPr>
           <p:nvPr>
             <p:ph type="body" idx="1"/>
@@ -2863,56 +2897,54 @@
           <a:bodyPr/>
           <a:lstStyle/>
           <a:p>
-            <a:r>
-              <a:rPr lang="en-US" dirty="0" smtClean="0"/>
-              <a:t>~3</a:t>
-            </a:r>
-            <a:r>
-              <a:rPr lang="en-US" baseline="0" dirty="0" smtClean="0"/>
-              <a:t> min</a:t>
-            </a:r>
-          </a:p>
-          <a:p>
-            <a:endParaRPr lang="en-US" baseline="0" dirty="0" smtClean="0"/>
-          </a:p>
-          <a:p>
-            <a:r>
-              <a:rPr lang="en-US" dirty="0" smtClean="0"/>
-              <a:t>Discuss</a:t>
-            </a:r>
-            <a:endParaRPr lang="en-US" dirty="0"/>
-          </a:p>
-        </p:txBody>
-      </p:sp>
-      <p:sp>
-        <p:nvSpPr>
-          <p:cNvPr id="4" name="Slide Number Placeholder 3"/>
-          <p:cNvSpPr>
-            <a:spLocks noGrp="1"/>
-          </p:cNvSpPr>
-          <p:nvPr>
-            <p:ph type="sldNum" sz="quarter" idx="10"/>
-          </p:nvPr>
-        </p:nvSpPr>
-        <p:spPr/>
-        <p:txBody>
-          <a:bodyPr/>
-          <a:lstStyle/>
-          <a:p>
-            <a:fld id="{ADD4B5B7-85EF-4E48-AC80-2380FACD9C23}" type="slidenum">
-              <a:rPr lang="en-US" smtClean="0"/>
-              <a:t>26</a:t>
-            </a:fld>
+            <a:pPr>
+              <a:buClr>
+                <a:srgbClr val="000000"/>
+              </a:buClr>
+              <a:buFont typeface="Arial" charset="0"/>
+              <a:buNone/>
+            </a:pPr>
+            <a:r>
+              <a:rPr lang="en-US">
+                <a:solidFill>
+                  <a:srgbClr val="000000"/>
+                </a:solidFill>
+                <a:latin typeface="Arial" charset="0"/>
+                <a:cs typeface="Arial" charset="0"/>
+                <a:sym typeface="Arial" charset="0"/>
+              </a:rPr>
+              <a:t>Q: are these terms familiar?</a:t>
+            </a:r>
+            <a:endParaRPr lang="en-US">
+              <a:solidFill>
+                <a:srgbClr val="000000"/>
+              </a:solidFill>
+            </a:endParaRPr>
+          </a:p>
+          <a:p>
+            <a:pPr>
+              <a:buClr>
+                <a:srgbClr val="000000"/>
+              </a:buClr>
+              <a:buFont typeface="Arial" charset="0"/>
+              <a:buNone/>
+            </a:pPr>
+            <a:r>
+              <a:rPr lang="en-US">
+                <a:solidFill>
+                  <a:srgbClr val="000000"/>
+                </a:solidFill>
+                <a:latin typeface="Arial" charset="0"/>
+                <a:cs typeface="Arial" charset="0"/>
+                <a:sym typeface="Arial" charset="0"/>
+              </a:rPr>
+              <a:t>Q: can you think of particular algorithms that fit into these categories?</a:t>
+            </a:r>
             <a:endParaRPr lang="en-US"/>
           </a:p>
         </p:txBody>
       </p:sp>
     </p:spTree>
-    <p:extLst>
-      <p:ext uri="{BB962C8B-B14F-4D97-AF65-F5344CB8AC3E}">
-        <p14:creationId xmlns:p14="http://schemas.microsoft.com/office/powerpoint/2010/main" val="158773868"/>
-      </p:ext>
-    </p:extLst>
   </p:cSld>
   <p:clrMapOvr>
     <a:masterClrMapping/>
@@ -2964,33 +2996,24 @@
           <a:bodyPr/>
           <a:lstStyle/>
           <a:p>
-            <a:pPr marL="0" marR="0" indent="0" algn="l" defTabSz="457200" rtl="0" eaLnBrk="1" fontAlgn="auto" latinLnBrk="0" hangingPunct="1">
-              <a:lnSpc>
-                <a:spcPct val="100000"/>
-              </a:lnSpc>
-              <a:spcBef>
-                <a:spcPts val="0"/>
-              </a:spcBef>
-              <a:spcAft>
-                <a:spcPts val="0"/>
-              </a:spcAft>
-              <a:buClrTx/>
-              <a:buSzTx/>
-              <a:buFontTx/>
-              <a:buNone/>
-              <a:tabLst/>
-              <a:defRPr/>
-            </a:pPr>
-            <a:r>
-              <a:rPr lang="en-US" sz="1200" baseline="0" dirty="0" smtClean="0">
-                <a:solidFill>
-                  <a:prstClr val="black"/>
-                </a:solidFill>
-                <a:latin typeface="ArialMT"/>
-                <a:sym typeface="Wingdings"/>
-              </a:rPr>
-              <a:t>Q: how are we going to use the data?</a:t>
-            </a:r>
+            <a:r>
+              <a:rPr lang="en-US" dirty="0" smtClean="0"/>
+              <a:t>~3</a:t>
+            </a:r>
+            <a:r>
+              <a:rPr lang="en-US" baseline="0" dirty="0" smtClean="0"/>
+              <a:t> min</a:t>
+            </a:r>
+          </a:p>
+          <a:p>
+            <a:endParaRPr lang="en-US" baseline="0" dirty="0" smtClean="0"/>
+          </a:p>
+          <a:p>
+            <a:r>
+              <a:rPr lang="en-US" dirty="0" smtClean="0"/>
+              <a:t>Discuss</a:t>
+            </a:r>
+            <a:endParaRPr lang="en-US" dirty="0"/>
           </a:p>
         </p:txBody>
       </p:sp>
@@ -3020,7 +3043,7 @@
     </p:spTree>
     <p:extLst>
       <p:ext uri="{BB962C8B-B14F-4D97-AF65-F5344CB8AC3E}">
-        <p14:creationId xmlns:p14="http://schemas.microsoft.com/office/powerpoint/2010/main" val="645762702"/>
+        <p14:creationId xmlns:p14="http://schemas.microsoft.com/office/powerpoint/2010/main" val="158773868"/>
       </p:ext>
     </p:extLst>
   </p:cSld>
@@ -3049,21 +3072,26 @@
       </p:grpSpPr>
       <p:sp>
         <p:nvSpPr>
-          <p:cNvPr id="2" name="Slide Image Placeholder 1"/>
-          <p:cNvSpPr>
-            <a:spLocks noGrp="1" noRot="1" noChangeAspect="1"/>
+          <p:cNvPr id="60417" name="Rectangle 1"/>
+          <p:cNvSpPr>
+            <a:spLocks noChangeArrowheads="1"/>
           </p:cNvSpPr>
           <p:nvPr>
             <p:ph type="sldImg"/>
           </p:nvPr>
         </p:nvSpPr>
-        <p:spPr/>
-      </p:sp>
-      <p:sp>
-        <p:nvSpPr>
-          <p:cNvPr id="3" name="Notes Placeholder 2"/>
-          <p:cNvSpPr>
-            <a:spLocks noGrp="1"/>
+        <p:spPr>
+          <a:xfrm>
+            <a:off x="376238" y="685800"/>
+            <a:ext cx="6105525" cy="3429000"/>
+          </a:xfrm>
+        </p:spPr>
+      </p:sp>
+      <p:sp>
+        <p:nvSpPr>
+          <p:cNvPr id="60418" name="Rectangle 2"/>
+          <p:cNvSpPr>
+            <a:spLocks noChangeArrowheads="1"/>
           </p:cNvSpPr>
           <p:nvPr>
             <p:ph type="body" idx="1"/>
@@ -3074,56 +3102,29 @@
           <a:bodyPr/>
           <a:lstStyle/>
           <a:p>
-            <a:r>
-              <a:rPr lang="en-US" dirty="0" smtClean="0"/>
-              <a:t>~3</a:t>
-            </a:r>
-            <a:r>
-              <a:rPr lang="en-US" baseline="0" dirty="0" smtClean="0"/>
-              <a:t> min</a:t>
-            </a:r>
-          </a:p>
-          <a:p>
-            <a:endParaRPr lang="en-US" baseline="0" dirty="0" smtClean="0"/>
-          </a:p>
-          <a:p>
-            <a:r>
-              <a:rPr lang="en-US" dirty="0" smtClean="0"/>
-              <a:t>Discuss</a:t>
-            </a:r>
-            <a:endParaRPr lang="en-US" dirty="0"/>
-          </a:p>
-        </p:txBody>
-      </p:sp>
-      <p:sp>
-        <p:nvSpPr>
-          <p:cNvPr id="4" name="Slide Number Placeholder 3"/>
-          <p:cNvSpPr>
-            <a:spLocks noGrp="1"/>
-          </p:cNvSpPr>
-          <p:nvPr>
-            <p:ph type="sldNum" sz="quarter" idx="10"/>
-          </p:nvPr>
-        </p:nvSpPr>
-        <p:spPr/>
-        <p:txBody>
-          <a:bodyPr/>
-          <a:lstStyle/>
-          <a:p>
-            <a:fld id="{ADD4B5B7-85EF-4E48-AC80-2380FACD9C23}" type="slidenum">
-              <a:rPr lang="en-US" smtClean="0"/>
-              <a:t>28</a:t>
-            </a:fld>
+            <a:pPr>
+              <a:buClr>
+                <a:srgbClr val="000000"/>
+              </a:buClr>
+              <a:buFont typeface="Arial" charset="0"/>
+              <a:buNone/>
+            </a:pPr>
+            <a:r>
+              <a:rPr lang="en-US">
+                <a:solidFill>
+                  <a:srgbClr val="000000"/>
+                </a:solidFill>
+                <a:latin typeface="Arial" charset="0"/>
+                <a:cs typeface="Arial" charset="0"/>
+                <a:sym typeface="Arial" charset="0"/>
+              </a:rPr>
+              <a:t>Aha!</a:t>
+            </a:r>
             <a:endParaRPr lang="en-US"/>
           </a:p>
         </p:txBody>
       </p:sp>
     </p:spTree>
-    <p:extLst>
-      <p:ext uri="{BB962C8B-B14F-4D97-AF65-F5344CB8AC3E}">
-        <p14:creationId xmlns:p14="http://schemas.microsoft.com/office/powerpoint/2010/main" val="158773868"/>
-      </p:ext>
-    </p:extLst>
   </p:cSld>
   <p:clrMapOvr>
     <a:masterClrMapping/>
@@ -3150,21 +3151,26 @@
       </p:grpSpPr>
       <p:sp>
         <p:nvSpPr>
-          <p:cNvPr id="2" name="Slide Image Placeholder 1"/>
-          <p:cNvSpPr>
-            <a:spLocks noGrp="1" noRot="1" noChangeAspect="1"/>
+          <p:cNvPr id="64513" name="Rectangle 1"/>
+          <p:cNvSpPr>
+            <a:spLocks noChangeArrowheads="1"/>
           </p:cNvSpPr>
           <p:nvPr>
             <p:ph type="sldImg"/>
           </p:nvPr>
         </p:nvSpPr>
-        <p:spPr/>
-      </p:sp>
-      <p:sp>
-        <p:nvSpPr>
-          <p:cNvPr id="3" name="Notes Placeholder 2"/>
-          <p:cNvSpPr>
-            <a:spLocks noGrp="1"/>
+        <p:spPr>
+          <a:xfrm>
+            <a:off x="376238" y="685800"/>
+            <a:ext cx="6105525" cy="3429000"/>
+          </a:xfrm>
+        </p:spPr>
+      </p:sp>
+      <p:sp>
+        <p:nvSpPr>
+          <p:cNvPr id="64514" name="Rectangle 2"/>
+          <p:cNvSpPr>
+            <a:spLocks noChangeArrowheads="1"/>
           </p:cNvSpPr>
           <p:nvPr>
             <p:ph type="body" idx="1"/>
@@ -3175,132 +3181,29 @@
           <a:bodyPr/>
           <a:lstStyle/>
           <a:p>
-            <a:pPr marL="0" marR="0" indent="0" algn="l" defTabSz="457200" rtl="0" eaLnBrk="1" fontAlgn="auto" latinLnBrk="0" hangingPunct="1">
-              <a:lnSpc>
-                <a:spcPct val="100000"/>
-              </a:lnSpc>
-              <a:spcBef>
-                <a:spcPts val="0"/>
-              </a:spcBef>
-              <a:spcAft>
-                <a:spcPts val="0"/>
-              </a:spcAft>
-              <a:buClrTx/>
-              <a:buSzTx/>
-              <a:buFontTx/>
+            <a:pPr>
+              <a:buClr>
+                <a:srgbClr val="000000"/>
+              </a:buClr>
+              <a:buFont typeface="Arial" charset="0"/>
               <a:buNone/>
-              <a:tabLst/>
-              <a:defRPr/>
             </a:pPr>
             <a:r>
-              <a:rPr lang="en-US" sz="1200" dirty="0" smtClean="0">
+              <a:rPr lang="en-US">
                 <a:solidFill>
-                  <a:prstClr val="black"/>
+                  <a:srgbClr val="000000"/>
                 </a:solidFill>
-                <a:latin typeface="ArialMT"/>
-              </a:rPr>
-              <a:t>Plug</a:t>
-            </a:r>
-            <a:r>
-              <a:rPr lang="en-US" sz="1200" baseline="0" dirty="0" smtClean="0">
-                <a:solidFill>
-                  <a:prstClr val="black"/>
-                </a:solidFill>
-                <a:latin typeface="ArialMT"/>
-              </a:rPr>
-              <a:t> yourself back into the workflow at the right stage</a:t>
-            </a:r>
-          </a:p>
-          <a:p>
-            <a:pPr marL="0" marR="0" indent="0" algn="l" defTabSz="457200" rtl="0" eaLnBrk="1" fontAlgn="auto" latinLnBrk="0" hangingPunct="1">
-              <a:lnSpc>
-                <a:spcPct val="100000"/>
-              </a:lnSpc>
-              <a:spcBef>
-                <a:spcPts val="0"/>
-              </a:spcBef>
-              <a:spcAft>
-                <a:spcPts val="0"/>
-              </a:spcAft>
-              <a:buClrTx/>
-              <a:buSzTx/>
-              <a:buFontTx/>
-              <a:buNone/>
-              <a:tabLst/>
-              <a:defRPr/>
-            </a:pPr>
-            <a:endParaRPr lang="en-US" sz="1200" baseline="0" dirty="0" smtClean="0">
-              <a:solidFill>
-                <a:prstClr val="black"/>
-              </a:solidFill>
-              <a:latin typeface="ArialMT"/>
-            </a:endParaRPr>
-          </a:p>
-          <a:p>
-            <a:pPr marL="0" marR="0" indent="0" algn="l" defTabSz="457200" rtl="0" eaLnBrk="1" fontAlgn="auto" latinLnBrk="0" hangingPunct="1">
-              <a:lnSpc>
-                <a:spcPct val="100000"/>
-              </a:lnSpc>
-              <a:spcBef>
-                <a:spcPts val="0"/>
-              </a:spcBef>
-              <a:spcAft>
-                <a:spcPts val="0"/>
-              </a:spcAft>
-              <a:buClrTx/>
-              <a:buSzTx/>
-              <a:buFontTx/>
-              <a:buNone/>
-              <a:tabLst/>
-              <a:defRPr/>
-            </a:pPr>
-            <a:r>
-              <a:rPr lang="en-US" sz="1200" baseline="0" dirty="0" smtClean="0">
-                <a:solidFill>
-                  <a:prstClr val="black"/>
-                </a:solidFill>
-                <a:latin typeface="ArialMT"/>
-              </a:rPr>
-              <a:t>Q: How do you know what the right stage is?</a:t>
-            </a:r>
-            <a:endParaRPr lang="en-US" sz="1200" dirty="0" smtClean="0">
-              <a:solidFill>
-                <a:prstClr val="black"/>
-              </a:solidFill>
-              <a:latin typeface="ArialMT"/>
-            </a:endParaRPr>
-          </a:p>
-        </p:txBody>
-      </p:sp>
-      <p:sp>
-        <p:nvSpPr>
-          <p:cNvPr id="4" name="Slide Number Placeholder 3"/>
-          <p:cNvSpPr>
-            <a:spLocks noGrp="1"/>
-          </p:cNvSpPr>
-          <p:nvPr>
-            <p:ph type="sldNum" sz="quarter" idx="10"/>
-          </p:nvPr>
-        </p:nvSpPr>
-        <p:spPr/>
-        <p:txBody>
-          <a:bodyPr/>
-          <a:lstStyle/>
-          <a:p>
-            <a:fld id="{ADD4B5B7-85EF-4E48-AC80-2380FACD9C23}" type="slidenum">
-              <a:rPr lang="en-US" smtClean="0"/>
-              <a:t>29</a:t>
-            </a:fld>
+                <a:latin typeface="Arial" charset="0"/>
+                <a:cs typeface="Arial" charset="0"/>
+                <a:sym typeface="Arial" charset="0"/>
+              </a:rPr>
+              <a:t>Aha!</a:t>
+            </a:r>
             <a:endParaRPr lang="en-US"/>
           </a:p>
         </p:txBody>
       </p:sp>
     </p:spTree>
-    <p:extLst>
-      <p:ext uri="{BB962C8B-B14F-4D97-AF65-F5344CB8AC3E}">
-        <p14:creationId xmlns:p14="http://schemas.microsoft.com/office/powerpoint/2010/main" val="645762702"/>
-      </p:ext>
-    </p:extLst>
   </p:cSld>
   <p:clrMapOvr>
     <a:masterClrMapping/>
@@ -3415,21 +3318,26 @@
       </p:grpSpPr>
       <p:sp>
         <p:nvSpPr>
-          <p:cNvPr id="2" name="Slide Image Placeholder 1"/>
-          <p:cNvSpPr>
-            <a:spLocks noGrp="1" noRot="1" noChangeAspect="1"/>
+          <p:cNvPr id="62465" name="Rectangle 1"/>
+          <p:cNvSpPr>
+            <a:spLocks noChangeArrowheads="1"/>
           </p:cNvSpPr>
           <p:nvPr>
             <p:ph type="sldImg"/>
           </p:nvPr>
         </p:nvSpPr>
-        <p:spPr/>
-      </p:sp>
-      <p:sp>
-        <p:nvSpPr>
-          <p:cNvPr id="3" name="Notes Placeholder 2"/>
-          <p:cNvSpPr>
-            <a:spLocks noGrp="1"/>
+        <p:spPr>
+          <a:xfrm>
+            <a:off x="376238" y="685800"/>
+            <a:ext cx="6105525" cy="3429000"/>
+          </a:xfrm>
+        </p:spPr>
+      </p:sp>
+      <p:sp>
+        <p:nvSpPr>
+          <p:cNvPr id="62466" name="Rectangle 2"/>
+          <p:cNvSpPr>
+            <a:spLocks noChangeArrowheads="1"/>
           </p:cNvSpPr>
           <p:nvPr>
             <p:ph type="body" idx="1"/>
@@ -3440,152 +3348,29 @@
           <a:bodyPr/>
           <a:lstStyle/>
           <a:p>
-            <a:pPr marL="0" marR="0" indent="0" algn="l" defTabSz="457200" rtl="0" eaLnBrk="1" fontAlgn="auto" latinLnBrk="0" hangingPunct="1">
-              <a:lnSpc>
-                <a:spcPct val="100000"/>
-              </a:lnSpc>
-              <a:spcBef>
-                <a:spcPts val="0"/>
-              </a:spcBef>
-              <a:spcAft>
-                <a:spcPts val="0"/>
-              </a:spcAft>
-              <a:buClrTx/>
-              <a:buSzTx/>
-              <a:buFontTx/>
+            <a:pPr>
+              <a:buClr>
+                <a:srgbClr val="000000"/>
+              </a:buClr>
+              <a:buFont typeface="Arial" charset="0"/>
               <a:buNone/>
-              <a:tabLst/>
-              <a:defRPr/>
             </a:pPr>
             <a:r>
-              <a:rPr lang="en-US" sz="1200" dirty="0" smtClean="0">
+              <a:rPr lang="en-US">
                 <a:solidFill>
-                  <a:prstClr val="black"/>
+                  <a:srgbClr val="000000"/>
                 </a:solidFill>
-                <a:latin typeface="ArialMT"/>
-              </a:rPr>
-              <a:t>Do your results justify action? Further analysis? Revising</a:t>
-            </a:r>
-            <a:r>
-              <a:rPr lang="en-US" sz="1200" baseline="0" dirty="0" smtClean="0">
-                <a:solidFill>
-                  <a:prstClr val="black"/>
-                </a:solidFill>
-                <a:latin typeface="ArialMT"/>
-              </a:rPr>
-              <a:t> </a:t>
-            </a:r>
-            <a:r>
-              <a:rPr lang="en-US" sz="1200" dirty="0" smtClean="0">
-                <a:solidFill>
-                  <a:prstClr val="black"/>
-                </a:solidFill>
-                <a:latin typeface="ArialMT"/>
-              </a:rPr>
-              <a:t>your original</a:t>
-            </a:r>
-            <a:r>
-              <a:rPr lang="en-US" sz="1200" baseline="0" dirty="0" smtClean="0">
-                <a:solidFill>
-                  <a:prstClr val="black"/>
-                </a:solidFill>
-                <a:latin typeface="ArialMT"/>
-              </a:rPr>
-              <a:t> analysis? Changing your approach altogether?</a:t>
-            </a:r>
-          </a:p>
-          <a:p>
-            <a:pPr marL="0" marR="0" indent="0" algn="l" defTabSz="457200" rtl="0" eaLnBrk="1" fontAlgn="auto" latinLnBrk="0" hangingPunct="1">
-              <a:lnSpc>
-                <a:spcPct val="100000"/>
-              </a:lnSpc>
-              <a:spcBef>
-                <a:spcPts val="0"/>
-              </a:spcBef>
-              <a:spcAft>
-                <a:spcPts val="0"/>
-              </a:spcAft>
-              <a:buClrTx/>
-              <a:buSzTx/>
-              <a:buFontTx/>
-              <a:buNone/>
-              <a:tabLst/>
-              <a:defRPr/>
-            </a:pPr>
-            <a:endParaRPr lang="en-US" sz="1200" baseline="0" dirty="0" smtClean="0">
-              <a:solidFill>
-                <a:prstClr val="black"/>
-              </a:solidFill>
-              <a:latin typeface="ArialMT"/>
-              <a:sym typeface="Wingdings"/>
-            </a:endParaRPr>
-          </a:p>
-          <a:p>
-            <a:pPr marL="0" marR="0" indent="0" algn="l" defTabSz="457200" rtl="0" eaLnBrk="1" fontAlgn="auto" latinLnBrk="0" hangingPunct="1">
-              <a:lnSpc>
-                <a:spcPct val="100000"/>
-              </a:lnSpc>
-              <a:spcBef>
-                <a:spcPts val="0"/>
-              </a:spcBef>
-              <a:spcAft>
-                <a:spcPts val="0"/>
-              </a:spcAft>
-              <a:buClrTx/>
-              <a:buSzTx/>
-              <a:buFontTx/>
-              <a:buNone/>
-              <a:tabLst/>
-              <a:defRPr/>
-            </a:pPr>
-            <a:r>
-              <a:rPr lang="en-US" sz="1200" baseline="0" dirty="0" smtClean="0">
-                <a:solidFill>
-                  <a:prstClr val="black"/>
-                </a:solidFill>
-                <a:latin typeface="ArialMT"/>
-                <a:sym typeface="Wingdings"/>
-              </a:rPr>
-              <a:t> These are the types of practical questions we will gain experience with through the hands-on sections of the course!</a:t>
-            </a:r>
-            <a:endParaRPr lang="en-US" sz="1200" dirty="0" smtClean="0">
-              <a:solidFill>
-                <a:prstClr val="black"/>
-              </a:solidFill>
-              <a:latin typeface="ArialMT"/>
-            </a:endParaRPr>
-          </a:p>
-        </p:txBody>
-      </p:sp>
-      <p:sp>
-        <p:nvSpPr>
-          <p:cNvPr id="4" name="Slide Number Placeholder 3"/>
-          <p:cNvSpPr>
-            <a:spLocks noGrp="1"/>
-          </p:cNvSpPr>
-          <p:nvPr>
-            <p:ph type="sldNum" sz="quarter" idx="10"/>
-          </p:nvPr>
-        </p:nvSpPr>
-        <p:spPr/>
-        <p:txBody>
-          <a:bodyPr/>
-          <a:lstStyle/>
-          <a:p>
-            <a:fld id="{ADD4B5B7-85EF-4E48-AC80-2380FACD9C23}" type="slidenum">
-              <a:rPr lang="en-US" smtClean="0"/>
-              <a:t>30</a:t>
-            </a:fld>
+                <a:latin typeface="Arial" charset="0"/>
+                <a:cs typeface="Arial" charset="0"/>
+                <a:sym typeface="Arial" charset="0"/>
+              </a:rPr>
+              <a:t>Aha!</a:t>
+            </a:r>
             <a:endParaRPr lang="en-US"/>
           </a:p>
         </p:txBody>
       </p:sp>
     </p:spTree>
-    <p:extLst>
-      <p:ext uri="{BB962C8B-B14F-4D97-AF65-F5344CB8AC3E}">
-        <p14:creationId xmlns:p14="http://schemas.microsoft.com/office/powerpoint/2010/main" val="645762702"/>
-      </p:ext>
-    </p:extLst>
   </p:cSld>
   <p:clrMapOvr>
     <a:masterClrMapping/>
@@ -3612,21 +3397,26 @@
       </p:grpSpPr>
       <p:sp>
         <p:nvSpPr>
-          <p:cNvPr id="2" name="Slide Image Placeholder 1"/>
-          <p:cNvSpPr>
-            <a:spLocks noGrp="1" noRot="1" noChangeAspect="1"/>
+          <p:cNvPr id="62465" name="Rectangle 1"/>
+          <p:cNvSpPr>
+            <a:spLocks noChangeArrowheads="1"/>
           </p:cNvSpPr>
           <p:nvPr>
             <p:ph type="sldImg"/>
           </p:nvPr>
         </p:nvSpPr>
-        <p:spPr/>
-      </p:sp>
-      <p:sp>
-        <p:nvSpPr>
-          <p:cNvPr id="3" name="Notes Placeholder 2"/>
-          <p:cNvSpPr>
-            <a:spLocks noGrp="1"/>
+        <p:spPr>
+          <a:xfrm>
+            <a:off x="376238" y="685800"/>
+            <a:ext cx="6105525" cy="3429000"/>
+          </a:xfrm>
+        </p:spPr>
+      </p:sp>
+      <p:sp>
+        <p:nvSpPr>
+          <p:cNvPr id="62466" name="Rectangle 2"/>
+          <p:cNvSpPr>
+            <a:spLocks noChangeArrowheads="1"/>
           </p:cNvSpPr>
           <p:nvPr>
             <p:ph type="body" idx="1"/>
@@ -3637,43 +3427,29 @@
           <a:bodyPr/>
           <a:lstStyle/>
           <a:p>
-            <a:r>
-              <a:rPr lang="en-US" dirty="0" smtClean="0"/>
-              <a:t> </a:t>
-            </a:r>
-            <a:endParaRPr lang="en-US" dirty="0"/>
-          </a:p>
-        </p:txBody>
-      </p:sp>
-      <p:sp>
-        <p:nvSpPr>
-          <p:cNvPr id="4" name="Slide Number Placeholder 3"/>
-          <p:cNvSpPr>
-            <a:spLocks noGrp="1"/>
-          </p:cNvSpPr>
-          <p:nvPr>
-            <p:ph type="sldNum" sz="quarter" idx="10"/>
-          </p:nvPr>
-        </p:nvSpPr>
-        <p:spPr/>
-        <p:txBody>
-          <a:bodyPr/>
-          <a:lstStyle/>
-          <a:p>
-            <a:fld id="{ADD4B5B7-85EF-4E48-AC80-2380FACD9C23}" type="slidenum">
-              <a:rPr lang="en-US" smtClean="0"/>
-              <a:t>31</a:t>
-            </a:fld>
+            <a:pPr>
+              <a:buClr>
+                <a:srgbClr val="000000"/>
+              </a:buClr>
+              <a:buFont typeface="Arial" charset="0"/>
+              <a:buNone/>
+            </a:pPr>
+            <a:r>
+              <a:rPr lang="en-US">
+                <a:solidFill>
+                  <a:srgbClr val="000000"/>
+                </a:solidFill>
+                <a:latin typeface="Arial" charset="0"/>
+                <a:cs typeface="Arial" charset="0"/>
+                <a:sym typeface="Arial" charset="0"/>
+              </a:rPr>
+              <a:t>Aha!</a:t>
+            </a:r>
             <a:endParaRPr lang="en-US"/>
           </a:p>
         </p:txBody>
       </p:sp>
     </p:spTree>
-    <p:extLst>
-      <p:ext uri="{BB962C8B-B14F-4D97-AF65-F5344CB8AC3E}">
-        <p14:creationId xmlns:p14="http://schemas.microsoft.com/office/powerpoint/2010/main" val="158773868"/>
-      </p:ext>
-    </p:extLst>
   </p:cSld>
   <p:clrMapOvr>
     <a:masterClrMapping/>
@@ -3725,91 +3501,24 @@
           <a:bodyPr/>
           <a:lstStyle/>
           <a:p>
-            <a:pPr marL="0" marR="0" indent="0" algn="l" defTabSz="457200" rtl="0" eaLnBrk="1" fontAlgn="auto" latinLnBrk="0" hangingPunct="1">
-              <a:lnSpc>
-                <a:spcPct val="100000"/>
-              </a:lnSpc>
-              <a:spcBef>
-                <a:spcPts val="0"/>
-              </a:spcBef>
-              <a:spcAft>
-                <a:spcPts val="0"/>
-              </a:spcAft>
-              <a:buClrTx/>
-              <a:buSzTx/>
-              <a:buFontTx/>
-              <a:buNone/>
-              <a:tabLst/>
-              <a:defRPr/>
-            </a:pPr>
-            <a:r>
-              <a:rPr lang="en-US" sz="1200" baseline="0" dirty="0" smtClean="0">
-                <a:solidFill>
-                  <a:prstClr val="black"/>
-                </a:solidFill>
-                <a:latin typeface="ArialMT"/>
-                <a:sym typeface="Wingdings"/>
-              </a:rPr>
-              <a:t>Q: Where does classification belong in this diagram?</a:t>
-            </a:r>
-          </a:p>
-          <a:p>
-            <a:pPr marL="171450" marR="0" indent="-171450" algn="l" defTabSz="457200" rtl="0" eaLnBrk="1" fontAlgn="auto" latinLnBrk="0" hangingPunct="1">
-              <a:lnSpc>
-                <a:spcPct val="100000"/>
-              </a:lnSpc>
-              <a:spcBef>
-                <a:spcPts val="0"/>
-              </a:spcBef>
-              <a:spcAft>
-                <a:spcPts val="0"/>
-              </a:spcAft>
-              <a:buClrTx/>
-              <a:buSzTx/>
-              <a:buFontTx/>
-              <a:buChar char="-"/>
-              <a:tabLst/>
-              <a:defRPr/>
-            </a:pPr>
-            <a:r>
-              <a:rPr lang="en-US" sz="1200" baseline="0" dirty="0" smtClean="0">
-                <a:solidFill>
-                  <a:prstClr val="black"/>
-                </a:solidFill>
-                <a:latin typeface="ArialMT"/>
-                <a:sym typeface="Wingdings"/>
-              </a:rPr>
-              <a:t>Making predictions or extracting structure?</a:t>
-            </a:r>
-          </a:p>
-          <a:p>
-            <a:pPr marL="171450" marR="0" indent="-171450" algn="l" defTabSz="457200" rtl="0" eaLnBrk="1" fontAlgn="auto" latinLnBrk="0" hangingPunct="1">
-              <a:lnSpc>
-                <a:spcPct val="100000"/>
-              </a:lnSpc>
-              <a:spcBef>
-                <a:spcPts val="0"/>
-              </a:spcBef>
-              <a:spcAft>
-                <a:spcPts val="0"/>
-              </a:spcAft>
-              <a:buClrTx/>
-              <a:buSzTx/>
-              <a:buFontTx/>
-              <a:buChar char="-"/>
-              <a:tabLst/>
-              <a:defRPr/>
-            </a:pPr>
-            <a:r>
-              <a:rPr lang="en-US" sz="1200" baseline="0" dirty="0" smtClean="0">
-                <a:solidFill>
-                  <a:prstClr val="black"/>
-                </a:solidFill>
-                <a:latin typeface="ArialMT"/>
-                <a:sym typeface="Wingdings"/>
-              </a:rPr>
-              <a:t>Quantitative data or qualitative data?</a:t>
-            </a:r>
+            <a:r>
+              <a:rPr lang="en-US" dirty="0" smtClean="0"/>
+              <a:t>~3</a:t>
+            </a:r>
+            <a:r>
+              <a:rPr lang="en-US" baseline="0" dirty="0" smtClean="0"/>
+              <a:t> min</a:t>
+            </a:r>
+          </a:p>
+          <a:p>
+            <a:endParaRPr lang="en-US" baseline="0" dirty="0" smtClean="0"/>
+          </a:p>
+          <a:p>
+            <a:r>
+              <a:rPr lang="en-US" dirty="0" smtClean="0"/>
+              <a:t>Discuss</a:t>
+            </a:r>
+            <a:endParaRPr lang="en-US" dirty="0"/>
           </a:p>
         </p:txBody>
       </p:sp>
@@ -3839,7 +3548,7 @@
     </p:spTree>
     <p:extLst>
       <p:ext uri="{BB962C8B-B14F-4D97-AF65-F5344CB8AC3E}">
-        <p14:creationId xmlns:p14="http://schemas.microsoft.com/office/powerpoint/2010/main" val="645762702"/>
+        <p14:creationId xmlns:p14="http://schemas.microsoft.com/office/powerpoint/2010/main" val="158773868"/>
       </p:ext>
     </p:extLst>
   </p:cSld>
@@ -3911,14 +3620,22 @@
               <a:defRPr/>
             </a:pPr>
             <a:r>
+              <a:rPr lang="en-US" sz="1200" dirty="0" smtClean="0">
+                <a:solidFill>
+                  <a:prstClr val="black"/>
+                </a:solidFill>
+                <a:latin typeface="ArialMT"/>
+              </a:rPr>
+              <a:t>Plug</a:t>
+            </a:r>
+            <a:r>
               <a:rPr lang="en-US" sz="1200" baseline="0" dirty="0" smtClean="0">
                 <a:solidFill>
                   <a:prstClr val="black"/>
                 </a:solidFill>
                 <a:latin typeface="ArialMT"/>
-                <a:sym typeface="Wingdings"/>
-              </a:rPr>
-              <a:t>Supervised learning problem w/ categorical target variables</a:t>
+              </a:rPr>
+              <a:t> yourself back into the workflow at the right stage</a:t>
             </a:r>
           </a:p>
           <a:p>
@@ -3939,16 +3656,46 @@
               <a:tabLst/>
               <a:defRPr/>
             </a:pPr>
+            <a:endParaRPr lang="en-US" sz="1200" baseline="0" dirty="0" smtClean="0">
+              <a:solidFill>
+                <a:prstClr val="black"/>
+              </a:solidFill>
+              <a:latin typeface="ArialMT"/>
+            </a:endParaRPr>
+          </a:p>
+          <a:p>
+            <a:pPr marL="0" marR="0" indent="0" algn="l" defTabSz="457200" rtl="0" eaLnBrk="1" fontAlgn="auto" latinLnBrk="0" hangingPunct="1">
+              <a:lnSpc>
+                <a:spcPct val="100000"/>
+              </a:lnSpc>
+              <a:spcBef>
+                <a:spcPts val="0"/>
+              </a:spcBef>
+              <a:spcAft>
+                <a:spcPts val="0"/>
+              </a:spcAft>
+              <a:buClrTx/>
+              <a:buSzTx/>
+              <a:buFontTx/>
+              <a:buNone/>
+              <a:tabLst/>
+              <a:defRPr/>
+            </a:pPr>
             <a:r>
               <a:rPr lang="en-US" sz="1200" baseline="0" dirty="0" smtClean="0">
                 <a:solidFill>
                   <a:prstClr val="black"/>
                 </a:solidFill>
                 <a:latin typeface="ArialMT"/>
-                <a:sym typeface="Wingdings"/>
-              </a:rPr>
-              <a:t> What do these terms mean?</a:t>
-            </a:r>
+              </a:rPr>
+              <a:t>Q: How do you know what the right stage is?</a:t>
+            </a:r>
+            <a:endParaRPr lang="en-US" sz="1200" dirty="0" smtClean="0">
+              <a:solidFill>
+                <a:prstClr val="black"/>
+              </a:solidFill>
+              <a:latin typeface="ArialMT"/>
+            </a:endParaRPr>
           </a:p>
         </p:txBody>
       </p:sp>
@@ -4050,6 +3797,87 @@
               <a:defRPr/>
             </a:pPr>
             <a:r>
+              <a:rPr lang="en-US" sz="1200" dirty="0" smtClean="0">
+                <a:solidFill>
+                  <a:prstClr val="black"/>
+                </a:solidFill>
+                <a:latin typeface="ArialMT"/>
+              </a:rPr>
+              <a:t>Do your results justify action? Further analysis? Revising</a:t>
+            </a:r>
+            <a:r>
+              <a:rPr lang="en-US" sz="1200" baseline="0" dirty="0" smtClean="0">
+                <a:solidFill>
+                  <a:prstClr val="black"/>
+                </a:solidFill>
+                <a:latin typeface="ArialMT"/>
+              </a:rPr>
+              <a:t> </a:t>
+            </a:r>
+            <a:r>
+              <a:rPr lang="en-US" sz="1200" dirty="0" smtClean="0">
+                <a:solidFill>
+                  <a:prstClr val="black"/>
+                </a:solidFill>
+                <a:latin typeface="ArialMT"/>
+              </a:rPr>
+              <a:t>your original</a:t>
+            </a:r>
+            <a:r>
+              <a:rPr lang="en-US" sz="1200" baseline="0" dirty="0" smtClean="0">
+                <a:solidFill>
+                  <a:prstClr val="black"/>
+                </a:solidFill>
+                <a:latin typeface="ArialMT"/>
+              </a:rPr>
+              <a:t> analysis? Changing your approach altogether?</a:t>
+            </a:r>
+          </a:p>
+          <a:p>
+            <a:pPr marL="0" marR="0" indent="0" algn="l" defTabSz="457200" rtl="0" eaLnBrk="1" fontAlgn="auto" latinLnBrk="0" hangingPunct="1">
+              <a:lnSpc>
+                <a:spcPct val="100000"/>
+              </a:lnSpc>
+              <a:spcBef>
+                <a:spcPts val="0"/>
+              </a:spcBef>
+              <a:spcAft>
+                <a:spcPts val="0"/>
+              </a:spcAft>
+              <a:buClrTx/>
+              <a:buSzTx/>
+              <a:buFontTx/>
+              <a:buNone/>
+              <a:tabLst/>
+              <a:defRPr/>
+            </a:pPr>
+            <a:endParaRPr lang="en-US" sz="1200" baseline="0" dirty="0" smtClean="0">
+              <a:solidFill>
+                <a:prstClr val="black"/>
+              </a:solidFill>
+              <a:latin typeface="ArialMT"/>
+              <a:sym typeface="Wingdings"/>
+            </a:endParaRPr>
+          </a:p>
+          <a:p>
+            <a:pPr marL="0" marR="0" indent="0" algn="l" defTabSz="457200" rtl="0" eaLnBrk="1" fontAlgn="auto" latinLnBrk="0" hangingPunct="1">
+              <a:lnSpc>
+                <a:spcPct val="100000"/>
+              </a:lnSpc>
+              <a:spcBef>
+                <a:spcPts val="0"/>
+              </a:spcBef>
+              <a:spcAft>
+                <a:spcPts val="0"/>
+              </a:spcAft>
+              <a:buClrTx/>
+              <a:buSzTx/>
+              <a:buFontTx/>
+              <a:buNone/>
+              <a:tabLst/>
+              <a:defRPr/>
+            </a:pPr>
+            <a:r>
               <a:rPr lang="en-US" sz="1200" baseline="0" dirty="0" smtClean="0">
                 <a:solidFill>
                   <a:prstClr val="black"/>
@@ -4057,8 +3885,14 @@
                 <a:latin typeface="ArialMT"/>
                 <a:sym typeface="Wingdings"/>
               </a:rPr>
-              <a:t>variables = columns, observations/records = rows</a:t>
-            </a:r>
+              <a:t> These are the types of practical questions we will gain experience with through the hands-on sections of the course!</a:t>
+            </a:r>
+            <a:endParaRPr lang="en-US" sz="1200" dirty="0" smtClean="0">
+              <a:solidFill>
+                <a:prstClr val="black"/>
+              </a:solidFill>
+              <a:latin typeface="ArialMT"/>
+            </a:endParaRPr>
           </a:p>
         </p:txBody>
       </p:sp>
@@ -4142,148 +3976,11 @@
           <a:bodyPr/>
           <a:lstStyle/>
           <a:p>
-            <a:pPr marL="0" marR="0" indent="0" algn="l" defTabSz="457200" rtl="0" eaLnBrk="1" fontAlgn="auto" latinLnBrk="0" hangingPunct="1">
-              <a:lnSpc>
-                <a:spcPct val="100000"/>
-              </a:lnSpc>
-              <a:spcBef>
-                <a:spcPts val="0"/>
-              </a:spcBef>
-              <a:spcAft>
-                <a:spcPts val="0"/>
-              </a:spcAft>
-              <a:buClrTx/>
-              <a:buSzTx/>
-              <a:buFontTx/>
-              <a:buNone/>
-              <a:tabLst/>
-              <a:defRPr/>
-            </a:pPr>
-            <a:r>
-              <a:rPr lang="en-US" sz="1200" baseline="0" dirty="0" smtClean="0">
-                <a:solidFill>
-                  <a:prstClr val="black"/>
-                </a:solidFill>
-                <a:latin typeface="ArialMT"/>
-                <a:sym typeface="Wingdings"/>
-              </a:rPr>
-              <a:t>4 independent </a:t>
-            </a:r>
-            <a:r>
-              <a:rPr lang="en-US" sz="1200" baseline="0" dirty="0" err="1" smtClean="0">
-                <a:solidFill>
-                  <a:prstClr val="black"/>
-                </a:solidFill>
-                <a:latin typeface="ArialMT"/>
-                <a:sym typeface="Wingdings"/>
-              </a:rPr>
-              <a:t>vars</a:t>
-            </a:r>
-            <a:r>
-              <a:rPr lang="en-US" sz="1200" baseline="0" dirty="0" smtClean="0">
-                <a:solidFill>
-                  <a:prstClr val="black"/>
-                </a:solidFill>
-                <a:latin typeface="ArialMT"/>
-                <a:sym typeface="Wingdings"/>
-              </a:rPr>
-              <a:t> (</a:t>
-            </a:r>
-            <a:r>
-              <a:rPr lang="en-US" sz="1200" baseline="0" dirty="0" err="1" smtClean="0">
-                <a:solidFill>
-                  <a:prstClr val="black"/>
-                </a:solidFill>
-                <a:latin typeface="ArialMT"/>
-                <a:sym typeface="Wingdings"/>
-              </a:rPr>
-              <a:t>cts</a:t>
-            </a:r>
-            <a:r>
-              <a:rPr lang="en-US" sz="1200" baseline="0" dirty="0" smtClean="0">
-                <a:solidFill>
-                  <a:prstClr val="black"/>
-                </a:solidFill>
-                <a:latin typeface="ArialMT"/>
-                <a:sym typeface="Wingdings"/>
-              </a:rPr>
-              <a:t>)</a:t>
-            </a:r>
-          </a:p>
-          <a:p>
-            <a:pPr marL="0" marR="0" indent="0" algn="l" defTabSz="457200" rtl="0" eaLnBrk="1" fontAlgn="auto" latinLnBrk="0" hangingPunct="1">
-              <a:lnSpc>
-                <a:spcPct val="100000"/>
-              </a:lnSpc>
-              <a:spcBef>
-                <a:spcPts val="0"/>
-              </a:spcBef>
-              <a:spcAft>
-                <a:spcPts val="0"/>
-              </a:spcAft>
-              <a:buClrTx/>
-              <a:buSzTx/>
-              <a:buFontTx/>
-              <a:buNone/>
-              <a:tabLst/>
-              <a:defRPr/>
-            </a:pPr>
-            <a:endParaRPr lang="en-US" sz="1200" baseline="0" dirty="0" smtClean="0">
-              <a:solidFill>
-                <a:prstClr val="black"/>
-              </a:solidFill>
-              <a:latin typeface="ArialMT"/>
-              <a:sym typeface="Wingdings"/>
-            </a:endParaRPr>
-          </a:p>
-          <a:p>
-            <a:pPr marL="0" marR="0" indent="0" algn="l" defTabSz="457200" rtl="0" eaLnBrk="1" fontAlgn="auto" latinLnBrk="0" hangingPunct="1">
-              <a:lnSpc>
-                <a:spcPct val="100000"/>
-              </a:lnSpc>
-              <a:spcBef>
-                <a:spcPts val="0"/>
-              </a:spcBef>
-              <a:spcAft>
-                <a:spcPts val="0"/>
-              </a:spcAft>
-              <a:buClrTx/>
-              <a:buSzTx/>
-              <a:buFontTx/>
-              <a:buNone/>
-              <a:tabLst/>
-              <a:defRPr/>
-            </a:pPr>
-            <a:r>
-              <a:rPr lang="en-US" sz="1200" baseline="0" dirty="0" smtClean="0">
-                <a:solidFill>
-                  <a:prstClr val="black"/>
-                </a:solidFill>
-                <a:latin typeface="ArialMT"/>
-                <a:sym typeface="Wingdings"/>
-              </a:rPr>
-              <a:t>Note: </a:t>
-            </a:r>
-            <a:r>
-              <a:rPr lang="en-US" sz="1200" baseline="0" dirty="0" err="1" smtClean="0">
-                <a:solidFill>
-                  <a:prstClr val="black"/>
-                </a:solidFill>
-                <a:latin typeface="ArialMT"/>
-                <a:sym typeface="Wingdings"/>
-              </a:rPr>
-              <a:t>vars</a:t>
-            </a:r>
-            <a:r>
-              <a:rPr lang="en-US" sz="1200" baseline="0" dirty="0" smtClean="0">
-                <a:solidFill>
-                  <a:prstClr val="black"/>
-                </a:solidFill>
-                <a:latin typeface="ArialMT"/>
-                <a:sym typeface="Wingdings"/>
-              </a:rPr>
-              <a:t> = columns, records = rows</a:t>
-            </a:r>
+            <a:r>
+              <a:rPr lang="en-US" dirty="0" smtClean="0"/>
+              <a:t> </a:t>
+            </a:r>
+            <a:endParaRPr lang="en-US" dirty="0"/>
           </a:p>
         </p:txBody>
       </p:sp>
@@ -4313,7 +4010,7 @@
     </p:spTree>
     <p:extLst>
       <p:ext uri="{BB962C8B-B14F-4D97-AF65-F5344CB8AC3E}">
-        <p14:creationId xmlns:p14="http://schemas.microsoft.com/office/powerpoint/2010/main" val="645762702"/>
+        <p14:creationId xmlns:p14="http://schemas.microsoft.com/office/powerpoint/2010/main" val="158773868"/>
       </p:ext>
     </p:extLst>
   </p:cSld>
@@ -4392,7 +4089,65 @@
                 <a:latin typeface="ArialMT"/>
                 <a:sym typeface="Wingdings"/>
               </a:rPr>
-              <a:t>Class label = target variable, the thing we want to predict</a:t>
+              <a:t>Q: Where does classification belong in this diagram?</a:t>
+            </a:r>
+          </a:p>
+          <a:p>
+            <a:pPr marL="171450" marR="0" indent="-171450" algn="l" defTabSz="457200" rtl="0" eaLnBrk="1" fontAlgn="auto" latinLnBrk="0" hangingPunct="1">
+              <a:lnSpc>
+                <a:spcPct val="100000"/>
+              </a:lnSpc>
+              <a:spcBef>
+                <a:spcPts val="0"/>
+              </a:spcBef>
+              <a:spcAft>
+                <a:spcPts val="0"/>
+              </a:spcAft>
+              <a:buClrTx/>
+              <a:buSzTx/>
+              <a:buFontTx/>
+              <a:buChar char="-"/>
+              <a:tabLst/>
+              <a:defRPr/>
+            </a:pPr>
+            <a:r>
+              <a:rPr lang="en-US" sz="1200" baseline="0" dirty="0" smtClean="0">
+                <a:solidFill>
+                  <a:prstClr val="black"/>
+                </a:solidFill>
+                <a:latin typeface="ArialMT"/>
+                <a:sym typeface="Wingdings"/>
+              </a:rPr>
+              <a:t>Making predictions or extracting structure?</a:t>
+            </a:r>
+          </a:p>
+          <a:p>
+            <a:pPr marL="171450" marR="0" indent="-171450" algn="l" defTabSz="457200" rtl="0" eaLnBrk="1" fontAlgn="auto" latinLnBrk="0" hangingPunct="1">
+              <a:lnSpc>
+                <a:spcPct val="100000"/>
+              </a:lnSpc>
+              <a:spcBef>
+                <a:spcPts val="0"/>
+              </a:spcBef>
+              <a:spcAft>
+                <a:spcPts val="0"/>
+              </a:spcAft>
+              <a:buClrTx/>
+              <a:buSzTx/>
+              <a:buFontTx/>
+              <a:buChar char="-"/>
+              <a:tabLst/>
+              <a:defRPr/>
+            </a:pPr>
+            <a:r>
+              <a:rPr lang="en-US" sz="1200" baseline="0" dirty="0" smtClean="0">
+                <a:solidFill>
+                  <a:prstClr val="black"/>
+                </a:solidFill>
+                <a:latin typeface="ArialMT"/>
+                <a:sym typeface="Wingdings"/>
+              </a:rPr>
+              <a:t>Quantitative data or qualitative data?</a:t>
             </a:r>
           </a:p>
         </p:txBody>
@@ -4502,7 +4257,36 @@
                 <a:latin typeface="ArialMT"/>
                 <a:sym typeface="Wingdings"/>
               </a:rPr>
-              <a:t>Q: any ideas?</a:t>
+              <a:t>Supervised learning problem w/ categorical target variables</a:t>
+            </a:r>
+          </a:p>
+          <a:p>
+            <a:pPr marL="0" marR="0" indent="0" algn="l" defTabSz="457200" rtl="0" eaLnBrk="1" fontAlgn="auto" latinLnBrk="0" hangingPunct="1">
+              <a:lnSpc>
+                <a:spcPct val="100000"/>
+              </a:lnSpc>
+              <a:spcBef>
+                <a:spcPts val="0"/>
+              </a:spcBef>
+              <a:spcAft>
+                <a:spcPts val="0"/>
+              </a:spcAft>
+              <a:buClrTx/>
+              <a:buSzTx/>
+              <a:buFontTx/>
+              <a:buNone/>
+              <a:tabLst/>
+              <a:defRPr/>
+            </a:pPr>
+            <a:r>
+              <a:rPr lang="en-US" sz="1200" baseline="0" dirty="0" smtClean="0">
+                <a:solidFill>
+                  <a:prstClr val="black"/>
+                </a:solidFill>
+                <a:latin typeface="ArialMT"/>
+                <a:sym typeface="Wingdings"/>
+              </a:rPr>
+              <a:t> What do these terms mean?</a:t>
             </a:r>
           </a:p>
         </p:txBody>
@@ -4612,7 +4396,7 @@
                 <a:latin typeface="ArialMT"/>
                 <a:sym typeface="Wingdings"/>
               </a:rPr>
-              <a:t> </a:t>
+              <a:t>variables = columns, observations/records = rows</a:t>
             </a:r>
           </a:p>
         </p:txBody>
@@ -4722,7 +4506,122 @@
                 <a:latin typeface="ArialMT"/>
                 <a:sym typeface="Wingdings"/>
               </a:rPr>
-              <a:t>Q: how are we going to use the data?</a:t>
+              <a:t>4 independent </a:t>
+            </a:r>
+            <a:r>
+              <a:rPr lang="en-US" sz="1200" baseline="0" dirty="0" err="1" smtClean="0">
+                <a:solidFill>
+                  <a:prstClr val="black"/>
+                </a:solidFill>
+                <a:latin typeface="ArialMT"/>
+                <a:sym typeface="Wingdings"/>
+              </a:rPr>
+              <a:t>vars</a:t>
+            </a:r>
+            <a:r>
+              <a:rPr lang="en-US" sz="1200" baseline="0" dirty="0" smtClean="0">
+                <a:solidFill>
+                  <a:prstClr val="black"/>
+                </a:solidFill>
+                <a:latin typeface="ArialMT"/>
+                <a:sym typeface="Wingdings"/>
+              </a:rPr>
+              <a:t> (</a:t>
+            </a:r>
+            <a:r>
+              <a:rPr lang="en-US" sz="1200" baseline="0" dirty="0" err="1" smtClean="0">
+                <a:solidFill>
+                  <a:prstClr val="black"/>
+                </a:solidFill>
+                <a:latin typeface="ArialMT"/>
+                <a:sym typeface="Wingdings"/>
+              </a:rPr>
+              <a:t>cts</a:t>
+            </a:r>
+            <a:r>
+              <a:rPr lang="en-US" sz="1200" baseline="0" dirty="0" smtClean="0">
+                <a:solidFill>
+                  <a:prstClr val="black"/>
+                </a:solidFill>
+                <a:latin typeface="ArialMT"/>
+                <a:sym typeface="Wingdings"/>
+              </a:rPr>
+              <a:t>)</a:t>
+            </a:r>
+          </a:p>
+          <a:p>
+            <a:pPr marL="0" marR="0" indent="0" algn="l" defTabSz="457200" rtl="0" eaLnBrk="1" fontAlgn="auto" latinLnBrk="0" hangingPunct="1">
+              <a:lnSpc>
+                <a:spcPct val="100000"/>
+              </a:lnSpc>
+              <a:spcBef>
+                <a:spcPts val="0"/>
+              </a:spcBef>
+              <a:spcAft>
+                <a:spcPts val="0"/>
+              </a:spcAft>
+              <a:buClrTx/>
+              <a:buSzTx/>
+              <a:buFontTx/>
+              <a:buNone/>
+              <a:tabLst/>
+              <a:defRPr/>
+            </a:pPr>
+            <a:endParaRPr lang="en-US" sz="1200" baseline="0" dirty="0" smtClean="0">
+              <a:solidFill>
+                <a:prstClr val="black"/>
+              </a:solidFill>
+              <a:latin typeface="ArialMT"/>
+              <a:sym typeface="Wingdings"/>
+            </a:endParaRPr>
+          </a:p>
+          <a:p>
+            <a:pPr marL="0" marR="0" indent="0" algn="l" defTabSz="457200" rtl="0" eaLnBrk="1" fontAlgn="auto" latinLnBrk="0" hangingPunct="1">
+              <a:lnSpc>
+                <a:spcPct val="100000"/>
+              </a:lnSpc>
+              <a:spcBef>
+                <a:spcPts val="0"/>
+              </a:spcBef>
+              <a:spcAft>
+                <a:spcPts val="0"/>
+              </a:spcAft>
+              <a:buClrTx/>
+              <a:buSzTx/>
+              <a:buFontTx/>
+              <a:buNone/>
+              <a:tabLst/>
+              <a:defRPr/>
+            </a:pPr>
+            <a:r>
+              <a:rPr lang="en-US" sz="1200" baseline="0" dirty="0" smtClean="0">
+                <a:solidFill>
+                  <a:prstClr val="black"/>
+                </a:solidFill>
+                <a:latin typeface="ArialMT"/>
+                <a:sym typeface="Wingdings"/>
+              </a:rPr>
+              <a:t>Note: </a:t>
+            </a:r>
+            <a:r>
+              <a:rPr lang="en-US" sz="1200" baseline="0" dirty="0" err="1" smtClean="0">
+                <a:solidFill>
+                  <a:prstClr val="black"/>
+                </a:solidFill>
+                <a:latin typeface="ArialMT"/>
+                <a:sym typeface="Wingdings"/>
+              </a:rPr>
+              <a:t>vars</a:t>
+            </a:r>
+            <a:r>
+              <a:rPr lang="en-US" sz="1200" baseline="0" dirty="0" smtClean="0">
+                <a:solidFill>
+                  <a:prstClr val="black"/>
+                </a:solidFill>
+                <a:latin typeface="ArialMT"/>
+                <a:sym typeface="Wingdings"/>
+              </a:rPr>
+              <a:t> = columns, records = rows</a:t>
             </a:r>
           </a:p>
         </p:txBody>
@@ -4924,7 +4823,7 @@
                 <a:latin typeface="ArialMT"/>
                 <a:sym typeface="Wingdings"/>
               </a:rPr>
-              <a:t> </a:t>
+              <a:t>Class label = target variable, the thing we want to predict</a:t>
             </a:r>
           </a:p>
         </p:txBody>
@@ -5034,7 +4933,7 @@
                 <a:latin typeface="ArialMT"/>
                 <a:sym typeface="Wingdings"/>
               </a:rPr>
-              <a:t> </a:t>
+              <a:t>Q: any ideas?</a:t>
             </a:r>
           </a:p>
         </p:txBody>
@@ -5254,7 +5153,7 @@
                 <a:latin typeface="ArialMT"/>
                 <a:sym typeface="Wingdings"/>
               </a:rPr>
-              <a:t> </a:t>
+              <a:t>Q: how are we going to use the data?</a:t>
             </a:r>
           </a:p>
         </p:txBody>
@@ -5694,7 +5593,7 @@
                 <a:latin typeface="ArialMT"/>
                 <a:sym typeface="Wingdings"/>
               </a:rPr>
-              <a:t>We will have more to say about distance functions later</a:t>
+              <a:t> </a:t>
             </a:r>
           </a:p>
         </p:txBody>
@@ -5779,49 +5678,33 @@
           <a:bodyPr/>
           <a:lstStyle/>
           <a:p>
-            <a:r>
-              <a:rPr lang="en-US" dirty="0" smtClean="0"/>
-              <a:t>~20 min</a:t>
-            </a:r>
-          </a:p>
-          <a:p>
-            <a:r>
-              <a:rPr lang="en-US" dirty="0" smtClean="0"/>
-              <a:t>Q:</a:t>
-            </a:r>
-            <a:r>
-              <a:rPr lang="en-US" baseline="0" dirty="0" smtClean="0"/>
+            <a:pPr marL="0" marR="0" indent="0" algn="l" defTabSz="457200" rtl="0" eaLnBrk="1" fontAlgn="auto" latinLnBrk="0" hangingPunct="1">
+              <a:lnSpc>
+                <a:spcPct val="100000"/>
+              </a:lnSpc>
+              <a:spcBef>
+                <a:spcPts val="0"/>
+              </a:spcBef>
+              <a:spcAft>
+                <a:spcPts val="0"/>
+              </a:spcAft>
+              <a:buClrTx/>
+              <a:buSzTx/>
+              <a:buFontTx/>
+              <a:buNone/>
+              <a:tabLst/>
+              <a:defRPr/>
+            </a:pPr>
+            <a:r>
+              <a:rPr lang="en-US" sz="1200" baseline="0" dirty="0" smtClean="0">
+                <a:solidFill>
+                  <a:prstClr val="black"/>
+                </a:solidFill>
+                <a:latin typeface="ArialMT"/>
+                <a:sym typeface="Wingdings"/>
+              </a:rPr>
               <a:t> </a:t>
             </a:r>
-            <a:r>
-              <a:rPr lang="en-US" dirty="0" smtClean="0"/>
-              <a:t>what</a:t>
-            </a:r>
-            <a:r>
-              <a:rPr lang="en-US" baseline="0" dirty="0" smtClean="0"/>
-              <a:t> do you think of the math we saw?</a:t>
-            </a:r>
-            <a:endParaRPr lang="en-US" dirty="0" smtClean="0"/>
-          </a:p>
-          <a:p>
-            <a:r>
-              <a:rPr lang="en-US" dirty="0" smtClean="0"/>
-              <a:t>Q:</a:t>
-            </a:r>
-            <a:r>
-              <a:rPr lang="en-US" baseline="0" dirty="0" smtClean="0"/>
-              <a:t> how do you like using R?</a:t>
-            </a:r>
-          </a:p>
-          <a:p>
-            <a:r>
-              <a:rPr lang="en-US" baseline="0" dirty="0" smtClean="0"/>
-              <a:t>Q: does anything seem mysterious?</a:t>
-            </a:r>
-            <a:endParaRPr lang="en-US" dirty="0" smtClean="0"/>
-          </a:p>
-          <a:p>
-            <a:endParaRPr lang="en-US" dirty="0"/>
           </a:p>
         </p:txBody>
       </p:sp>
@@ -5851,7 +5734,117 @@
     </p:spTree>
     <p:extLst>
       <p:ext uri="{BB962C8B-B14F-4D97-AF65-F5344CB8AC3E}">
-        <p14:creationId xmlns:p14="http://schemas.microsoft.com/office/powerpoint/2010/main" val="158773868"/>
+        <p14:creationId xmlns:p14="http://schemas.microsoft.com/office/powerpoint/2010/main" val="645762702"/>
+      </p:ext>
+    </p:extLst>
+  </p:cSld>
+  <p:clrMapOvr>
+    <a:masterClrMapping/>
+  </p:clrMapOvr>
+</p:notes>
+</file>
+
+<file path=ppt/notesSlides/notesSlide49.xml><?xml version="1.0" encoding="utf-8"?>
+<p:notes xmlns:a="http://schemas.openxmlformats.org/drawingml/2006/main" xmlns:r="http://schemas.openxmlformats.org/officeDocument/2006/relationships" xmlns:p="http://schemas.openxmlformats.org/presentationml/2006/main">
+  <p:cSld>
+    <p:spTree>
+      <p:nvGrpSpPr>
+        <p:cNvPr id="1" name=""/>
+        <p:cNvGrpSpPr/>
+        <p:nvPr/>
+      </p:nvGrpSpPr>
+      <p:grpSpPr>
+        <a:xfrm>
+          <a:off x="0" y="0"/>
+          <a:ext cx="0" cy="0"/>
+          <a:chOff x="0" y="0"/>
+          <a:chExt cx="0" cy="0"/>
+        </a:xfrm>
+      </p:grpSpPr>
+      <p:sp>
+        <p:nvSpPr>
+          <p:cNvPr id="2" name="Slide Image Placeholder 1"/>
+          <p:cNvSpPr>
+            <a:spLocks noGrp="1" noRot="1" noChangeAspect="1"/>
+          </p:cNvSpPr>
+          <p:nvPr>
+            <p:ph type="sldImg"/>
+          </p:nvPr>
+        </p:nvSpPr>
+        <p:spPr/>
+      </p:sp>
+      <p:sp>
+        <p:nvSpPr>
+          <p:cNvPr id="3" name="Notes Placeholder 2"/>
+          <p:cNvSpPr>
+            <a:spLocks noGrp="1"/>
+          </p:cNvSpPr>
+          <p:nvPr>
+            <p:ph type="body" idx="1"/>
+          </p:nvPr>
+        </p:nvSpPr>
+        <p:spPr/>
+        <p:txBody>
+          <a:bodyPr/>
+          <a:lstStyle/>
+          <a:p>
+            <a:pPr marL="0" marR="0" indent="0" algn="l" defTabSz="457200" rtl="0" eaLnBrk="1" fontAlgn="auto" latinLnBrk="0" hangingPunct="1">
+              <a:lnSpc>
+                <a:spcPct val="100000"/>
+              </a:lnSpc>
+              <a:spcBef>
+                <a:spcPts val="0"/>
+              </a:spcBef>
+              <a:spcAft>
+                <a:spcPts val="0"/>
+              </a:spcAft>
+              <a:buClrTx/>
+              <a:buSzTx/>
+              <a:buFontTx/>
+              <a:buNone/>
+              <a:tabLst/>
+              <a:defRPr/>
+            </a:pPr>
+            <a:r>
+              <a:rPr lang="en-US" sz="1200" baseline="0" dirty="0" smtClean="0">
+                <a:solidFill>
+                  <a:prstClr val="black"/>
+                </a:solidFill>
+                <a:latin typeface="ArialMT"/>
+                <a:sym typeface="Wingdings"/>
+              </a:rPr>
+              <a:t> </a:t>
+            </a:r>
+          </a:p>
+        </p:txBody>
+      </p:sp>
+      <p:sp>
+        <p:nvSpPr>
+          <p:cNvPr id="4" name="Slide Number Placeholder 3"/>
+          <p:cNvSpPr>
+            <a:spLocks noGrp="1"/>
+          </p:cNvSpPr>
+          <p:nvPr>
+            <p:ph type="sldNum" sz="quarter" idx="10"/>
+          </p:nvPr>
+        </p:nvSpPr>
+        <p:spPr/>
+        <p:txBody>
+          <a:bodyPr/>
+          <a:lstStyle/>
+          <a:p>
+            <a:fld id="{ADD4B5B7-85EF-4E48-AC80-2380FACD9C23}" type="slidenum">
+              <a:rPr lang="en-US" smtClean="0"/>
+              <a:t>49</a:t>
+            </a:fld>
+            <a:endParaRPr lang="en-US"/>
+          </a:p>
+        </p:txBody>
+      </p:sp>
+    </p:spTree>
+    <p:extLst>
+      <p:ext uri="{BB962C8B-B14F-4D97-AF65-F5344CB8AC3E}">
+        <p14:creationId xmlns:p14="http://schemas.microsoft.com/office/powerpoint/2010/main" val="645762702"/>
       </p:ext>
     </p:extLst>
   </p:cSld>
@@ -5988,6 +5981,352 @@
     <p:extLst>
       <p:ext uri="{BB962C8B-B14F-4D97-AF65-F5344CB8AC3E}">
         <p14:creationId xmlns:p14="http://schemas.microsoft.com/office/powerpoint/2010/main" val="645762702"/>
+      </p:ext>
+    </p:extLst>
+  </p:cSld>
+  <p:clrMapOvr>
+    <a:masterClrMapping/>
+  </p:clrMapOvr>
+</p:notes>
+</file>
+
+<file path=ppt/notesSlides/notesSlide50.xml><?xml version="1.0" encoding="utf-8"?>
+<p:notes xmlns:a="http://schemas.openxmlformats.org/drawingml/2006/main" xmlns:r="http://schemas.openxmlformats.org/officeDocument/2006/relationships" xmlns:p="http://schemas.openxmlformats.org/presentationml/2006/main">
+  <p:cSld>
+    <p:spTree>
+      <p:nvGrpSpPr>
+        <p:cNvPr id="1" name=""/>
+        <p:cNvGrpSpPr/>
+        <p:nvPr/>
+      </p:nvGrpSpPr>
+      <p:grpSpPr>
+        <a:xfrm>
+          <a:off x="0" y="0"/>
+          <a:ext cx="0" cy="0"/>
+          <a:chOff x="0" y="0"/>
+          <a:chExt cx="0" cy="0"/>
+        </a:xfrm>
+      </p:grpSpPr>
+      <p:sp>
+        <p:nvSpPr>
+          <p:cNvPr id="2" name="Slide Image Placeholder 1"/>
+          <p:cNvSpPr>
+            <a:spLocks noGrp="1" noRot="1" noChangeAspect="1"/>
+          </p:cNvSpPr>
+          <p:nvPr>
+            <p:ph type="sldImg"/>
+          </p:nvPr>
+        </p:nvSpPr>
+        <p:spPr/>
+      </p:sp>
+      <p:sp>
+        <p:nvSpPr>
+          <p:cNvPr id="3" name="Notes Placeholder 2"/>
+          <p:cNvSpPr>
+            <a:spLocks noGrp="1"/>
+          </p:cNvSpPr>
+          <p:nvPr>
+            <p:ph type="body" idx="1"/>
+          </p:nvPr>
+        </p:nvSpPr>
+        <p:spPr/>
+        <p:txBody>
+          <a:bodyPr/>
+          <a:lstStyle/>
+          <a:p>
+            <a:pPr marL="0" marR="0" indent="0" algn="l" defTabSz="457200" rtl="0" eaLnBrk="1" fontAlgn="auto" latinLnBrk="0" hangingPunct="1">
+              <a:lnSpc>
+                <a:spcPct val="100000"/>
+              </a:lnSpc>
+              <a:spcBef>
+                <a:spcPts val="0"/>
+              </a:spcBef>
+              <a:spcAft>
+                <a:spcPts val="0"/>
+              </a:spcAft>
+              <a:buClrTx/>
+              <a:buSzTx/>
+              <a:buFontTx/>
+              <a:buNone/>
+              <a:tabLst/>
+              <a:defRPr/>
+            </a:pPr>
+            <a:r>
+              <a:rPr lang="en-US" sz="1200" baseline="0" dirty="0" smtClean="0">
+                <a:solidFill>
+                  <a:prstClr val="black"/>
+                </a:solidFill>
+                <a:latin typeface="ArialMT"/>
+                <a:sym typeface="Wingdings"/>
+              </a:rPr>
+              <a:t> </a:t>
+            </a:r>
+          </a:p>
+        </p:txBody>
+      </p:sp>
+      <p:sp>
+        <p:nvSpPr>
+          <p:cNvPr id="4" name="Slide Number Placeholder 3"/>
+          <p:cNvSpPr>
+            <a:spLocks noGrp="1"/>
+          </p:cNvSpPr>
+          <p:nvPr>
+            <p:ph type="sldNum" sz="quarter" idx="10"/>
+          </p:nvPr>
+        </p:nvSpPr>
+        <p:spPr/>
+        <p:txBody>
+          <a:bodyPr/>
+          <a:lstStyle/>
+          <a:p>
+            <a:fld id="{ADD4B5B7-85EF-4E48-AC80-2380FACD9C23}" type="slidenum">
+              <a:rPr lang="en-US" smtClean="0"/>
+              <a:t>50</a:t>
+            </a:fld>
+            <a:endParaRPr lang="en-US"/>
+          </a:p>
+        </p:txBody>
+      </p:sp>
+    </p:spTree>
+    <p:extLst>
+      <p:ext uri="{BB962C8B-B14F-4D97-AF65-F5344CB8AC3E}">
+        <p14:creationId xmlns:p14="http://schemas.microsoft.com/office/powerpoint/2010/main" val="645762702"/>
+      </p:ext>
+    </p:extLst>
+  </p:cSld>
+  <p:clrMapOvr>
+    <a:masterClrMapping/>
+  </p:clrMapOvr>
+</p:notes>
+</file>
+
+<file path=ppt/notesSlides/notesSlide51.xml><?xml version="1.0" encoding="utf-8"?>
+<p:notes xmlns:a="http://schemas.openxmlformats.org/drawingml/2006/main" xmlns:r="http://schemas.openxmlformats.org/officeDocument/2006/relationships" xmlns:p="http://schemas.openxmlformats.org/presentationml/2006/main">
+  <p:cSld>
+    <p:spTree>
+      <p:nvGrpSpPr>
+        <p:cNvPr id="1" name=""/>
+        <p:cNvGrpSpPr/>
+        <p:nvPr/>
+      </p:nvGrpSpPr>
+      <p:grpSpPr>
+        <a:xfrm>
+          <a:off x="0" y="0"/>
+          <a:ext cx="0" cy="0"/>
+          <a:chOff x="0" y="0"/>
+          <a:chExt cx="0" cy="0"/>
+        </a:xfrm>
+      </p:grpSpPr>
+      <p:sp>
+        <p:nvSpPr>
+          <p:cNvPr id="2" name="Slide Image Placeholder 1"/>
+          <p:cNvSpPr>
+            <a:spLocks noGrp="1" noRot="1" noChangeAspect="1"/>
+          </p:cNvSpPr>
+          <p:nvPr>
+            <p:ph type="sldImg"/>
+          </p:nvPr>
+        </p:nvSpPr>
+        <p:spPr/>
+      </p:sp>
+      <p:sp>
+        <p:nvSpPr>
+          <p:cNvPr id="3" name="Notes Placeholder 2"/>
+          <p:cNvSpPr>
+            <a:spLocks noGrp="1"/>
+          </p:cNvSpPr>
+          <p:nvPr>
+            <p:ph type="body" idx="1"/>
+          </p:nvPr>
+        </p:nvSpPr>
+        <p:spPr/>
+        <p:txBody>
+          <a:bodyPr/>
+          <a:lstStyle/>
+          <a:p>
+            <a:pPr marL="0" marR="0" indent="0" algn="l" defTabSz="457200" rtl="0" eaLnBrk="1" fontAlgn="auto" latinLnBrk="0" hangingPunct="1">
+              <a:lnSpc>
+                <a:spcPct val="100000"/>
+              </a:lnSpc>
+              <a:spcBef>
+                <a:spcPts val="0"/>
+              </a:spcBef>
+              <a:spcAft>
+                <a:spcPts val="0"/>
+              </a:spcAft>
+              <a:buClrTx/>
+              <a:buSzTx/>
+              <a:buFontTx/>
+              <a:buNone/>
+              <a:tabLst/>
+              <a:defRPr/>
+            </a:pPr>
+            <a:r>
+              <a:rPr lang="en-US" sz="1200" baseline="0" dirty="0" smtClean="0">
+                <a:solidFill>
+                  <a:prstClr val="black"/>
+                </a:solidFill>
+                <a:latin typeface="ArialMT"/>
+                <a:sym typeface="Wingdings"/>
+              </a:rPr>
+              <a:t>We will have more to say about distance functions later</a:t>
+            </a:r>
+          </a:p>
+        </p:txBody>
+      </p:sp>
+      <p:sp>
+        <p:nvSpPr>
+          <p:cNvPr id="4" name="Slide Number Placeholder 3"/>
+          <p:cNvSpPr>
+            <a:spLocks noGrp="1"/>
+          </p:cNvSpPr>
+          <p:nvPr>
+            <p:ph type="sldNum" sz="quarter" idx="10"/>
+          </p:nvPr>
+        </p:nvSpPr>
+        <p:spPr/>
+        <p:txBody>
+          <a:bodyPr/>
+          <a:lstStyle/>
+          <a:p>
+            <a:fld id="{ADD4B5B7-85EF-4E48-AC80-2380FACD9C23}" type="slidenum">
+              <a:rPr lang="en-US" smtClean="0"/>
+              <a:t>51</a:t>
+            </a:fld>
+            <a:endParaRPr lang="en-US"/>
+          </a:p>
+        </p:txBody>
+      </p:sp>
+    </p:spTree>
+    <p:extLst>
+      <p:ext uri="{BB962C8B-B14F-4D97-AF65-F5344CB8AC3E}">
+        <p14:creationId xmlns:p14="http://schemas.microsoft.com/office/powerpoint/2010/main" val="645762702"/>
+      </p:ext>
+    </p:extLst>
+  </p:cSld>
+  <p:clrMapOvr>
+    <a:masterClrMapping/>
+  </p:clrMapOvr>
+</p:notes>
+</file>
+
+<file path=ppt/notesSlides/notesSlide52.xml><?xml version="1.0" encoding="utf-8"?>
+<p:notes xmlns:a="http://schemas.openxmlformats.org/drawingml/2006/main" xmlns:r="http://schemas.openxmlformats.org/officeDocument/2006/relationships" xmlns:p="http://schemas.openxmlformats.org/presentationml/2006/main">
+  <p:cSld>
+    <p:spTree>
+      <p:nvGrpSpPr>
+        <p:cNvPr id="1" name=""/>
+        <p:cNvGrpSpPr/>
+        <p:nvPr/>
+      </p:nvGrpSpPr>
+      <p:grpSpPr>
+        <a:xfrm>
+          <a:off x="0" y="0"/>
+          <a:ext cx="0" cy="0"/>
+          <a:chOff x="0" y="0"/>
+          <a:chExt cx="0" cy="0"/>
+        </a:xfrm>
+      </p:grpSpPr>
+      <p:sp>
+        <p:nvSpPr>
+          <p:cNvPr id="2" name="Slide Image Placeholder 1"/>
+          <p:cNvSpPr>
+            <a:spLocks noGrp="1" noRot="1" noChangeAspect="1"/>
+          </p:cNvSpPr>
+          <p:nvPr>
+            <p:ph type="sldImg"/>
+          </p:nvPr>
+        </p:nvSpPr>
+        <p:spPr/>
+      </p:sp>
+      <p:sp>
+        <p:nvSpPr>
+          <p:cNvPr id="3" name="Notes Placeholder 2"/>
+          <p:cNvSpPr>
+            <a:spLocks noGrp="1"/>
+          </p:cNvSpPr>
+          <p:nvPr>
+            <p:ph type="body" idx="1"/>
+          </p:nvPr>
+        </p:nvSpPr>
+        <p:spPr/>
+        <p:txBody>
+          <a:bodyPr/>
+          <a:lstStyle/>
+          <a:p>
+            <a:r>
+              <a:rPr lang="en-US" dirty="0" smtClean="0"/>
+              <a:t>~20 min</a:t>
+            </a:r>
+          </a:p>
+          <a:p>
+            <a:r>
+              <a:rPr lang="en-US" dirty="0" smtClean="0"/>
+              <a:t>Q:</a:t>
+            </a:r>
+            <a:r>
+              <a:rPr lang="en-US" baseline="0" dirty="0" smtClean="0"/>
+              <a:t> </a:t>
+            </a:r>
+            <a:r>
+              <a:rPr lang="en-US" dirty="0" smtClean="0"/>
+              <a:t>what</a:t>
+            </a:r>
+            <a:r>
+              <a:rPr lang="en-US" baseline="0" dirty="0" smtClean="0"/>
+              <a:t> do you think of the math we saw?</a:t>
+            </a:r>
+            <a:endParaRPr lang="en-US" dirty="0" smtClean="0"/>
+          </a:p>
+          <a:p>
+            <a:r>
+              <a:rPr lang="en-US" dirty="0" smtClean="0"/>
+              <a:t>Q:</a:t>
+            </a:r>
+            <a:r>
+              <a:rPr lang="en-US" baseline="0" dirty="0" smtClean="0"/>
+              <a:t> how do you like using R?</a:t>
+            </a:r>
+          </a:p>
+          <a:p>
+            <a:r>
+              <a:rPr lang="en-US" baseline="0" dirty="0" smtClean="0"/>
+              <a:t>Q: does anything seem mysterious?</a:t>
+            </a:r>
+            <a:endParaRPr lang="en-US" dirty="0" smtClean="0"/>
+          </a:p>
+          <a:p>
+            <a:endParaRPr lang="en-US" dirty="0"/>
+          </a:p>
+        </p:txBody>
+      </p:sp>
+      <p:sp>
+        <p:nvSpPr>
+          <p:cNvPr id="4" name="Slide Number Placeholder 3"/>
+          <p:cNvSpPr>
+            <a:spLocks noGrp="1"/>
+          </p:cNvSpPr>
+          <p:nvPr>
+            <p:ph type="sldNum" sz="quarter" idx="10"/>
+          </p:nvPr>
+        </p:nvSpPr>
+        <p:spPr/>
+        <p:txBody>
+          <a:bodyPr/>
+          <a:lstStyle/>
+          <a:p>
+            <a:fld id="{ADD4B5B7-85EF-4E48-AC80-2380FACD9C23}" type="slidenum">
+              <a:rPr lang="en-US" smtClean="0"/>
+              <a:t>52</a:t>
+            </a:fld>
+            <a:endParaRPr lang="en-US"/>
+          </a:p>
+        </p:txBody>
+      </p:sp>
+    </p:spTree>
+    <p:extLst>
+      <p:ext uri="{BB962C8B-B14F-4D97-AF65-F5344CB8AC3E}">
+        <p14:creationId xmlns:p14="http://schemas.microsoft.com/office/powerpoint/2010/main" val="158773868"/>
       </p:ext>
     </p:extLst>
   </p:cSld>
@@ -13549,39 +13888,6 @@
       </p:grpSpPr>
       <p:sp>
         <p:nvSpPr>
-          <p:cNvPr id="4" name="Content Placeholder 3"/>
-          <p:cNvSpPr>
-            <a:spLocks noGrp="1"/>
-          </p:cNvSpPr>
-          <p:nvPr>
-            <p:ph sz="quarter" idx="11"/>
-          </p:nvPr>
-        </p:nvSpPr>
-        <p:spPr>
-          <a:xfrm>
-            <a:off x="414337" y="495300"/>
-            <a:ext cx="6400800" cy="304800"/>
-          </a:xfrm>
-        </p:spPr>
-        <p:txBody>
-          <a:bodyPr/>
-          <a:lstStyle/>
-          <a:p>
-            <a:pPr eaLnBrk="1" hangingPunct="1">
-              <a:lnSpc>
-                <a:spcPts val="2448"/>
-              </a:lnSpc>
-              <a:defRPr/>
-            </a:pPr>
-            <a:r>
-              <a:rPr lang="en-US" dirty="0" smtClean="0"/>
-              <a:t>Remember what we said before?</a:t>
-            </a:r>
-          </a:p>
-        </p:txBody>
-      </p:sp>
-      <p:sp>
-        <p:nvSpPr>
           <p:cNvPr id="8" name="Slide Number Placeholder 3"/>
           <p:cNvSpPr>
             <a:spLocks noGrp="1"/>
@@ -14030,39 +14336,6 @@
           <a:chExt cx="0" cy="0"/>
         </a:xfrm>
       </p:grpSpPr>
-      <p:sp>
-        <p:nvSpPr>
-          <p:cNvPr id="4" name="Content Placeholder 3"/>
-          <p:cNvSpPr>
-            <a:spLocks noGrp="1"/>
-          </p:cNvSpPr>
-          <p:nvPr>
-            <p:ph sz="quarter" idx="11"/>
-          </p:nvPr>
-        </p:nvSpPr>
-        <p:spPr>
-          <a:xfrm>
-            <a:off x="414337" y="495300"/>
-            <a:ext cx="6400800" cy="304800"/>
-          </a:xfrm>
-        </p:spPr>
-        <p:txBody>
-          <a:bodyPr/>
-          <a:lstStyle/>
-          <a:p>
-            <a:pPr eaLnBrk="1" hangingPunct="1">
-              <a:lnSpc>
-                <a:spcPts val="2448"/>
-              </a:lnSpc>
-              <a:defRPr/>
-            </a:pPr>
-            <a:r>
-              <a:rPr lang="en-US" dirty="0" smtClean="0"/>
-              <a:t>Remember what we said before?</a:t>
-            </a:r>
-          </a:p>
-        </p:txBody>
-      </p:sp>
       <p:sp>
         <p:nvSpPr>
           <p:cNvPr id="8" name="Slide Number Placeholder 3"/>
@@ -14904,6 +15177,599 @@
       </p:grpSpPr>
       <p:sp>
         <p:nvSpPr>
+          <p:cNvPr id="55297" name="Rectangle 1"/>
+          <p:cNvSpPr>
+            <a:spLocks noChangeArrowheads="1"/>
+          </p:cNvSpPr>
+          <p:nvPr>
+            <p:ph type="body" idx="1"/>
+          </p:nvPr>
+        </p:nvSpPr>
+        <p:spPr>
+          <a:xfrm>
+            <a:off x="412890" y="495301"/>
+            <a:ext cx="6402971" cy="569913"/>
+          </a:xfrm>
+        </p:spPr>
+        <p:txBody>
+          <a:bodyPr lIns="38100" tIns="38100" rIns="38100" bIns="38100"/>
+          <a:lstStyle/>
+          <a:p>
+            <a:pPr defTabSz="914400">
+              <a:lnSpc>
+                <a:spcPts val="2400"/>
+              </a:lnSpc>
+              <a:buClr>
+                <a:srgbClr val="000000"/>
+              </a:buClr>
+              <a:buFont typeface="Lucida Grande" charset="0"/>
+              <a:buNone/>
+            </a:pPr>
+            <a:r>
+              <a:rPr lang="en-US" sz="2300" b="1">
+                <a:latin typeface="PFDinTextCompPro-Regular" charset="0"/>
+                <a:cs typeface="PFDinTextCompPro-Regular" charset="0"/>
+                <a:sym typeface="PFDinTextCompPro-Regular" charset="0"/>
+              </a:rPr>
+              <a:t>TYPES OF DATA</a:t>
+            </a:r>
+            <a:endParaRPr lang="en-US"/>
+          </a:p>
+        </p:txBody>
+      </p:sp>
+      <p:sp>
+        <p:nvSpPr>
+          <p:cNvPr id="55298" name="AutoShape 2"/>
+          <p:cNvSpPr>
+            <a:spLocks/>
+          </p:cNvSpPr>
+          <p:nvPr/>
+        </p:nvSpPr>
+        <p:spPr bwMode="auto">
+          <a:xfrm>
+            <a:off x="8642106" y="523875"/>
+            <a:ext cx="265203" cy="317500"/>
+          </a:xfrm>
+          <a:custGeom>
+            <a:avLst/>
+            <a:gdLst>
+              <a:gd name="T0" fmla="*/ 10800 w 21600"/>
+              <a:gd name="T1" fmla="*/ 10800 h 21600"/>
+              <a:gd name="T2" fmla="*/ 10800 w 21600"/>
+              <a:gd name="T3" fmla="*/ 10800 h 21600"/>
+              <a:gd name="T4" fmla="*/ 10800 w 21600"/>
+              <a:gd name="T5" fmla="*/ 10800 h 21600"/>
+              <a:gd name="T6" fmla="*/ 10800 w 21600"/>
+              <a:gd name="T7" fmla="*/ 10800 h 21600"/>
+            </a:gdLst>
+            <a:ahLst/>
+            <a:cxnLst>
+              <a:cxn ang="0">
+                <a:pos x="T0" y="T1"/>
+              </a:cxn>
+              <a:cxn ang="0">
+                <a:pos x="T2" y="T3"/>
+              </a:cxn>
+              <a:cxn ang="0">
+                <a:pos x="T4" y="T5"/>
+              </a:cxn>
+              <a:cxn ang="0">
+                <a:pos x="T6" y="T7"/>
+              </a:cxn>
+            </a:cxnLst>
+            <a:rect l="0" t="0" r="r" b="b"/>
+            <a:pathLst>
+              <a:path w="21600" h="21600">
+                <a:moveTo>
+                  <a:pt x="0" y="0"/>
+                </a:moveTo>
+                <a:lnTo>
+                  <a:pt x="21599" y="0"/>
+                </a:lnTo>
+                <a:lnTo>
+                  <a:pt x="21599" y="21600"/>
+                </a:lnTo>
+                <a:lnTo>
+                  <a:pt x="0" y="21600"/>
+                </a:lnTo>
+                <a:close/>
+              </a:path>
+            </a:pathLst>
+          </a:custGeom>
+          <a:noFill/>
+          <a:ln>
+            <a:noFill/>
+          </a:ln>
+          <a:effectLst/>
+          <a:extLst>
+            <a:ext uri="{909E8E84-426E-40dd-AFC4-6F175D3DCCD1}">
+              <a14:hiddenFill xmlns:a14="http://schemas.microsoft.com/office/drawing/2010/main">
+                <a:solidFill>
+                  <a:srgbClr val="FFFFFF"/>
+                </a:solidFill>
+              </a14:hiddenFill>
+            </a:ext>
+            <a:ext uri="{91240B29-F687-4f45-9708-019B960494DF}">
+              <a14:hiddenLine xmlns:a14="http://schemas.microsoft.com/office/drawing/2010/main" w="9525" cap="flat" cmpd="sng">
+                <a:solidFill>
+                  <a:srgbClr val="000000"/>
+                </a:solidFill>
+                <a:prstDash val="solid"/>
+                <a:round/>
+                <a:headEnd/>
+                <a:tailEnd/>
+              </a14:hiddenLine>
+            </a:ext>
+            <a:ext uri="{AF507438-7753-43e0-B8FC-AC1667EBCBE1}">
+              <a14:hiddenEffects xmlns:a14="http://schemas.microsoft.com/office/drawing/2010/main">
+                <a:effectLst>
+                  <a:outerShdw blurRad="63500" dist="38099" dir="2700000" algn="ctr" rotWithShape="0">
+                    <a:srgbClr val="000000">
+                      <a:alpha val="74998"/>
+                    </a:srgbClr>
+                  </a:outerShdw>
+                </a:effectLst>
+              </a14:hiddenEffects>
+            </a:ext>
+          </a:extLst>
+        </p:spPr>
+        <p:txBody>
+          <a:bodyPr lIns="0" tIns="0" rIns="0" bIns="0" anchor="ctr"/>
+          <a:lstStyle/>
+          <a:p>
+            <a:pPr algn="r">
+              <a:lnSpc>
+                <a:spcPts val="2300"/>
+              </a:lnSpc>
+              <a:buClrTx/>
+            </a:pPr>
+            <a:fld id="{56B26AB8-6B3C-2E4B-839B-04625AF40BDB}" type="slidenum">
+              <a:rPr lang="en-US" sz="2300" b="1">
+                <a:latin typeface="PFDinTextCompPro-Regular" charset="0"/>
+                <a:cs typeface="PFDinTextCompPro-Regular" charset="0"/>
+                <a:sym typeface="PFDinTextCompPro-Regular" charset="0"/>
+              </a:rPr>
+              <a:pPr algn="r">
+                <a:lnSpc>
+                  <a:spcPts val="2300"/>
+                </a:lnSpc>
+                <a:buClrTx/>
+              </a:pPr>
+              <a:t>15</a:t>
+            </a:fld>
+            <a:endParaRPr lang="en-US"/>
+          </a:p>
+        </p:txBody>
+      </p:sp>
+      <p:sp>
+        <p:nvSpPr>
+          <p:cNvPr id="55299" name="Line 3"/>
+          <p:cNvSpPr>
+            <a:spLocks noChangeShapeType="1"/>
+          </p:cNvSpPr>
+          <p:nvPr/>
+        </p:nvSpPr>
+        <p:spPr bwMode="auto">
+          <a:xfrm flipH="1">
+            <a:off x="3233246" y="1485900"/>
+            <a:ext cx="0" cy="2133600"/>
+          </a:xfrm>
+          <a:prstGeom prst="line">
+            <a:avLst/>
+          </a:prstGeom>
+          <a:noFill/>
+          <a:ln w="25400" cap="flat" cmpd="sng">
+            <a:solidFill>
+              <a:srgbClr val="000000"/>
+            </a:solidFill>
+            <a:prstDash val="solid"/>
+            <a:round/>
+            <a:headEnd/>
+            <a:tailEnd/>
+          </a:ln>
+          <a:effectLst/>
+          <a:extLst>
+            <a:ext uri="{AF507438-7753-43e0-B8FC-AC1667EBCBE1}">
+              <a14:hiddenEffects xmlns:a14="http://schemas.microsoft.com/office/drawing/2010/main">
+                <a:effectLst>
+                  <a:outerShdw blurRad="63500" dist="38099" dir="2700000" algn="ctr" rotWithShape="0">
+                    <a:srgbClr val="000000">
+                      <a:alpha val="74998"/>
+                    </a:srgbClr>
+                  </a:outerShdw>
+                </a:effectLst>
+              </a14:hiddenEffects>
+            </a:ext>
+          </a:extLst>
+        </p:spPr>
+        <p:txBody>
+          <a:bodyPr lIns="0" tIns="0" rIns="0" bIns="0"/>
+          <a:lstStyle/>
+          <a:p>
+            <a:pPr algn="l" defTabSz="457200">
+              <a:buClrTx/>
+            </a:pPr>
+            <a:endParaRPr lang="en-US" sz="1200">
+              <a:latin typeface="Helvetica" charset="0"/>
+              <a:cs typeface="Helvetica" charset="0"/>
+              <a:sym typeface="Helvetica" charset="0"/>
+            </a:endParaRPr>
+          </a:p>
+        </p:txBody>
+      </p:sp>
+      <p:sp>
+        <p:nvSpPr>
+          <p:cNvPr id="55300" name="Line 4"/>
+          <p:cNvSpPr>
+            <a:spLocks noChangeShapeType="1"/>
+          </p:cNvSpPr>
+          <p:nvPr/>
+        </p:nvSpPr>
+        <p:spPr bwMode="auto">
+          <a:xfrm>
+            <a:off x="641567" y="1866900"/>
+            <a:ext cx="8232392" cy="0"/>
+          </a:xfrm>
+          <a:prstGeom prst="line">
+            <a:avLst/>
+          </a:prstGeom>
+          <a:noFill/>
+          <a:ln w="25400" cap="flat" cmpd="sng">
+            <a:solidFill>
+              <a:srgbClr val="000000"/>
+            </a:solidFill>
+            <a:prstDash val="solid"/>
+            <a:round/>
+            <a:headEnd/>
+            <a:tailEnd/>
+          </a:ln>
+          <a:effectLst/>
+          <a:extLst>
+            <a:ext uri="{AF507438-7753-43e0-B8FC-AC1667EBCBE1}">
+              <a14:hiddenEffects xmlns:a14="http://schemas.microsoft.com/office/drawing/2010/main">
+                <a:effectLst>
+                  <a:outerShdw blurRad="63500" dist="38099" dir="2700000" algn="ctr" rotWithShape="0">
+                    <a:srgbClr val="000000">
+                      <a:alpha val="74998"/>
+                    </a:srgbClr>
+                  </a:outerShdw>
+                </a:effectLst>
+              </a14:hiddenEffects>
+            </a:ext>
+          </a:extLst>
+        </p:spPr>
+        <p:txBody>
+          <a:bodyPr lIns="0" tIns="0" rIns="0" bIns="0"/>
+          <a:lstStyle/>
+          <a:p>
+            <a:pPr algn="l" defTabSz="457200">
+              <a:buClrTx/>
+            </a:pPr>
+            <a:endParaRPr lang="en-US" sz="1200">
+              <a:latin typeface="Helvetica" charset="0"/>
+              <a:cs typeface="Helvetica" charset="0"/>
+              <a:sym typeface="Helvetica" charset="0"/>
+            </a:endParaRPr>
+          </a:p>
+        </p:txBody>
+      </p:sp>
+      <p:sp>
+        <p:nvSpPr>
+          <p:cNvPr id="55301" name="AutoShape 5"/>
+          <p:cNvSpPr>
+            <a:spLocks/>
+          </p:cNvSpPr>
+          <p:nvPr/>
+        </p:nvSpPr>
+        <p:spPr bwMode="auto">
+          <a:xfrm>
+            <a:off x="3690602" y="1104900"/>
+            <a:ext cx="5500965" cy="1803400"/>
+          </a:xfrm>
+          <a:custGeom>
+            <a:avLst/>
+            <a:gdLst>
+              <a:gd name="T0" fmla="*/ 10800 w 21600"/>
+              <a:gd name="T1" fmla="*/ 10800 h 21600"/>
+              <a:gd name="T2" fmla="*/ 10800 w 21600"/>
+              <a:gd name="T3" fmla="*/ 10800 h 21600"/>
+              <a:gd name="T4" fmla="*/ 10800 w 21600"/>
+              <a:gd name="T5" fmla="*/ 10800 h 21600"/>
+              <a:gd name="T6" fmla="*/ 10800 w 21600"/>
+              <a:gd name="T7" fmla="*/ 10800 h 21600"/>
+            </a:gdLst>
+            <a:ahLst/>
+            <a:cxnLst>
+              <a:cxn ang="0">
+                <a:pos x="T0" y="T1"/>
+              </a:cxn>
+              <a:cxn ang="0">
+                <a:pos x="T2" y="T3"/>
+              </a:cxn>
+              <a:cxn ang="0">
+                <a:pos x="T4" y="T5"/>
+              </a:cxn>
+              <a:cxn ang="0">
+                <a:pos x="T6" y="T7"/>
+              </a:cxn>
+            </a:cxnLst>
+            <a:rect l="0" t="0" r="r" b="b"/>
+            <a:pathLst>
+              <a:path w="21600" h="21600">
+                <a:moveTo>
+                  <a:pt x="0" y="0"/>
+                </a:moveTo>
+                <a:lnTo>
+                  <a:pt x="21599" y="0"/>
+                </a:lnTo>
+                <a:lnTo>
+                  <a:pt x="21599" y="21600"/>
+                </a:lnTo>
+                <a:lnTo>
+                  <a:pt x="0" y="21600"/>
+                </a:lnTo>
+                <a:close/>
+              </a:path>
+            </a:pathLst>
+          </a:custGeom>
+          <a:noFill/>
+          <a:ln>
+            <a:noFill/>
+          </a:ln>
+          <a:effectLst/>
+          <a:extLst>
+            <a:ext uri="{909E8E84-426E-40dd-AFC4-6F175D3DCCD1}">
+              <a14:hiddenFill xmlns:a14="http://schemas.microsoft.com/office/drawing/2010/main">
+                <a:solidFill>
+                  <a:srgbClr val="FFFFFF"/>
+                </a:solidFill>
+              </a14:hiddenFill>
+            </a:ext>
+            <a:ext uri="{91240B29-F687-4f45-9708-019B960494DF}">
+              <a14:hiddenLine xmlns:a14="http://schemas.microsoft.com/office/drawing/2010/main" w="12700" cap="flat" cmpd="sng">
+                <a:solidFill>
+                  <a:srgbClr val="000000"/>
+                </a:solidFill>
+                <a:prstDash val="solid"/>
+                <a:round/>
+                <a:headEnd/>
+                <a:tailEnd/>
+              </a14:hiddenLine>
+            </a:ext>
+            <a:ext uri="{AF507438-7753-43e0-B8FC-AC1667EBCBE1}">
+              <a14:hiddenEffects xmlns:a14="http://schemas.microsoft.com/office/drawing/2010/main">
+                <a:effectLst>
+                  <a:outerShdw blurRad="63500" dist="38099" dir="2700000" algn="ctr" rotWithShape="0">
+                    <a:srgbClr val="000000">
+                      <a:alpha val="74998"/>
+                    </a:srgbClr>
+                  </a:outerShdw>
+                </a:effectLst>
+              </a14:hiddenEffects>
+            </a:ext>
+          </a:extLst>
+        </p:spPr>
+        <p:txBody>
+          <a:bodyPr lIns="38100" tIns="38100" rIns="38100" bIns="38100"/>
+          <a:lstStyle/>
+          <a:p>
+            <a:pPr algn="l">
+              <a:buFont typeface="PFDinTextCompPro-Medium" charset="0"/>
+              <a:buNone/>
+            </a:pPr>
+            <a:r>
+              <a:rPr lang="en-US" sz="4000" i="1">
+                <a:latin typeface="PFDinTextCompPro-Medium" charset="0"/>
+                <a:cs typeface="PFDinTextCompPro-Medium" charset="0"/>
+                <a:sym typeface="PFDinTextCompPro-Medium" charset="0"/>
+              </a:rPr>
+              <a:t>continuous		categorical</a:t>
+            </a:r>
+            <a:endParaRPr lang="en-US"/>
+          </a:p>
+          <a:p>
+            <a:pPr algn="l">
+              <a:buFont typeface="PFDinTextCompPro-Medium" charset="0"/>
+              <a:buNone/>
+            </a:pPr>
+            <a:endParaRPr lang="en-US" sz="4000" i="1">
+              <a:latin typeface="PFDinTextCompPro-Medium" charset="0"/>
+              <a:cs typeface="PFDinTextCompPro-Medium" charset="0"/>
+              <a:sym typeface="PFDinTextCompPro-Medium" charset="0"/>
+            </a:endParaRPr>
+          </a:p>
+          <a:p>
+            <a:pPr algn="l">
+              <a:buFont typeface="PFDinTextCompPro-Regular" charset="0"/>
+              <a:buNone/>
+            </a:pPr>
+            <a:r>
+              <a:rPr lang="en-US" sz="4000" i="1">
+                <a:latin typeface="PFDinTextCompPro-Regular" charset="0"/>
+                <a:cs typeface="PFDinTextCompPro-Regular" charset="0"/>
+                <a:sym typeface="PFDinTextCompPro-Regular" charset="0"/>
+              </a:rPr>
+              <a:t>	</a:t>
+            </a:r>
+            <a:endParaRPr lang="en-US"/>
+          </a:p>
+        </p:txBody>
+      </p:sp>
+      <p:sp>
+        <p:nvSpPr>
+          <p:cNvPr id="55302" name="AutoShape 6"/>
+          <p:cNvSpPr>
+            <a:spLocks/>
+          </p:cNvSpPr>
+          <p:nvPr/>
+        </p:nvSpPr>
+        <p:spPr bwMode="auto">
+          <a:xfrm>
+            <a:off x="946471" y="2324100"/>
+            <a:ext cx="7711515" cy="1155700"/>
+          </a:xfrm>
+          <a:custGeom>
+            <a:avLst/>
+            <a:gdLst>
+              <a:gd name="T0" fmla="*/ 10800 w 21600"/>
+              <a:gd name="T1" fmla="*/ 10800 h 21600"/>
+              <a:gd name="T2" fmla="*/ 10800 w 21600"/>
+              <a:gd name="T3" fmla="*/ 10800 h 21600"/>
+              <a:gd name="T4" fmla="*/ 10800 w 21600"/>
+              <a:gd name="T5" fmla="*/ 10800 h 21600"/>
+              <a:gd name="T6" fmla="*/ 10800 w 21600"/>
+              <a:gd name="T7" fmla="*/ 10800 h 21600"/>
+            </a:gdLst>
+            <a:ahLst/>
+            <a:cxnLst>
+              <a:cxn ang="0">
+                <a:pos x="T0" y="T1"/>
+              </a:cxn>
+              <a:cxn ang="0">
+                <a:pos x="T2" y="T3"/>
+              </a:cxn>
+              <a:cxn ang="0">
+                <a:pos x="T4" y="T5"/>
+              </a:cxn>
+              <a:cxn ang="0">
+                <a:pos x="T6" y="T7"/>
+              </a:cxn>
+            </a:cxnLst>
+            <a:rect l="0" t="0" r="r" b="b"/>
+            <a:pathLst>
+              <a:path w="21600" h="21600">
+                <a:moveTo>
+                  <a:pt x="0" y="0"/>
+                </a:moveTo>
+                <a:lnTo>
+                  <a:pt x="21599" y="0"/>
+                </a:lnTo>
+                <a:lnTo>
+                  <a:pt x="21599" y="21600"/>
+                </a:lnTo>
+                <a:lnTo>
+                  <a:pt x="0" y="21600"/>
+                </a:lnTo>
+                <a:close/>
+              </a:path>
+            </a:pathLst>
+          </a:custGeom>
+          <a:noFill/>
+          <a:ln>
+            <a:noFill/>
+          </a:ln>
+          <a:effectLst/>
+          <a:extLst>
+            <a:ext uri="{909E8E84-426E-40dd-AFC4-6F175D3DCCD1}">
+              <a14:hiddenFill xmlns:a14="http://schemas.microsoft.com/office/drawing/2010/main">
+                <a:solidFill>
+                  <a:srgbClr val="FFFFFF"/>
+                </a:solidFill>
+              </a14:hiddenFill>
+            </a:ext>
+            <a:ext uri="{91240B29-F687-4f45-9708-019B960494DF}">
+              <a14:hiddenLine xmlns:a14="http://schemas.microsoft.com/office/drawing/2010/main" w="12700" cap="flat" cmpd="sng">
+                <a:solidFill>
+                  <a:srgbClr val="000000"/>
+                </a:solidFill>
+                <a:prstDash val="solid"/>
+                <a:round/>
+                <a:headEnd/>
+                <a:tailEnd/>
+              </a14:hiddenLine>
+            </a:ext>
+            <a:ext uri="{AF507438-7753-43e0-B8FC-AC1667EBCBE1}">
+              <a14:hiddenEffects xmlns:a14="http://schemas.microsoft.com/office/drawing/2010/main">
+                <a:effectLst>
+                  <a:outerShdw blurRad="63500" dist="38099" dir="2700000" algn="ctr" rotWithShape="0">
+                    <a:srgbClr val="000000">
+                      <a:alpha val="74998"/>
+                    </a:srgbClr>
+                  </a:outerShdw>
+                </a:effectLst>
+              </a14:hiddenEffects>
+            </a:ext>
+          </a:extLst>
+        </p:spPr>
+        <p:txBody>
+          <a:bodyPr lIns="38100" tIns="38100" rIns="38100" bIns="38100"/>
+          <a:lstStyle/>
+          <a:p>
+            <a:pPr algn="l">
+              <a:buFont typeface="PFDinTextCompPro-Regular" charset="0"/>
+              <a:buNone/>
+            </a:pPr>
+            <a:r>
+              <a:rPr lang="en-US" sz="2500" i="1">
+                <a:latin typeface="PFDinTextCompPro-Regular" charset="0"/>
+                <a:cs typeface="PFDinTextCompPro-Regular" charset="0"/>
+                <a:sym typeface="PFDinTextCompPro-Regular" charset="0"/>
+              </a:rPr>
+              <a:t>color			RGB-values  		   {red, blue}</a:t>
+            </a:r>
+            <a:endParaRPr lang="en-US"/>
+          </a:p>
+          <a:p>
+            <a:pPr algn="l">
+              <a:buFont typeface="PFDinTextCompPro-Regular" charset="0"/>
+              <a:buNone/>
+            </a:pPr>
+            <a:endParaRPr lang="en-US" sz="2500" i="1">
+              <a:latin typeface="PFDinTextCompPro-Regular" charset="0"/>
+              <a:cs typeface="PFDinTextCompPro-Regular" charset="0"/>
+              <a:sym typeface="PFDinTextCompPro-Regular" charset="0"/>
+            </a:endParaRPr>
+          </a:p>
+          <a:p>
+            <a:pPr algn="l">
+              <a:buFont typeface="PFDinTextCompPro-Regular" charset="0"/>
+              <a:buNone/>
+            </a:pPr>
+            <a:r>
+              <a:rPr lang="en-US" sz="2500" i="1">
+                <a:latin typeface="PFDinTextCompPro-Regular" charset="0"/>
+                <a:cs typeface="PFDinTextCompPro-Regular" charset="0"/>
+                <a:sym typeface="PFDinTextCompPro-Regular" charset="0"/>
+              </a:rPr>
+              <a:t>ratings			1 – 10 rating	              	1-5 star rating</a:t>
+            </a:r>
+            <a:endParaRPr lang="en-US"/>
+          </a:p>
+        </p:txBody>
+      </p:sp>
+    </p:spTree>
+    <p:extLst>
+      <p:ext uri="{BB962C8B-B14F-4D97-AF65-F5344CB8AC3E}">
+        <p14:creationId xmlns:p14="http://schemas.microsoft.com/office/powerpoint/2010/main" val="496493690"/>
+      </p:ext>
+    </p:extLst>
+  </p:cSld>
+  <p:clrMapOvr>
+    <a:masterClrMapping/>
+  </p:clrMapOvr>
+  <p:transition xmlns:p14="http://schemas.microsoft.com/office/powerpoint/2010/main" spd="med"/>
+</p:sld>
+</file>
+
+<file path=ppt/slides/slide16.xml><?xml version="1.0" encoding="utf-8"?>
+<p:sld xmlns:a="http://schemas.openxmlformats.org/drawingml/2006/main" xmlns:r="http://schemas.openxmlformats.org/officeDocument/2006/relationships" xmlns:p="http://schemas.openxmlformats.org/presentationml/2006/main">
+  <p:cSld>
+    <p:spTree>
+      <p:nvGrpSpPr>
+        <p:cNvPr id="1" name=""/>
+        <p:cNvGrpSpPr/>
+        <p:nvPr/>
+      </p:nvGrpSpPr>
+      <p:grpSpPr>
+        <a:xfrm>
+          <a:off x="0" y="0"/>
+          <a:ext cx="0" cy="0"/>
+          <a:chOff x="0" y="0"/>
+          <a:chExt cx="0" cy="0"/>
+        </a:xfrm>
+      </p:grpSpPr>
+      <p:sp>
+        <p:nvSpPr>
           <p:cNvPr id="4" name="Content Placeholder 3"/>
           <p:cNvSpPr>
             <a:spLocks noGrp="1"/>
@@ -14958,7 +15824,7 @@
               <a:pPr>
                 <a:defRPr/>
               </a:pPr>
-              <a:t>15</a:t>
+              <a:t>16</a:t>
             </a:fld>
             <a:endParaRPr lang="en-US"/>
           </a:p>
@@ -15425,7 +16291,7 @@
 </p:sld>
 </file>
 
-<file path=ppt/slides/slide16.xml><?xml version="1.0" encoding="utf-8"?>
+<file path=ppt/slides/slide17.xml><?xml version="1.0" encoding="utf-8"?>
 <p:sld xmlns:a="http://schemas.openxmlformats.org/drawingml/2006/main" xmlns:r="http://schemas.openxmlformats.org/officeDocument/2006/relationships" xmlns:p="http://schemas.openxmlformats.org/presentationml/2006/main">
   <p:cSld>
     <p:spTree>
@@ -15498,7 +16364,7 @@
               <a:pPr>
                 <a:defRPr/>
               </a:pPr>
-              <a:t>16</a:t>
+              <a:t>17</a:t>
             </a:fld>
             <a:endParaRPr lang="en-US"/>
           </a:p>
@@ -15753,7 +16619,7 @@
 </p:sld>
 </file>
 
-<file path=ppt/slides/slide17.xml><?xml version="1.0" encoding="utf-8"?>
+<file path=ppt/slides/slide18.xml><?xml version="1.0" encoding="utf-8"?>
 <p:sld xmlns:a="http://schemas.openxmlformats.org/drawingml/2006/main" xmlns:r="http://schemas.openxmlformats.org/officeDocument/2006/relationships" xmlns:p="http://schemas.openxmlformats.org/presentationml/2006/main">
   <p:cSld>
     <p:spTree>
@@ -15826,7 +16692,7 @@
               <a:pPr>
                 <a:defRPr/>
               </a:pPr>
-              <a:t>17</a:t>
+              <a:t>18</a:t>
             </a:fld>
             <a:endParaRPr lang="en-US"/>
           </a:p>
@@ -16360,7 +17226,7 @@
 </p:sld>
 </file>
 
-<file path=ppt/slides/slide18.xml><?xml version="1.0" encoding="utf-8"?>
+<file path=ppt/slides/slide19.xml><?xml version="1.0" encoding="utf-8"?>
 <p:sld xmlns:a="http://schemas.openxmlformats.org/drawingml/2006/main" xmlns:r="http://schemas.openxmlformats.org/officeDocument/2006/relationships" xmlns:p="http://schemas.openxmlformats.org/presentationml/2006/main">
   <p:cSld>
     <p:spTree>
@@ -16538,7 +17404,7 @@
 </p:sld>
 </file>
 
-<file path=ppt/slides/slide19.xml><?xml version="1.0" encoding="utf-8"?>
+<file path=ppt/slides/slide2.xml><?xml version="1.0" encoding="utf-8"?>
 <p:sld xmlns:a="http://schemas.openxmlformats.org/drawingml/2006/main" xmlns:r="http://schemas.openxmlformats.org/officeDocument/2006/relationships" xmlns:p="http://schemas.openxmlformats.org/presentationml/2006/main">
   <p:cSld>
     <p:spTree>
@@ -16557,6 +17423,227 @@
       </p:grpSpPr>
       <p:sp>
         <p:nvSpPr>
+          <p:cNvPr id="11" name="Content Placeholder 10"/>
+          <p:cNvSpPr>
+            <a:spLocks noGrp="1"/>
+          </p:cNvSpPr>
+          <p:nvPr>
+            <p:ph sz="quarter" idx="11"/>
+          </p:nvPr>
+        </p:nvSpPr>
+        <p:spPr>
+          <a:xfrm>
+            <a:off x="371475" y="495300"/>
+            <a:ext cx="7129463" cy="304800"/>
+          </a:xfrm>
+        </p:spPr>
+        <p:txBody>
+          <a:bodyPr/>
+          <a:lstStyle/>
+          <a:p>
+            <a:pPr eaLnBrk="1" hangingPunct="1">
+              <a:lnSpc>
+                <a:spcPts val="2448"/>
+              </a:lnSpc>
+              <a:defRPr/>
+            </a:pPr>
+            <a:r>
+              <a:rPr lang="en-US" dirty="0" smtClean="0">
+                <a:latin typeface="PFDinTextCompPro-Bold" charset="0"/>
+                <a:ea typeface="ＭＳ Ｐゴシック" charset="0"/>
+                <a:cs typeface="PFDinTextCompPro-Bold" charset="0"/>
+                <a:sym typeface="PFDinTextCompPro-Bold" charset="0"/>
+              </a:rPr>
+              <a:t>Buzzword break</a:t>
+            </a:r>
+          </a:p>
+          <a:p>
+            <a:pPr eaLnBrk="1" hangingPunct="1">
+              <a:lnSpc>
+                <a:spcPts val="2448"/>
+              </a:lnSpc>
+              <a:defRPr/>
+            </a:pPr>
+            <a:endParaRPr lang="en-US" dirty="0" smtClean="0"/>
+          </a:p>
+        </p:txBody>
+      </p:sp>
+      <p:sp>
+        <p:nvSpPr>
+          <p:cNvPr id="6" name="Slide Number Placeholder 3"/>
+          <p:cNvSpPr>
+            <a:spLocks noGrp="1"/>
+          </p:cNvSpPr>
+          <p:nvPr>
+            <p:ph type="sldNum" sz="quarter" idx="13"/>
+          </p:nvPr>
+        </p:nvSpPr>
+        <p:spPr/>
+        <p:txBody>
+          <a:bodyPr/>
+          <a:lstStyle/>
+          <a:p>
+            <a:pPr>
+              <a:defRPr/>
+            </a:pPr>
+            <a:fld id="{6F4A1B40-4074-4A43-A415-862C3E2C2127}" type="slidenum">
+              <a:rPr lang="en-US"/>
+              <a:pPr>
+                <a:defRPr/>
+              </a:pPr>
+              <a:t>2</a:t>
+            </a:fld>
+            <a:endParaRPr lang="en-US"/>
+          </a:p>
+        </p:txBody>
+      </p:sp>
+      <p:pic>
+        <p:nvPicPr>
+          <p:cNvPr id="3" name="Picture 2"/>
+          <p:cNvPicPr>
+            <a:picLocks noChangeAspect="1"/>
+          </p:cNvPicPr>
+          <p:nvPr/>
+        </p:nvPicPr>
+        <p:blipFill>
+          <a:blip r:embed="rId3"/>
+          <a:stretch>
+            <a:fillRect/>
+          </a:stretch>
+        </p:blipFill>
+        <p:spPr>
+          <a:xfrm>
+            <a:off x="1176337" y="1181100"/>
+            <a:ext cx="7010400" cy="3505200"/>
+          </a:xfrm>
+          <a:prstGeom prst="rect">
+            <a:avLst/>
+          </a:prstGeom>
+        </p:spPr>
+      </p:pic>
+      <p:sp>
+        <p:nvSpPr>
+          <p:cNvPr id="4" name="TextBox 3"/>
+          <p:cNvSpPr txBox="1"/>
+          <p:nvPr/>
+        </p:nvSpPr>
+        <p:spPr>
+          <a:xfrm>
+            <a:off x="411217" y="4928056"/>
+            <a:ext cx="3736920" cy="215444"/>
+          </a:xfrm>
+          <a:prstGeom prst="rect">
+            <a:avLst/>
+          </a:prstGeom>
+          <a:noFill/>
+        </p:spPr>
+        <p:txBody>
+          <a:bodyPr wrap="none" rtlCol="0">
+            <a:spAutoFit/>
+          </a:bodyPr>
+          <a:lstStyle/>
+          <a:p>
+            <a:pPr algn="l"/>
+            <a:r>
+              <a:rPr lang="en-US" sz="800" i="1" dirty="0" smtClean="0">
+                <a:latin typeface="+mn-lt"/>
+              </a:rPr>
+              <a:t>source</a:t>
+            </a:r>
+            <a:r>
+              <a:rPr lang="en-US" sz="800" i="1" dirty="0">
+                <a:latin typeface="+mn-lt"/>
+              </a:rPr>
+              <a:t>: http://</a:t>
+            </a:r>
+            <a:r>
+              <a:rPr lang="en-US" sz="800" i="1" dirty="0" err="1">
+                <a:latin typeface="+mn-lt"/>
+              </a:rPr>
+              <a:t>people.cs.umass.edu</a:t>
+            </a:r>
+            <a:r>
+              <a:rPr lang="en-US" sz="800" i="1" dirty="0">
+                <a:latin typeface="+mn-lt"/>
+              </a:rPr>
+              <a:t>/~</a:t>
+            </a:r>
+            <a:r>
+              <a:rPr lang="en-US" sz="800" i="1" dirty="0" err="1">
+                <a:latin typeface="+mn-lt"/>
+              </a:rPr>
+              <a:t>mcgregor</a:t>
+            </a:r>
+            <a:r>
+              <a:rPr lang="en-US" sz="800" i="1" dirty="0">
+                <a:latin typeface="+mn-lt"/>
+              </a:rPr>
+              <a:t>/</a:t>
+            </a:r>
+            <a:r>
+              <a:rPr lang="en-US" sz="800" i="1" dirty="0" err="1">
+                <a:latin typeface="+mn-lt"/>
+              </a:rPr>
+              <a:t>stocworkshop</a:t>
+            </a:r>
+            <a:r>
+              <a:rPr lang="en-US" sz="800" i="1" dirty="0">
+                <a:latin typeface="+mn-lt"/>
+              </a:rPr>
+              <a:t>/</a:t>
+            </a:r>
+            <a:r>
+              <a:rPr lang="en-US" sz="800" i="1" dirty="0" err="1">
+                <a:latin typeface="+mn-lt"/>
+              </a:rPr>
+              <a:t>langford.pdf</a:t>
+            </a:r>
+            <a:endParaRPr lang="en-US" sz="800" i="1" dirty="0">
+              <a:latin typeface="+mn-lt"/>
+            </a:endParaRPr>
+          </a:p>
+        </p:txBody>
+      </p:sp>
+    </p:spTree>
+    <p:extLst>
+      <p:ext uri="{BB962C8B-B14F-4D97-AF65-F5344CB8AC3E}">
+        <p14:creationId xmlns:p14="http://schemas.microsoft.com/office/powerpoint/2010/main" val="1967664136"/>
+      </p:ext>
+    </p:extLst>
+  </p:cSld>
+  <p:clrMapOvr>
+    <a:masterClrMapping/>
+  </p:clrMapOvr>
+  <p:transition xmlns:p14="http://schemas.microsoft.com/office/powerpoint/2010/main"/>
+  <p:timing>
+    <p:tnLst>
+      <p:par>
+        <p:cTn xmlns:p14="http://schemas.microsoft.com/office/powerpoint/2010/main" id="1" dur="indefinite" restart="never" nodeType="tmRoot"/>
+      </p:par>
+    </p:tnLst>
+  </p:timing>
+</p:sld>
+</file>
+
+<file path=ppt/slides/slide20.xml><?xml version="1.0" encoding="utf-8"?>
+<p:sld xmlns:a="http://schemas.openxmlformats.org/drawingml/2006/main" xmlns:r="http://schemas.openxmlformats.org/officeDocument/2006/relationships" xmlns:p="http://schemas.openxmlformats.org/presentationml/2006/main">
+  <p:cSld>
+    <p:spTree>
+      <p:nvGrpSpPr>
+        <p:cNvPr id="1" name=""/>
+        <p:cNvGrpSpPr/>
+        <p:nvPr/>
+      </p:nvGrpSpPr>
+      <p:grpSpPr>
+        <a:xfrm>
+          <a:off x="0" y="0"/>
+          <a:ext cx="0" cy="0"/>
+          <a:chOff x="0" y="0"/>
+          <a:chExt cx="0" cy="0"/>
+        </a:xfrm>
+      </p:grpSpPr>
+      <p:sp>
+        <p:nvSpPr>
           <p:cNvPr id="4" name="Content Placeholder 3"/>
           <p:cNvSpPr>
             <a:spLocks noGrp="1"/>
@@ -16620,7 +17707,7 @@
               <a:pPr>
                 <a:defRPr/>
               </a:pPr>
-              <a:t>19</a:t>
+              <a:t>20</a:t>
             </a:fld>
             <a:endParaRPr lang="en-US"/>
           </a:p>
@@ -17281,228 +18368,7 @@
 </p:sld>
 </file>
 
-<file path=ppt/slides/slide2.xml><?xml version="1.0" encoding="utf-8"?>
-<p:sld xmlns:a="http://schemas.openxmlformats.org/drawingml/2006/main" xmlns:r="http://schemas.openxmlformats.org/officeDocument/2006/relationships" xmlns:p="http://schemas.openxmlformats.org/presentationml/2006/main">
-  <p:cSld>
-    <p:spTree>
-      <p:nvGrpSpPr>
-        <p:cNvPr id="1" name=""/>
-        <p:cNvGrpSpPr/>
-        <p:nvPr/>
-      </p:nvGrpSpPr>
-      <p:grpSpPr>
-        <a:xfrm>
-          <a:off x="0" y="0"/>
-          <a:ext cx="0" cy="0"/>
-          <a:chOff x="0" y="0"/>
-          <a:chExt cx="0" cy="0"/>
-        </a:xfrm>
-      </p:grpSpPr>
-      <p:sp>
-        <p:nvSpPr>
-          <p:cNvPr id="11" name="Content Placeholder 10"/>
-          <p:cNvSpPr>
-            <a:spLocks noGrp="1"/>
-          </p:cNvSpPr>
-          <p:nvPr>
-            <p:ph sz="quarter" idx="11"/>
-          </p:nvPr>
-        </p:nvSpPr>
-        <p:spPr>
-          <a:xfrm>
-            <a:off x="371475" y="495300"/>
-            <a:ext cx="7129463" cy="304800"/>
-          </a:xfrm>
-        </p:spPr>
-        <p:txBody>
-          <a:bodyPr/>
-          <a:lstStyle/>
-          <a:p>
-            <a:pPr eaLnBrk="1" hangingPunct="1">
-              <a:lnSpc>
-                <a:spcPts val="2448"/>
-              </a:lnSpc>
-              <a:defRPr/>
-            </a:pPr>
-            <a:r>
-              <a:rPr lang="en-US" dirty="0" smtClean="0">
-                <a:latin typeface="PFDinTextCompPro-Bold" charset="0"/>
-                <a:ea typeface="ＭＳ Ｐゴシック" charset="0"/>
-                <a:cs typeface="PFDinTextCompPro-Bold" charset="0"/>
-                <a:sym typeface="PFDinTextCompPro-Bold" charset="0"/>
-              </a:rPr>
-              <a:t>Buzzword break</a:t>
-            </a:r>
-          </a:p>
-          <a:p>
-            <a:pPr eaLnBrk="1" hangingPunct="1">
-              <a:lnSpc>
-                <a:spcPts val="2448"/>
-              </a:lnSpc>
-              <a:defRPr/>
-            </a:pPr>
-            <a:endParaRPr lang="en-US" dirty="0" smtClean="0"/>
-          </a:p>
-        </p:txBody>
-      </p:sp>
-      <p:sp>
-        <p:nvSpPr>
-          <p:cNvPr id="6" name="Slide Number Placeholder 3"/>
-          <p:cNvSpPr>
-            <a:spLocks noGrp="1"/>
-          </p:cNvSpPr>
-          <p:nvPr>
-            <p:ph type="sldNum" sz="quarter" idx="13"/>
-          </p:nvPr>
-        </p:nvSpPr>
-        <p:spPr/>
-        <p:txBody>
-          <a:bodyPr/>
-          <a:lstStyle/>
-          <a:p>
-            <a:pPr>
-              <a:defRPr/>
-            </a:pPr>
-            <a:fld id="{6F4A1B40-4074-4A43-A415-862C3E2C2127}" type="slidenum">
-              <a:rPr lang="en-US"/>
-              <a:pPr>
-                <a:defRPr/>
-              </a:pPr>
-              <a:t>2</a:t>
-            </a:fld>
-            <a:endParaRPr lang="en-US"/>
-          </a:p>
-        </p:txBody>
-      </p:sp>
-      <p:pic>
-        <p:nvPicPr>
-          <p:cNvPr id="3" name="Picture 2"/>
-          <p:cNvPicPr>
-            <a:picLocks noChangeAspect="1"/>
-          </p:cNvPicPr>
-          <p:nvPr/>
-        </p:nvPicPr>
-        <p:blipFill>
-          <a:blip r:embed="rId3"/>
-          <a:stretch>
-            <a:fillRect/>
-          </a:stretch>
-        </p:blipFill>
-        <p:spPr>
-          <a:xfrm>
-            <a:off x="1176337" y="1181100"/>
-            <a:ext cx="7010400" cy="3505200"/>
-          </a:xfrm>
-          <a:prstGeom prst="rect">
-            <a:avLst/>
-          </a:prstGeom>
-        </p:spPr>
-      </p:pic>
-      <p:sp>
-        <p:nvSpPr>
-          <p:cNvPr id="4" name="TextBox 3"/>
-          <p:cNvSpPr txBox="1"/>
-          <p:nvPr/>
-        </p:nvSpPr>
-        <p:spPr>
-          <a:xfrm>
-            <a:off x="411217" y="4928056"/>
-            <a:ext cx="3736920" cy="215444"/>
-          </a:xfrm>
-          <a:prstGeom prst="rect">
-            <a:avLst/>
-          </a:prstGeom>
-          <a:noFill/>
-        </p:spPr>
-        <p:txBody>
-          <a:bodyPr wrap="none" rtlCol="0">
-            <a:spAutoFit/>
-          </a:bodyPr>
-          <a:lstStyle/>
-          <a:p>
-            <a:pPr algn="l"/>
-            <a:r>
-              <a:rPr lang="en-US" sz="800" i="1" dirty="0" smtClean="0">
-                <a:latin typeface="+mn-lt"/>
-              </a:rPr>
-              <a:t>source</a:t>
-            </a:r>
-            <a:r>
-              <a:rPr lang="en-US" sz="800" i="1" dirty="0">
-                <a:latin typeface="+mn-lt"/>
-              </a:rPr>
-              <a:t>: http://</a:t>
-            </a:r>
-            <a:r>
-              <a:rPr lang="en-US" sz="800" i="1" dirty="0" err="1">
-                <a:latin typeface="+mn-lt"/>
-              </a:rPr>
-              <a:t>people.cs.umass.edu</a:t>
-            </a:r>
-            <a:r>
-              <a:rPr lang="en-US" sz="800" i="1" dirty="0">
-                <a:latin typeface="+mn-lt"/>
-              </a:rPr>
-              <a:t>/~</a:t>
-            </a:r>
-            <a:r>
-              <a:rPr lang="en-US" sz="800" i="1" dirty="0" err="1">
-                <a:latin typeface="+mn-lt"/>
-              </a:rPr>
-              <a:t>mcgregor</a:t>
-            </a:r>
-            <a:r>
-              <a:rPr lang="en-US" sz="800" i="1" dirty="0">
-                <a:latin typeface="+mn-lt"/>
-              </a:rPr>
-              <a:t>/</a:t>
-            </a:r>
-            <a:r>
-              <a:rPr lang="en-US" sz="800" i="1" dirty="0" err="1">
-                <a:latin typeface="+mn-lt"/>
-              </a:rPr>
-              <a:t>stocworkshop</a:t>
-            </a:r>
-            <a:r>
-              <a:rPr lang="en-US" sz="800" i="1" dirty="0">
-                <a:latin typeface="+mn-lt"/>
-              </a:rPr>
-              <a:t>/</a:t>
-            </a:r>
-            <a:r>
-              <a:rPr lang="en-US" sz="800" i="1" dirty="0" err="1">
-                <a:latin typeface="+mn-lt"/>
-              </a:rPr>
-              <a:t>langford.pdf</a:t>
-            </a:r>
-            <a:endParaRPr lang="en-US" sz="800" i="1" dirty="0">
-              <a:latin typeface="+mn-lt"/>
-            </a:endParaRPr>
-          </a:p>
-        </p:txBody>
-      </p:sp>
-    </p:spTree>
-    <p:extLst>
-      <p:ext uri="{BB962C8B-B14F-4D97-AF65-F5344CB8AC3E}">
-        <p14:creationId xmlns:p14="http://schemas.microsoft.com/office/powerpoint/2010/main" val="1967664136"/>
-      </p:ext>
-    </p:extLst>
-  </p:cSld>
-  <p:clrMapOvr>
-    <a:masterClrMapping/>
-  </p:clrMapOvr>
-  <p:transition xmlns:p14="http://schemas.microsoft.com/office/powerpoint/2010/main"/>
-  <p:timing>
-    <p:tnLst>
-      <p:par>
-        <p:cTn xmlns:p14="http://schemas.microsoft.com/office/powerpoint/2010/main" id="1" dur="indefinite" restart="never" nodeType="tmRoot"/>
-      </p:par>
-    </p:tnLst>
-  </p:timing>
-</p:sld>
-</file>
-
-<file path=ppt/slides/slide20.xml><?xml version="1.0" encoding="utf-8"?>
+<file path=ppt/slides/slide21.xml><?xml version="1.0" encoding="utf-8"?>
 <p:sld xmlns:a="http://schemas.openxmlformats.org/drawingml/2006/main" xmlns:r="http://schemas.openxmlformats.org/officeDocument/2006/relationships" xmlns:p="http://schemas.openxmlformats.org/presentationml/2006/main">
   <p:cSld>
     <p:spTree>
@@ -17680,7 +18546,7 @@
 </p:sld>
 </file>
 
-<file path=ppt/slides/slide21.xml><?xml version="1.0" encoding="utf-8"?>
+<file path=ppt/slides/slide22.xml><?xml version="1.0" encoding="utf-8"?>
 <p:sld xmlns:a="http://schemas.openxmlformats.org/drawingml/2006/main" xmlns:r="http://schemas.openxmlformats.org/officeDocument/2006/relationships" xmlns:p="http://schemas.openxmlformats.org/presentationml/2006/main">
   <p:cSld>
     <p:spTree>
@@ -17753,7 +18619,7 @@
               <a:pPr>
                 <a:defRPr/>
               </a:pPr>
-              <a:t>21</a:t>
+              <a:t>22</a:t>
             </a:fld>
             <a:endParaRPr lang="en-US"/>
           </a:p>
@@ -18277,7 +19143,7 @@
 </p:sld>
 </file>
 
-<file path=ppt/slides/slide22.xml><?xml version="1.0" encoding="utf-8"?>
+<file path=ppt/slides/slide23.xml><?xml version="1.0" encoding="utf-8"?>
 <p:sld xmlns:a="http://schemas.openxmlformats.org/drawingml/2006/main" xmlns:r="http://schemas.openxmlformats.org/officeDocument/2006/relationships" xmlns:p="http://schemas.openxmlformats.org/presentationml/2006/main">
   <p:cSld>
     <p:spTree>
@@ -18454,7 +19320,7 @@
                 </a:lnSpc>
                 <a:buClrTx/>
               </a:pPr>
-              <a:t>22</a:t>
+              <a:t>23</a:t>
             </a:fld>
             <a:endParaRPr lang="en-US"/>
           </a:p>
@@ -18683,7 +19549,7 @@
 </p:sld>
 </file>
 
-<file path=ppt/slides/slide23.xml><?xml version="1.0" encoding="utf-8"?>
+<file path=ppt/slides/slide24.xml><?xml version="1.0" encoding="utf-8"?>
 <p:sld xmlns:a="http://schemas.openxmlformats.org/drawingml/2006/main" xmlns:r="http://schemas.openxmlformats.org/officeDocument/2006/relationships" xmlns:p="http://schemas.openxmlformats.org/presentationml/2006/main">
   <p:cSld>
     <p:spTree>
@@ -18860,7 +19726,7 @@
                 </a:lnSpc>
                 <a:buClrTx/>
               </a:pPr>
-              <a:t>23</a:t>
+              <a:t>24</a:t>
             </a:fld>
             <a:endParaRPr lang="en-US"/>
           </a:p>
@@ -19213,7 +20079,7 @@
 </p:sld>
 </file>
 
-<file path=ppt/slides/slide24.xml><?xml version="1.0" encoding="utf-8"?>
+<file path=ppt/slides/slide25.xml><?xml version="1.0" encoding="utf-8"?>
 <p:sld xmlns:a="http://schemas.openxmlformats.org/drawingml/2006/main" xmlns:r="http://schemas.openxmlformats.org/officeDocument/2006/relationships" xmlns:p="http://schemas.openxmlformats.org/presentationml/2006/main">
   <p:cSld>
     <p:spTree>
@@ -19390,7 +20256,7 @@
                 </a:lnSpc>
                 <a:buClrTx/>
               </a:pPr>
-              <a:t>24</a:t>
+              <a:t>25</a:t>
             </a:fld>
             <a:endParaRPr lang="en-US"/>
           </a:p>
@@ -19789,7 +20655,7 @@
 </p:sld>
 </file>
 
-<file path=ppt/slides/slide25.xml><?xml version="1.0" encoding="utf-8"?>
+<file path=ppt/slides/slide26.xml><?xml version="1.0" encoding="utf-8"?>
 <p:sld xmlns:a="http://schemas.openxmlformats.org/drawingml/2006/main" xmlns:r="http://schemas.openxmlformats.org/officeDocument/2006/relationships" xmlns:p="http://schemas.openxmlformats.org/presentationml/2006/main">
   <p:cSld>
     <p:spTree>
@@ -19966,7 +20832,7 @@
                 </a:lnSpc>
                 <a:buClrTx/>
               </a:pPr>
-              <a:t>25</a:t>
+              <a:t>26</a:t>
             </a:fld>
             <a:endParaRPr lang="en-US"/>
           </a:p>
@@ -20341,212 +21207,6 @@
 </p:sld>
 </file>
 
-<file path=ppt/slides/slide26.xml><?xml version="1.0" encoding="utf-8"?>
-<p:sld xmlns:a="http://schemas.openxmlformats.org/drawingml/2006/main" xmlns:r="http://schemas.openxmlformats.org/officeDocument/2006/relationships" xmlns:p="http://schemas.openxmlformats.org/presentationml/2006/main">
-  <p:cSld>
-    <p:spTree>
-      <p:nvGrpSpPr>
-        <p:cNvPr id="1" name=""/>
-        <p:cNvGrpSpPr/>
-        <p:nvPr/>
-      </p:nvGrpSpPr>
-      <p:grpSpPr>
-        <a:xfrm>
-          <a:off x="0" y="0"/>
-          <a:ext cx="0" cy="0"/>
-          <a:chOff x="0" y="0"/>
-          <a:chExt cx="0" cy="0"/>
-        </a:xfrm>
-      </p:grpSpPr>
-      <p:sp>
-        <p:nvSpPr>
-          <p:cNvPr id="2" name="Title 1"/>
-          <p:cNvSpPr>
-            <a:spLocks noGrp="1"/>
-          </p:cNvSpPr>
-          <p:nvPr>
-            <p:ph type="title"/>
-          </p:nvPr>
-        </p:nvSpPr>
-        <p:spPr>
-          <a:xfrm>
-            <a:off x="347663" y="1181100"/>
-            <a:ext cx="8426450" cy="3733800"/>
-          </a:xfrm>
-        </p:spPr>
-        <p:txBody>
-          <a:bodyPr/>
-          <a:lstStyle/>
-          <a:p>
-            <a:pPr>
-              <a:lnSpc>
-                <a:spcPct val="80000"/>
-              </a:lnSpc>
-              <a:defRPr/>
-            </a:pPr>
-            <a:r>
-              <a:rPr lang="en-US" sz="7500" b="0" dirty="0" smtClean="0">
-                <a:latin typeface="PFDinTextCompPro-MediumItalic"/>
-                <a:cs typeface="PFDinTextCompPro-MediumItalic"/>
-              </a:rPr>
-              <a:t>HOW</a:t>
-            </a:r>
-            <a:r>
-              <a:rPr lang="en-US" sz="7500" b="0" dirty="0" smtClean="0">
-                <a:latin typeface="PFDinTextCompPro-MediumItalic"/>
-                <a:cs typeface="PFDinTextCompPro-MediumItalic"/>
-              </a:rPr>
-              <a:t/>
-            </a:r>
-            <a:br>
-              <a:rPr lang="en-US" sz="7500" b="0" dirty="0" smtClean="0">
-                <a:latin typeface="PFDinTextCompPro-MediumItalic"/>
-                <a:cs typeface="PFDinTextCompPro-MediumItalic"/>
-              </a:rPr>
-            </a:br>
-            <a:r>
-              <a:rPr lang="en-US" sz="4000" b="0" dirty="0" smtClean="0">
-                <a:latin typeface="PFDinTextCompPro-MediumItalic"/>
-                <a:cs typeface="PFDinTextCompPro-MediumItalic"/>
-              </a:rPr>
-              <a:t>do you</a:t>
-            </a:r>
-            <a:br>
-              <a:rPr lang="en-US" sz="4000" b="0" dirty="0" smtClean="0">
-                <a:latin typeface="PFDinTextCompPro-MediumItalic"/>
-                <a:cs typeface="PFDinTextCompPro-MediumItalic"/>
-              </a:rPr>
-            </a:br>
-            <a:r>
-              <a:rPr lang="en-US" sz="7500" b="0" dirty="0" smtClean="0">
-                <a:latin typeface="PFDinTextCompPro-MediumItalic"/>
-                <a:cs typeface="PFDinTextCompPro-MediumItalic"/>
-              </a:rPr>
-              <a:t>KNOW</a:t>
-            </a:r>
-            <a:r>
-              <a:rPr lang="en-US" sz="7500" b="0" dirty="0" smtClean="0">
-                <a:latin typeface="PFDinTextCompPro-MediumItalic"/>
-                <a:cs typeface="PFDinTextCompPro-MediumItalic"/>
-              </a:rPr>
-              <a:t/>
-            </a:r>
-            <a:br>
-              <a:rPr lang="en-US" sz="7500" b="0" dirty="0" smtClean="0">
-                <a:latin typeface="PFDinTextCompPro-MediumItalic"/>
-                <a:cs typeface="PFDinTextCompPro-MediumItalic"/>
-              </a:rPr>
-            </a:br>
-            <a:r>
-              <a:rPr lang="en-US" sz="4000" b="0" dirty="0" smtClean="0">
-                <a:latin typeface="PFDinTextCompPro-MediumItalic"/>
-                <a:cs typeface="PFDinTextCompPro-MediumItalic"/>
-              </a:rPr>
-              <a:t>IF</a:t>
-            </a:r>
-            <a:r>
-              <a:rPr lang="en-US" sz="4000" b="0" dirty="0" smtClean="0">
-                <a:latin typeface="PFDinTextCompPro-MediumItalic"/>
-                <a:cs typeface="PFDinTextCompPro-MediumItalic"/>
-              </a:rPr>
-              <a:t> </a:t>
-            </a:r>
-            <a:r>
-              <a:rPr lang="en-US" sz="4000" b="0" dirty="0" smtClean="0">
-                <a:latin typeface="PFDinTextCompPro-MediumItalic"/>
-                <a:cs typeface="PFDinTextCompPro-MediumItalic"/>
-              </a:rPr>
-              <a:t>your</a:t>
-            </a:r>
-            <a:r>
-              <a:rPr lang="en-US" sz="5000" b="0" dirty="0" smtClean="0">
-                <a:latin typeface="PFDinTextCompPro-MediumItalic"/>
-                <a:cs typeface="PFDinTextCompPro-MediumItalic"/>
-              </a:rPr>
-              <a:t/>
-            </a:r>
-            <a:br>
-              <a:rPr lang="en-US" sz="5000" b="0" dirty="0" smtClean="0">
-                <a:latin typeface="PFDinTextCompPro-MediumItalic"/>
-                <a:cs typeface="PFDinTextCompPro-MediumItalic"/>
-              </a:rPr>
-            </a:br>
-            <a:r>
-              <a:rPr lang="en-US" sz="7500" b="0" dirty="0" smtClean="0">
-                <a:latin typeface="PFDinTextCompPro-MediumItalic"/>
-                <a:cs typeface="PFDinTextCompPro-MediumItalic"/>
-              </a:rPr>
-              <a:t>results ARE GOOD?</a:t>
-            </a:r>
-            <a:endParaRPr lang="en-US" sz="5000" b="0" dirty="0">
-              <a:latin typeface="PFDinTextCompPro-MediumItalic"/>
-              <a:cs typeface="PFDinTextCompPro-MediumItalic"/>
-            </a:endParaRPr>
-          </a:p>
-        </p:txBody>
-      </p:sp>
-      <p:sp>
-        <p:nvSpPr>
-          <p:cNvPr id="4" name="Content Placeholder 3"/>
-          <p:cNvSpPr>
-            <a:spLocks noGrp="1"/>
-          </p:cNvSpPr>
-          <p:nvPr>
-            <p:ph sz="quarter" idx="11"/>
-          </p:nvPr>
-        </p:nvSpPr>
-        <p:spPr>
-          <a:xfrm>
-            <a:off x="371475" y="495300"/>
-            <a:ext cx="6400800" cy="304800"/>
-          </a:xfrm>
-        </p:spPr>
-        <p:txBody>
-          <a:bodyPr wrap="square" lIns="91440" tIns="45720" rIns="91440" bIns="45720" numCol="1" anchor="t" anchorCtr="0" compatLnSpc="1">
-            <a:prstTxWarp prst="textNoShape">
-              <a:avLst/>
-            </a:prstTxWarp>
-          </a:bodyPr>
-          <a:lstStyle/>
-          <a:p>
-            <a:pPr marL="0" indent="0"/>
-            <a:r>
-              <a:rPr lang="en-US" cap="none" dirty="0" smtClean="0">
-                <a:latin typeface="PFDinTextCompPro-Bold" charset="0"/>
-                <a:ea typeface="ヒラギノ角ゴ ProN W3" charset="0"/>
-                <a:cs typeface="ヒラギノ角ゴ ProN W3" charset="0"/>
-              </a:rPr>
-              <a:t>QUESTION</a:t>
-            </a:r>
-            <a:endParaRPr lang="en-US" cap="none" dirty="0">
-              <a:latin typeface="PFDinTextCompPro-Bold" charset="0"/>
-              <a:ea typeface="ヒラギノ角ゴ ProN W3" charset="0"/>
-              <a:cs typeface="ヒラギノ角ゴ ProN W3" charset="0"/>
-            </a:endParaRPr>
-          </a:p>
-        </p:txBody>
-      </p:sp>
-    </p:spTree>
-    <p:extLst>
-      <p:ext uri="{BB962C8B-B14F-4D97-AF65-F5344CB8AC3E}">
-        <p14:creationId xmlns:p14="http://schemas.microsoft.com/office/powerpoint/2010/main" val="905711961"/>
-      </p:ext>
-    </p:extLst>
-  </p:cSld>
-  <p:clrMapOvr>
-    <a:masterClrMapping/>
-  </p:clrMapOvr>
-  <p:transition xmlns:p14="http://schemas.microsoft.com/office/powerpoint/2010/main"/>
-  <p:timing>
-    <p:tnLst>
-      <p:par>
-        <p:cTn xmlns:p14="http://schemas.microsoft.com/office/powerpoint/2010/main" id="1" dur="indefinite" restart="never" nodeType="tmRoot"/>
-      </p:par>
-    </p:tnLst>
-  </p:timing>
-</p:sld>
-</file>
-
 <file path=ppt/slides/slide27.xml><?xml version="1.0" encoding="utf-8"?>
 <p:sld xmlns:a="http://schemas.openxmlformats.org/drawingml/2006/main" xmlns:r="http://schemas.openxmlformats.org/officeDocument/2006/relationships" xmlns:p="http://schemas.openxmlformats.org/presentationml/2006/main">
   <p:cSld>
@@ -20566,6 +21226,140 @@
       </p:grpSpPr>
       <p:sp>
         <p:nvSpPr>
+          <p:cNvPr id="2" name="Title 1"/>
+          <p:cNvSpPr>
+            <a:spLocks noGrp="1"/>
+          </p:cNvSpPr>
+          <p:nvPr>
+            <p:ph type="title"/>
+          </p:nvPr>
+        </p:nvSpPr>
+        <p:spPr>
+          <a:xfrm>
+            <a:off x="347663" y="1181100"/>
+            <a:ext cx="8426450" cy="3733800"/>
+          </a:xfrm>
+        </p:spPr>
+        <p:txBody>
+          <a:bodyPr/>
+          <a:lstStyle/>
+          <a:p>
+            <a:pPr>
+              <a:lnSpc>
+                <a:spcPct val="80000"/>
+              </a:lnSpc>
+              <a:defRPr/>
+            </a:pPr>
+            <a:r>
+              <a:rPr lang="en-US" sz="7500" b="0" dirty="0" smtClean="0">
+                <a:latin typeface="PFDinTextCompPro-MediumItalic"/>
+                <a:cs typeface="PFDinTextCompPro-MediumItalic"/>
+              </a:rPr>
+              <a:t>HOW</a:t>
+            </a:r>
+            <a:r>
+              <a:rPr lang="en-US" sz="7500" b="0" dirty="0" smtClean="0">
+                <a:latin typeface="PFDinTextCompPro-MediumItalic"/>
+                <a:cs typeface="PFDinTextCompPro-MediumItalic"/>
+              </a:rPr>
+              <a:t/>
+            </a:r>
+            <a:br>
+              <a:rPr lang="en-US" sz="7500" b="0" dirty="0" smtClean="0">
+                <a:latin typeface="PFDinTextCompPro-MediumItalic"/>
+                <a:cs typeface="PFDinTextCompPro-MediumItalic"/>
+              </a:rPr>
+            </a:br>
+            <a:r>
+              <a:rPr lang="en-US" sz="4000" b="0" dirty="0" smtClean="0">
+                <a:latin typeface="PFDinTextCompPro-MediumItalic"/>
+                <a:cs typeface="PFDinTextCompPro-MediumItalic"/>
+              </a:rPr>
+              <a:t>do you</a:t>
+            </a:r>
+            <a:br>
+              <a:rPr lang="en-US" sz="4000" b="0" dirty="0" smtClean="0">
+                <a:latin typeface="PFDinTextCompPro-MediumItalic"/>
+                <a:cs typeface="PFDinTextCompPro-MediumItalic"/>
+              </a:rPr>
+            </a:br>
+            <a:r>
+              <a:rPr lang="en-US" sz="7500" b="0" dirty="0" smtClean="0">
+                <a:latin typeface="PFDinTextCompPro-MediumItalic"/>
+                <a:cs typeface="PFDinTextCompPro-MediumItalic"/>
+              </a:rPr>
+              <a:t>KNOW</a:t>
+            </a:r>
+            <a:r>
+              <a:rPr lang="en-US" sz="7500" b="0" dirty="0" smtClean="0">
+                <a:latin typeface="PFDinTextCompPro-MediumItalic"/>
+                <a:cs typeface="PFDinTextCompPro-MediumItalic"/>
+              </a:rPr>
+              <a:t/>
+            </a:r>
+            <a:br>
+              <a:rPr lang="en-US" sz="7500" b="0" dirty="0" smtClean="0">
+                <a:latin typeface="PFDinTextCompPro-MediumItalic"/>
+                <a:cs typeface="PFDinTextCompPro-MediumItalic"/>
+              </a:rPr>
+            </a:br>
+            <a:r>
+              <a:rPr lang="en-US" sz="4000" b="0" dirty="0" smtClean="0">
+                <a:latin typeface="PFDinTextCompPro-MediumItalic"/>
+                <a:cs typeface="PFDinTextCompPro-MediumItalic"/>
+              </a:rPr>
+              <a:t>IF</a:t>
+            </a:r>
+            <a:r>
+              <a:rPr lang="en-US" sz="4000" b="0" dirty="0" smtClean="0">
+                <a:latin typeface="PFDinTextCompPro-MediumItalic"/>
+                <a:cs typeface="PFDinTextCompPro-MediumItalic"/>
+              </a:rPr>
+              <a:t> </a:t>
+            </a:r>
+            <a:r>
+              <a:rPr lang="en-US" sz="4000" b="0" dirty="0" err="1" smtClean="0">
+                <a:latin typeface="PFDinTextCompPro-MediumItalic"/>
+                <a:cs typeface="PFDinTextCompPro-MediumItalic"/>
+              </a:rPr>
+              <a:t>you’rE</a:t>
+            </a:r>
+            <a:r>
+              <a:rPr lang="en-US" sz="5000" b="0" dirty="0" smtClean="0">
+                <a:latin typeface="PFDinTextCompPro-MediumItalic"/>
+                <a:cs typeface="PFDinTextCompPro-MediumItalic"/>
+              </a:rPr>
+              <a:t/>
+            </a:r>
+            <a:br>
+              <a:rPr lang="en-US" sz="5000" b="0" dirty="0" smtClean="0">
+                <a:latin typeface="PFDinTextCompPro-MediumItalic"/>
+                <a:cs typeface="PFDinTextCompPro-MediumItalic"/>
+              </a:rPr>
+            </a:br>
+            <a:r>
+              <a:rPr lang="en-US" sz="7500" b="0" dirty="0" smtClean="0">
+                <a:latin typeface="PFDinTextCompPro-MediumItalic"/>
+                <a:cs typeface="PFDinTextCompPro-MediumItalic"/>
+              </a:rPr>
+              <a:t>DOING WELL</a:t>
+            </a:r>
+            <a:r>
+              <a:rPr lang="en-US" sz="7500" b="0" dirty="0" smtClean="0">
+                <a:latin typeface="PFDinTextCompPro-MediumItalic"/>
+                <a:cs typeface="PFDinTextCompPro-MediumItalic"/>
+              </a:rPr>
+              <a:t>?</a:t>
+            </a:r>
+            <a:endParaRPr lang="en-US" sz="5000" b="0" dirty="0">
+              <a:latin typeface="PFDinTextCompPro-MediumItalic"/>
+              <a:cs typeface="PFDinTextCompPro-MediumItalic"/>
+            </a:endParaRPr>
+          </a:p>
+        </p:txBody>
+      </p:sp>
+      <p:sp>
+        <p:nvSpPr>
           <p:cNvPr id="4" name="Content Placeholder 3"/>
           <p:cNvSpPr>
             <a:spLocks noGrp="1"/>
@@ -20576,90 +21370,31 @@
         </p:nvSpPr>
         <p:spPr>
           <a:xfrm>
-            <a:off x="414337" y="495300"/>
+            <a:off x="371475" y="495300"/>
             <a:ext cx="6400800" cy="304800"/>
           </a:xfrm>
         </p:spPr>
         <p:txBody>
-          <a:bodyPr/>
-          <a:lstStyle/>
-          <a:p>
-            <a:pPr eaLnBrk="1" hangingPunct="1">
-              <a:lnSpc>
-                <a:spcPts val="2448"/>
-              </a:lnSpc>
-              <a:defRPr/>
-            </a:pPr>
-            <a:r>
-              <a:rPr lang="en-US" dirty="0" smtClean="0"/>
-              <a:t>EVALUATION</a:t>
-            </a:r>
-            <a:endParaRPr lang="en-US" dirty="0"/>
-          </a:p>
-        </p:txBody>
-      </p:sp>
-      <p:sp>
-        <p:nvSpPr>
-          <p:cNvPr id="8" name="Slide Number Placeholder 3"/>
-          <p:cNvSpPr>
-            <a:spLocks noGrp="1"/>
-          </p:cNvSpPr>
-          <p:nvPr>
-            <p:ph type="sldNum" sz="quarter" idx="13"/>
-          </p:nvPr>
-        </p:nvSpPr>
-        <p:spPr/>
-        <p:txBody>
-          <a:bodyPr/>
-          <a:lstStyle/>
-          <a:p>
-            <a:pPr>
-              <a:defRPr/>
-            </a:pPr>
-            <a:fld id="{BD5AD749-DAD1-6A4A-A2AA-CB20EAD0AEB7}" type="slidenum">
-              <a:rPr lang="en-US"/>
-              <a:pPr>
-                <a:defRPr/>
-              </a:pPr>
-              <a:t>27</a:t>
-            </a:fld>
-            <a:endParaRPr lang="en-US"/>
-          </a:p>
-        </p:txBody>
-      </p:sp>
-      <p:sp>
-        <p:nvSpPr>
-          <p:cNvPr id="5" name="TextBox 4"/>
-          <p:cNvSpPr txBox="1"/>
-          <p:nvPr/>
-        </p:nvSpPr>
-        <p:spPr>
-          <a:xfrm>
-            <a:off x="591183" y="1057513"/>
-            <a:ext cx="7325681" cy="553998"/>
-          </a:xfrm>
-          <a:prstGeom prst="rect">
-            <a:avLst/>
-          </a:prstGeom>
-          <a:noFill/>
-        </p:spPr>
-        <p:txBody>
-          <a:bodyPr wrap="none" rtlCol="0">
-            <a:spAutoFit/>
+          <a:bodyPr wrap="square" lIns="91440" tIns="45720" rIns="91440" bIns="45720" numCol="1" anchor="t" anchorCtr="0" compatLnSpc="1">
+            <a:prstTxWarp prst="textNoShape">
+              <a:avLst/>
+            </a:prstTxWarp>
           </a:bodyPr>
           <a:lstStyle/>
           <a:p>
-            <a:pPr algn="l"/>
-            <a:r>
-              <a:rPr lang="en-US" sz="3000" dirty="0" smtClean="0">
-                <a:latin typeface="PFDinTextCompPro-Italic"/>
-                <a:cs typeface="PFDinTextCompPro-Italic"/>
-              </a:rPr>
-              <a:t>Evaluation metrics and procedures – about which more later.</a:t>
-            </a:r>
-            <a:endParaRPr lang="en-US" sz="3000" dirty="0" smtClean="0">
-              <a:latin typeface="PFDinTextCompPro-Italic"/>
-              <a:cs typeface="PFDinTextCompPro-Italic"/>
+            <a:pPr marL="0" indent="0"/>
+            <a:r>
+              <a:rPr lang="en-US" cap="none" dirty="0" smtClean="0">
+                <a:latin typeface="PFDinTextCompPro-Bold" charset="0"/>
+                <a:ea typeface="ヒラギノ角ゴ ProN W3" charset="0"/>
+                <a:cs typeface="ヒラギノ角ゴ ProN W3" charset="0"/>
+              </a:rPr>
+              <a:t>QUESTION</a:t>
+            </a:r>
+            <a:endParaRPr lang="en-US" cap="none" dirty="0">
+              <a:latin typeface="PFDinTextCompPro-Bold" charset="0"/>
+              <a:ea typeface="ヒラギノ角ゴ ProN W3" charset="0"/>
+              <a:cs typeface="ヒラギノ角ゴ ProN W3" charset="0"/>
             </a:endParaRPr>
           </a:p>
         </p:txBody>
@@ -20667,7 +21402,7 @@
     </p:spTree>
     <p:extLst>
       <p:ext uri="{BB962C8B-B14F-4D97-AF65-F5344CB8AC3E}">
-        <p14:creationId xmlns:p14="http://schemas.microsoft.com/office/powerpoint/2010/main" val="370734139"/>
+        <p14:creationId xmlns:p14="http://schemas.microsoft.com/office/powerpoint/2010/main" val="905711961"/>
       </p:ext>
     </p:extLst>
   </p:cSld>
@@ -20704,6 +21439,2322 @@
       </p:grpSpPr>
       <p:sp>
         <p:nvSpPr>
+          <p:cNvPr id="59393" name="Rectangle 1"/>
+          <p:cNvSpPr>
+            <a:spLocks noChangeArrowheads="1"/>
+          </p:cNvSpPr>
+          <p:nvPr>
+            <p:ph type="body" idx="1"/>
+          </p:nvPr>
+        </p:nvSpPr>
+        <p:spPr>
+          <a:xfrm>
+            <a:off x="412890" y="495301"/>
+            <a:ext cx="6402971" cy="569913"/>
+          </a:xfrm>
+        </p:spPr>
+        <p:txBody>
+          <a:bodyPr lIns="38100" tIns="38100" rIns="38100" bIns="38100"/>
+          <a:lstStyle/>
+          <a:p>
+            <a:pPr defTabSz="914400">
+              <a:lnSpc>
+                <a:spcPts val="2400"/>
+              </a:lnSpc>
+              <a:buClr>
+                <a:srgbClr val="000000"/>
+              </a:buClr>
+              <a:buFont typeface="Lucida Grande" charset="0"/>
+              <a:buNone/>
+            </a:pPr>
+            <a:r>
+              <a:rPr lang="en-US" sz="2300" b="1">
+                <a:latin typeface="PFDinTextCompPro-Regular" charset="0"/>
+                <a:cs typeface="PFDinTextCompPro-Regular" charset="0"/>
+                <a:sym typeface="PFDinTextCompPro-Regular" charset="0"/>
+              </a:rPr>
+              <a:t>ASSESSING ML PERFORMANCE</a:t>
+            </a:r>
+            <a:endParaRPr lang="en-US"/>
+          </a:p>
+        </p:txBody>
+      </p:sp>
+      <p:sp>
+        <p:nvSpPr>
+          <p:cNvPr id="59394" name="AutoShape 2"/>
+          <p:cNvSpPr>
+            <a:spLocks/>
+          </p:cNvSpPr>
+          <p:nvPr/>
+        </p:nvSpPr>
+        <p:spPr bwMode="auto">
+          <a:xfrm>
+            <a:off x="8642106" y="523875"/>
+            <a:ext cx="265203" cy="317500"/>
+          </a:xfrm>
+          <a:custGeom>
+            <a:avLst/>
+            <a:gdLst>
+              <a:gd name="T0" fmla="*/ 10800 w 21600"/>
+              <a:gd name="T1" fmla="*/ 10800 h 21600"/>
+              <a:gd name="T2" fmla="*/ 10800 w 21600"/>
+              <a:gd name="T3" fmla="*/ 10800 h 21600"/>
+              <a:gd name="T4" fmla="*/ 10800 w 21600"/>
+              <a:gd name="T5" fmla="*/ 10800 h 21600"/>
+              <a:gd name="T6" fmla="*/ 10800 w 21600"/>
+              <a:gd name="T7" fmla="*/ 10800 h 21600"/>
+            </a:gdLst>
+            <a:ahLst/>
+            <a:cxnLst>
+              <a:cxn ang="0">
+                <a:pos x="T0" y="T1"/>
+              </a:cxn>
+              <a:cxn ang="0">
+                <a:pos x="T2" y="T3"/>
+              </a:cxn>
+              <a:cxn ang="0">
+                <a:pos x="T4" y="T5"/>
+              </a:cxn>
+              <a:cxn ang="0">
+                <a:pos x="T6" y="T7"/>
+              </a:cxn>
+            </a:cxnLst>
+            <a:rect l="0" t="0" r="r" b="b"/>
+            <a:pathLst>
+              <a:path w="21600" h="21600">
+                <a:moveTo>
+                  <a:pt x="0" y="0"/>
+                </a:moveTo>
+                <a:lnTo>
+                  <a:pt x="21599" y="0"/>
+                </a:lnTo>
+                <a:lnTo>
+                  <a:pt x="21599" y="21600"/>
+                </a:lnTo>
+                <a:lnTo>
+                  <a:pt x="0" y="21600"/>
+                </a:lnTo>
+                <a:close/>
+              </a:path>
+            </a:pathLst>
+          </a:custGeom>
+          <a:noFill/>
+          <a:ln>
+            <a:noFill/>
+          </a:ln>
+          <a:effectLst/>
+          <a:extLst>
+            <a:ext uri="{909E8E84-426E-40dd-AFC4-6F175D3DCCD1}">
+              <a14:hiddenFill xmlns:a14="http://schemas.microsoft.com/office/drawing/2010/main">
+                <a:solidFill>
+                  <a:srgbClr val="FFFFFF"/>
+                </a:solidFill>
+              </a14:hiddenFill>
+            </a:ext>
+            <a:ext uri="{91240B29-F687-4f45-9708-019B960494DF}">
+              <a14:hiddenLine xmlns:a14="http://schemas.microsoft.com/office/drawing/2010/main" w="9525" cap="flat" cmpd="sng">
+                <a:solidFill>
+                  <a:srgbClr val="000000"/>
+                </a:solidFill>
+                <a:prstDash val="solid"/>
+                <a:round/>
+                <a:headEnd/>
+                <a:tailEnd/>
+              </a14:hiddenLine>
+            </a:ext>
+            <a:ext uri="{AF507438-7753-43e0-B8FC-AC1667EBCBE1}">
+              <a14:hiddenEffects xmlns:a14="http://schemas.microsoft.com/office/drawing/2010/main">
+                <a:effectLst>
+                  <a:outerShdw blurRad="63500" dist="38099" dir="2700000" algn="ctr" rotWithShape="0">
+                    <a:srgbClr val="000000">
+                      <a:alpha val="74998"/>
+                    </a:srgbClr>
+                  </a:outerShdw>
+                </a:effectLst>
+              </a14:hiddenEffects>
+            </a:ext>
+          </a:extLst>
+        </p:spPr>
+        <p:txBody>
+          <a:bodyPr lIns="0" tIns="0" rIns="0" bIns="0" anchor="ctr"/>
+          <a:lstStyle/>
+          <a:p>
+            <a:pPr algn="r">
+              <a:lnSpc>
+                <a:spcPts val="2300"/>
+              </a:lnSpc>
+              <a:buClrTx/>
+            </a:pPr>
+            <a:fld id="{7AFE3706-3FD0-A54B-98AB-7F0DA8E4EA51}" type="slidenum">
+              <a:rPr lang="en-US" sz="2300" b="1">
+                <a:latin typeface="PFDinTextCompPro-Regular" charset="0"/>
+                <a:cs typeface="PFDinTextCompPro-Regular" charset="0"/>
+                <a:sym typeface="PFDinTextCompPro-Regular" charset="0"/>
+              </a:rPr>
+              <a:pPr algn="r">
+                <a:lnSpc>
+                  <a:spcPts val="2300"/>
+                </a:lnSpc>
+                <a:buClrTx/>
+              </a:pPr>
+              <a:t>28</a:t>
+            </a:fld>
+            <a:endParaRPr lang="en-US"/>
+          </a:p>
+        </p:txBody>
+      </p:sp>
+      <p:sp>
+        <p:nvSpPr>
+          <p:cNvPr id="59395" name="Line 3"/>
+          <p:cNvSpPr>
+            <a:spLocks noChangeShapeType="1"/>
+          </p:cNvSpPr>
+          <p:nvPr/>
+        </p:nvSpPr>
+        <p:spPr bwMode="auto">
+          <a:xfrm flipH="1">
+            <a:off x="3233246" y="1485900"/>
+            <a:ext cx="0" cy="2133600"/>
+          </a:xfrm>
+          <a:prstGeom prst="line">
+            <a:avLst/>
+          </a:prstGeom>
+          <a:noFill/>
+          <a:ln w="25400" cap="flat" cmpd="sng">
+            <a:solidFill>
+              <a:srgbClr val="000000"/>
+            </a:solidFill>
+            <a:prstDash val="solid"/>
+            <a:round/>
+            <a:headEnd/>
+            <a:tailEnd/>
+          </a:ln>
+          <a:effectLst/>
+          <a:extLst>
+            <a:ext uri="{AF507438-7753-43e0-B8FC-AC1667EBCBE1}">
+              <a14:hiddenEffects xmlns:a14="http://schemas.microsoft.com/office/drawing/2010/main">
+                <a:effectLst>
+                  <a:outerShdw blurRad="63500" dist="38099" dir="2700000" algn="ctr" rotWithShape="0">
+                    <a:srgbClr val="000000">
+                      <a:alpha val="74998"/>
+                    </a:srgbClr>
+                  </a:outerShdw>
+                </a:effectLst>
+              </a14:hiddenEffects>
+            </a:ext>
+          </a:extLst>
+        </p:spPr>
+        <p:txBody>
+          <a:bodyPr lIns="0" tIns="0" rIns="0" bIns="0"/>
+          <a:lstStyle/>
+          <a:p>
+            <a:pPr algn="l" defTabSz="457200">
+              <a:buClrTx/>
+            </a:pPr>
+            <a:endParaRPr lang="en-US" sz="1200">
+              <a:latin typeface="Helvetica" charset="0"/>
+              <a:cs typeface="Helvetica" charset="0"/>
+              <a:sym typeface="Helvetica" charset="0"/>
+            </a:endParaRPr>
+          </a:p>
+        </p:txBody>
+      </p:sp>
+      <p:sp>
+        <p:nvSpPr>
+          <p:cNvPr id="59396" name="Line 4"/>
+          <p:cNvSpPr>
+            <a:spLocks noChangeShapeType="1"/>
+          </p:cNvSpPr>
+          <p:nvPr/>
+        </p:nvSpPr>
+        <p:spPr bwMode="auto">
+          <a:xfrm>
+            <a:off x="641567" y="1866900"/>
+            <a:ext cx="8232392" cy="0"/>
+          </a:xfrm>
+          <a:prstGeom prst="line">
+            <a:avLst/>
+          </a:prstGeom>
+          <a:noFill/>
+          <a:ln w="25400" cap="flat" cmpd="sng">
+            <a:solidFill>
+              <a:srgbClr val="000000"/>
+            </a:solidFill>
+            <a:prstDash val="solid"/>
+            <a:round/>
+            <a:headEnd/>
+            <a:tailEnd/>
+          </a:ln>
+          <a:effectLst/>
+          <a:extLst>
+            <a:ext uri="{AF507438-7753-43e0-B8FC-AC1667EBCBE1}">
+              <a14:hiddenEffects xmlns:a14="http://schemas.microsoft.com/office/drawing/2010/main">
+                <a:effectLst>
+                  <a:outerShdw blurRad="63500" dist="38099" dir="2700000" algn="ctr" rotWithShape="0">
+                    <a:srgbClr val="000000">
+                      <a:alpha val="74998"/>
+                    </a:srgbClr>
+                  </a:outerShdw>
+                </a:effectLst>
+              </a14:hiddenEffects>
+            </a:ext>
+          </a:extLst>
+        </p:spPr>
+        <p:txBody>
+          <a:bodyPr lIns="0" tIns="0" rIns="0" bIns="0"/>
+          <a:lstStyle/>
+          <a:p>
+            <a:pPr algn="l" defTabSz="457200">
+              <a:buClrTx/>
+            </a:pPr>
+            <a:endParaRPr lang="en-US" sz="1200">
+              <a:latin typeface="Helvetica" charset="0"/>
+              <a:cs typeface="Helvetica" charset="0"/>
+              <a:sym typeface="Helvetica" charset="0"/>
+            </a:endParaRPr>
+          </a:p>
+        </p:txBody>
+      </p:sp>
+      <p:sp>
+        <p:nvSpPr>
+          <p:cNvPr id="59397" name="AutoShape 5"/>
+          <p:cNvSpPr>
+            <a:spLocks/>
+          </p:cNvSpPr>
+          <p:nvPr/>
+        </p:nvSpPr>
+        <p:spPr bwMode="auto">
+          <a:xfrm>
+            <a:off x="565342" y="1990725"/>
+            <a:ext cx="6815861" cy="1206500"/>
+          </a:xfrm>
+          <a:custGeom>
+            <a:avLst/>
+            <a:gdLst>
+              <a:gd name="T0" fmla="*/ 10800 w 21600"/>
+              <a:gd name="T1" fmla="*/ 10800 h 21600"/>
+              <a:gd name="T2" fmla="*/ 10800 w 21600"/>
+              <a:gd name="T3" fmla="*/ 10800 h 21600"/>
+              <a:gd name="T4" fmla="*/ 10800 w 21600"/>
+              <a:gd name="T5" fmla="*/ 10800 h 21600"/>
+              <a:gd name="T6" fmla="*/ 10800 w 21600"/>
+              <a:gd name="T7" fmla="*/ 10800 h 21600"/>
+            </a:gdLst>
+            <a:ahLst/>
+            <a:cxnLst>
+              <a:cxn ang="0">
+                <a:pos x="T0" y="T1"/>
+              </a:cxn>
+              <a:cxn ang="0">
+                <a:pos x="T2" y="T3"/>
+              </a:cxn>
+              <a:cxn ang="0">
+                <a:pos x="T4" y="T5"/>
+              </a:cxn>
+              <a:cxn ang="0">
+                <a:pos x="T6" y="T7"/>
+              </a:cxn>
+            </a:cxnLst>
+            <a:rect l="0" t="0" r="r" b="b"/>
+            <a:pathLst>
+              <a:path w="21600" h="21600">
+                <a:moveTo>
+                  <a:pt x="0" y="0"/>
+                </a:moveTo>
+                <a:lnTo>
+                  <a:pt x="21599" y="0"/>
+                </a:lnTo>
+                <a:lnTo>
+                  <a:pt x="21599" y="21600"/>
+                </a:lnTo>
+                <a:lnTo>
+                  <a:pt x="0" y="21600"/>
+                </a:lnTo>
+                <a:close/>
+              </a:path>
+            </a:pathLst>
+          </a:custGeom>
+          <a:noFill/>
+          <a:ln>
+            <a:noFill/>
+          </a:ln>
+          <a:effectLst/>
+          <a:extLst>
+            <a:ext uri="{909E8E84-426E-40dd-AFC4-6F175D3DCCD1}">
+              <a14:hiddenFill xmlns:a14="http://schemas.microsoft.com/office/drawing/2010/main">
+                <a:solidFill>
+                  <a:srgbClr val="FFFFFF"/>
+                </a:solidFill>
+              </a14:hiddenFill>
+            </a:ext>
+            <a:ext uri="{91240B29-F687-4f45-9708-019B960494DF}">
+              <a14:hiddenLine xmlns:a14="http://schemas.microsoft.com/office/drawing/2010/main" w="12700" cap="flat" cmpd="sng">
+                <a:solidFill>
+                  <a:srgbClr val="000000"/>
+                </a:solidFill>
+                <a:prstDash val="solid"/>
+                <a:round/>
+                <a:headEnd/>
+                <a:tailEnd/>
+              </a14:hiddenLine>
+            </a:ext>
+            <a:ext uri="{AF507438-7753-43e0-B8FC-AC1667EBCBE1}">
+              <a14:hiddenEffects xmlns:a14="http://schemas.microsoft.com/office/drawing/2010/main">
+                <a:effectLst>
+                  <a:outerShdw blurRad="63500" dist="38099" dir="2700000" algn="ctr" rotWithShape="0">
+                    <a:srgbClr val="000000">
+                      <a:alpha val="74998"/>
+                    </a:srgbClr>
+                  </a:outerShdw>
+                </a:effectLst>
+              </a14:hiddenEffects>
+            </a:ext>
+          </a:extLst>
+        </p:spPr>
+        <p:txBody>
+          <a:bodyPr lIns="38100" tIns="38100" rIns="38100" bIns="38100"/>
+          <a:lstStyle/>
+          <a:p>
+            <a:pPr algn="l">
+              <a:buFont typeface="PFDinTextCompPro-Medium" charset="0"/>
+              <a:buNone/>
+            </a:pPr>
+            <a:r>
+              <a:rPr lang="en-US" sz="4000" i="1">
+                <a:latin typeface="PFDinTextCompPro-Medium" charset="0"/>
+                <a:cs typeface="PFDinTextCompPro-Medium" charset="0"/>
+                <a:sym typeface="PFDinTextCompPro-Medium" charset="0"/>
+              </a:rPr>
+              <a:t>  supervised</a:t>
+            </a:r>
+            <a:r>
+              <a:rPr lang="en-US" sz="4000" i="1">
+                <a:latin typeface="PFDinTextCompPro-Regular" charset="0"/>
+                <a:cs typeface="PFDinTextCompPro-Regular" charset="0"/>
+                <a:sym typeface="PFDinTextCompPro-Regular" charset="0"/>
+              </a:rPr>
+              <a:t>		making predictions</a:t>
+            </a:r>
+            <a:endParaRPr lang="en-US"/>
+          </a:p>
+          <a:p>
+            <a:pPr algn="l">
+              <a:buFont typeface="PFDinTextCompPro-Medium" charset="0"/>
+              <a:buNone/>
+            </a:pPr>
+            <a:r>
+              <a:rPr lang="en-US" sz="4000" i="1">
+                <a:latin typeface="PFDinTextCompPro-Medium" charset="0"/>
+                <a:cs typeface="PFDinTextCompPro-Medium" charset="0"/>
+                <a:sym typeface="PFDinTextCompPro-Medium" charset="0"/>
+              </a:rPr>
+              <a:t>unsupervised</a:t>
+            </a:r>
+            <a:r>
+              <a:rPr lang="en-US" sz="4000" i="1">
+                <a:latin typeface="PFDinTextCompPro-Regular" charset="0"/>
+                <a:cs typeface="PFDinTextCompPro-Regular" charset="0"/>
+                <a:sym typeface="PFDinTextCompPro-Regular" charset="0"/>
+              </a:rPr>
+              <a:t>		extracting structure</a:t>
+            </a:r>
+            <a:endParaRPr lang="en-US"/>
+          </a:p>
+        </p:txBody>
+      </p:sp>
+    </p:spTree>
+    <p:extLst>
+      <p:ext uri="{BB962C8B-B14F-4D97-AF65-F5344CB8AC3E}">
+        <p14:creationId xmlns:p14="http://schemas.microsoft.com/office/powerpoint/2010/main" val="2547905037"/>
+      </p:ext>
+    </p:extLst>
+  </p:cSld>
+  <p:clrMapOvr>
+    <a:masterClrMapping/>
+  </p:clrMapOvr>
+  <p:transition xmlns:p14="http://schemas.microsoft.com/office/powerpoint/2010/main" spd="med"/>
+</p:sld>
+</file>
+
+<file path=ppt/slides/slide29.xml><?xml version="1.0" encoding="utf-8"?>
+<p:sld xmlns:a="http://schemas.openxmlformats.org/drawingml/2006/main" xmlns:r="http://schemas.openxmlformats.org/officeDocument/2006/relationships" xmlns:p="http://schemas.openxmlformats.org/presentationml/2006/main">
+  <p:cSld>
+    <p:spTree>
+      <p:nvGrpSpPr>
+        <p:cNvPr id="1" name=""/>
+        <p:cNvGrpSpPr/>
+        <p:nvPr/>
+      </p:nvGrpSpPr>
+      <p:grpSpPr>
+        <a:xfrm>
+          <a:off x="0" y="0"/>
+          <a:ext cx="0" cy="0"/>
+          <a:chOff x="0" y="0"/>
+          <a:chExt cx="0" cy="0"/>
+        </a:xfrm>
+      </p:grpSpPr>
+      <p:sp>
+        <p:nvSpPr>
+          <p:cNvPr id="63489" name="Rectangle 1"/>
+          <p:cNvSpPr>
+            <a:spLocks noChangeArrowheads="1"/>
+          </p:cNvSpPr>
+          <p:nvPr>
+            <p:ph type="body" idx="1"/>
+          </p:nvPr>
+        </p:nvSpPr>
+        <p:spPr>
+          <a:xfrm>
+            <a:off x="412890" y="495301"/>
+            <a:ext cx="6402971" cy="569913"/>
+          </a:xfrm>
+        </p:spPr>
+        <p:txBody>
+          <a:bodyPr lIns="38100" tIns="38100" rIns="38100" bIns="38100"/>
+          <a:lstStyle/>
+          <a:p>
+            <a:pPr defTabSz="914400">
+              <a:lnSpc>
+                <a:spcPts val="2400"/>
+              </a:lnSpc>
+              <a:buClr>
+                <a:srgbClr val="000000"/>
+              </a:buClr>
+              <a:buFont typeface="Lucida Grande" charset="0"/>
+              <a:buNone/>
+            </a:pPr>
+            <a:r>
+              <a:rPr lang="en-US" sz="2300" b="1">
+                <a:latin typeface="PFDinTextCompPro-Regular" charset="0"/>
+                <a:cs typeface="PFDinTextCompPro-Regular" charset="0"/>
+                <a:sym typeface="PFDinTextCompPro-Regular" charset="0"/>
+              </a:rPr>
+              <a:t>ASSESSING ML PERFORMANCE</a:t>
+            </a:r>
+            <a:endParaRPr lang="en-US"/>
+          </a:p>
+        </p:txBody>
+      </p:sp>
+      <p:sp>
+        <p:nvSpPr>
+          <p:cNvPr id="63490" name="AutoShape 2"/>
+          <p:cNvSpPr>
+            <a:spLocks/>
+          </p:cNvSpPr>
+          <p:nvPr/>
+        </p:nvSpPr>
+        <p:spPr bwMode="auto">
+          <a:xfrm>
+            <a:off x="8642106" y="523875"/>
+            <a:ext cx="265203" cy="317500"/>
+          </a:xfrm>
+          <a:custGeom>
+            <a:avLst/>
+            <a:gdLst>
+              <a:gd name="T0" fmla="*/ 10800 w 21600"/>
+              <a:gd name="T1" fmla="*/ 10800 h 21600"/>
+              <a:gd name="T2" fmla="*/ 10800 w 21600"/>
+              <a:gd name="T3" fmla="*/ 10800 h 21600"/>
+              <a:gd name="T4" fmla="*/ 10800 w 21600"/>
+              <a:gd name="T5" fmla="*/ 10800 h 21600"/>
+              <a:gd name="T6" fmla="*/ 10800 w 21600"/>
+              <a:gd name="T7" fmla="*/ 10800 h 21600"/>
+            </a:gdLst>
+            <a:ahLst/>
+            <a:cxnLst>
+              <a:cxn ang="0">
+                <a:pos x="T0" y="T1"/>
+              </a:cxn>
+              <a:cxn ang="0">
+                <a:pos x="T2" y="T3"/>
+              </a:cxn>
+              <a:cxn ang="0">
+                <a:pos x="T4" y="T5"/>
+              </a:cxn>
+              <a:cxn ang="0">
+                <a:pos x="T6" y="T7"/>
+              </a:cxn>
+            </a:cxnLst>
+            <a:rect l="0" t="0" r="r" b="b"/>
+            <a:pathLst>
+              <a:path w="21600" h="21600">
+                <a:moveTo>
+                  <a:pt x="0" y="0"/>
+                </a:moveTo>
+                <a:lnTo>
+                  <a:pt x="21599" y="0"/>
+                </a:lnTo>
+                <a:lnTo>
+                  <a:pt x="21599" y="21600"/>
+                </a:lnTo>
+                <a:lnTo>
+                  <a:pt x="0" y="21600"/>
+                </a:lnTo>
+                <a:close/>
+              </a:path>
+            </a:pathLst>
+          </a:custGeom>
+          <a:noFill/>
+          <a:ln>
+            <a:noFill/>
+          </a:ln>
+          <a:effectLst/>
+          <a:extLst>
+            <a:ext uri="{909E8E84-426E-40dd-AFC4-6F175D3DCCD1}">
+              <a14:hiddenFill xmlns:a14="http://schemas.microsoft.com/office/drawing/2010/main">
+                <a:solidFill>
+                  <a:srgbClr val="FFFFFF"/>
+                </a:solidFill>
+              </a14:hiddenFill>
+            </a:ext>
+            <a:ext uri="{91240B29-F687-4f45-9708-019B960494DF}">
+              <a14:hiddenLine xmlns:a14="http://schemas.microsoft.com/office/drawing/2010/main" w="9525" cap="flat" cmpd="sng">
+                <a:solidFill>
+                  <a:srgbClr val="000000"/>
+                </a:solidFill>
+                <a:prstDash val="solid"/>
+                <a:round/>
+                <a:headEnd/>
+                <a:tailEnd/>
+              </a14:hiddenLine>
+            </a:ext>
+            <a:ext uri="{AF507438-7753-43e0-B8FC-AC1667EBCBE1}">
+              <a14:hiddenEffects xmlns:a14="http://schemas.microsoft.com/office/drawing/2010/main">
+                <a:effectLst>
+                  <a:outerShdw blurRad="63500" dist="38099" dir="2700000" algn="ctr" rotWithShape="0">
+                    <a:srgbClr val="000000">
+                      <a:alpha val="74998"/>
+                    </a:srgbClr>
+                  </a:outerShdw>
+                </a:effectLst>
+              </a14:hiddenEffects>
+            </a:ext>
+          </a:extLst>
+        </p:spPr>
+        <p:txBody>
+          <a:bodyPr lIns="0" tIns="0" rIns="0" bIns="0" anchor="ctr"/>
+          <a:lstStyle/>
+          <a:p>
+            <a:pPr algn="r">
+              <a:lnSpc>
+                <a:spcPts val="2300"/>
+              </a:lnSpc>
+              <a:buClrTx/>
+            </a:pPr>
+            <a:fld id="{CCCFFA64-6C4A-1D44-81AF-5D066716FDD0}" type="slidenum">
+              <a:rPr lang="en-US" sz="2300" b="1">
+                <a:latin typeface="PFDinTextCompPro-Regular" charset="0"/>
+                <a:cs typeface="PFDinTextCompPro-Regular" charset="0"/>
+                <a:sym typeface="PFDinTextCompPro-Regular" charset="0"/>
+              </a:rPr>
+              <a:pPr algn="r">
+                <a:lnSpc>
+                  <a:spcPts val="2300"/>
+                </a:lnSpc>
+                <a:buClrTx/>
+              </a:pPr>
+              <a:t>29</a:t>
+            </a:fld>
+            <a:endParaRPr lang="en-US"/>
+          </a:p>
+        </p:txBody>
+      </p:sp>
+      <p:sp>
+        <p:nvSpPr>
+          <p:cNvPr id="63491" name="Line 3"/>
+          <p:cNvSpPr>
+            <a:spLocks noChangeShapeType="1"/>
+          </p:cNvSpPr>
+          <p:nvPr/>
+        </p:nvSpPr>
+        <p:spPr bwMode="auto">
+          <a:xfrm flipH="1">
+            <a:off x="3233246" y="1485900"/>
+            <a:ext cx="0" cy="1219200"/>
+          </a:xfrm>
+          <a:prstGeom prst="line">
+            <a:avLst/>
+          </a:prstGeom>
+          <a:noFill/>
+          <a:ln w="25400" cap="flat" cmpd="sng">
+            <a:solidFill>
+              <a:srgbClr val="000000"/>
+            </a:solidFill>
+            <a:prstDash val="solid"/>
+            <a:round/>
+            <a:headEnd/>
+            <a:tailEnd/>
+          </a:ln>
+          <a:effectLst/>
+          <a:extLst>
+            <a:ext uri="{AF507438-7753-43e0-B8FC-AC1667EBCBE1}">
+              <a14:hiddenEffects xmlns:a14="http://schemas.microsoft.com/office/drawing/2010/main">
+                <a:effectLst>
+                  <a:outerShdw blurRad="63500" dist="38099" dir="2700000" algn="ctr" rotWithShape="0">
+                    <a:srgbClr val="000000">
+                      <a:alpha val="74998"/>
+                    </a:srgbClr>
+                  </a:outerShdw>
+                </a:effectLst>
+              </a14:hiddenEffects>
+            </a:ext>
+          </a:extLst>
+        </p:spPr>
+        <p:txBody>
+          <a:bodyPr lIns="0" tIns="0" rIns="0" bIns="0"/>
+          <a:lstStyle/>
+          <a:p>
+            <a:pPr algn="l" defTabSz="457200">
+              <a:buClrTx/>
+            </a:pPr>
+            <a:endParaRPr lang="en-US" sz="1200">
+              <a:latin typeface="Helvetica" charset="0"/>
+              <a:cs typeface="Helvetica" charset="0"/>
+              <a:sym typeface="Helvetica" charset="0"/>
+            </a:endParaRPr>
+          </a:p>
+        </p:txBody>
+      </p:sp>
+      <p:sp>
+        <p:nvSpPr>
+          <p:cNvPr id="63492" name="Line 4"/>
+          <p:cNvSpPr>
+            <a:spLocks noChangeShapeType="1"/>
+          </p:cNvSpPr>
+          <p:nvPr/>
+        </p:nvSpPr>
+        <p:spPr bwMode="auto">
+          <a:xfrm>
+            <a:off x="641567" y="1866900"/>
+            <a:ext cx="8232392" cy="0"/>
+          </a:xfrm>
+          <a:prstGeom prst="line">
+            <a:avLst/>
+          </a:prstGeom>
+          <a:noFill/>
+          <a:ln w="25400" cap="flat" cmpd="sng">
+            <a:solidFill>
+              <a:srgbClr val="000000"/>
+            </a:solidFill>
+            <a:prstDash val="solid"/>
+            <a:round/>
+            <a:headEnd/>
+            <a:tailEnd/>
+          </a:ln>
+          <a:effectLst/>
+          <a:extLst>
+            <a:ext uri="{AF507438-7753-43e0-B8FC-AC1667EBCBE1}">
+              <a14:hiddenEffects xmlns:a14="http://schemas.microsoft.com/office/drawing/2010/main">
+                <a:effectLst>
+                  <a:outerShdw blurRad="63500" dist="38099" dir="2700000" algn="ctr" rotWithShape="0">
+                    <a:srgbClr val="000000">
+                      <a:alpha val="74998"/>
+                    </a:srgbClr>
+                  </a:outerShdw>
+                </a:effectLst>
+              </a14:hiddenEffects>
+            </a:ext>
+          </a:extLst>
+        </p:spPr>
+        <p:txBody>
+          <a:bodyPr lIns="0" tIns="0" rIns="0" bIns="0"/>
+          <a:lstStyle/>
+          <a:p>
+            <a:pPr algn="l" defTabSz="457200">
+              <a:buClrTx/>
+            </a:pPr>
+            <a:endParaRPr lang="en-US" sz="1200">
+              <a:latin typeface="Helvetica" charset="0"/>
+              <a:cs typeface="Helvetica" charset="0"/>
+              <a:sym typeface="Helvetica" charset="0"/>
+            </a:endParaRPr>
+          </a:p>
+        </p:txBody>
+      </p:sp>
+      <p:sp>
+        <p:nvSpPr>
+          <p:cNvPr id="63493" name="AutoShape 5"/>
+          <p:cNvSpPr>
+            <a:spLocks/>
+          </p:cNvSpPr>
+          <p:nvPr/>
+        </p:nvSpPr>
+        <p:spPr bwMode="auto">
+          <a:xfrm>
+            <a:off x="565342" y="1990725"/>
+            <a:ext cx="7465369" cy="584200"/>
+          </a:xfrm>
+          <a:custGeom>
+            <a:avLst/>
+            <a:gdLst>
+              <a:gd name="T0" fmla="*/ 10800 w 21600"/>
+              <a:gd name="T1" fmla="*/ 10800 h 21600"/>
+              <a:gd name="T2" fmla="*/ 10800 w 21600"/>
+              <a:gd name="T3" fmla="*/ 10800 h 21600"/>
+              <a:gd name="T4" fmla="*/ 10800 w 21600"/>
+              <a:gd name="T5" fmla="*/ 10800 h 21600"/>
+              <a:gd name="T6" fmla="*/ 10800 w 21600"/>
+              <a:gd name="T7" fmla="*/ 10800 h 21600"/>
+            </a:gdLst>
+            <a:ahLst/>
+            <a:cxnLst>
+              <a:cxn ang="0">
+                <a:pos x="T0" y="T1"/>
+              </a:cxn>
+              <a:cxn ang="0">
+                <a:pos x="T2" y="T3"/>
+              </a:cxn>
+              <a:cxn ang="0">
+                <a:pos x="T4" y="T5"/>
+              </a:cxn>
+              <a:cxn ang="0">
+                <a:pos x="T6" y="T7"/>
+              </a:cxn>
+            </a:cxnLst>
+            <a:rect l="0" t="0" r="r" b="b"/>
+            <a:pathLst>
+              <a:path w="21600" h="21600">
+                <a:moveTo>
+                  <a:pt x="0" y="0"/>
+                </a:moveTo>
+                <a:lnTo>
+                  <a:pt x="21599" y="0"/>
+                </a:lnTo>
+                <a:lnTo>
+                  <a:pt x="21599" y="21599"/>
+                </a:lnTo>
+                <a:lnTo>
+                  <a:pt x="0" y="21599"/>
+                </a:lnTo>
+                <a:close/>
+              </a:path>
+            </a:pathLst>
+          </a:custGeom>
+          <a:noFill/>
+          <a:ln>
+            <a:noFill/>
+          </a:ln>
+          <a:effectLst/>
+          <a:extLst>
+            <a:ext uri="{909E8E84-426E-40dd-AFC4-6F175D3DCCD1}">
+              <a14:hiddenFill xmlns:a14="http://schemas.microsoft.com/office/drawing/2010/main">
+                <a:solidFill>
+                  <a:srgbClr val="FFFFFF"/>
+                </a:solidFill>
+              </a14:hiddenFill>
+            </a:ext>
+            <a:ext uri="{91240B29-F687-4f45-9708-019B960494DF}">
+              <a14:hiddenLine xmlns:a14="http://schemas.microsoft.com/office/drawing/2010/main" w="12700" cap="flat" cmpd="sng">
+                <a:solidFill>
+                  <a:srgbClr val="000000"/>
+                </a:solidFill>
+                <a:prstDash val="solid"/>
+                <a:round/>
+                <a:headEnd/>
+                <a:tailEnd/>
+              </a14:hiddenLine>
+            </a:ext>
+            <a:ext uri="{AF507438-7753-43e0-B8FC-AC1667EBCBE1}">
+              <a14:hiddenEffects xmlns:a14="http://schemas.microsoft.com/office/drawing/2010/main">
+                <a:effectLst>
+                  <a:outerShdw blurRad="63500" dist="38099" dir="2700000" algn="ctr" rotWithShape="0">
+                    <a:srgbClr val="000000">
+                      <a:alpha val="74998"/>
+                    </a:srgbClr>
+                  </a:outerShdw>
+                </a:effectLst>
+              </a14:hiddenEffects>
+            </a:ext>
+          </a:extLst>
+        </p:spPr>
+        <p:txBody>
+          <a:bodyPr lIns="38100" tIns="38100" rIns="38100" bIns="38100"/>
+          <a:lstStyle/>
+          <a:p>
+            <a:pPr algn="l">
+              <a:buFont typeface="PFDinTextCompPro-Medium" charset="0"/>
+              <a:buNone/>
+            </a:pPr>
+            <a:r>
+              <a:rPr lang="en-US" sz="4000" i="1">
+                <a:latin typeface="PFDinTextCompPro-Medium" charset="0"/>
+                <a:cs typeface="PFDinTextCompPro-Medium" charset="0"/>
+                <a:sym typeface="PFDinTextCompPro-Medium" charset="0"/>
+              </a:rPr>
+              <a:t>  supervised</a:t>
+            </a:r>
+            <a:r>
+              <a:rPr lang="en-US" sz="4000" i="1">
+                <a:latin typeface="PFDinTextCompPro-Regular" charset="0"/>
+                <a:cs typeface="PFDinTextCompPro-Regular" charset="0"/>
+                <a:sym typeface="PFDinTextCompPro-Regular" charset="0"/>
+              </a:rPr>
+              <a:t>		test out your predictions</a:t>
+            </a:r>
+            <a:endParaRPr lang="en-US"/>
+          </a:p>
+        </p:txBody>
+      </p:sp>
+    </p:spTree>
+    <p:extLst>
+      <p:ext uri="{BB962C8B-B14F-4D97-AF65-F5344CB8AC3E}">
+        <p14:creationId xmlns:p14="http://schemas.microsoft.com/office/powerpoint/2010/main" val="959394094"/>
+      </p:ext>
+    </p:extLst>
+  </p:cSld>
+  <p:clrMapOvr>
+    <a:masterClrMapping/>
+  </p:clrMapOvr>
+  <p:transition xmlns:p14="http://schemas.microsoft.com/office/powerpoint/2010/main" spd="med"/>
+</p:sld>
+</file>
+
+<file path=ppt/slides/slide3.xml><?xml version="1.0" encoding="utf-8"?>
+<p:sld xmlns:a="http://schemas.openxmlformats.org/drawingml/2006/main" xmlns:r="http://schemas.openxmlformats.org/officeDocument/2006/relationships" xmlns:p="http://schemas.openxmlformats.org/presentationml/2006/main">
+  <p:cSld>
+    <p:spTree>
+      <p:nvGrpSpPr>
+        <p:cNvPr id="1" name=""/>
+        <p:cNvGrpSpPr/>
+        <p:nvPr/>
+      </p:nvGrpSpPr>
+      <p:grpSpPr>
+        <a:xfrm>
+          <a:off x="0" y="0"/>
+          <a:ext cx="0" cy="0"/>
+          <a:chOff x="0" y="0"/>
+          <a:chExt cx="0" cy="0"/>
+        </a:xfrm>
+      </p:grpSpPr>
+      <p:sp>
+        <p:nvSpPr>
+          <p:cNvPr id="19457" name="Title 1"/>
+          <p:cNvSpPr>
+            <a:spLocks noGrp="1"/>
+          </p:cNvSpPr>
+          <p:nvPr>
+            <p:ph type="ctrTitle"/>
+          </p:nvPr>
+        </p:nvSpPr>
+        <p:spPr bwMode="auto">
+          <a:xfrm>
+            <a:off x="519112" y="1066800"/>
+            <a:ext cx="8429625" cy="3695700"/>
+          </a:xfrm>
+          <a:extLst>
+            <a:ext uri="{909E8E84-426E-40dd-AFC4-6F175D3DCCD1}">
+              <a14:hiddenFill xmlns:a14="http://schemas.microsoft.com/office/drawing/2010/main">
+                <a:solidFill>
+                  <a:srgbClr val="FFFFFF"/>
+                </a:solidFill>
+              </a14:hiddenFill>
+            </a:ext>
+            <a:ext uri="{91240B29-F687-4f45-9708-019B960494DF}">
+              <a14:hiddenLine xmlns:a14="http://schemas.microsoft.com/office/drawing/2010/main" w="9525">
+                <a:solidFill>
+                  <a:srgbClr val="000000"/>
+                </a:solidFill>
+                <a:miter lim="800000"/>
+                <a:headEnd/>
+                <a:tailEnd/>
+              </a14:hiddenLine>
+            </a:ext>
+            <a:ext uri="{FAA26D3D-D897-4be2-8F04-BA451C77F1D7}">
+              <ma14:placeholderFlag xmlns:ma14="http://schemas.microsoft.com/office/mac/drawingml/2011/main" val="1"/>
+            </a:ext>
+          </a:extLst>
+        </p:spPr>
+        <p:txBody>
+          <a:bodyPr wrap="square" numCol="1" anchor="t" anchorCtr="0" compatLnSpc="1">
+            <a:prstTxWarp prst="textNoShape">
+              <a:avLst/>
+            </a:prstTxWarp>
+          </a:bodyPr>
+          <a:lstStyle/>
+          <a:p>
+            <a:pPr>
+              <a:lnSpc>
+                <a:spcPts val="3600"/>
+              </a:lnSpc>
+              <a:defRPr/>
+            </a:pPr>
+            <a:r>
+              <a:rPr lang="en-US" sz="3000" dirty="0" smtClean="0">
+                <a:latin typeface="PFDinTextCompPro-Bold" charset="0"/>
+                <a:ea typeface="ヒラギノ角ゴ ProN W6" charset="0"/>
+                <a:cs typeface="ヒラギノ角ゴ ProN W6" charset="0"/>
+              </a:rPr>
+              <a:t/>
+            </a:r>
+            <a:br>
+              <a:rPr lang="en-US" sz="3000" dirty="0" smtClean="0">
+                <a:latin typeface="PFDinTextCompPro-Bold" charset="0"/>
+                <a:ea typeface="ヒラギノ角ゴ ProN W6" charset="0"/>
+                <a:cs typeface="ヒラギノ角ゴ ProN W6" charset="0"/>
+              </a:rPr>
+            </a:br>
+            <a:r>
+              <a:rPr lang="en-US" sz="3000" dirty="0" smtClean="0">
+                <a:latin typeface="PFDinTextCompPro-Bold" charset="0"/>
+                <a:ea typeface="ヒラギノ角ゴ ProN W6" charset="0"/>
+                <a:cs typeface="ヒラギノ角ゴ ProN W6" charset="0"/>
+              </a:rPr>
+              <a:t/>
+            </a:r>
+            <a:br>
+              <a:rPr lang="en-US" sz="3000" dirty="0" smtClean="0">
+                <a:latin typeface="PFDinTextCompPro-Bold" charset="0"/>
+                <a:ea typeface="ヒラギノ角ゴ ProN W6" charset="0"/>
+                <a:cs typeface="ヒラギノ角ゴ ProN W6" charset="0"/>
+              </a:rPr>
+            </a:br>
+            <a:r>
+              <a:rPr lang="en-US" sz="3000" dirty="0" smtClean="0">
+                <a:latin typeface="PFDinTextCompPro-Bold" charset="0"/>
+                <a:ea typeface="ヒラギノ角ゴ ProN W6" charset="0"/>
+                <a:cs typeface="ヒラギノ角ゴ ProN W6" charset="0"/>
+              </a:rPr>
+              <a:t>I</a:t>
+            </a:r>
+            <a:r>
+              <a:rPr lang="en-US" sz="3000" dirty="0" smtClean="0">
+                <a:latin typeface="PFDinTextCompPro-Bold" charset="0"/>
+                <a:ea typeface="ヒラギノ角ゴ ProN W6" charset="0"/>
+                <a:cs typeface="ヒラギノ角ゴ ProN W6" charset="0"/>
+              </a:rPr>
+              <a:t>. what is machine learning?</a:t>
+            </a:r>
+            <a:br>
+              <a:rPr lang="en-US" sz="3000" dirty="0" smtClean="0">
+                <a:latin typeface="PFDinTextCompPro-Bold" charset="0"/>
+                <a:ea typeface="ヒラギノ角ゴ ProN W6" charset="0"/>
+                <a:cs typeface="ヒラギノ角ゴ ProN W6" charset="0"/>
+              </a:rPr>
+            </a:br>
+            <a:r>
+              <a:rPr lang="en-US" sz="3000" dirty="0" err="1" smtClean="0">
+                <a:latin typeface="PFDinTextCompPro-Bold" charset="0"/>
+                <a:ea typeface="ヒラギノ角ゴ ProN W6" charset="0"/>
+                <a:cs typeface="ヒラギノ角ゴ ProN W6" charset="0"/>
+              </a:rPr>
+              <a:t>iI</a:t>
+            </a:r>
+            <a:r>
+              <a:rPr lang="en-US" sz="3000" dirty="0" smtClean="0">
+                <a:latin typeface="PFDinTextCompPro-Bold" charset="0"/>
+                <a:ea typeface="ヒラギノ角ゴ ProN W6" charset="0"/>
+                <a:cs typeface="ヒラギノ角ゴ ProN W6" charset="0"/>
+              </a:rPr>
+              <a:t>. machine learning problems</a:t>
+            </a:r>
+            <a:br>
+              <a:rPr lang="en-US" sz="3000" dirty="0" smtClean="0">
+                <a:latin typeface="PFDinTextCompPro-Bold" charset="0"/>
+                <a:ea typeface="ヒラギノ角ゴ ProN W6" charset="0"/>
+                <a:cs typeface="ヒラギノ角ゴ ProN W6" charset="0"/>
+              </a:rPr>
+            </a:br>
+            <a:r>
+              <a:rPr lang="en-US" sz="3000" dirty="0" smtClean="0">
+                <a:latin typeface="PFDinTextCompPro-Bold" charset="0"/>
+                <a:ea typeface="ヒラギノ角ゴ ProN W6" charset="0"/>
+                <a:cs typeface="ヒラギノ角ゴ ProN W6" charset="0"/>
+              </a:rPr>
+              <a:t>III</a:t>
+            </a:r>
+            <a:r>
+              <a:rPr lang="en-US" sz="3000" dirty="0" smtClean="0">
+                <a:latin typeface="PFDinTextCompPro-Bold" charset="0"/>
+                <a:ea typeface="ヒラギノ角ゴ ProN W6" charset="0"/>
+                <a:cs typeface="ヒラギノ角ゴ ProN W6" charset="0"/>
+              </a:rPr>
+              <a:t>. </a:t>
+            </a:r>
+            <a:r>
+              <a:rPr lang="en-US" sz="3000" dirty="0" smtClean="0">
+                <a:latin typeface="PFDinTextCompPro-Bold" charset="0"/>
+                <a:ea typeface="ヒラギノ角ゴ ProN W6" charset="0"/>
+                <a:cs typeface="ヒラギノ角ゴ ProN W6" charset="0"/>
+              </a:rPr>
+              <a:t>Classification with </a:t>
+            </a:r>
+            <a:r>
+              <a:rPr lang="en-US" sz="3000" dirty="0" smtClean="0">
+                <a:latin typeface="PFDinTextCompPro-Bold" charset="0"/>
+                <a:ea typeface="ヒラギノ角ゴ ProN W6" charset="0"/>
+                <a:cs typeface="ヒラギノ角ゴ ProN W6" charset="0"/>
+              </a:rPr>
+              <a:t>K Nearest Neighbors</a:t>
+            </a:r>
+            <a:endParaRPr lang="en-US" sz="3000" cap="none" dirty="0">
+              <a:latin typeface="PFDinTextCompPro-Bold" charset="0"/>
+              <a:ea typeface="ヒラギノ角ゴ ProN W6" charset="0"/>
+              <a:cs typeface="ヒラギノ角ゴ ProN W6" charset="0"/>
+            </a:endParaRPr>
+          </a:p>
+        </p:txBody>
+      </p:sp>
+      <p:sp>
+        <p:nvSpPr>
+          <p:cNvPr id="11" name="Content Placeholder 10"/>
+          <p:cNvSpPr>
+            <a:spLocks noGrp="1"/>
+          </p:cNvSpPr>
+          <p:nvPr>
+            <p:ph sz="quarter" idx="11"/>
+          </p:nvPr>
+        </p:nvSpPr>
+        <p:spPr>
+          <a:xfrm>
+            <a:off x="371475" y="495300"/>
+            <a:ext cx="7129463" cy="304800"/>
+          </a:xfrm>
+        </p:spPr>
+        <p:txBody>
+          <a:bodyPr/>
+          <a:lstStyle/>
+          <a:p>
+            <a:pPr eaLnBrk="1" hangingPunct="1">
+              <a:lnSpc>
+                <a:spcPts val="2448"/>
+              </a:lnSpc>
+              <a:defRPr/>
+            </a:pPr>
+            <a:r>
+              <a:rPr lang="en-US" dirty="0" smtClean="0">
+                <a:latin typeface="PFDinTextCompPro-Bold" charset="0"/>
+                <a:ea typeface="ＭＳ Ｐゴシック" charset="0"/>
+                <a:cs typeface="PFDinTextCompPro-Bold" charset="0"/>
+                <a:sym typeface="PFDinTextCompPro-Bold" charset="0"/>
+              </a:rPr>
+              <a:t>agenda</a:t>
+            </a:r>
+          </a:p>
+          <a:p>
+            <a:pPr eaLnBrk="1" hangingPunct="1">
+              <a:lnSpc>
+                <a:spcPts val="2448"/>
+              </a:lnSpc>
+              <a:defRPr/>
+            </a:pPr>
+            <a:endParaRPr lang="en-US" dirty="0" smtClean="0"/>
+          </a:p>
+        </p:txBody>
+      </p:sp>
+      <p:sp>
+        <p:nvSpPr>
+          <p:cNvPr id="6" name="Slide Number Placeholder 3"/>
+          <p:cNvSpPr>
+            <a:spLocks noGrp="1"/>
+          </p:cNvSpPr>
+          <p:nvPr>
+            <p:ph type="sldNum" sz="quarter" idx="13"/>
+          </p:nvPr>
+        </p:nvSpPr>
+        <p:spPr/>
+        <p:txBody>
+          <a:bodyPr/>
+          <a:lstStyle/>
+          <a:p>
+            <a:pPr>
+              <a:defRPr/>
+            </a:pPr>
+            <a:fld id="{6F4A1B40-4074-4A43-A415-862C3E2C2127}" type="slidenum">
+              <a:rPr lang="en-US"/>
+              <a:pPr>
+                <a:defRPr/>
+              </a:pPr>
+              <a:t>3</a:t>
+            </a:fld>
+            <a:endParaRPr lang="en-US"/>
+          </a:p>
+        </p:txBody>
+      </p:sp>
+    </p:spTree>
+    <p:extLst>
+      <p:ext uri="{BB962C8B-B14F-4D97-AF65-F5344CB8AC3E}">
+        <p14:creationId xmlns:p14="http://schemas.microsoft.com/office/powerpoint/2010/main" val="820825700"/>
+      </p:ext>
+    </p:extLst>
+  </p:cSld>
+  <p:clrMapOvr>
+    <a:masterClrMapping/>
+  </p:clrMapOvr>
+  <p:transition xmlns:p14="http://schemas.microsoft.com/office/powerpoint/2010/main"/>
+  <p:timing>
+    <p:tnLst>
+      <p:par>
+        <p:cTn xmlns:p14="http://schemas.microsoft.com/office/powerpoint/2010/main" id="1" dur="indefinite" restart="never" nodeType="tmRoot"/>
+      </p:par>
+    </p:tnLst>
+  </p:timing>
+</p:sld>
+</file>
+
+<file path=ppt/slides/slide30.xml><?xml version="1.0" encoding="utf-8"?>
+<p:sld xmlns:a="http://schemas.openxmlformats.org/drawingml/2006/main" xmlns:r="http://schemas.openxmlformats.org/officeDocument/2006/relationships" xmlns:p="http://schemas.openxmlformats.org/presentationml/2006/main">
+  <p:cSld>
+    <p:spTree>
+      <p:nvGrpSpPr>
+        <p:cNvPr id="1" name=""/>
+        <p:cNvGrpSpPr/>
+        <p:nvPr/>
+      </p:nvGrpSpPr>
+      <p:grpSpPr>
+        <a:xfrm>
+          <a:off x="0" y="0"/>
+          <a:ext cx="0" cy="0"/>
+          <a:chOff x="0" y="0"/>
+          <a:chExt cx="0" cy="0"/>
+        </a:xfrm>
+      </p:grpSpPr>
+      <p:sp>
+        <p:nvSpPr>
+          <p:cNvPr id="61441" name="Rectangle 1"/>
+          <p:cNvSpPr>
+            <a:spLocks noChangeArrowheads="1"/>
+          </p:cNvSpPr>
+          <p:nvPr>
+            <p:ph type="body" idx="1"/>
+          </p:nvPr>
+        </p:nvSpPr>
+        <p:spPr>
+          <a:xfrm>
+            <a:off x="412890" y="495301"/>
+            <a:ext cx="6402971" cy="569913"/>
+          </a:xfrm>
+        </p:spPr>
+        <p:txBody>
+          <a:bodyPr lIns="38100" tIns="38100" rIns="38100" bIns="38100"/>
+          <a:lstStyle/>
+          <a:p>
+            <a:pPr defTabSz="914400">
+              <a:lnSpc>
+                <a:spcPts val="2400"/>
+              </a:lnSpc>
+              <a:buClr>
+                <a:srgbClr val="000000"/>
+              </a:buClr>
+              <a:buFont typeface="Lucida Grande" charset="0"/>
+              <a:buNone/>
+            </a:pPr>
+            <a:r>
+              <a:rPr lang="en-US" sz="2300" b="1">
+                <a:latin typeface="PFDinTextCompPro-Regular" charset="0"/>
+                <a:cs typeface="PFDinTextCompPro-Regular" charset="0"/>
+                <a:sym typeface="PFDinTextCompPro-Regular" charset="0"/>
+              </a:rPr>
+              <a:t>ASSESSING ML PERFORMANCE</a:t>
+            </a:r>
+            <a:endParaRPr lang="en-US"/>
+          </a:p>
+        </p:txBody>
+      </p:sp>
+      <p:sp>
+        <p:nvSpPr>
+          <p:cNvPr id="61442" name="AutoShape 2"/>
+          <p:cNvSpPr>
+            <a:spLocks/>
+          </p:cNvSpPr>
+          <p:nvPr/>
+        </p:nvSpPr>
+        <p:spPr bwMode="auto">
+          <a:xfrm>
+            <a:off x="8642106" y="523875"/>
+            <a:ext cx="265203" cy="317500"/>
+          </a:xfrm>
+          <a:custGeom>
+            <a:avLst/>
+            <a:gdLst>
+              <a:gd name="T0" fmla="*/ 10800 w 21600"/>
+              <a:gd name="T1" fmla="*/ 10800 h 21600"/>
+              <a:gd name="T2" fmla="*/ 10800 w 21600"/>
+              <a:gd name="T3" fmla="*/ 10800 h 21600"/>
+              <a:gd name="T4" fmla="*/ 10800 w 21600"/>
+              <a:gd name="T5" fmla="*/ 10800 h 21600"/>
+              <a:gd name="T6" fmla="*/ 10800 w 21600"/>
+              <a:gd name="T7" fmla="*/ 10800 h 21600"/>
+            </a:gdLst>
+            <a:ahLst/>
+            <a:cxnLst>
+              <a:cxn ang="0">
+                <a:pos x="T0" y="T1"/>
+              </a:cxn>
+              <a:cxn ang="0">
+                <a:pos x="T2" y="T3"/>
+              </a:cxn>
+              <a:cxn ang="0">
+                <a:pos x="T4" y="T5"/>
+              </a:cxn>
+              <a:cxn ang="0">
+                <a:pos x="T6" y="T7"/>
+              </a:cxn>
+            </a:cxnLst>
+            <a:rect l="0" t="0" r="r" b="b"/>
+            <a:pathLst>
+              <a:path w="21600" h="21600">
+                <a:moveTo>
+                  <a:pt x="0" y="0"/>
+                </a:moveTo>
+                <a:lnTo>
+                  <a:pt x="21599" y="0"/>
+                </a:lnTo>
+                <a:lnTo>
+                  <a:pt x="21599" y="21600"/>
+                </a:lnTo>
+                <a:lnTo>
+                  <a:pt x="0" y="21600"/>
+                </a:lnTo>
+                <a:close/>
+              </a:path>
+            </a:pathLst>
+          </a:custGeom>
+          <a:noFill/>
+          <a:ln>
+            <a:noFill/>
+          </a:ln>
+          <a:effectLst/>
+          <a:extLst>
+            <a:ext uri="{909E8E84-426E-40dd-AFC4-6F175D3DCCD1}">
+              <a14:hiddenFill xmlns:a14="http://schemas.microsoft.com/office/drawing/2010/main">
+                <a:solidFill>
+                  <a:srgbClr val="FFFFFF"/>
+                </a:solidFill>
+              </a14:hiddenFill>
+            </a:ext>
+            <a:ext uri="{91240B29-F687-4f45-9708-019B960494DF}">
+              <a14:hiddenLine xmlns:a14="http://schemas.microsoft.com/office/drawing/2010/main" w="9525" cap="flat" cmpd="sng">
+                <a:solidFill>
+                  <a:srgbClr val="000000"/>
+                </a:solidFill>
+                <a:prstDash val="solid"/>
+                <a:round/>
+                <a:headEnd/>
+                <a:tailEnd/>
+              </a14:hiddenLine>
+            </a:ext>
+            <a:ext uri="{AF507438-7753-43e0-B8FC-AC1667EBCBE1}">
+              <a14:hiddenEffects xmlns:a14="http://schemas.microsoft.com/office/drawing/2010/main">
+                <a:effectLst>
+                  <a:outerShdw blurRad="63500" dist="38099" dir="2700000" algn="ctr" rotWithShape="0">
+                    <a:srgbClr val="000000">
+                      <a:alpha val="74998"/>
+                    </a:srgbClr>
+                  </a:outerShdw>
+                </a:effectLst>
+              </a14:hiddenEffects>
+            </a:ext>
+          </a:extLst>
+        </p:spPr>
+        <p:txBody>
+          <a:bodyPr lIns="0" tIns="0" rIns="0" bIns="0" anchor="ctr"/>
+          <a:lstStyle/>
+          <a:p>
+            <a:pPr algn="r">
+              <a:lnSpc>
+                <a:spcPts val="2300"/>
+              </a:lnSpc>
+              <a:buClrTx/>
+            </a:pPr>
+            <a:fld id="{9618142E-865A-874D-98E5-2018D16057F9}" type="slidenum">
+              <a:rPr lang="en-US" sz="2300" b="1">
+                <a:latin typeface="PFDinTextCompPro-Regular" charset="0"/>
+                <a:cs typeface="PFDinTextCompPro-Regular" charset="0"/>
+                <a:sym typeface="PFDinTextCompPro-Regular" charset="0"/>
+              </a:rPr>
+              <a:pPr algn="r">
+                <a:lnSpc>
+                  <a:spcPts val="2300"/>
+                </a:lnSpc>
+                <a:buClrTx/>
+              </a:pPr>
+              <a:t>30</a:t>
+            </a:fld>
+            <a:endParaRPr lang="en-US"/>
+          </a:p>
+        </p:txBody>
+      </p:sp>
+      <p:sp>
+        <p:nvSpPr>
+          <p:cNvPr id="61443" name="Line 3"/>
+          <p:cNvSpPr>
+            <a:spLocks noChangeShapeType="1"/>
+          </p:cNvSpPr>
+          <p:nvPr/>
+        </p:nvSpPr>
+        <p:spPr bwMode="auto">
+          <a:xfrm flipH="1">
+            <a:off x="3233246" y="1485900"/>
+            <a:ext cx="0" cy="2133600"/>
+          </a:xfrm>
+          <a:prstGeom prst="line">
+            <a:avLst/>
+          </a:prstGeom>
+          <a:noFill/>
+          <a:ln w="25400" cap="flat" cmpd="sng">
+            <a:solidFill>
+              <a:srgbClr val="000000"/>
+            </a:solidFill>
+            <a:prstDash val="solid"/>
+            <a:round/>
+            <a:headEnd/>
+            <a:tailEnd/>
+          </a:ln>
+          <a:effectLst/>
+          <a:extLst>
+            <a:ext uri="{AF507438-7753-43e0-B8FC-AC1667EBCBE1}">
+              <a14:hiddenEffects xmlns:a14="http://schemas.microsoft.com/office/drawing/2010/main">
+                <a:effectLst>
+                  <a:outerShdw blurRad="63500" dist="38099" dir="2700000" algn="ctr" rotWithShape="0">
+                    <a:srgbClr val="000000">
+                      <a:alpha val="74998"/>
+                    </a:srgbClr>
+                  </a:outerShdw>
+                </a:effectLst>
+              </a14:hiddenEffects>
+            </a:ext>
+          </a:extLst>
+        </p:spPr>
+        <p:txBody>
+          <a:bodyPr lIns="0" tIns="0" rIns="0" bIns="0"/>
+          <a:lstStyle/>
+          <a:p>
+            <a:pPr algn="l" defTabSz="457200">
+              <a:buClrTx/>
+            </a:pPr>
+            <a:endParaRPr lang="en-US" sz="1200">
+              <a:latin typeface="Helvetica" charset="0"/>
+              <a:cs typeface="Helvetica" charset="0"/>
+              <a:sym typeface="Helvetica" charset="0"/>
+            </a:endParaRPr>
+          </a:p>
+        </p:txBody>
+      </p:sp>
+      <p:sp>
+        <p:nvSpPr>
+          <p:cNvPr id="61444" name="Line 4"/>
+          <p:cNvSpPr>
+            <a:spLocks noChangeShapeType="1"/>
+          </p:cNvSpPr>
+          <p:nvPr/>
+        </p:nvSpPr>
+        <p:spPr bwMode="auto">
+          <a:xfrm>
+            <a:off x="641567" y="1866900"/>
+            <a:ext cx="8232392" cy="0"/>
+          </a:xfrm>
+          <a:prstGeom prst="line">
+            <a:avLst/>
+          </a:prstGeom>
+          <a:noFill/>
+          <a:ln w="25400" cap="flat" cmpd="sng">
+            <a:solidFill>
+              <a:srgbClr val="000000"/>
+            </a:solidFill>
+            <a:prstDash val="solid"/>
+            <a:round/>
+            <a:headEnd/>
+            <a:tailEnd/>
+          </a:ln>
+          <a:effectLst/>
+          <a:extLst>
+            <a:ext uri="{AF507438-7753-43e0-B8FC-AC1667EBCBE1}">
+              <a14:hiddenEffects xmlns:a14="http://schemas.microsoft.com/office/drawing/2010/main">
+                <a:effectLst>
+                  <a:outerShdw blurRad="63500" dist="38099" dir="2700000" algn="ctr" rotWithShape="0">
+                    <a:srgbClr val="000000">
+                      <a:alpha val="74998"/>
+                    </a:srgbClr>
+                  </a:outerShdw>
+                </a:effectLst>
+              </a14:hiddenEffects>
+            </a:ext>
+          </a:extLst>
+        </p:spPr>
+        <p:txBody>
+          <a:bodyPr lIns="0" tIns="0" rIns="0" bIns="0"/>
+          <a:lstStyle/>
+          <a:p>
+            <a:pPr algn="l" defTabSz="457200">
+              <a:buClrTx/>
+            </a:pPr>
+            <a:endParaRPr lang="en-US" sz="1200">
+              <a:latin typeface="Helvetica" charset="0"/>
+              <a:cs typeface="Helvetica" charset="0"/>
+              <a:sym typeface="Helvetica" charset="0"/>
+            </a:endParaRPr>
+          </a:p>
+        </p:txBody>
+      </p:sp>
+      <p:sp>
+        <p:nvSpPr>
+          <p:cNvPr id="61445" name="AutoShape 5"/>
+          <p:cNvSpPr>
+            <a:spLocks/>
+          </p:cNvSpPr>
+          <p:nvPr/>
+        </p:nvSpPr>
+        <p:spPr bwMode="auto">
+          <a:xfrm>
+            <a:off x="565342" y="1990725"/>
+            <a:ext cx="7613057" cy="1206500"/>
+          </a:xfrm>
+          <a:custGeom>
+            <a:avLst/>
+            <a:gdLst>
+              <a:gd name="T0" fmla="*/ 10800 w 21600"/>
+              <a:gd name="T1" fmla="*/ 10800 h 21600"/>
+              <a:gd name="T2" fmla="*/ 10800 w 21600"/>
+              <a:gd name="T3" fmla="*/ 10800 h 21600"/>
+              <a:gd name="T4" fmla="*/ 10800 w 21600"/>
+              <a:gd name="T5" fmla="*/ 10800 h 21600"/>
+              <a:gd name="T6" fmla="*/ 10800 w 21600"/>
+              <a:gd name="T7" fmla="*/ 10800 h 21600"/>
+            </a:gdLst>
+            <a:ahLst/>
+            <a:cxnLst>
+              <a:cxn ang="0">
+                <a:pos x="T0" y="T1"/>
+              </a:cxn>
+              <a:cxn ang="0">
+                <a:pos x="T2" y="T3"/>
+              </a:cxn>
+              <a:cxn ang="0">
+                <a:pos x="T4" y="T5"/>
+              </a:cxn>
+              <a:cxn ang="0">
+                <a:pos x="T6" y="T7"/>
+              </a:cxn>
+            </a:cxnLst>
+            <a:rect l="0" t="0" r="r" b="b"/>
+            <a:pathLst>
+              <a:path w="21600" h="21600">
+                <a:moveTo>
+                  <a:pt x="0" y="0"/>
+                </a:moveTo>
+                <a:lnTo>
+                  <a:pt x="21599" y="0"/>
+                </a:lnTo>
+                <a:lnTo>
+                  <a:pt x="21599" y="21600"/>
+                </a:lnTo>
+                <a:lnTo>
+                  <a:pt x="0" y="21600"/>
+                </a:lnTo>
+                <a:close/>
+              </a:path>
+            </a:pathLst>
+          </a:custGeom>
+          <a:noFill/>
+          <a:ln>
+            <a:noFill/>
+          </a:ln>
+          <a:effectLst/>
+          <a:extLst>
+            <a:ext uri="{909E8E84-426E-40dd-AFC4-6F175D3DCCD1}">
+              <a14:hiddenFill xmlns:a14="http://schemas.microsoft.com/office/drawing/2010/main">
+                <a:solidFill>
+                  <a:srgbClr val="FFFFFF"/>
+                </a:solidFill>
+              </a14:hiddenFill>
+            </a:ext>
+            <a:ext uri="{91240B29-F687-4f45-9708-019B960494DF}">
+              <a14:hiddenLine xmlns:a14="http://schemas.microsoft.com/office/drawing/2010/main" w="12700" cap="flat" cmpd="sng">
+                <a:solidFill>
+                  <a:srgbClr val="000000"/>
+                </a:solidFill>
+                <a:prstDash val="solid"/>
+                <a:round/>
+                <a:headEnd/>
+                <a:tailEnd/>
+              </a14:hiddenLine>
+            </a:ext>
+            <a:ext uri="{AF507438-7753-43e0-B8FC-AC1667EBCBE1}">
+              <a14:hiddenEffects xmlns:a14="http://schemas.microsoft.com/office/drawing/2010/main">
+                <a:effectLst>
+                  <a:outerShdw blurRad="63500" dist="38099" dir="2700000" algn="ctr" rotWithShape="0">
+                    <a:srgbClr val="000000">
+                      <a:alpha val="74998"/>
+                    </a:srgbClr>
+                  </a:outerShdw>
+                </a:effectLst>
+              </a14:hiddenEffects>
+            </a:ext>
+          </a:extLst>
+        </p:spPr>
+        <p:txBody>
+          <a:bodyPr lIns="38100" tIns="38100" rIns="38100" bIns="38100"/>
+          <a:lstStyle/>
+          <a:p>
+            <a:pPr algn="l">
+              <a:buFont typeface="PFDinTextCompPro-Medium" charset="0"/>
+              <a:buNone/>
+            </a:pPr>
+            <a:r>
+              <a:rPr lang="en-US" sz="4000" i="1">
+                <a:latin typeface="PFDinTextCompPro-Medium" charset="0"/>
+                <a:cs typeface="PFDinTextCompPro-Medium" charset="0"/>
+                <a:sym typeface="PFDinTextCompPro-Medium" charset="0"/>
+              </a:rPr>
+              <a:t>  supervised</a:t>
+            </a:r>
+            <a:r>
+              <a:rPr lang="en-US" sz="4000" i="1">
+                <a:latin typeface="PFDinTextCompPro-Regular" charset="0"/>
+                <a:cs typeface="PFDinTextCompPro-Regular" charset="0"/>
+                <a:sym typeface="PFDinTextCompPro-Regular" charset="0"/>
+              </a:rPr>
+              <a:t>		test out your predictions</a:t>
+            </a:r>
+            <a:endParaRPr lang="en-US"/>
+          </a:p>
+          <a:p>
+            <a:pPr algn="l">
+              <a:buFont typeface="PFDinTextCompPro-Medium" charset="0"/>
+              <a:buNone/>
+            </a:pPr>
+            <a:r>
+              <a:rPr lang="en-US" sz="4000" i="1">
+                <a:latin typeface="PFDinTextCompPro-Medium" charset="0"/>
+                <a:cs typeface="PFDinTextCompPro-Medium" charset="0"/>
+                <a:sym typeface="PFDinTextCompPro-Medium" charset="0"/>
+              </a:rPr>
+              <a:t>unsupervised</a:t>
+            </a:r>
+            <a:r>
+              <a:rPr lang="en-US" sz="4000" i="1">
+                <a:latin typeface="PFDinTextCompPro-Regular" charset="0"/>
+                <a:cs typeface="PFDinTextCompPro-Regular" charset="0"/>
+                <a:sym typeface="PFDinTextCompPro-Regular" charset="0"/>
+              </a:rPr>
+              <a:t>			 …</a:t>
+            </a:r>
+            <a:endParaRPr lang="en-US"/>
+          </a:p>
+        </p:txBody>
+      </p:sp>
+    </p:spTree>
+    <p:extLst>
+      <p:ext uri="{BB962C8B-B14F-4D97-AF65-F5344CB8AC3E}">
+        <p14:creationId xmlns:p14="http://schemas.microsoft.com/office/powerpoint/2010/main" val="846502222"/>
+      </p:ext>
+    </p:extLst>
+  </p:cSld>
+  <p:clrMapOvr>
+    <a:masterClrMapping/>
+  </p:clrMapOvr>
+  <p:transition xmlns:p14="http://schemas.microsoft.com/office/powerpoint/2010/main" spd="med"/>
+</p:sld>
+</file>
+
+<file path=ppt/slides/slide31.xml><?xml version="1.0" encoding="utf-8"?>
+<p:sld xmlns:a="http://schemas.openxmlformats.org/drawingml/2006/main" xmlns:r="http://schemas.openxmlformats.org/officeDocument/2006/relationships" xmlns:p="http://schemas.openxmlformats.org/presentationml/2006/main">
+  <p:cSld>
+    <p:spTree>
+      <p:nvGrpSpPr>
+        <p:cNvPr id="1" name=""/>
+        <p:cNvGrpSpPr/>
+        <p:nvPr/>
+      </p:nvGrpSpPr>
+      <p:grpSpPr>
+        <a:xfrm>
+          <a:off x="0" y="0"/>
+          <a:ext cx="0" cy="0"/>
+          <a:chOff x="0" y="0"/>
+          <a:chExt cx="0" cy="0"/>
+        </a:xfrm>
+      </p:grpSpPr>
+      <p:sp>
+        <p:nvSpPr>
+          <p:cNvPr id="61441" name="Rectangle 1"/>
+          <p:cNvSpPr>
+            <a:spLocks noChangeArrowheads="1"/>
+          </p:cNvSpPr>
+          <p:nvPr>
+            <p:ph type="body" idx="1"/>
+          </p:nvPr>
+        </p:nvSpPr>
+        <p:spPr>
+          <a:xfrm>
+            <a:off x="412890" y="495301"/>
+            <a:ext cx="6402971" cy="569913"/>
+          </a:xfrm>
+        </p:spPr>
+        <p:txBody>
+          <a:bodyPr lIns="38100" tIns="38100" rIns="38100" bIns="38100"/>
+          <a:lstStyle/>
+          <a:p>
+            <a:pPr defTabSz="914400">
+              <a:lnSpc>
+                <a:spcPts val="2400"/>
+              </a:lnSpc>
+              <a:buClr>
+                <a:srgbClr val="000000"/>
+              </a:buClr>
+              <a:buFont typeface="Lucida Grande" charset="0"/>
+              <a:buNone/>
+            </a:pPr>
+            <a:r>
+              <a:rPr lang="en-US" sz="2300" b="1">
+                <a:latin typeface="PFDinTextCompPro-Regular" charset="0"/>
+                <a:cs typeface="PFDinTextCompPro-Regular" charset="0"/>
+                <a:sym typeface="PFDinTextCompPro-Regular" charset="0"/>
+              </a:rPr>
+              <a:t>ASSESSING ML PERFORMANCE</a:t>
+            </a:r>
+            <a:endParaRPr lang="en-US"/>
+          </a:p>
+        </p:txBody>
+      </p:sp>
+      <p:sp>
+        <p:nvSpPr>
+          <p:cNvPr id="61442" name="AutoShape 2"/>
+          <p:cNvSpPr>
+            <a:spLocks/>
+          </p:cNvSpPr>
+          <p:nvPr/>
+        </p:nvSpPr>
+        <p:spPr bwMode="auto">
+          <a:xfrm>
+            <a:off x="8642106" y="523875"/>
+            <a:ext cx="265203" cy="317500"/>
+          </a:xfrm>
+          <a:custGeom>
+            <a:avLst/>
+            <a:gdLst>
+              <a:gd name="T0" fmla="*/ 10800 w 21600"/>
+              <a:gd name="T1" fmla="*/ 10800 h 21600"/>
+              <a:gd name="T2" fmla="*/ 10800 w 21600"/>
+              <a:gd name="T3" fmla="*/ 10800 h 21600"/>
+              <a:gd name="T4" fmla="*/ 10800 w 21600"/>
+              <a:gd name="T5" fmla="*/ 10800 h 21600"/>
+              <a:gd name="T6" fmla="*/ 10800 w 21600"/>
+              <a:gd name="T7" fmla="*/ 10800 h 21600"/>
+            </a:gdLst>
+            <a:ahLst/>
+            <a:cxnLst>
+              <a:cxn ang="0">
+                <a:pos x="T0" y="T1"/>
+              </a:cxn>
+              <a:cxn ang="0">
+                <a:pos x="T2" y="T3"/>
+              </a:cxn>
+              <a:cxn ang="0">
+                <a:pos x="T4" y="T5"/>
+              </a:cxn>
+              <a:cxn ang="0">
+                <a:pos x="T6" y="T7"/>
+              </a:cxn>
+            </a:cxnLst>
+            <a:rect l="0" t="0" r="r" b="b"/>
+            <a:pathLst>
+              <a:path w="21600" h="21600">
+                <a:moveTo>
+                  <a:pt x="0" y="0"/>
+                </a:moveTo>
+                <a:lnTo>
+                  <a:pt x="21599" y="0"/>
+                </a:lnTo>
+                <a:lnTo>
+                  <a:pt x="21599" y="21600"/>
+                </a:lnTo>
+                <a:lnTo>
+                  <a:pt x="0" y="21600"/>
+                </a:lnTo>
+                <a:close/>
+              </a:path>
+            </a:pathLst>
+          </a:custGeom>
+          <a:noFill/>
+          <a:ln>
+            <a:noFill/>
+          </a:ln>
+          <a:effectLst/>
+          <a:extLst>
+            <a:ext uri="{909E8E84-426E-40dd-AFC4-6F175D3DCCD1}">
+              <a14:hiddenFill xmlns:a14="http://schemas.microsoft.com/office/drawing/2010/main">
+                <a:solidFill>
+                  <a:srgbClr val="FFFFFF"/>
+                </a:solidFill>
+              </a14:hiddenFill>
+            </a:ext>
+            <a:ext uri="{91240B29-F687-4f45-9708-019B960494DF}">
+              <a14:hiddenLine xmlns:a14="http://schemas.microsoft.com/office/drawing/2010/main" w="9525" cap="flat" cmpd="sng">
+                <a:solidFill>
+                  <a:srgbClr val="000000"/>
+                </a:solidFill>
+                <a:prstDash val="solid"/>
+                <a:round/>
+                <a:headEnd/>
+                <a:tailEnd/>
+              </a14:hiddenLine>
+            </a:ext>
+            <a:ext uri="{AF507438-7753-43e0-B8FC-AC1667EBCBE1}">
+              <a14:hiddenEffects xmlns:a14="http://schemas.microsoft.com/office/drawing/2010/main">
+                <a:effectLst>
+                  <a:outerShdw blurRad="63500" dist="38099" dir="2700000" algn="ctr" rotWithShape="0">
+                    <a:srgbClr val="000000">
+                      <a:alpha val="74998"/>
+                    </a:srgbClr>
+                  </a:outerShdw>
+                </a:effectLst>
+              </a14:hiddenEffects>
+            </a:ext>
+          </a:extLst>
+        </p:spPr>
+        <p:txBody>
+          <a:bodyPr lIns="0" tIns="0" rIns="0" bIns="0" anchor="ctr"/>
+          <a:lstStyle/>
+          <a:p>
+            <a:pPr algn="r">
+              <a:lnSpc>
+                <a:spcPts val="2300"/>
+              </a:lnSpc>
+              <a:buClrTx/>
+            </a:pPr>
+            <a:fld id="{9618142E-865A-874D-98E5-2018D16057F9}" type="slidenum">
+              <a:rPr lang="en-US" sz="2300" b="1">
+                <a:latin typeface="PFDinTextCompPro-Regular" charset="0"/>
+                <a:cs typeface="PFDinTextCompPro-Regular" charset="0"/>
+                <a:sym typeface="PFDinTextCompPro-Regular" charset="0"/>
+              </a:rPr>
+              <a:pPr algn="r">
+                <a:lnSpc>
+                  <a:spcPts val="2300"/>
+                </a:lnSpc>
+                <a:buClrTx/>
+              </a:pPr>
+              <a:t>31</a:t>
+            </a:fld>
+            <a:endParaRPr lang="en-US"/>
+          </a:p>
+        </p:txBody>
+      </p:sp>
+      <p:sp>
+        <p:nvSpPr>
+          <p:cNvPr id="61443" name="Line 3"/>
+          <p:cNvSpPr>
+            <a:spLocks noChangeShapeType="1"/>
+          </p:cNvSpPr>
+          <p:nvPr/>
+        </p:nvSpPr>
+        <p:spPr bwMode="auto">
+          <a:xfrm flipH="1">
+            <a:off x="3233246" y="1485900"/>
+            <a:ext cx="0" cy="2133600"/>
+          </a:xfrm>
+          <a:prstGeom prst="line">
+            <a:avLst/>
+          </a:prstGeom>
+          <a:noFill/>
+          <a:ln w="25400" cap="flat" cmpd="sng">
+            <a:solidFill>
+              <a:srgbClr val="000000"/>
+            </a:solidFill>
+            <a:prstDash val="solid"/>
+            <a:round/>
+            <a:headEnd/>
+            <a:tailEnd/>
+          </a:ln>
+          <a:effectLst/>
+          <a:extLst>
+            <a:ext uri="{AF507438-7753-43e0-B8FC-AC1667EBCBE1}">
+              <a14:hiddenEffects xmlns:a14="http://schemas.microsoft.com/office/drawing/2010/main">
+                <a:effectLst>
+                  <a:outerShdw blurRad="63500" dist="38099" dir="2700000" algn="ctr" rotWithShape="0">
+                    <a:srgbClr val="000000">
+                      <a:alpha val="74998"/>
+                    </a:srgbClr>
+                  </a:outerShdw>
+                </a:effectLst>
+              </a14:hiddenEffects>
+            </a:ext>
+          </a:extLst>
+        </p:spPr>
+        <p:txBody>
+          <a:bodyPr lIns="0" tIns="0" rIns="0" bIns="0"/>
+          <a:lstStyle/>
+          <a:p>
+            <a:pPr algn="l" defTabSz="457200">
+              <a:buClrTx/>
+            </a:pPr>
+            <a:endParaRPr lang="en-US" sz="1200">
+              <a:latin typeface="Helvetica" charset="0"/>
+              <a:cs typeface="Helvetica" charset="0"/>
+              <a:sym typeface="Helvetica" charset="0"/>
+            </a:endParaRPr>
+          </a:p>
+        </p:txBody>
+      </p:sp>
+      <p:sp>
+        <p:nvSpPr>
+          <p:cNvPr id="61444" name="Line 4"/>
+          <p:cNvSpPr>
+            <a:spLocks noChangeShapeType="1"/>
+          </p:cNvSpPr>
+          <p:nvPr/>
+        </p:nvSpPr>
+        <p:spPr bwMode="auto">
+          <a:xfrm>
+            <a:off x="641567" y="1866900"/>
+            <a:ext cx="8232392" cy="0"/>
+          </a:xfrm>
+          <a:prstGeom prst="line">
+            <a:avLst/>
+          </a:prstGeom>
+          <a:noFill/>
+          <a:ln w="25400" cap="flat" cmpd="sng">
+            <a:solidFill>
+              <a:srgbClr val="000000"/>
+            </a:solidFill>
+            <a:prstDash val="solid"/>
+            <a:round/>
+            <a:headEnd/>
+            <a:tailEnd/>
+          </a:ln>
+          <a:effectLst/>
+          <a:extLst>
+            <a:ext uri="{AF507438-7753-43e0-B8FC-AC1667EBCBE1}">
+              <a14:hiddenEffects xmlns:a14="http://schemas.microsoft.com/office/drawing/2010/main">
+                <a:effectLst>
+                  <a:outerShdw blurRad="63500" dist="38099" dir="2700000" algn="ctr" rotWithShape="0">
+                    <a:srgbClr val="000000">
+                      <a:alpha val="74998"/>
+                    </a:srgbClr>
+                  </a:outerShdw>
+                </a:effectLst>
+              </a14:hiddenEffects>
+            </a:ext>
+          </a:extLst>
+        </p:spPr>
+        <p:txBody>
+          <a:bodyPr lIns="0" tIns="0" rIns="0" bIns="0"/>
+          <a:lstStyle/>
+          <a:p>
+            <a:pPr algn="l" defTabSz="457200">
+              <a:buClrTx/>
+            </a:pPr>
+            <a:endParaRPr lang="en-US" sz="1200">
+              <a:latin typeface="Helvetica" charset="0"/>
+              <a:cs typeface="Helvetica" charset="0"/>
+              <a:sym typeface="Helvetica" charset="0"/>
+            </a:endParaRPr>
+          </a:p>
+        </p:txBody>
+      </p:sp>
+      <p:sp>
+        <p:nvSpPr>
+          <p:cNvPr id="61445" name="AutoShape 5"/>
+          <p:cNvSpPr>
+            <a:spLocks/>
+          </p:cNvSpPr>
+          <p:nvPr/>
+        </p:nvSpPr>
+        <p:spPr bwMode="auto">
+          <a:xfrm>
+            <a:off x="565342" y="1990725"/>
+            <a:ext cx="7613057" cy="1206500"/>
+          </a:xfrm>
+          <a:custGeom>
+            <a:avLst/>
+            <a:gdLst>
+              <a:gd name="T0" fmla="*/ 10800 w 21600"/>
+              <a:gd name="T1" fmla="*/ 10800 h 21600"/>
+              <a:gd name="T2" fmla="*/ 10800 w 21600"/>
+              <a:gd name="T3" fmla="*/ 10800 h 21600"/>
+              <a:gd name="T4" fmla="*/ 10800 w 21600"/>
+              <a:gd name="T5" fmla="*/ 10800 h 21600"/>
+              <a:gd name="T6" fmla="*/ 10800 w 21600"/>
+              <a:gd name="T7" fmla="*/ 10800 h 21600"/>
+            </a:gdLst>
+            <a:ahLst/>
+            <a:cxnLst>
+              <a:cxn ang="0">
+                <a:pos x="T0" y="T1"/>
+              </a:cxn>
+              <a:cxn ang="0">
+                <a:pos x="T2" y="T3"/>
+              </a:cxn>
+              <a:cxn ang="0">
+                <a:pos x="T4" y="T5"/>
+              </a:cxn>
+              <a:cxn ang="0">
+                <a:pos x="T6" y="T7"/>
+              </a:cxn>
+            </a:cxnLst>
+            <a:rect l="0" t="0" r="r" b="b"/>
+            <a:pathLst>
+              <a:path w="21600" h="21600">
+                <a:moveTo>
+                  <a:pt x="0" y="0"/>
+                </a:moveTo>
+                <a:lnTo>
+                  <a:pt x="21599" y="0"/>
+                </a:lnTo>
+                <a:lnTo>
+                  <a:pt x="21599" y="21600"/>
+                </a:lnTo>
+                <a:lnTo>
+                  <a:pt x="0" y="21600"/>
+                </a:lnTo>
+                <a:close/>
+              </a:path>
+            </a:pathLst>
+          </a:custGeom>
+          <a:noFill/>
+          <a:ln>
+            <a:noFill/>
+          </a:ln>
+          <a:effectLst/>
+          <a:extLst>
+            <a:ext uri="{909E8E84-426E-40dd-AFC4-6F175D3DCCD1}">
+              <a14:hiddenFill xmlns:a14="http://schemas.microsoft.com/office/drawing/2010/main">
+                <a:solidFill>
+                  <a:srgbClr val="FFFFFF"/>
+                </a:solidFill>
+              </a14:hiddenFill>
+            </a:ext>
+            <a:ext uri="{91240B29-F687-4f45-9708-019B960494DF}">
+              <a14:hiddenLine xmlns:a14="http://schemas.microsoft.com/office/drawing/2010/main" w="12700" cap="flat" cmpd="sng">
+                <a:solidFill>
+                  <a:srgbClr val="000000"/>
+                </a:solidFill>
+                <a:prstDash val="solid"/>
+                <a:round/>
+                <a:headEnd/>
+                <a:tailEnd/>
+              </a14:hiddenLine>
+            </a:ext>
+            <a:ext uri="{AF507438-7753-43e0-B8FC-AC1667EBCBE1}">
+              <a14:hiddenEffects xmlns:a14="http://schemas.microsoft.com/office/drawing/2010/main">
+                <a:effectLst>
+                  <a:outerShdw blurRad="63500" dist="38099" dir="2700000" algn="ctr" rotWithShape="0">
+                    <a:srgbClr val="000000">
+                      <a:alpha val="74998"/>
+                    </a:srgbClr>
+                  </a:outerShdw>
+                </a:effectLst>
+              </a14:hiddenEffects>
+            </a:ext>
+          </a:extLst>
+        </p:spPr>
+        <p:txBody>
+          <a:bodyPr lIns="38100" tIns="38100" rIns="38100" bIns="38100"/>
+          <a:lstStyle/>
+          <a:p>
+            <a:pPr algn="l">
+              <a:buFont typeface="PFDinTextCompPro-Medium" charset="0"/>
+              <a:buNone/>
+            </a:pPr>
+            <a:r>
+              <a:rPr lang="en-US" sz="4000" i="1">
+                <a:latin typeface="PFDinTextCompPro-Medium" charset="0"/>
+                <a:cs typeface="PFDinTextCompPro-Medium" charset="0"/>
+                <a:sym typeface="PFDinTextCompPro-Medium" charset="0"/>
+              </a:rPr>
+              <a:t>  supervised</a:t>
+            </a:r>
+            <a:r>
+              <a:rPr lang="en-US" sz="4000" i="1">
+                <a:latin typeface="PFDinTextCompPro-Regular" charset="0"/>
+                <a:cs typeface="PFDinTextCompPro-Regular" charset="0"/>
+                <a:sym typeface="PFDinTextCompPro-Regular" charset="0"/>
+              </a:rPr>
+              <a:t>		test out your predictions</a:t>
+            </a:r>
+            <a:endParaRPr lang="en-US"/>
+          </a:p>
+          <a:p>
+            <a:pPr algn="l">
+              <a:buFont typeface="PFDinTextCompPro-Medium" charset="0"/>
+              <a:buNone/>
+            </a:pPr>
+            <a:r>
+              <a:rPr lang="en-US" sz="4000" i="1">
+                <a:latin typeface="PFDinTextCompPro-Medium" charset="0"/>
+                <a:cs typeface="PFDinTextCompPro-Medium" charset="0"/>
+                <a:sym typeface="PFDinTextCompPro-Medium" charset="0"/>
+              </a:rPr>
+              <a:t>unsupervised</a:t>
+            </a:r>
+            <a:r>
+              <a:rPr lang="en-US" sz="4000" i="1">
+                <a:latin typeface="PFDinTextCompPro-Regular" charset="0"/>
+                <a:cs typeface="PFDinTextCompPro-Regular" charset="0"/>
+                <a:sym typeface="PFDinTextCompPro-Regular" charset="0"/>
+              </a:rPr>
+              <a:t>			 …</a:t>
+            </a:r>
+            <a:endParaRPr lang="en-US"/>
+          </a:p>
+        </p:txBody>
+      </p:sp>
+      <p:grpSp>
+        <p:nvGrpSpPr>
+          <p:cNvPr id="7" name="Group 26"/>
+          <p:cNvGrpSpPr>
+            <a:grpSpLocks/>
+          </p:cNvGrpSpPr>
+          <p:nvPr/>
+        </p:nvGrpSpPr>
+        <p:grpSpPr bwMode="auto">
+          <a:xfrm>
+            <a:off x="6967537" y="3390900"/>
+            <a:ext cx="1463675" cy="1463675"/>
+            <a:chOff x="0" y="0"/>
+            <a:chExt cx="1280" cy="1280"/>
+          </a:xfrm>
+        </p:grpSpPr>
+        <p:pic>
+          <p:nvPicPr>
+            <p:cNvPr id="8" name="Picture 23"/>
+            <p:cNvPicPr>
+              <a:picLocks noChangeAspect="1" noChangeArrowheads="1"/>
+            </p:cNvPicPr>
+            <p:nvPr/>
+          </p:nvPicPr>
+          <p:blipFill>
+            <a:blip r:embed="rId3">
+              <a:extLst>
+                <a:ext uri="{28A0092B-C50C-407E-A947-70E740481C1C}">
+                  <a14:useLocalDpi xmlns:a14="http://schemas.microsoft.com/office/drawing/2010/main" val="0"/>
+                </a:ext>
+              </a:extLst>
+            </a:blip>
+            <a:srcRect/>
+            <a:stretch>
+              <a:fillRect/>
+            </a:stretch>
+          </p:blipFill>
+          <p:spPr bwMode="auto">
+            <a:xfrm>
+              <a:off x="0" y="0"/>
+              <a:ext cx="1280" cy="1280"/>
+            </a:xfrm>
+            <a:prstGeom prst="rect">
+              <a:avLst/>
+            </a:prstGeom>
+            <a:noFill/>
+            <a:ln>
+              <a:noFill/>
+            </a:ln>
+            <a:extLst>
+              <a:ext uri="{909E8E84-426E-40dd-AFC4-6F175D3DCCD1}">
+                <a14:hiddenFill xmlns:a14="http://schemas.microsoft.com/office/drawing/2010/main">
+                  <a:solidFill>
+                    <a:srgbClr val="FFFFFF"/>
+                  </a:solidFill>
+                </a14:hiddenFill>
+              </a:ext>
+              <a:ext uri="{91240B29-F687-4f45-9708-019B960494DF}">
+                <a14:hiddenLine xmlns:a14="http://schemas.microsoft.com/office/drawing/2010/main" w="12700">
+                  <a:solidFill>
+                    <a:schemeClr val="tx1"/>
+                  </a:solidFill>
+                  <a:miter lim="800000"/>
+                  <a:headEnd/>
+                  <a:tailEnd/>
+                </a14:hiddenLine>
+              </a:ext>
+            </a:extLst>
+          </p:spPr>
+        </p:pic>
+        <p:sp>
+          <p:nvSpPr>
+            <p:cNvPr id="9" name="Rectangle 24"/>
+            <p:cNvSpPr>
+              <a:spLocks/>
+            </p:cNvSpPr>
+            <p:nvPr/>
+          </p:nvSpPr>
+          <p:spPr bwMode="auto">
+            <a:xfrm>
+              <a:off x="104" y="96"/>
+              <a:ext cx="1056" cy="152"/>
+            </a:xfrm>
+            <a:prstGeom prst="rect">
+              <a:avLst/>
+            </a:prstGeom>
+            <a:noFill/>
+            <a:ln>
+              <a:noFill/>
+            </a:ln>
+            <a:extLst>
+              <a:ext uri="{909E8E84-426E-40dd-AFC4-6F175D3DCCD1}">
+                <a14:hiddenFill xmlns:a14="http://schemas.microsoft.com/office/drawing/2010/main">
+                  <a:solidFill>
+                    <a:srgbClr val="FFFFFF"/>
+                  </a:solidFill>
+                </a14:hiddenFill>
+              </a:ext>
+              <a:ext uri="{91240B29-F687-4f45-9708-019B960494DF}">
+                <a14:hiddenLine xmlns:a14="http://schemas.microsoft.com/office/drawing/2010/main" w="12700">
+                  <a:solidFill>
+                    <a:schemeClr val="tx1"/>
+                  </a:solidFill>
+                  <a:miter lim="800000"/>
+                  <a:headEnd/>
+                  <a:tailEnd/>
+                </a14:hiddenLine>
+              </a:ext>
+            </a:extLst>
+          </p:spPr>
+          <p:txBody>
+            <a:bodyPr lIns="0" tIns="0" rIns="0" bIns="0"/>
+            <a:lstStyle/>
+            <a:p>
+              <a:pPr algn="l">
+                <a:lnSpc>
+                  <a:spcPct val="75000"/>
+                </a:lnSpc>
+              </a:pPr>
+              <a:r>
+                <a:rPr lang="en-US" sz="1300" dirty="0" smtClean="0">
+                  <a:solidFill>
+                    <a:schemeClr val="tx1"/>
+                  </a:solidFill>
+                  <a:latin typeface="PFDinTextCompPro-Bold" charset="0"/>
+                  <a:ea typeface="ＭＳ Ｐゴシック" charset="0"/>
+                  <a:cs typeface="ＭＳ Ｐゴシック" charset="0"/>
+                  <a:sym typeface="PFDinTextCompPro-Bold" charset="0"/>
+                </a:rPr>
+                <a:t>ALSO</a:t>
+              </a:r>
+              <a:endParaRPr lang="en-US" sz="1300" dirty="0">
+                <a:solidFill>
+                  <a:schemeClr val="tx1"/>
+                </a:solidFill>
+                <a:latin typeface="PFDinTextCompPro-Bold" charset="0"/>
+                <a:ea typeface="ＭＳ Ｐゴシック" charset="0"/>
+                <a:cs typeface="ＭＳ Ｐゴシック" charset="0"/>
+                <a:sym typeface="PFDinTextCompPro-Bold" charset="0"/>
+              </a:endParaRPr>
+            </a:p>
+          </p:txBody>
+        </p:sp>
+        <p:sp>
+          <p:nvSpPr>
+            <p:cNvPr id="10" name="Rectangle 25"/>
+            <p:cNvSpPr>
+              <a:spLocks/>
+            </p:cNvSpPr>
+            <p:nvPr/>
+          </p:nvSpPr>
+          <p:spPr bwMode="auto">
+            <a:xfrm>
+              <a:off x="104" y="264"/>
+              <a:ext cx="1056" cy="896"/>
+            </a:xfrm>
+            <a:prstGeom prst="rect">
+              <a:avLst/>
+            </a:prstGeom>
+            <a:noFill/>
+            <a:ln>
+              <a:noFill/>
+            </a:ln>
+            <a:extLst>
+              <a:ext uri="{909E8E84-426E-40dd-AFC4-6F175D3DCCD1}">
+                <a14:hiddenFill xmlns:a14="http://schemas.microsoft.com/office/drawing/2010/main">
+                  <a:solidFill>
+                    <a:srgbClr val="FFFFFF"/>
+                  </a:solidFill>
+                </a14:hiddenFill>
+              </a:ext>
+              <a:ext uri="{91240B29-F687-4f45-9708-019B960494DF}">
+                <a14:hiddenLine xmlns:a14="http://schemas.microsoft.com/office/drawing/2010/main" w="12700">
+                  <a:solidFill>
+                    <a:schemeClr val="tx1"/>
+                  </a:solidFill>
+                  <a:miter lim="800000"/>
+                  <a:headEnd/>
+                  <a:tailEnd/>
+                </a14:hiddenLine>
+              </a:ext>
+            </a:extLst>
+          </p:spPr>
+          <p:txBody>
+            <a:bodyPr lIns="0" tIns="0" rIns="0" bIns="0"/>
+            <a:lstStyle/>
+            <a:p>
+              <a:pPr algn="l">
+                <a:lnSpc>
+                  <a:spcPts val="1150"/>
+                </a:lnSpc>
+              </a:pPr>
+              <a:endParaRPr lang="en-US" sz="900" dirty="0" smtClean="0">
+                <a:solidFill>
+                  <a:schemeClr val="tx1"/>
+                </a:solidFill>
+                <a:latin typeface="News706 BT" charset="0"/>
+                <a:ea typeface="ＭＳ Ｐゴシック" charset="0"/>
+                <a:cs typeface="ＭＳ Ｐゴシック" charset="0"/>
+                <a:sym typeface="News706 BT" charset="0"/>
+              </a:endParaRPr>
+            </a:p>
+            <a:p>
+              <a:pPr algn="l">
+                <a:lnSpc>
+                  <a:spcPts val="1150"/>
+                </a:lnSpc>
+              </a:pPr>
+              <a:r>
+                <a:rPr lang="en-US" sz="900" dirty="0" smtClean="0">
+                  <a:solidFill>
+                    <a:schemeClr val="tx1"/>
+                  </a:solidFill>
+                  <a:latin typeface="News706 BT" charset="0"/>
+                  <a:ea typeface="ＭＳ Ｐゴシック" charset="0"/>
+                  <a:cs typeface="ＭＳ Ｐゴシック" charset="0"/>
+                  <a:sym typeface="News706 BT" charset="0"/>
+                </a:rPr>
+                <a:t>There may be external sources of feedback, for example conversion rates in production systems.</a:t>
+              </a:r>
+              <a:endParaRPr lang="en-US" sz="900" dirty="0" smtClean="0">
+                <a:solidFill>
+                  <a:schemeClr val="tx1"/>
+                </a:solidFill>
+                <a:latin typeface="News706 BT" charset="0"/>
+                <a:ea typeface="ＭＳ Ｐゴシック" charset="0"/>
+                <a:cs typeface="ＭＳ Ｐゴシック" charset="0"/>
+                <a:sym typeface="News706 BT" charset="0"/>
+              </a:endParaRPr>
+            </a:p>
+          </p:txBody>
+        </p:sp>
+      </p:grpSp>
+    </p:spTree>
+    <p:extLst>
+      <p:ext uri="{BB962C8B-B14F-4D97-AF65-F5344CB8AC3E}">
+        <p14:creationId xmlns:p14="http://schemas.microsoft.com/office/powerpoint/2010/main" val="2504759855"/>
+      </p:ext>
+    </p:extLst>
+  </p:cSld>
+  <p:clrMapOvr>
+    <a:masterClrMapping/>
+  </p:clrMapOvr>
+  <p:transition xmlns:p14="http://schemas.microsoft.com/office/powerpoint/2010/main" spd="med"/>
+</p:sld>
+</file>
+
+<file path=ppt/slides/slide32.xml><?xml version="1.0" encoding="utf-8"?>
+<p:sld xmlns:a="http://schemas.openxmlformats.org/drawingml/2006/main" xmlns:r="http://schemas.openxmlformats.org/officeDocument/2006/relationships" xmlns:p="http://schemas.openxmlformats.org/presentationml/2006/main">
+  <p:cSld>
+    <p:spTree>
+      <p:nvGrpSpPr>
+        <p:cNvPr id="1" name=""/>
+        <p:cNvGrpSpPr/>
+        <p:nvPr/>
+      </p:nvGrpSpPr>
+      <p:grpSpPr>
+        <a:xfrm>
+          <a:off x="0" y="0"/>
+          <a:ext cx="0" cy="0"/>
+          <a:chOff x="0" y="0"/>
+          <a:chExt cx="0" cy="0"/>
+        </a:xfrm>
+      </p:grpSpPr>
+      <p:sp>
+        <p:nvSpPr>
           <p:cNvPr id="2" name="Title 1"/>
           <p:cNvSpPr>
             <a:spLocks noGrp="1"/>
@@ -20863,7 +23914,7 @@
 </p:sld>
 </file>
 
-<file path=ppt/slides/slide29.xml><?xml version="1.0" encoding="utf-8"?>
+<file path=ppt/slides/slide33.xml><?xml version="1.0" encoding="utf-8"?>
 <p:sld xmlns:a="http://schemas.openxmlformats.org/drawingml/2006/main" xmlns:r="http://schemas.openxmlformats.org/officeDocument/2006/relationships" xmlns:p="http://schemas.openxmlformats.org/presentationml/2006/main">
   <p:cSld>
     <p:spTree>
@@ -20936,7 +23987,7 @@
               <a:pPr>
                 <a:defRPr/>
               </a:pPr>
-              <a:t>29</a:t>
+              <a:t>33</a:t>
             </a:fld>
             <a:endParaRPr lang="en-US"/>
           </a:p>
@@ -21369,7 +24420,7 @@
 </p:sld>
 </file>
 
-<file path=ppt/slides/slide3.xml><?xml version="1.0" encoding="utf-8"?>
+<file path=ppt/slides/slide34.xml><?xml version="1.0" encoding="utf-8"?>
 <p:sld xmlns:a="http://schemas.openxmlformats.org/drawingml/2006/main" xmlns:r="http://schemas.openxmlformats.org/officeDocument/2006/relationships" xmlns:p="http://schemas.openxmlformats.org/presentationml/2006/main">
   <p:cSld>
     <p:spTree>
@@ -21388,288 +24439,6 @@
       </p:grpSpPr>
       <p:sp>
         <p:nvSpPr>
-          <p:cNvPr id="19457" name="Title 1"/>
-          <p:cNvSpPr>
-            <a:spLocks noGrp="1"/>
-          </p:cNvSpPr>
-          <p:nvPr>
-            <p:ph type="ctrTitle"/>
-          </p:nvPr>
-        </p:nvSpPr>
-        <p:spPr bwMode="auto">
-          <a:xfrm>
-            <a:off x="519112" y="1066800"/>
-            <a:ext cx="8429625" cy="3695700"/>
-          </a:xfrm>
-          <a:extLst>
-            <a:ext uri="{909E8E84-426E-40dd-AFC4-6F175D3DCCD1}">
-              <a14:hiddenFill xmlns:a14="http://schemas.microsoft.com/office/drawing/2010/main">
-                <a:solidFill>
-                  <a:srgbClr val="FFFFFF"/>
-                </a:solidFill>
-              </a14:hiddenFill>
-            </a:ext>
-            <a:ext uri="{91240B29-F687-4f45-9708-019B960494DF}">
-              <a14:hiddenLine xmlns:a14="http://schemas.microsoft.com/office/drawing/2010/main" w="9525">
-                <a:solidFill>
-                  <a:srgbClr val="000000"/>
-                </a:solidFill>
-                <a:miter lim="800000"/>
-                <a:headEnd/>
-                <a:tailEnd/>
-              </a14:hiddenLine>
-            </a:ext>
-            <a:ext uri="{FAA26D3D-D897-4be2-8F04-BA451C77F1D7}">
-              <ma14:placeholderFlag xmlns:ma14="http://schemas.microsoft.com/office/mac/drawingml/2011/main" val="1"/>
-            </a:ext>
-          </a:extLst>
-        </p:spPr>
-        <p:txBody>
-          <a:bodyPr wrap="square" numCol="1" anchor="t" anchorCtr="0" compatLnSpc="1">
-            <a:prstTxWarp prst="textNoShape">
-              <a:avLst/>
-            </a:prstTxWarp>
-          </a:bodyPr>
-          <a:lstStyle/>
-          <a:p>
-            <a:pPr>
-              <a:lnSpc>
-                <a:spcPts val="3600"/>
-              </a:lnSpc>
-              <a:defRPr/>
-            </a:pPr>
-            <a:r>
-              <a:rPr lang="en-US" sz="3000" dirty="0" smtClean="0">
-                <a:latin typeface="PFDinTextCompPro-Bold" charset="0"/>
-                <a:ea typeface="ヒラギノ角ゴ ProN W6" charset="0"/>
-                <a:cs typeface="ヒラギノ角ゴ ProN W6" charset="0"/>
-              </a:rPr>
-              <a:t/>
-            </a:r>
-            <a:br>
-              <a:rPr lang="en-US" sz="3000" dirty="0" smtClean="0">
-                <a:latin typeface="PFDinTextCompPro-Bold" charset="0"/>
-                <a:ea typeface="ヒラギノ角ゴ ProN W6" charset="0"/>
-                <a:cs typeface="ヒラギノ角ゴ ProN W6" charset="0"/>
-              </a:rPr>
-            </a:br>
-            <a:r>
-              <a:rPr lang="en-US" sz="3000" dirty="0" smtClean="0">
-                <a:latin typeface="PFDinTextCompPro-Bold" charset="0"/>
-                <a:ea typeface="ヒラギノ角ゴ ProN W6" charset="0"/>
-                <a:cs typeface="ヒラギノ角ゴ ProN W6" charset="0"/>
-              </a:rPr>
-              <a:t/>
-            </a:r>
-            <a:br>
-              <a:rPr lang="en-US" sz="3000" dirty="0" smtClean="0">
-                <a:latin typeface="PFDinTextCompPro-Bold" charset="0"/>
-                <a:ea typeface="ヒラギノ角ゴ ProN W6" charset="0"/>
-                <a:cs typeface="ヒラギノ角ゴ ProN W6" charset="0"/>
-              </a:rPr>
-            </a:br>
-            <a:r>
-              <a:rPr lang="en-US" sz="3000" dirty="0" smtClean="0">
-                <a:latin typeface="PFDinTextCompPro-Bold" charset="0"/>
-                <a:ea typeface="ヒラギノ角ゴ ProN W6" charset="0"/>
-                <a:cs typeface="ヒラギノ角ゴ ProN W6" charset="0"/>
-              </a:rPr>
-              <a:t>I</a:t>
-            </a:r>
-            <a:r>
-              <a:rPr lang="en-US" sz="3000" dirty="0" smtClean="0">
-                <a:latin typeface="PFDinTextCompPro-Bold" charset="0"/>
-                <a:ea typeface="ヒラギノ角ゴ ProN W6" charset="0"/>
-                <a:cs typeface="ヒラギノ角ゴ ProN W6" charset="0"/>
-              </a:rPr>
-              <a:t>. what is machine learning?</a:t>
-            </a:r>
-            <a:br>
-              <a:rPr lang="en-US" sz="3000" dirty="0" smtClean="0">
-                <a:latin typeface="PFDinTextCompPro-Bold" charset="0"/>
-                <a:ea typeface="ヒラギノ角ゴ ProN W6" charset="0"/>
-                <a:cs typeface="ヒラギノ角ゴ ProN W6" charset="0"/>
-              </a:rPr>
-            </a:br>
-            <a:r>
-              <a:rPr lang="en-US" sz="3000" dirty="0" err="1" smtClean="0">
-                <a:latin typeface="PFDinTextCompPro-Bold" charset="0"/>
-                <a:ea typeface="ヒラギノ角ゴ ProN W6" charset="0"/>
-                <a:cs typeface="ヒラギノ角ゴ ProN W6" charset="0"/>
-              </a:rPr>
-              <a:t>iI</a:t>
-            </a:r>
-            <a:r>
-              <a:rPr lang="en-US" sz="3000" dirty="0" smtClean="0">
-                <a:latin typeface="PFDinTextCompPro-Bold" charset="0"/>
-                <a:ea typeface="ヒラギノ角ゴ ProN W6" charset="0"/>
-                <a:cs typeface="ヒラギノ角ゴ ProN W6" charset="0"/>
-              </a:rPr>
-              <a:t>. machine learning problems</a:t>
-            </a:r>
-            <a:br>
-              <a:rPr lang="en-US" sz="3000" dirty="0" smtClean="0">
-                <a:latin typeface="PFDinTextCompPro-Bold" charset="0"/>
-                <a:ea typeface="ヒラギノ角ゴ ProN W6" charset="0"/>
-                <a:cs typeface="ヒラギノ角ゴ ProN W6" charset="0"/>
-              </a:rPr>
-            </a:br>
-            <a:r>
-              <a:rPr lang="en-US" sz="3000" dirty="0" smtClean="0">
-                <a:latin typeface="PFDinTextCompPro-Bold" charset="0"/>
-                <a:ea typeface="ヒラギノ角ゴ ProN W6" charset="0"/>
-                <a:cs typeface="ヒラギノ角ゴ ProN W6" charset="0"/>
-              </a:rPr>
-              <a:t>III</a:t>
-            </a:r>
-            <a:r>
-              <a:rPr lang="en-US" sz="3000" dirty="0" smtClean="0">
-                <a:latin typeface="PFDinTextCompPro-Bold" charset="0"/>
-                <a:ea typeface="ヒラギノ角ゴ ProN W6" charset="0"/>
-                <a:cs typeface="ヒラギノ角ゴ ProN W6" charset="0"/>
-              </a:rPr>
-              <a:t>. </a:t>
-            </a:r>
-            <a:r>
-              <a:rPr lang="en-US" sz="3000" dirty="0" smtClean="0">
-                <a:latin typeface="PFDinTextCompPro-Bold" charset="0"/>
-                <a:ea typeface="ヒラギノ角ゴ ProN W6" charset="0"/>
-                <a:cs typeface="ヒラギノ角ゴ ProN W6" charset="0"/>
-              </a:rPr>
-              <a:t>Classification with </a:t>
-            </a:r>
-            <a:r>
-              <a:rPr lang="en-US" sz="3000" dirty="0" smtClean="0">
-                <a:latin typeface="PFDinTextCompPro-Bold" charset="0"/>
-                <a:ea typeface="ヒラギノ角ゴ ProN W6" charset="0"/>
-                <a:cs typeface="ヒラギノ角ゴ ProN W6" charset="0"/>
-              </a:rPr>
-              <a:t>K Nearest Neighbors</a:t>
-            </a:r>
-            <a:endParaRPr lang="en-US" sz="3000" cap="none" dirty="0">
-              <a:latin typeface="PFDinTextCompPro-Bold" charset="0"/>
-              <a:ea typeface="ヒラギノ角ゴ ProN W6" charset="0"/>
-              <a:cs typeface="ヒラギノ角ゴ ProN W6" charset="0"/>
-            </a:endParaRPr>
-          </a:p>
-        </p:txBody>
-      </p:sp>
-      <p:sp>
-        <p:nvSpPr>
-          <p:cNvPr id="11" name="Content Placeholder 10"/>
-          <p:cNvSpPr>
-            <a:spLocks noGrp="1"/>
-          </p:cNvSpPr>
-          <p:nvPr>
-            <p:ph sz="quarter" idx="11"/>
-          </p:nvPr>
-        </p:nvSpPr>
-        <p:spPr>
-          <a:xfrm>
-            <a:off x="371475" y="495300"/>
-            <a:ext cx="7129463" cy="304800"/>
-          </a:xfrm>
-        </p:spPr>
-        <p:txBody>
-          <a:bodyPr/>
-          <a:lstStyle/>
-          <a:p>
-            <a:pPr eaLnBrk="1" hangingPunct="1">
-              <a:lnSpc>
-                <a:spcPts val="2448"/>
-              </a:lnSpc>
-              <a:defRPr/>
-            </a:pPr>
-            <a:r>
-              <a:rPr lang="en-US" dirty="0" smtClean="0">
-                <a:latin typeface="PFDinTextCompPro-Bold" charset="0"/>
-                <a:ea typeface="ＭＳ Ｐゴシック" charset="0"/>
-                <a:cs typeface="PFDinTextCompPro-Bold" charset="0"/>
-                <a:sym typeface="PFDinTextCompPro-Bold" charset="0"/>
-              </a:rPr>
-              <a:t>agenda</a:t>
-            </a:r>
-          </a:p>
-          <a:p>
-            <a:pPr eaLnBrk="1" hangingPunct="1">
-              <a:lnSpc>
-                <a:spcPts val="2448"/>
-              </a:lnSpc>
-              <a:defRPr/>
-            </a:pPr>
-            <a:endParaRPr lang="en-US" dirty="0" smtClean="0"/>
-          </a:p>
-        </p:txBody>
-      </p:sp>
-      <p:sp>
-        <p:nvSpPr>
-          <p:cNvPr id="6" name="Slide Number Placeholder 3"/>
-          <p:cNvSpPr>
-            <a:spLocks noGrp="1"/>
-          </p:cNvSpPr>
-          <p:nvPr>
-            <p:ph type="sldNum" sz="quarter" idx="13"/>
-          </p:nvPr>
-        </p:nvSpPr>
-        <p:spPr/>
-        <p:txBody>
-          <a:bodyPr/>
-          <a:lstStyle/>
-          <a:p>
-            <a:pPr>
-              <a:defRPr/>
-            </a:pPr>
-            <a:fld id="{6F4A1B40-4074-4A43-A415-862C3E2C2127}" type="slidenum">
-              <a:rPr lang="en-US"/>
-              <a:pPr>
-                <a:defRPr/>
-              </a:pPr>
-              <a:t>3</a:t>
-            </a:fld>
-            <a:endParaRPr lang="en-US"/>
-          </a:p>
-        </p:txBody>
-      </p:sp>
-    </p:spTree>
-    <p:extLst>
-      <p:ext uri="{BB962C8B-B14F-4D97-AF65-F5344CB8AC3E}">
-        <p14:creationId xmlns:p14="http://schemas.microsoft.com/office/powerpoint/2010/main" val="820825700"/>
-      </p:ext>
-    </p:extLst>
-  </p:cSld>
-  <p:clrMapOvr>
-    <a:masterClrMapping/>
-  </p:clrMapOvr>
-  <p:transition xmlns:p14="http://schemas.microsoft.com/office/powerpoint/2010/main"/>
-  <p:timing>
-    <p:tnLst>
-      <p:par>
-        <p:cTn xmlns:p14="http://schemas.microsoft.com/office/powerpoint/2010/main" id="1" dur="indefinite" restart="never" nodeType="tmRoot"/>
-      </p:par>
-    </p:tnLst>
-  </p:timing>
-</p:sld>
-</file>
-
-<file path=ppt/slides/slide30.xml><?xml version="1.0" encoding="utf-8"?>
-<p:sld xmlns:a="http://schemas.openxmlformats.org/drawingml/2006/main" xmlns:r="http://schemas.openxmlformats.org/officeDocument/2006/relationships" xmlns:p="http://schemas.openxmlformats.org/presentationml/2006/main">
-  <p:cSld>
-    <p:spTree>
-      <p:nvGrpSpPr>
-        <p:cNvPr id="1" name=""/>
-        <p:cNvGrpSpPr/>
-        <p:nvPr/>
-      </p:nvGrpSpPr>
-      <p:grpSpPr>
-        <a:xfrm>
-          <a:off x="0" y="0"/>
-          <a:ext cx="0" cy="0"/>
-          <a:chOff x="0" y="0"/>
-          <a:chExt cx="0" cy="0"/>
-        </a:xfrm>
-      </p:grpSpPr>
-      <p:sp>
-        <p:nvSpPr>
           <p:cNvPr id="4" name="Content Placeholder 3"/>
           <p:cNvSpPr>
             <a:spLocks noGrp="1"/>
@@ -21724,7 +24493,7 @@
               <a:pPr>
                 <a:defRPr/>
               </a:pPr>
-              <a:t>30</a:t>
+              <a:t>34</a:t>
             </a:fld>
             <a:endParaRPr lang="en-US"/>
           </a:p>
@@ -22336,7 +25105,7 @@
 </p:sld>
 </file>
 
-<file path=ppt/slides/slide31.xml><?xml version="1.0" encoding="utf-8"?>
+<file path=ppt/slides/slide35.xml><?xml version="1.0" encoding="utf-8"?>
 <p:sld xmlns:a="http://schemas.openxmlformats.org/drawingml/2006/main" xmlns:r="http://schemas.openxmlformats.org/officeDocument/2006/relationships" xmlns:p="http://schemas.openxmlformats.org/presentationml/2006/main">
   <p:cSld>
     <p:spTree>
@@ -22461,7 +25230,7 @@
 </p:sld>
 </file>
 
-<file path=ppt/slides/slide32.xml><?xml version="1.0" encoding="utf-8"?>
+<file path=ppt/slides/slide36.xml><?xml version="1.0" encoding="utf-8"?>
 <p:sld xmlns:a="http://schemas.openxmlformats.org/drawingml/2006/main" xmlns:r="http://schemas.openxmlformats.org/officeDocument/2006/relationships" xmlns:p="http://schemas.openxmlformats.org/presentationml/2006/main">
   <p:cSld>
     <p:spTree>
@@ -22534,7 +25303,7 @@
               <a:pPr>
                 <a:defRPr/>
               </a:pPr>
-              <a:t>32</a:t>
+              <a:t>36</a:t>
             </a:fld>
             <a:endParaRPr lang="en-US"/>
           </a:p>
@@ -22778,7 +25547,7 @@
 </p:sld>
 </file>
 
-<file path=ppt/slides/slide33.xml><?xml version="1.0" encoding="utf-8"?>
+<file path=ppt/slides/slide37.xml><?xml version="1.0" encoding="utf-8"?>
 <p:sld xmlns:a="http://schemas.openxmlformats.org/drawingml/2006/main" xmlns:r="http://schemas.openxmlformats.org/officeDocument/2006/relationships" xmlns:p="http://schemas.openxmlformats.org/presentationml/2006/main">
   <p:cSld>
     <p:spTree>
@@ -22851,7 +25620,7 @@
               <a:pPr>
                 <a:defRPr/>
               </a:pPr>
-              <a:t>33</a:t>
+              <a:t>37</a:t>
             </a:fld>
             <a:endParaRPr lang="en-US"/>
           </a:p>
@@ -23130,7 +25899,7 @@
 </p:sld>
 </file>
 
-<file path=ppt/slides/slide34.xml><?xml version="1.0" encoding="utf-8"?>
+<file path=ppt/slides/slide38.xml><?xml version="1.0" encoding="utf-8"?>
 <p:sld xmlns:a="http://schemas.openxmlformats.org/drawingml/2006/main" xmlns:r="http://schemas.openxmlformats.org/officeDocument/2006/relationships" xmlns:p="http://schemas.openxmlformats.org/presentationml/2006/main">
   <p:cSld>
     <p:spTree>
@@ -23203,7 +25972,7 @@
               <a:pPr>
                 <a:defRPr/>
               </a:pPr>
-              <a:t>34</a:t>
+              <a:t>38</a:t>
             </a:fld>
             <a:endParaRPr lang="en-US"/>
           </a:p>
@@ -23287,7 +26056,7 @@
 </p:sld>
 </file>
 
-<file path=ppt/slides/slide35.xml><?xml version="1.0" encoding="utf-8"?>
+<file path=ppt/slides/slide39.xml><?xml version="1.0" encoding="utf-8"?>
 <p:sld xmlns:a="http://schemas.openxmlformats.org/drawingml/2006/main" xmlns:r="http://schemas.openxmlformats.org/officeDocument/2006/relationships" xmlns:p="http://schemas.openxmlformats.org/presentationml/2006/main">
   <p:cSld>
     <p:spTree>
@@ -23360,7 +26129,7 @@
               <a:pPr>
                 <a:defRPr/>
               </a:pPr>
-              <a:t>35</a:t>
+              <a:t>39</a:t>
             </a:fld>
             <a:endParaRPr lang="en-US"/>
           </a:p>
@@ -23543,7 +26312,7 @@
 </p:sld>
 </file>
 
-<file path=ppt/slides/slide36.xml><?xml version="1.0" encoding="utf-8"?>
+<file path=ppt/slides/slide4.xml><?xml version="1.0" encoding="utf-8"?>
 <p:sld xmlns:a="http://schemas.openxmlformats.org/drawingml/2006/main" xmlns:r="http://schemas.openxmlformats.org/officeDocument/2006/relationships" xmlns:p="http://schemas.openxmlformats.org/presentationml/2006/main">
   <p:cSld>
     <p:spTree>
@@ -23562,6 +26331,116 @@
       </p:grpSpPr>
       <p:sp>
         <p:nvSpPr>
+          <p:cNvPr id="2" name="Title 1"/>
+          <p:cNvSpPr>
+            <a:spLocks noGrp="1"/>
+          </p:cNvSpPr>
+          <p:nvPr>
+            <p:ph type="title"/>
+          </p:nvPr>
+        </p:nvSpPr>
+        <p:spPr>
+          <a:xfrm>
+            <a:off x="347663" y="3238500"/>
+            <a:ext cx="8426450" cy="1828800"/>
+          </a:xfrm>
+        </p:spPr>
+        <p:txBody>
+          <a:bodyPr/>
+          <a:lstStyle/>
+          <a:p>
+            <a:pPr>
+              <a:defRPr/>
+            </a:pPr>
+            <a:r>
+              <a:rPr lang="en-US" sz="7500" dirty="0" smtClean="0"/>
+              <a:t>I. What is machine learning?</a:t>
+            </a:r>
+            <a:endParaRPr lang="en-US" sz="7500" dirty="0"/>
+          </a:p>
+        </p:txBody>
+      </p:sp>
+      <p:sp>
+        <p:nvSpPr>
+          <p:cNvPr id="4" name="Content Placeholder 3"/>
+          <p:cNvSpPr>
+            <a:spLocks noGrp="1"/>
+          </p:cNvSpPr>
+          <p:nvPr>
+            <p:ph sz="quarter" idx="11"/>
+          </p:nvPr>
+        </p:nvSpPr>
+        <p:spPr>
+          <a:xfrm>
+            <a:off x="371475" y="495300"/>
+            <a:ext cx="6400800" cy="304800"/>
+          </a:xfrm>
+        </p:spPr>
+        <p:txBody>
+          <a:bodyPr wrap="square" lIns="91440" tIns="45720" rIns="91440" bIns="45720" numCol="1" anchor="t" anchorCtr="0" compatLnSpc="1">
+            <a:prstTxWarp prst="textNoShape">
+              <a:avLst/>
+            </a:prstTxWarp>
+          </a:bodyPr>
+          <a:lstStyle/>
+          <a:p>
+            <a:pPr marL="0" indent="0"/>
+            <a:r>
+              <a:rPr lang="en-US" cap="none" dirty="0" smtClean="0">
+                <a:latin typeface="PFDinTextCompPro-Bold" charset="0"/>
+                <a:ea typeface="ヒラギノ角ゴ ProN W3" charset="0"/>
+                <a:cs typeface="ヒラギノ角ゴ ProN W3" charset="0"/>
+              </a:rPr>
+              <a:t>INTRO TO DATA SCIENCE</a:t>
+            </a:r>
+            <a:endParaRPr lang="en-US" cap="none" dirty="0">
+              <a:latin typeface="PFDinTextCompPro-Bold" charset="0"/>
+              <a:ea typeface="ヒラギノ角ゴ ProN W3" charset="0"/>
+              <a:cs typeface="ヒラギノ角ゴ ProN W3" charset="0"/>
+            </a:endParaRPr>
+          </a:p>
+        </p:txBody>
+      </p:sp>
+    </p:spTree>
+    <p:extLst>
+      <p:ext uri="{BB962C8B-B14F-4D97-AF65-F5344CB8AC3E}">
+        <p14:creationId xmlns:p14="http://schemas.microsoft.com/office/powerpoint/2010/main" val="1265447067"/>
+      </p:ext>
+    </p:extLst>
+  </p:cSld>
+  <p:clrMapOvr>
+    <a:masterClrMapping/>
+  </p:clrMapOvr>
+  <p:transition xmlns:p14="http://schemas.microsoft.com/office/powerpoint/2010/main"/>
+  <p:timing>
+    <p:tnLst>
+      <p:par>
+        <p:cTn xmlns:p14="http://schemas.microsoft.com/office/powerpoint/2010/main" id="1" dur="indefinite" restart="never" nodeType="tmRoot"/>
+      </p:par>
+    </p:tnLst>
+  </p:timing>
+</p:sld>
+</file>
+
+<file path=ppt/slides/slide40.xml><?xml version="1.0" encoding="utf-8"?>
+<p:sld xmlns:a="http://schemas.openxmlformats.org/drawingml/2006/main" xmlns:r="http://schemas.openxmlformats.org/officeDocument/2006/relationships" xmlns:p="http://schemas.openxmlformats.org/presentationml/2006/main">
+  <p:cSld>
+    <p:spTree>
+      <p:nvGrpSpPr>
+        <p:cNvPr id="1" name=""/>
+        <p:cNvGrpSpPr/>
+        <p:nvPr/>
+      </p:nvGrpSpPr>
+      <p:grpSpPr>
+        <a:xfrm>
+          <a:off x="0" y="0"/>
+          <a:ext cx="0" cy="0"/>
+          <a:chOff x="0" y="0"/>
+          <a:chExt cx="0" cy="0"/>
+        </a:xfrm>
+      </p:grpSpPr>
+      <p:sp>
+        <p:nvSpPr>
           <p:cNvPr id="4" name="Content Placeholder 3"/>
           <p:cNvSpPr>
             <a:spLocks noGrp="1"/>
@@ -23616,7 +26495,7 @@
               <a:pPr>
                 <a:defRPr/>
               </a:pPr>
-              <a:t>36</a:t>
+              <a:t>40</a:t>
             </a:fld>
             <a:endParaRPr lang="en-US"/>
           </a:p>
@@ -23911,7 +26790,7 @@
 </p:sld>
 </file>
 
-<file path=ppt/slides/slide37.xml><?xml version="1.0" encoding="utf-8"?>
+<file path=ppt/slides/slide41.xml><?xml version="1.0" encoding="utf-8"?>
 <p:sld xmlns:a="http://schemas.openxmlformats.org/drawingml/2006/main" xmlns:r="http://schemas.openxmlformats.org/officeDocument/2006/relationships" xmlns:p="http://schemas.openxmlformats.org/presentationml/2006/main">
   <p:cSld>
     <p:spTree>
@@ -23984,7 +26863,7 @@
               <a:pPr>
                 <a:defRPr/>
               </a:pPr>
-              <a:t>37</a:t>
+              <a:t>41</a:t>
             </a:fld>
             <a:endParaRPr lang="en-US"/>
           </a:p>
@@ -24050,7 +26929,7 @@
 </p:sld>
 </file>
 
-<file path=ppt/slides/slide38.xml><?xml version="1.0" encoding="utf-8"?>
+<file path=ppt/slides/slide42.xml><?xml version="1.0" encoding="utf-8"?>
 <p:sld xmlns:a="http://schemas.openxmlformats.org/drawingml/2006/main" xmlns:r="http://schemas.openxmlformats.org/officeDocument/2006/relationships" xmlns:p="http://schemas.openxmlformats.org/presentationml/2006/main">
   <p:cSld>
     <p:spTree>
@@ -24123,7 +27002,7 @@
               <a:pPr>
                 <a:defRPr/>
               </a:pPr>
-              <a:t>38</a:t>
+              <a:t>42</a:t>
             </a:fld>
             <a:endParaRPr lang="en-US"/>
           </a:p>
@@ -24250,7 +27129,7 @@
 </p:sld>
 </file>
 
-<file path=ppt/slides/slide39.xml><?xml version="1.0" encoding="utf-8"?>
+<file path=ppt/slides/slide43.xml><?xml version="1.0" encoding="utf-8"?>
 <p:sld xmlns:a="http://schemas.openxmlformats.org/drawingml/2006/main" xmlns:r="http://schemas.openxmlformats.org/officeDocument/2006/relationships" xmlns:p="http://schemas.openxmlformats.org/presentationml/2006/main">
   <p:cSld>
     <p:spTree>
@@ -24323,7 +27202,7 @@
               <a:pPr>
                 <a:defRPr/>
               </a:pPr>
-              <a:t>39</a:t>
+              <a:t>43</a:t>
             </a:fld>
             <a:endParaRPr lang="en-US"/>
           </a:p>
@@ -24383,7 +27262,7 @@
 </p:sld>
 </file>
 
-<file path=ppt/slides/slide4.xml><?xml version="1.0" encoding="utf-8"?>
+<file path=ppt/slides/slide44.xml><?xml version="1.0" encoding="utf-8"?>
 <p:sld xmlns:a="http://schemas.openxmlformats.org/drawingml/2006/main" xmlns:r="http://schemas.openxmlformats.org/officeDocument/2006/relationships" xmlns:p="http://schemas.openxmlformats.org/presentationml/2006/main">
   <p:cSld>
     <p:spTree>
@@ -24402,116 +27281,6 @@
       </p:grpSpPr>
       <p:sp>
         <p:nvSpPr>
-          <p:cNvPr id="2" name="Title 1"/>
-          <p:cNvSpPr>
-            <a:spLocks noGrp="1"/>
-          </p:cNvSpPr>
-          <p:nvPr>
-            <p:ph type="title"/>
-          </p:nvPr>
-        </p:nvSpPr>
-        <p:spPr>
-          <a:xfrm>
-            <a:off x="347663" y="3238500"/>
-            <a:ext cx="8426450" cy="1828800"/>
-          </a:xfrm>
-        </p:spPr>
-        <p:txBody>
-          <a:bodyPr/>
-          <a:lstStyle/>
-          <a:p>
-            <a:pPr>
-              <a:defRPr/>
-            </a:pPr>
-            <a:r>
-              <a:rPr lang="en-US" sz="7500" dirty="0" smtClean="0"/>
-              <a:t>I. What is machine learning?</a:t>
-            </a:r>
-            <a:endParaRPr lang="en-US" sz="7500" dirty="0"/>
-          </a:p>
-        </p:txBody>
-      </p:sp>
-      <p:sp>
-        <p:nvSpPr>
-          <p:cNvPr id="4" name="Content Placeholder 3"/>
-          <p:cNvSpPr>
-            <a:spLocks noGrp="1"/>
-          </p:cNvSpPr>
-          <p:nvPr>
-            <p:ph sz="quarter" idx="11"/>
-          </p:nvPr>
-        </p:nvSpPr>
-        <p:spPr>
-          <a:xfrm>
-            <a:off x="371475" y="495300"/>
-            <a:ext cx="6400800" cy="304800"/>
-          </a:xfrm>
-        </p:spPr>
-        <p:txBody>
-          <a:bodyPr wrap="square" lIns="91440" tIns="45720" rIns="91440" bIns="45720" numCol="1" anchor="t" anchorCtr="0" compatLnSpc="1">
-            <a:prstTxWarp prst="textNoShape">
-              <a:avLst/>
-            </a:prstTxWarp>
-          </a:bodyPr>
-          <a:lstStyle/>
-          <a:p>
-            <a:pPr marL="0" indent="0"/>
-            <a:r>
-              <a:rPr lang="en-US" cap="none" dirty="0" smtClean="0">
-                <a:latin typeface="PFDinTextCompPro-Bold" charset="0"/>
-                <a:ea typeface="ヒラギノ角ゴ ProN W3" charset="0"/>
-                <a:cs typeface="ヒラギノ角ゴ ProN W3" charset="0"/>
-              </a:rPr>
-              <a:t>INTRO TO DATA SCIENCE</a:t>
-            </a:r>
-            <a:endParaRPr lang="en-US" cap="none" dirty="0">
-              <a:latin typeface="PFDinTextCompPro-Bold" charset="0"/>
-              <a:ea typeface="ヒラギノ角ゴ ProN W3" charset="0"/>
-              <a:cs typeface="ヒラギノ角ゴ ProN W3" charset="0"/>
-            </a:endParaRPr>
-          </a:p>
-        </p:txBody>
-      </p:sp>
-    </p:spTree>
-    <p:extLst>
-      <p:ext uri="{BB962C8B-B14F-4D97-AF65-F5344CB8AC3E}">
-        <p14:creationId xmlns:p14="http://schemas.microsoft.com/office/powerpoint/2010/main" val="1265447067"/>
-      </p:ext>
-    </p:extLst>
-  </p:cSld>
-  <p:clrMapOvr>
-    <a:masterClrMapping/>
-  </p:clrMapOvr>
-  <p:transition xmlns:p14="http://schemas.microsoft.com/office/powerpoint/2010/main"/>
-  <p:timing>
-    <p:tnLst>
-      <p:par>
-        <p:cTn xmlns:p14="http://schemas.microsoft.com/office/powerpoint/2010/main" id="1" dur="indefinite" restart="never" nodeType="tmRoot"/>
-      </p:par>
-    </p:tnLst>
-  </p:timing>
-</p:sld>
-</file>
-
-<file path=ppt/slides/slide40.xml><?xml version="1.0" encoding="utf-8"?>
-<p:sld xmlns:a="http://schemas.openxmlformats.org/drawingml/2006/main" xmlns:r="http://schemas.openxmlformats.org/officeDocument/2006/relationships" xmlns:p="http://schemas.openxmlformats.org/presentationml/2006/main">
-  <p:cSld>
-    <p:spTree>
-      <p:nvGrpSpPr>
-        <p:cNvPr id="1" name=""/>
-        <p:cNvGrpSpPr/>
-        <p:nvPr/>
-      </p:nvGrpSpPr>
-      <p:grpSpPr>
-        <a:xfrm>
-          <a:off x="0" y="0"/>
-          <a:ext cx="0" cy="0"/>
-          <a:chOff x="0" y="0"/>
-          <a:chExt cx="0" cy="0"/>
-        </a:xfrm>
-      </p:grpSpPr>
-      <p:sp>
-        <p:nvSpPr>
           <p:cNvPr id="4" name="Content Placeholder 3"/>
           <p:cNvSpPr>
             <a:spLocks noGrp="1"/>
@@ -24566,7 +27335,7 @@
               <a:pPr>
                 <a:defRPr/>
               </a:pPr>
-              <a:t>40</a:t>
+              <a:t>44</a:t>
             </a:fld>
             <a:endParaRPr lang="en-US"/>
           </a:p>
@@ -24742,7 +27511,7 @@
 </p:sld>
 </file>
 
-<file path=ppt/slides/slide41.xml><?xml version="1.0" encoding="utf-8"?>
+<file path=ppt/slides/slide45.xml><?xml version="1.0" encoding="utf-8"?>
 <p:sld xmlns:a="http://schemas.openxmlformats.org/drawingml/2006/main" xmlns:r="http://schemas.openxmlformats.org/officeDocument/2006/relationships" xmlns:p="http://schemas.openxmlformats.org/presentationml/2006/main">
   <p:cSld>
     <p:spTree>
@@ -24820,7 +27589,7 @@
               <a:pPr>
                 <a:defRPr/>
               </a:pPr>
-              <a:t>41</a:t>
+              <a:t>45</a:t>
             </a:fld>
             <a:endParaRPr lang="en-US"/>
           </a:p>
@@ -24904,7 +27673,7 @@
 </p:sld>
 </file>
 
-<file path=ppt/slides/slide42.xml><?xml version="1.0" encoding="utf-8"?>
+<file path=ppt/slides/slide46.xml><?xml version="1.0" encoding="utf-8"?>
 <p:sld xmlns:a="http://schemas.openxmlformats.org/drawingml/2006/main" xmlns:r="http://schemas.openxmlformats.org/officeDocument/2006/relationships" xmlns:p="http://schemas.openxmlformats.org/presentationml/2006/main">
   <p:cSld>
     <p:spTree>
@@ -24982,7 +27751,7 @@
               <a:pPr>
                 <a:defRPr/>
               </a:pPr>
-              <a:t>42</a:t>
+              <a:t>46</a:t>
             </a:fld>
             <a:endParaRPr lang="en-US"/>
           </a:p>
@@ -25299,7 +28068,7 @@
 </p:sld>
 </file>
 
-<file path=ppt/slides/slide43.xml><?xml version="1.0" encoding="utf-8"?>
+<file path=ppt/slides/slide47.xml><?xml version="1.0" encoding="utf-8"?>
 <p:sld xmlns:a="http://schemas.openxmlformats.org/drawingml/2006/main" xmlns:r="http://schemas.openxmlformats.org/officeDocument/2006/relationships" xmlns:p="http://schemas.openxmlformats.org/presentationml/2006/main">
   <p:cSld>
     <p:spTree>
@@ -25377,7 +28146,7 @@
               <a:pPr>
                 <a:defRPr/>
               </a:pPr>
-              <a:t>43</a:t>
+              <a:t>47</a:t>
             </a:fld>
             <a:endParaRPr lang="en-US"/>
           </a:p>
@@ -25461,7 +28230,7 @@
 </p:sld>
 </file>
 
-<file path=ppt/slides/slide44.xml><?xml version="1.0" encoding="utf-8"?>
+<file path=ppt/slides/slide48.xml><?xml version="1.0" encoding="utf-8"?>
 <p:sld xmlns:a="http://schemas.openxmlformats.org/drawingml/2006/main" xmlns:r="http://schemas.openxmlformats.org/officeDocument/2006/relationships" xmlns:p="http://schemas.openxmlformats.org/presentationml/2006/main">
   <p:cSld>
     <p:spTree>
@@ -25539,7 +28308,7 @@
               <a:pPr>
                 <a:defRPr/>
               </a:pPr>
-              <a:t>44</a:t>
+              <a:t>48</a:t>
             </a:fld>
             <a:endParaRPr lang="en-US"/>
           </a:p>
@@ -25673,7 +28442,7 @@
 </p:sld>
 </file>
 
-<file path=ppt/slides/slide45.xml><?xml version="1.0" encoding="utf-8"?>
+<file path=ppt/slides/slide49.xml><?xml version="1.0" encoding="utf-8"?>
 <p:sld xmlns:a="http://schemas.openxmlformats.org/drawingml/2006/main" xmlns:r="http://schemas.openxmlformats.org/officeDocument/2006/relationships" xmlns:p="http://schemas.openxmlformats.org/presentationml/2006/main">
   <p:cSld>
     <p:spTree>
@@ -25751,7 +28520,7 @@
               <a:pPr>
                 <a:defRPr/>
               </a:pPr>
-              <a:t>45</a:t>
+              <a:t>49</a:t>
             </a:fld>
             <a:endParaRPr lang="en-US"/>
           </a:p>
@@ -26021,7 +28790,7 @@
 </p:sld>
 </file>
 
-<file path=ppt/slides/slide46.xml><?xml version="1.0" encoding="utf-8"?>
+<file path=ppt/slides/slide5.xml><?xml version="1.0" encoding="utf-8"?>
 <p:sld xmlns:a="http://schemas.openxmlformats.org/drawingml/2006/main" xmlns:r="http://schemas.openxmlformats.org/officeDocument/2006/relationships" xmlns:p="http://schemas.openxmlformats.org/presentationml/2006/main">
   <p:cSld>
     <p:spTree>
@@ -26065,14 +28834,9 @@
               <a:defRPr/>
             </a:pPr>
             <a:r>
-              <a:rPr lang="en-US" dirty="0" err="1" smtClean="0"/>
-              <a:t>Knn</a:t>
-            </a:r>
-            <a:r>
               <a:rPr lang="en-US" dirty="0" smtClean="0"/>
-              <a:t> classification</a:t>
-            </a:r>
-            <a:endParaRPr lang="en-US" dirty="0"/>
+              <a:t>What is machine learning?</a:t>
+            </a:r>
           </a:p>
         </p:txBody>
       </p:sp>
@@ -26099,7 +28863,374 @@
               <a:pPr>
                 <a:defRPr/>
               </a:pPr>
-              <a:t>46</a:t>
+              <a:t>5</a:t>
+            </a:fld>
+            <a:endParaRPr lang="en-US"/>
+          </a:p>
+        </p:txBody>
+      </p:sp>
+      <p:sp>
+        <p:nvSpPr>
+          <p:cNvPr id="20485" name="Subtitle 2"/>
+          <p:cNvSpPr>
+            <a:spLocks noGrp="1"/>
+          </p:cNvSpPr>
+          <p:nvPr>
+            <p:ph type="subTitle" idx="1"/>
+          </p:nvPr>
+        </p:nvSpPr>
+        <p:spPr bwMode="auto">
+          <a:xfrm>
+            <a:off x="566737" y="1181100"/>
+            <a:ext cx="8305800" cy="3581400"/>
+          </a:xfrm>
+          <a:noFill/>
+          <a:extLst>
+            <a:ext uri="{909E8E84-426E-40dd-AFC4-6F175D3DCCD1}">
+              <a14:hiddenFill xmlns:a14="http://schemas.microsoft.com/office/drawing/2010/main">
+                <a:solidFill>
+                  <a:srgbClr val="FFFFFF"/>
+                </a:solidFill>
+              </a14:hiddenFill>
+            </a:ext>
+            <a:ext uri="{91240B29-F687-4f45-9708-019B960494DF}">
+              <a14:hiddenLine xmlns:a14="http://schemas.microsoft.com/office/drawing/2010/main" w="9525">
+                <a:solidFill>
+                  <a:srgbClr val="000000"/>
+                </a:solidFill>
+                <a:miter lim="800000"/>
+                <a:headEnd/>
+                <a:tailEnd/>
+              </a14:hiddenLine>
+            </a:ext>
+            <a:ext uri="{FAA26D3D-D897-4be2-8F04-BA451C77F1D7}">
+              <ma14:placeholderFlag xmlns:ma14="http://schemas.microsoft.com/office/mac/drawingml/2011/main" val="1"/>
+            </a:ext>
+          </a:extLst>
+        </p:spPr>
+        <p:txBody>
+          <a:bodyPr wrap="square" numCol="1" anchor="t" anchorCtr="0" compatLnSpc="1">
+            <a:prstTxWarp prst="textNoShape">
+              <a:avLst/>
+            </a:prstTxWarp>
+          </a:bodyPr>
+          <a:lstStyle/>
+          <a:p>
+            <a:pPr marL="0" indent="0">
+              <a:lnSpc>
+                <a:spcPct val="100000"/>
+              </a:lnSpc>
+              <a:buNone/>
+            </a:pPr>
+            <a:r>
+              <a:rPr lang="en-US" sz="1400" dirty="0"/>
+              <a:t>from </a:t>
+            </a:r>
+            <a:r>
+              <a:rPr lang="en-US" sz="1400" dirty="0" smtClean="0"/>
+              <a:t>Wikipedia:</a:t>
+            </a:r>
+          </a:p>
+          <a:p>
+            <a:pPr marL="0" indent="0">
+              <a:lnSpc>
+                <a:spcPct val="100000"/>
+              </a:lnSpc>
+              <a:buNone/>
+            </a:pPr>
+            <a:endParaRPr lang="en-US" sz="1400" dirty="0" smtClean="0"/>
+          </a:p>
+          <a:p>
+            <a:pPr marL="0" indent="0">
+              <a:lnSpc>
+                <a:spcPct val="100000"/>
+              </a:lnSpc>
+              <a:buNone/>
+            </a:pPr>
+            <a:r>
+              <a:rPr lang="en-US" sz="1400" dirty="0" smtClean="0"/>
+              <a:t>“Machine </a:t>
+            </a:r>
+            <a:r>
+              <a:rPr lang="en-US" sz="1400" dirty="0"/>
+              <a:t>learning, a branch of artificial intelligence, is about the construction and study of systems that can </a:t>
+            </a:r>
+            <a:r>
+              <a:rPr lang="en-US" sz="1400" i="1" dirty="0"/>
+              <a:t>learn from </a:t>
+            </a:r>
+            <a:r>
+              <a:rPr lang="en-US" sz="1400" i="1" dirty="0" smtClean="0"/>
+              <a:t>data</a:t>
+            </a:r>
+            <a:r>
+              <a:rPr lang="en-US" sz="1400" dirty="0" smtClean="0"/>
+              <a:t>.”</a:t>
+            </a:r>
+          </a:p>
+          <a:p>
+            <a:pPr marL="0" indent="0">
+              <a:lnSpc>
+                <a:spcPct val="100000"/>
+              </a:lnSpc>
+              <a:buNone/>
+            </a:pPr>
+            <a:endParaRPr lang="en-US" sz="1400" dirty="0"/>
+          </a:p>
+          <a:p>
+            <a:pPr marL="0" indent="0">
+              <a:lnSpc>
+                <a:spcPct val="100000"/>
+              </a:lnSpc>
+              <a:buNone/>
+            </a:pPr>
+            <a:endParaRPr lang="en-US" sz="1400" dirty="0" smtClean="0"/>
+          </a:p>
+          <a:p>
+            <a:pPr marL="0" indent="0">
+              <a:lnSpc>
+                <a:spcPct val="100000"/>
+              </a:lnSpc>
+              <a:buNone/>
+            </a:pPr>
+            <a:endParaRPr lang="en-US" sz="1400" dirty="0"/>
+          </a:p>
+          <a:p>
+            <a:pPr marL="0" indent="0">
+              <a:lnSpc>
+                <a:spcPct val="100000"/>
+              </a:lnSpc>
+              <a:buNone/>
+            </a:pPr>
+            <a:endParaRPr lang="en-US" sz="1400" dirty="0" smtClean="0"/>
+          </a:p>
+          <a:p>
+            <a:pPr marL="0" indent="0">
+              <a:lnSpc>
+                <a:spcPct val="100000"/>
+              </a:lnSpc>
+              <a:buNone/>
+            </a:pPr>
+            <a:endParaRPr lang="en-US" sz="1400" dirty="0"/>
+          </a:p>
+          <a:p>
+            <a:pPr marL="0" indent="0">
+              <a:lnSpc>
+                <a:spcPct val="100000"/>
+              </a:lnSpc>
+              <a:buNone/>
+            </a:pPr>
+            <a:endParaRPr lang="en-US" sz="1400" dirty="0" smtClean="0"/>
+          </a:p>
+          <a:p>
+            <a:pPr marL="0" indent="0">
+              <a:lnSpc>
+                <a:spcPct val="100000"/>
+              </a:lnSpc>
+              <a:buNone/>
+            </a:pPr>
+            <a:endParaRPr lang="en-US" sz="1400" dirty="0" smtClean="0"/>
+          </a:p>
+          <a:p>
+            <a:pPr>
+              <a:lnSpc>
+                <a:spcPct val="100000"/>
+              </a:lnSpc>
+              <a:buFont typeface="Lucida Grande" charset="0"/>
+              <a:buChar char="‣"/>
+            </a:pPr>
+            <a:endParaRPr lang="en-US" sz="1400" dirty="0"/>
+          </a:p>
+          <a:p>
+            <a:pPr marL="0" indent="0">
+              <a:lnSpc>
+                <a:spcPct val="100000"/>
+              </a:lnSpc>
+              <a:buNone/>
+            </a:pPr>
+            <a:endParaRPr lang="en-US" sz="1400" dirty="0" smtClean="0"/>
+          </a:p>
+          <a:p>
+            <a:pPr>
+              <a:lnSpc>
+                <a:spcPct val="100000"/>
+              </a:lnSpc>
+              <a:buFont typeface="Lucida Grande" charset="0"/>
+              <a:buChar char="‣"/>
+            </a:pPr>
+            <a:endParaRPr lang="en-US" sz="1400" dirty="0"/>
+          </a:p>
+          <a:p>
+            <a:pPr marL="0" indent="0">
+              <a:lnSpc>
+                <a:spcPct val="100000"/>
+              </a:lnSpc>
+              <a:buNone/>
+            </a:pPr>
+            <a:endParaRPr lang="en-US" sz="1400" dirty="0">
+              <a:latin typeface="News706 BT" charset="0"/>
+              <a:ea typeface="ヒラギノ角ゴ ProN W3" charset="0"/>
+              <a:cs typeface="ヒラギノ角ゴ ProN W3" charset="0"/>
+            </a:endParaRPr>
+          </a:p>
+          <a:p>
+            <a:pPr marL="0" indent="0">
+              <a:lnSpc>
+                <a:spcPct val="100000"/>
+              </a:lnSpc>
+              <a:buNone/>
+            </a:pPr>
+            <a:r>
+              <a:rPr lang="en-US" sz="800" i="1" dirty="0" smtClean="0"/>
+              <a:t>source: http</a:t>
+            </a:r>
+            <a:r>
+              <a:rPr lang="en-US" sz="800" i="1" dirty="0"/>
+              <a:t>://</a:t>
+            </a:r>
+            <a:r>
+              <a:rPr lang="en-US" sz="800" i="1" dirty="0" err="1"/>
+              <a:t>en.wikipedia.org</a:t>
+            </a:r>
+            <a:r>
+              <a:rPr lang="en-US" sz="800" i="1" dirty="0"/>
+              <a:t>/wiki/</a:t>
+            </a:r>
+            <a:r>
+              <a:rPr lang="en-US" sz="800" i="1" dirty="0" err="1" smtClean="0"/>
+              <a:t>Machine_learning</a:t>
+            </a:r>
+            <a:endParaRPr lang="en-US" sz="800" dirty="0"/>
+          </a:p>
+          <a:p>
+            <a:pPr marL="0" indent="0">
+              <a:lnSpc>
+                <a:spcPct val="100000"/>
+              </a:lnSpc>
+              <a:buNone/>
+            </a:pPr>
+            <a:endParaRPr lang="en-US" sz="1400" dirty="0" smtClean="0">
+              <a:latin typeface="News706 BT" charset="0"/>
+              <a:ea typeface="ヒラギノ角ゴ ProN W3" charset="0"/>
+              <a:cs typeface="ヒラギノ角ゴ ProN W3" charset="0"/>
+            </a:endParaRPr>
+          </a:p>
+          <a:p>
+            <a:pPr>
+              <a:lnSpc>
+                <a:spcPct val="100000"/>
+              </a:lnSpc>
+              <a:buFont typeface="Lucida Grande" charset="0"/>
+              <a:buChar char="‣"/>
+            </a:pPr>
+            <a:endParaRPr lang="en-US" sz="1400" dirty="0">
+              <a:latin typeface="News706 BT" charset="0"/>
+              <a:ea typeface="ヒラギノ角ゴ ProN W3" charset="0"/>
+              <a:cs typeface="ヒラギノ角ゴ ProN W3" charset="0"/>
+            </a:endParaRPr>
+          </a:p>
+        </p:txBody>
+      </p:sp>
+    </p:spTree>
+    <p:extLst>
+      <p:ext uri="{BB962C8B-B14F-4D97-AF65-F5344CB8AC3E}">
+        <p14:creationId xmlns:p14="http://schemas.microsoft.com/office/powerpoint/2010/main" val="3803518707"/>
+      </p:ext>
+    </p:extLst>
+  </p:cSld>
+  <p:clrMapOvr>
+    <a:masterClrMapping/>
+  </p:clrMapOvr>
+  <p:transition xmlns:p14="http://schemas.microsoft.com/office/powerpoint/2010/main"/>
+  <p:timing>
+    <p:tnLst>
+      <p:par>
+        <p:cTn xmlns:p14="http://schemas.microsoft.com/office/powerpoint/2010/main" id="1" dur="indefinite" restart="never" nodeType="tmRoot"/>
+      </p:par>
+    </p:tnLst>
+  </p:timing>
+</p:sld>
+</file>
+
+<file path=ppt/slides/slide50.xml><?xml version="1.0" encoding="utf-8"?>
+<p:sld xmlns:a="http://schemas.openxmlformats.org/drawingml/2006/main" xmlns:r="http://schemas.openxmlformats.org/officeDocument/2006/relationships" xmlns:p="http://schemas.openxmlformats.org/presentationml/2006/main">
+  <p:cSld>
+    <p:spTree>
+      <p:nvGrpSpPr>
+        <p:cNvPr id="1" name=""/>
+        <p:cNvGrpSpPr/>
+        <p:nvPr/>
+      </p:nvGrpSpPr>
+      <p:grpSpPr>
+        <a:xfrm>
+          <a:off x="0" y="0"/>
+          <a:ext cx="0" cy="0"/>
+          <a:chOff x="0" y="0"/>
+          <a:chExt cx="0" cy="0"/>
+        </a:xfrm>
+      </p:grpSpPr>
+      <p:sp>
+        <p:nvSpPr>
+          <p:cNvPr id="4" name="Content Placeholder 3"/>
+          <p:cNvSpPr>
+            <a:spLocks noGrp="1"/>
+          </p:cNvSpPr>
+          <p:nvPr>
+            <p:ph sz="quarter" idx="11"/>
+          </p:nvPr>
+        </p:nvSpPr>
+        <p:spPr>
+          <a:xfrm>
+            <a:off x="414337" y="495300"/>
+            <a:ext cx="6400800" cy="304800"/>
+          </a:xfrm>
+        </p:spPr>
+        <p:txBody>
+          <a:bodyPr/>
+          <a:lstStyle/>
+          <a:p>
+            <a:pPr eaLnBrk="1" hangingPunct="1">
+              <a:lnSpc>
+                <a:spcPts val="2448"/>
+              </a:lnSpc>
+              <a:defRPr/>
+            </a:pPr>
+            <a:r>
+              <a:rPr lang="en-US" dirty="0" err="1" smtClean="0"/>
+              <a:t>Knn</a:t>
+            </a:r>
+            <a:r>
+              <a:rPr lang="en-US" dirty="0" smtClean="0"/>
+              <a:t> classification</a:t>
+            </a:r>
+            <a:endParaRPr lang="en-US" dirty="0"/>
+          </a:p>
+        </p:txBody>
+      </p:sp>
+      <p:sp>
+        <p:nvSpPr>
+          <p:cNvPr id="8" name="Slide Number Placeholder 3"/>
+          <p:cNvSpPr>
+            <a:spLocks noGrp="1"/>
+          </p:cNvSpPr>
+          <p:nvPr>
+            <p:ph type="sldNum" sz="quarter" idx="13"/>
+          </p:nvPr>
+        </p:nvSpPr>
+        <p:spPr/>
+        <p:txBody>
+          <a:bodyPr/>
+          <a:lstStyle/>
+          <a:p>
+            <a:pPr>
+              <a:defRPr/>
+            </a:pPr>
+            <a:fld id="{BD5AD749-DAD1-6A4A-A2AA-CB20EAD0AEB7}" type="slidenum">
+              <a:rPr lang="en-US"/>
+              <a:pPr>
+                <a:defRPr/>
+              </a:pPr>
+              <a:t>50</a:t>
             </a:fld>
             <a:endParaRPr lang="en-US"/>
           </a:p>
@@ -26230,7 +29361,7 @@
 </p:sld>
 </file>
 
-<file path=ppt/slides/slide47.xml><?xml version="1.0" encoding="utf-8"?>
+<file path=ppt/slides/slide51.xml><?xml version="1.0" encoding="utf-8"?>
 <p:sld xmlns:a="http://schemas.openxmlformats.org/drawingml/2006/main" xmlns:r="http://schemas.openxmlformats.org/officeDocument/2006/relationships" xmlns:p="http://schemas.openxmlformats.org/presentationml/2006/main">
   <p:cSld>
     <p:spTree>
@@ -26308,7 +29439,7 @@
               <a:pPr>
                 <a:defRPr/>
               </a:pPr>
-              <a:t>47</a:t>
+              <a:t>51</a:t>
             </a:fld>
             <a:endParaRPr lang="en-US"/>
           </a:p>
@@ -26708,7 +29839,7 @@
 </p:sld>
 </file>
 
-<file path=ppt/slides/slide48.xml><?xml version="1.0" encoding="utf-8"?>
+<file path=ppt/slides/slide52.xml><?xml version="1.0" encoding="utf-8"?>
 <p:sld xmlns:a="http://schemas.openxmlformats.org/drawingml/2006/main" xmlns:r="http://schemas.openxmlformats.org/officeDocument/2006/relationships" xmlns:p="http://schemas.openxmlformats.org/presentationml/2006/main">
   <p:cSld>
     <p:spTree>
@@ -26770,368 +29901,6 @@
     <p:extLst>
       <p:ext uri="{BB962C8B-B14F-4D97-AF65-F5344CB8AC3E}">
         <p14:creationId xmlns:p14="http://schemas.microsoft.com/office/powerpoint/2010/main" val="79609337"/>
-      </p:ext>
-    </p:extLst>
-  </p:cSld>
-  <p:clrMapOvr>
-    <a:masterClrMapping/>
-  </p:clrMapOvr>
-  <p:transition xmlns:p14="http://schemas.microsoft.com/office/powerpoint/2010/main"/>
-  <p:timing>
-    <p:tnLst>
-      <p:par>
-        <p:cTn xmlns:p14="http://schemas.microsoft.com/office/powerpoint/2010/main" id="1" dur="indefinite" restart="never" nodeType="tmRoot"/>
-      </p:par>
-    </p:tnLst>
-  </p:timing>
-</p:sld>
-</file>
-
-<file path=ppt/slides/slide5.xml><?xml version="1.0" encoding="utf-8"?>
-<p:sld xmlns:a="http://schemas.openxmlformats.org/drawingml/2006/main" xmlns:r="http://schemas.openxmlformats.org/officeDocument/2006/relationships" xmlns:p="http://schemas.openxmlformats.org/presentationml/2006/main">
-  <p:cSld>
-    <p:spTree>
-      <p:nvGrpSpPr>
-        <p:cNvPr id="1" name=""/>
-        <p:cNvGrpSpPr/>
-        <p:nvPr/>
-      </p:nvGrpSpPr>
-      <p:grpSpPr>
-        <a:xfrm>
-          <a:off x="0" y="0"/>
-          <a:ext cx="0" cy="0"/>
-          <a:chOff x="0" y="0"/>
-          <a:chExt cx="0" cy="0"/>
-        </a:xfrm>
-      </p:grpSpPr>
-      <p:sp>
-        <p:nvSpPr>
-          <p:cNvPr id="4" name="Content Placeholder 3"/>
-          <p:cNvSpPr>
-            <a:spLocks noGrp="1"/>
-          </p:cNvSpPr>
-          <p:nvPr>
-            <p:ph sz="quarter" idx="11"/>
-          </p:nvPr>
-        </p:nvSpPr>
-        <p:spPr>
-          <a:xfrm>
-            <a:off x="414337" y="495300"/>
-            <a:ext cx="6400800" cy="304800"/>
-          </a:xfrm>
-        </p:spPr>
-        <p:txBody>
-          <a:bodyPr/>
-          <a:lstStyle/>
-          <a:p>
-            <a:pPr eaLnBrk="1" hangingPunct="1">
-              <a:lnSpc>
-                <a:spcPts val="2448"/>
-              </a:lnSpc>
-              <a:defRPr/>
-            </a:pPr>
-            <a:r>
-              <a:rPr lang="en-US" dirty="0" smtClean="0"/>
-              <a:t>What is machine learning?</a:t>
-            </a:r>
-          </a:p>
-        </p:txBody>
-      </p:sp>
-      <p:sp>
-        <p:nvSpPr>
-          <p:cNvPr id="8" name="Slide Number Placeholder 3"/>
-          <p:cNvSpPr>
-            <a:spLocks noGrp="1"/>
-          </p:cNvSpPr>
-          <p:nvPr>
-            <p:ph type="sldNum" sz="quarter" idx="13"/>
-          </p:nvPr>
-        </p:nvSpPr>
-        <p:spPr/>
-        <p:txBody>
-          <a:bodyPr/>
-          <a:lstStyle/>
-          <a:p>
-            <a:pPr>
-              <a:defRPr/>
-            </a:pPr>
-            <a:fld id="{BD5AD749-DAD1-6A4A-A2AA-CB20EAD0AEB7}" type="slidenum">
-              <a:rPr lang="en-US"/>
-              <a:pPr>
-                <a:defRPr/>
-              </a:pPr>
-              <a:t>5</a:t>
-            </a:fld>
-            <a:endParaRPr lang="en-US"/>
-          </a:p>
-        </p:txBody>
-      </p:sp>
-      <p:sp>
-        <p:nvSpPr>
-          <p:cNvPr id="20485" name="Subtitle 2"/>
-          <p:cNvSpPr>
-            <a:spLocks noGrp="1"/>
-          </p:cNvSpPr>
-          <p:nvPr>
-            <p:ph type="subTitle" idx="1"/>
-          </p:nvPr>
-        </p:nvSpPr>
-        <p:spPr bwMode="auto">
-          <a:xfrm>
-            <a:off x="566737" y="1181100"/>
-            <a:ext cx="8305800" cy="3581400"/>
-          </a:xfrm>
-          <a:noFill/>
-          <a:extLst>
-            <a:ext uri="{909E8E84-426E-40dd-AFC4-6F175D3DCCD1}">
-              <a14:hiddenFill xmlns:a14="http://schemas.microsoft.com/office/drawing/2010/main">
-                <a:solidFill>
-                  <a:srgbClr val="FFFFFF"/>
-                </a:solidFill>
-              </a14:hiddenFill>
-            </a:ext>
-            <a:ext uri="{91240B29-F687-4f45-9708-019B960494DF}">
-              <a14:hiddenLine xmlns:a14="http://schemas.microsoft.com/office/drawing/2010/main" w="9525">
-                <a:solidFill>
-                  <a:srgbClr val="000000"/>
-                </a:solidFill>
-                <a:miter lim="800000"/>
-                <a:headEnd/>
-                <a:tailEnd/>
-              </a14:hiddenLine>
-            </a:ext>
-            <a:ext uri="{FAA26D3D-D897-4be2-8F04-BA451C77F1D7}">
-              <ma14:placeholderFlag xmlns:ma14="http://schemas.microsoft.com/office/mac/drawingml/2011/main" val="1"/>
-            </a:ext>
-          </a:extLst>
-        </p:spPr>
-        <p:txBody>
-          <a:bodyPr wrap="square" numCol="1" anchor="t" anchorCtr="0" compatLnSpc="1">
-            <a:prstTxWarp prst="textNoShape">
-              <a:avLst/>
-            </a:prstTxWarp>
-          </a:bodyPr>
-          <a:lstStyle/>
-          <a:p>
-            <a:pPr marL="0" indent="0">
-              <a:lnSpc>
-                <a:spcPct val="100000"/>
-              </a:lnSpc>
-              <a:buNone/>
-            </a:pPr>
-            <a:r>
-              <a:rPr lang="en-US" sz="1400" dirty="0"/>
-              <a:t>from </a:t>
-            </a:r>
-            <a:r>
-              <a:rPr lang="en-US" sz="1400" dirty="0" smtClean="0"/>
-              <a:t>Wikipedia:</a:t>
-            </a:r>
-          </a:p>
-          <a:p>
-            <a:pPr marL="0" indent="0">
-              <a:lnSpc>
-                <a:spcPct val="100000"/>
-              </a:lnSpc>
-              <a:buNone/>
-            </a:pPr>
-            <a:endParaRPr lang="en-US" sz="1400" dirty="0" smtClean="0"/>
-          </a:p>
-          <a:p>
-            <a:pPr marL="0" indent="0">
-              <a:lnSpc>
-                <a:spcPct val="100000"/>
-              </a:lnSpc>
-              <a:buNone/>
-            </a:pPr>
-            <a:r>
-              <a:rPr lang="en-US" sz="1400" dirty="0" smtClean="0"/>
-              <a:t>“Machine </a:t>
-            </a:r>
-            <a:r>
-              <a:rPr lang="en-US" sz="1400" dirty="0"/>
-              <a:t>learning, a branch of artificial intelligence, is about the construction and study of systems that can </a:t>
-            </a:r>
-            <a:r>
-              <a:rPr lang="en-US" sz="1400" i="1" dirty="0"/>
-              <a:t>learn from </a:t>
-            </a:r>
-            <a:r>
-              <a:rPr lang="en-US" sz="1400" i="1" dirty="0" smtClean="0"/>
-              <a:t>data</a:t>
-            </a:r>
-            <a:r>
-              <a:rPr lang="en-US" sz="1400" dirty="0" smtClean="0"/>
-              <a:t>.”</a:t>
-            </a:r>
-          </a:p>
-          <a:p>
-            <a:pPr marL="0" indent="0">
-              <a:lnSpc>
-                <a:spcPct val="100000"/>
-              </a:lnSpc>
-              <a:buNone/>
-            </a:pPr>
-            <a:endParaRPr lang="en-US" sz="1400" dirty="0"/>
-          </a:p>
-          <a:p>
-            <a:pPr marL="0" indent="0">
-              <a:lnSpc>
-                <a:spcPct val="100000"/>
-              </a:lnSpc>
-              <a:buNone/>
-            </a:pPr>
-            <a:endParaRPr lang="en-US" sz="1400" dirty="0" smtClean="0"/>
-          </a:p>
-          <a:p>
-            <a:pPr marL="0" indent="0">
-              <a:lnSpc>
-                <a:spcPct val="100000"/>
-              </a:lnSpc>
-              <a:buNone/>
-            </a:pPr>
-            <a:endParaRPr lang="en-US" sz="1400" dirty="0"/>
-          </a:p>
-          <a:p>
-            <a:pPr marL="0" indent="0">
-              <a:lnSpc>
-                <a:spcPct val="100000"/>
-              </a:lnSpc>
-              <a:buNone/>
-            </a:pPr>
-            <a:endParaRPr lang="en-US" sz="1400" dirty="0" smtClean="0"/>
-          </a:p>
-          <a:p>
-            <a:pPr marL="0" indent="0">
-              <a:lnSpc>
-                <a:spcPct val="100000"/>
-              </a:lnSpc>
-              <a:buNone/>
-            </a:pPr>
-            <a:endParaRPr lang="en-US" sz="1400" dirty="0"/>
-          </a:p>
-          <a:p>
-            <a:pPr marL="0" indent="0">
-              <a:lnSpc>
-                <a:spcPct val="100000"/>
-              </a:lnSpc>
-              <a:buNone/>
-            </a:pPr>
-            <a:endParaRPr lang="en-US" sz="1400" dirty="0" smtClean="0"/>
-          </a:p>
-          <a:p>
-            <a:pPr marL="0" indent="0">
-              <a:lnSpc>
-                <a:spcPct val="100000"/>
-              </a:lnSpc>
-              <a:buNone/>
-            </a:pPr>
-            <a:endParaRPr lang="en-US" sz="1400" dirty="0" smtClean="0"/>
-          </a:p>
-          <a:p>
-            <a:pPr>
-              <a:lnSpc>
-                <a:spcPct val="100000"/>
-              </a:lnSpc>
-              <a:buFont typeface="Lucida Grande" charset="0"/>
-              <a:buChar char="‣"/>
-            </a:pPr>
-            <a:endParaRPr lang="en-US" sz="1400" dirty="0"/>
-          </a:p>
-          <a:p>
-            <a:pPr marL="0" indent="0">
-              <a:lnSpc>
-                <a:spcPct val="100000"/>
-              </a:lnSpc>
-              <a:buNone/>
-            </a:pPr>
-            <a:endParaRPr lang="en-US" sz="1400" dirty="0" smtClean="0"/>
-          </a:p>
-          <a:p>
-            <a:pPr>
-              <a:lnSpc>
-                <a:spcPct val="100000"/>
-              </a:lnSpc>
-              <a:buFont typeface="Lucida Grande" charset="0"/>
-              <a:buChar char="‣"/>
-            </a:pPr>
-            <a:endParaRPr lang="en-US" sz="1400" dirty="0"/>
-          </a:p>
-          <a:p>
-            <a:pPr marL="0" indent="0">
-              <a:lnSpc>
-                <a:spcPct val="100000"/>
-              </a:lnSpc>
-              <a:buNone/>
-            </a:pPr>
-            <a:endParaRPr lang="en-US" sz="1400" dirty="0">
-              <a:latin typeface="News706 BT" charset="0"/>
-              <a:ea typeface="ヒラギノ角ゴ ProN W3" charset="0"/>
-              <a:cs typeface="ヒラギノ角ゴ ProN W3" charset="0"/>
-            </a:endParaRPr>
-          </a:p>
-          <a:p>
-            <a:pPr marL="0" indent="0">
-              <a:lnSpc>
-                <a:spcPct val="100000"/>
-              </a:lnSpc>
-              <a:buNone/>
-            </a:pPr>
-            <a:r>
-              <a:rPr lang="en-US" sz="800" i="1" dirty="0" smtClean="0"/>
-              <a:t>source: http</a:t>
-            </a:r>
-            <a:r>
-              <a:rPr lang="en-US" sz="800" i="1" dirty="0"/>
-              <a:t>://</a:t>
-            </a:r>
-            <a:r>
-              <a:rPr lang="en-US" sz="800" i="1" dirty="0" err="1"/>
-              <a:t>en.wikipedia.org</a:t>
-            </a:r>
-            <a:r>
-              <a:rPr lang="en-US" sz="800" i="1" dirty="0"/>
-              <a:t>/wiki/</a:t>
-            </a:r>
-            <a:r>
-              <a:rPr lang="en-US" sz="800" i="1" dirty="0" err="1" smtClean="0"/>
-              <a:t>Machine_learning</a:t>
-            </a:r>
-            <a:endParaRPr lang="en-US" sz="800" dirty="0"/>
-          </a:p>
-          <a:p>
-            <a:pPr marL="0" indent="0">
-              <a:lnSpc>
-                <a:spcPct val="100000"/>
-              </a:lnSpc>
-              <a:buNone/>
-            </a:pPr>
-            <a:endParaRPr lang="en-US" sz="1400" dirty="0" smtClean="0">
-              <a:latin typeface="News706 BT" charset="0"/>
-              <a:ea typeface="ヒラギノ角ゴ ProN W3" charset="0"/>
-              <a:cs typeface="ヒラギノ角ゴ ProN W3" charset="0"/>
-            </a:endParaRPr>
-          </a:p>
-          <a:p>
-            <a:pPr>
-              <a:lnSpc>
-                <a:spcPct val="100000"/>
-              </a:lnSpc>
-              <a:buFont typeface="Lucida Grande" charset="0"/>
-              <a:buChar char="‣"/>
-            </a:pPr>
-            <a:endParaRPr lang="en-US" sz="1400" dirty="0">
-              <a:latin typeface="News706 BT" charset="0"/>
-              <a:ea typeface="ヒラギノ角ゴ ProN W3" charset="0"/>
-              <a:cs typeface="ヒラギノ角ゴ ProN W3" charset="0"/>
-            </a:endParaRPr>
-          </a:p>
-        </p:txBody>
-      </p:sp>
-    </p:spTree>
-    <p:extLst>
-      <p:ext uri="{BB962C8B-B14F-4D97-AF65-F5344CB8AC3E}">
-        <p14:creationId xmlns:p14="http://schemas.microsoft.com/office/powerpoint/2010/main" val="3803518707"/>
       </p:ext>
     </p:extLst>
   </p:cSld>

--- a/04-ML_KNN/slides.pptx
+++ b/04-ML_KNN/slides.pptx
@@ -6,61 +6,60 @@
     <p:sldMasterId id="2147483649" r:id="rId2"/>
   </p:sldMasterIdLst>
   <p:notesMasterIdLst>
-    <p:notesMasterId r:id="rId55"/>
+    <p:notesMasterId r:id="rId54"/>
   </p:notesMasterIdLst>
   <p:sldIdLst>
     <p:sldId id="382" r:id="rId3"/>
-    <p:sldId id="383" r:id="rId4"/>
-    <p:sldId id="340" r:id="rId5"/>
-    <p:sldId id="326" r:id="rId6"/>
-    <p:sldId id="344" r:id="rId7"/>
-    <p:sldId id="345" r:id="rId8"/>
-    <p:sldId id="348" r:id="rId9"/>
-    <p:sldId id="349" r:id="rId10"/>
-    <p:sldId id="353" r:id="rId11"/>
-    <p:sldId id="355" r:id="rId12"/>
-    <p:sldId id="363" r:id="rId13"/>
-    <p:sldId id="380" r:id="rId14"/>
-    <p:sldId id="384" r:id="rId15"/>
-    <p:sldId id="381" r:id="rId16"/>
-    <p:sldId id="410" r:id="rId17"/>
-    <p:sldId id="365" r:id="rId18"/>
-    <p:sldId id="366" r:id="rId19"/>
-    <p:sldId id="367" r:id="rId20"/>
-    <p:sldId id="328" r:id="rId21"/>
-    <p:sldId id="370" r:id="rId22"/>
-    <p:sldId id="371" r:id="rId23"/>
-    <p:sldId id="372" r:id="rId24"/>
-    <p:sldId id="406" r:id="rId25"/>
-    <p:sldId id="407" r:id="rId26"/>
-    <p:sldId id="408" r:id="rId27"/>
-    <p:sldId id="409" r:id="rId28"/>
-    <p:sldId id="374" r:id="rId29"/>
-    <p:sldId id="414" r:id="rId30"/>
-    <p:sldId id="412" r:id="rId31"/>
-    <p:sldId id="411" r:id="rId32"/>
-    <p:sldId id="413" r:id="rId33"/>
-    <p:sldId id="403" r:id="rId34"/>
-    <p:sldId id="323" r:id="rId35"/>
-    <p:sldId id="375" r:id="rId36"/>
-    <p:sldId id="394" r:id="rId37"/>
-    <p:sldId id="385" r:id="rId38"/>
-    <p:sldId id="386" r:id="rId39"/>
-    <p:sldId id="387" r:id="rId40"/>
-    <p:sldId id="388" r:id="rId41"/>
-    <p:sldId id="389" r:id="rId42"/>
-    <p:sldId id="390" r:id="rId43"/>
-    <p:sldId id="391" r:id="rId44"/>
-    <p:sldId id="404" r:id="rId45"/>
-    <p:sldId id="393" r:id="rId46"/>
-    <p:sldId id="395" r:id="rId47"/>
-    <p:sldId id="402" r:id="rId48"/>
-    <p:sldId id="405" r:id="rId49"/>
-    <p:sldId id="396" r:id="rId50"/>
-    <p:sldId id="397" r:id="rId51"/>
-    <p:sldId id="398" r:id="rId52"/>
-    <p:sldId id="399" r:id="rId53"/>
-    <p:sldId id="339" r:id="rId54"/>
+    <p:sldId id="340" r:id="rId4"/>
+    <p:sldId id="326" r:id="rId5"/>
+    <p:sldId id="344" r:id="rId6"/>
+    <p:sldId id="345" r:id="rId7"/>
+    <p:sldId id="348" r:id="rId8"/>
+    <p:sldId id="349" r:id="rId9"/>
+    <p:sldId id="353" r:id="rId10"/>
+    <p:sldId id="355" r:id="rId11"/>
+    <p:sldId id="363" r:id="rId12"/>
+    <p:sldId id="380" r:id="rId13"/>
+    <p:sldId id="384" r:id="rId14"/>
+    <p:sldId id="381" r:id="rId15"/>
+    <p:sldId id="410" r:id="rId16"/>
+    <p:sldId id="365" r:id="rId17"/>
+    <p:sldId id="366" r:id="rId18"/>
+    <p:sldId id="367" r:id="rId19"/>
+    <p:sldId id="328" r:id="rId20"/>
+    <p:sldId id="370" r:id="rId21"/>
+    <p:sldId id="371" r:id="rId22"/>
+    <p:sldId id="372" r:id="rId23"/>
+    <p:sldId id="406" r:id="rId24"/>
+    <p:sldId id="407" r:id="rId25"/>
+    <p:sldId id="408" r:id="rId26"/>
+    <p:sldId id="409" r:id="rId27"/>
+    <p:sldId id="374" r:id="rId28"/>
+    <p:sldId id="414" r:id="rId29"/>
+    <p:sldId id="412" r:id="rId30"/>
+    <p:sldId id="411" r:id="rId31"/>
+    <p:sldId id="413" r:id="rId32"/>
+    <p:sldId id="403" r:id="rId33"/>
+    <p:sldId id="323" r:id="rId34"/>
+    <p:sldId id="375" r:id="rId35"/>
+    <p:sldId id="394" r:id="rId36"/>
+    <p:sldId id="385" r:id="rId37"/>
+    <p:sldId id="386" r:id="rId38"/>
+    <p:sldId id="387" r:id="rId39"/>
+    <p:sldId id="388" r:id="rId40"/>
+    <p:sldId id="389" r:id="rId41"/>
+    <p:sldId id="390" r:id="rId42"/>
+    <p:sldId id="391" r:id="rId43"/>
+    <p:sldId id="404" r:id="rId44"/>
+    <p:sldId id="393" r:id="rId45"/>
+    <p:sldId id="395" r:id="rId46"/>
+    <p:sldId id="402" r:id="rId47"/>
+    <p:sldId id="405" r:id="rId48"/>
+    <p:sldId id="396" r:id="rId49"/>
+    <p:sldId id="397" r:id="rId50"/>
+    <p:sldId id="398" r:id="rId51"/>
+    <p:sldId id="399" r:id="rId52"/>
+    <p:sldId id="339" r:id="rId53"/>
   </p:sldIdLst>
   <p:sldSz cx="9363075" cy="5257800"/>
   <p:notesSz cx="6858000" cy="9144000"/>
@@ -283,7 +282,7 @@
           <a:p>
             <a:fld id="{DB92F479-4B50-F243-9713-1B12EC2B4BDB}" type="datetimeFigureOut">
               <a:rPr lang="en-US" smtClean="0"/>
-              <a:t>3/16/14</a:t>
+              <a:t>3/23/14</a:t>
             </a:fld>
             <a:endParaRPr lang="en-US"/>
           </a:p>
@@ -686,11 +685,88 @@
           <a:bodyPr/>
           <a:lstStyle/>
           <a:p>
-            <a:r>
-              <a:rPr lang="en-US" dirty="0" smtClean="0"/>
-              <a:t>~20 min</a:t>
-            </a:r>
-            <a:endParaRPr lang="en-US" dirty="0"/>
+            <a:pPr marL="0" marR="0" indent="0" algn="l" defTabSz="457200" rtl="0" eaLnBrk="1" fontAlgn="auto" latinLnBrk="0" hangingPunct="1">
+              <a:lnSpc>
+                <a:spcPct val="100000"/>
+              </a:lnSpc>
+              <a:spcBef>
+                <a:spcPts val="0"/>
+              </a:spcBef>
+              <a:spcAft>
+                <a:spcPts val="0"/>
+              </a:spcAft>
+              <a:buClrTx/>
+              <a:buSzTx/>
+              <a:buFontTx/>
+              <a:buNone/>
+              <a:tabLst/>
+              <a:defRPr/>
+            </a:pPr>
+            <a:r>
+              <a:rPr lang="en-US" sz="1200" baseline="0" dirty="0" smtClean="0">
+                <a:solidFill>
+                  <a:prstClr val="black"/>
+                </a:solidFill>
+                <a:latin typeface="ArialMT"/>
+                <a:sym typeface="Wingdings"/>
+              </a:rPr>
+              <a:t>Q: can you think of examples?</a:t>
+            </a:r>
+          </a:p>
+          <a:p>
+            <a:pPr marL="0" marR="0" indent="0" algn="l" defTabSz="457200" rtl="0" eaLnBrk="1" fontAlgn="auto" latinLnBrk="0" hangingPunct="1">
+              <a:lnSpc>
+                <a:spcPct val="100000"/>
+              </a:lnSpc>
+              <a:spcBef>
+                <a:spcPts val="0"/>
+              </a:spcBef>
+              <a:spcAft>
+                <a:spcPts val="0"/>
+              </a:spcAft>
+              <a:buClrTx/>
+              <a:buSzTx/>
+              <a:buFontTx/>
+              <a:buNone/>
+              <a:tabLst/>
+              <a:defRPr/>
+            </a:pPr>
+            <a:r>
+              <a:rPr lang="en-US" sz="1200" baseline="0" dirty="0" smtClean="0">
+                <a:solidFill>
+                  <a:prstClr val="black"/>
+                </a:solidFill>
+                <a:latin typeface="ArialMT"/>
+                <a:sym typeface="Wingdings"/>
+              </a:rPr>
+              <a:t>Q: how could an algorithm “learn” from data in either of these cases?</a:t>
+            </a:r>
+          </a:p>
+          <a:p>
+            <a:pPr marL="0" marR="0" indent="0" algn="l" defTabSz="457200" rtl="0" eaLnBrk="1" fontAlgn="auto" latinLnBrk="0" hangingPunct="1">
+              <a:lnSpc>
+                <a:spcPct val="100000"/>
+              </a:lnSpc>
+              <a:spcBef>
+                <a:spcPts val="0"/>
+              </a:spcBef>
+              <a:spcAft>
+                <a:spcPts val="0"/>
+              </a:spcAft>
+              <a:buClrTx/>
+              <a:buSzTx/>
+              <a:buFontTx/>
+              <a:buNone/>
+              <a:tabLst/>
+              <a:defRPr/>
+            </a:pPr>
+            <a:endParaRPr lang="en-US" sz="1200" baseline="0" dirty="0" smtClean="0">
+              <a:solidFill>
+                <a:prstClr val="black"/>
+              </a:solidFill>
+              <a:latin typeface="ArialMT"/>
+              <a:sym typeface="Wingdings"/>
+            </a:endParaRPr>
           </a:p>
         </p:txBody>
       </p:sp>
@@ -720,7 +796,7 @@
     </p:spTree>
     <p:extLst>
       <p:ext uri="{BB962C8B-B14F-4D97-AF65-F5344CB8AC3E}">
-        <p14:creationId xmlns:p14="http://schemas.microsoft.com/office/powerpoint/2010/main" val="158773868"/>
+        <p14:creationId xmlns:p14="http://schemas.microsoft.com/office/powerpoint/2010/main" val="645762702"/>
       </p:ext>
     </p:extLst>
   </p:cSld>
@@ -799,63 +875,8 @@
                 <a:latin typeface="ArialMT"/>
                 <a:sym typeface="Wingdings"/>
               </a:rPr>
-              <a:t>Q: can you think of examples?</a:t>
-            </a:r>
-          </a:p>
-          <a:p>
-            <a:pPr marL="0" marR="0" indent="0" algn="l" defTabSz="457200" rtl="0" eaLnBrk="1" fontAlgn="auto" latinLnBrk="0" hangingPunct="1">
-              <a:lnSpc>
-                <a:spcPct val="100000"/>
-              </a:lnSpc>
-              <a:spcBef>
-                <a:spcPts val="0"/>
-              </a:spcBef>
-              <a:spcAft>
-                <a:spcPts val="0"/>
-              </a:spcAft>
-              <a:buClrTx/>
-              <a:buSzTx/>
-              <a:buFontTx/>
-              <a:buNone/>
-              <a:tabLst/>
-              <a:defRPr/>
-            </a:pPr>
-            <a:r>
-              <a:rPr lang="en-US" sz="1200" baseline="0" dirty="0" smtClean="0">
-                <a:solidFill>
-                  <a:prstClr val="black"/>
-                </a:solidFill>
-                <a:latin typeface="ArialMT"/>
-                <a:sym typeface="Wingdings"/>
-              </a:rPr>
-              <a:t>Q: how could an algorithm “learn” from data in either of these cases?</a:t>
-            </a:r>
-          </a:p>
-          <a:p>
-            <a:pPr marL="0" marR="0" indent="0" algn="l" defTabSz="457200" rtl="0" eaLnBrk="1" fontAlgn="auto" latinLnBrk="0" hangingPunct="1">
-              <a:lnSpc>
-                <a:spcPct val="100000"/>
-              </a:lnSpc>
-              <a:spcBef>
-                <a:spcPts val="0"/>
-              </a:spcBef>
-              <a:spcAft>
-                <a:spcPts val="0"/>
-              </a:spcAft>
-              <a:buClrTx/>
-              <a:buSzTx/>
-              <a:buFontTx/>
-              <a:buNone/>
-              <a:tabLst/>
-              <a:defRPr/>
-            </a:pPr>
-            <a:endParaRPr lang="en-US" sz="1200" baseline="0" dirty="0" smtClean="0">
-              <a:solidFill>
-                <a:prstClr val="black"/>
-              </a:solidFill>
-              <a:latin typeface="ArialMT"/>
-              <a:sym typeface="Wingdings"/>
-            </a:endParaRPr>
+              <a:t>“Core of ML” from before  types of learning problems</a:t>
+            </a:r>
           </a:p>
         </p:txBody>
       </p:sp>
@@ -1074,8 +1095,92 @@
                 <a:latin typeface="ArialMT"/>
                 <a:sym typeface="Wingdings"/>
               </a:rPr>
-              <a:t>“Core of ML” from before  types of learning problems</a:t>
-            </a:r>
+              <a:t>Note: these characterize </a:t>
+            </a:r>
+          </a:p>
+          <a:p>
+            <a:pPr marL="0" marR="0" indent="0" algn="l" defTabSz="457200" rtl="0" eaLnBrk="1" fontAlgn="auto" latinLnBrk="0" hangingPunct="1">
+              <a:lnSpc>
+                <a:spcPct val="100000"/>
+              </a:lnSpc>
+              <a:spcBef>
+                <a:spcPts val="0"/>
+              </a:spcBef>
+              <a:spcAft>
+                <a:spcPts val="0"/>
+              </a:spcAft>
+              <a:buClrTx/>
+              <a:buSzTx/>
+              <a:buFontTx/>
+              <a:buNone/>
+              <a:tabLst/>
+              <a:defRPr/>
+            </a:pPr>
+            <a:r>
+              <a:rPr lang="en-US" sz="1200" baseline="0" dirty="0" smtClean="0">
+                <a:solidFill>
+                  <a:prstClr val="black"/>
+                </a:solidFill>
+                <a:latin typeface="ArialMT"/>
+                <a:sym typeface="Wingdings"/>
+              </a:rPr>
+              <a:t>Q: can you think of examples?</a:t>
+            </a:r>
+          </a:p>
+          <a:p>
+            <a:pPr marL="0" marR="0" indent="0" algn="l" defTabSz="457200" rtl="0" eaLnBrk="1" fontAlgn="auto" latinLnBrk="0" hangingPunct="1">
+              <a:lnSpc>
+                <a:spcPct val="100000"/>
+              </a:lnSpc>
+              <a:spcBef>
+                <a:spcPts val="0"/>
+              </a:spcBef>
+              <a:spcAft>
+                <a:spcPts val="0"/>
+              </a:spcAft>
+              <a:buClrTx/>
+              <a:buSzTx/>
+              <a:buFontTx/>
+              <a:buNone/>
+              <a:tabLst/>
+              <a:defRPr/>
+            </a:pPr>
+            <a:r>
+              <a:rPr lang="en-US" sz="1200" baseline="0" dirty="0" smtClean="0">
+                <a:solidFill>
+                  <a:prstClr val="black"/>
+                </a:solidFill>
+                <a:latin typeface="ArialMT"/>
+                <a:sym typeface="Wingdings"/>
+              </a:rPr>
+              <a:t>Q: what kinds of learning tasks could we carry out with these types of data?</a:t>
+            </a:r>
+          </a:p>
+          <a:p>
+            <a:pPr marL="0" marR="0" indent="0" algn="l" defTabSz="457200" rtl="0" eaLnBrk="1" fontAlgn="auto" latinLnBrk="0" hangingPunct="1">
+              <a:lnSpc>
+                <a:spcPct val="100000"/>
+              </a:lnSpc>
+              <a:spcBef>
+                <a:spcPts val="0"/>
+              </a:spcBef>
+              <a:spcAft>
+                <a:spcPts val="0"/>
+              </a:spcAft>
+              <a:buClrTx/>
+              <a:buSzTx/>
+              <a:buFontTx/>
+              <a:buNone/>
+              <a:tabLst/>
+              <a:defRPr/>
+            </a:pPr>
+            <a:endParaRPr lang="en-US" sz="1200" baseline="0" dirty="0" smtClean="0">
+              <a:solidFill>
+                <a:prstClr val="black"/>
+              </a:solidFill>
+              <a:latin typeface="ArialMT"/>
+              <a:sym typeface="Wingdings"/>
+            </a:endParaRPr>
           </a:p>
         </p:txBody>
       </p:sp>
@@ -1134,6 +1239,135 @@
       </p:grpSpPr>
       <p:sp>
         <p:nvSpPr>
+          <p:cNvPr id="56321" name="Rectangle 1"/>
+          <p:cNvSpPr>
+            <a:spLocks noGrp="1" noRot="1" noChangeAspect="1" noChangeArrowheads="1"/>
+          </p:cNvSpPr>
+          <p:nvPr>
+            <p:ph type="sldImg"/>
+          </p:nvPr>
+        </p:nvSpPr>
+        <p:spPr>
+          <a:xfrm>
+            <a:off x="376238" y="685800"/>
+            <a:ext cx="6105525" cy="3429000"/>
+          </a:xfrm>
+        </p:spPr>
+      </p:sp>
+      <p:sp>
+        <p:nvSpPr>
+          <p:cNvPr id="56322" name="Rectangle 2"/>
+          <p:cNvSpPr>
+            <a:spLocks noGrp="1" noChangeArrowheads="1"/>
+          </p:cNvSpPr>
+          <p:nvPr>
+            <p:ph type="body" idx="1"/>
+          </p:nvPr>
+        </p:nvSpPr>
+        <p:spPr/>
+        <p:txBody>
+          <a:bodyPr/>
+          <a:lstStyle/>
+          <a:p>
+            <a:pPr>
+              <a:buClr>
+                <a:srgbClr val="000000"/>
+              </a:buClr>
+              <a:buFont typeface="Arial" charset="0"/>
+              <a:buNone/>
+            </a:pPr>
+            <a:r>
+              <a:rPr lang="en-US">
+                <a:solidFill>
+                  <a:srgbClr val="000000"/>
+                </a:solidFill>
+                <a:latin typeface="Arial" charset="0"/>
+                <a:cs typeface="Arial" charset="0"/>
+                <a:sym typeface="Arial" charset="0"/>
+              </a:rPr>
+              <a:t>Note: these characterize </a:t>
+            </a:r>
+            <a:endParaRPr lang="en-US">
+              <a:solidFill>
+                <a:srgbClr val="000000"/>
+              </a:solidFill>
+            </a:endParaRPr>
+          </a:p>
+          <a:p>
+            <a:pPr>
+              <a:buClr>
+                <a:srgbClr val="000000"/>
+              </a:buClr>
+              <a:buFont typeface="Arial" charset="0"/>
+              <a:buNone/>
+            </a:pPr>
+            <a:r>
+              <a:rPr lang="en-US">
+                <a:solidFill>
+                  <a:srgbClr val="000000"/>
+                </a:solidFill>
+                <a:latin typeface="Arial" charset="0"/>
+                <a:cs typeface="Arial" charset="0"/>
+                <a:sym typeface="Arial" charset="0"/>
+              </a:rPr>
+              <a:t>Q: can you think of examples?</a:t>
+            </a:r>
+            <a:endParaRPr lang="en-US">
+              <a:solidFill>
+                <a:srgbClr val="000000"/>
+              </a:solidFill>
+            </a:endParaRPr>
+          </a:p>
+          <a:p>
+            <a:pPr>
+              <a:buClr>
+                <a:srgbClr val="000000"/>
+              </a:buClr>
+              <a:buFont typeface="Arial" charset="0"/>
+              <a:buNone/>
+            </a:pPr>
+            <a:r>
+              <a:rPr lang="en-US">
+                <a:solidFill>
+                  <a:srgbClr val="000000"/>
+                </a:solidFill>
+                <a:latin typeface="Arial" charset="0"/>
+                <a:cs typeface="Arial" charset="0"/>
+                <a:sym typeface="Arial" charset="0"/>
+              </a:rPr>
+              <a:t>Q: what kinds of learning tasks could we carry out with these types of data?</a:t>
+            </a:r>
+            <a:endParaRPr lang="en-US"/>
+          </a:p>
+        </p:txBody>
+      </p:sp>
+    </p:spTree>
+  </p:cSld>
+  <p:clrMapOvr>
+    <a:masterClrMapping/>
+  </p:clrMapOvr>
+</p:notes>
+</file>
+
+<file path=ppt/notesSlides/notesSlide15.xml><?xml version="1.0" encoding="utf-8"?>
+<p:notes xmlns:a="http://schemas.openxmlformats.org/drawingml/2006/main" xmlns:r="http://schemas.openxmlformats.org/officeDocument/2006/relationships" xmlns:p="http://schemas.openxmlformats.org/presentationml/2006/main">
+  <p:cSld>
+    <p:spTree>
+      <p:nvGrpSpPr>
+        <p:cNvPr id="1" name=""/>
+        <p:cNvGrpSpPr/>
+        <p:nvPr/>
+      </p:nvGrpSpPr>
+      <p:grpSpPr>
+        <a:xfrm>
+          <a:off x="0" y="0"/>
+          <a:ext cx="0" cy="0"/>
+          <a:chOff x="0" y="0"/>
+          <a:chExt cx="0" cy="0"/>
+        </a:xfrm>
+      </p:grpSpPr>
+      <p:sp>
+        <p:nvSpPr>
           <p:cNvPr id="2" name="Slide Image Placeholder 1"/>
           <p:cNvSpPr>
             <a:spLocks noGrp="1" noRot="1" noChangeAspect="1"/>
@@ -1184,9 +1418,107 @@
                 <a:latin typeface="ArialMT"/>
                 <a:sym typeface="Wingdings"/>
               </a:rPr>
-              <a:t>Note: these characterize </a:t>
-            </a:r>
-          </a:p>
+              <a:t>Note: these characterize the dependent </a:t>
+            </a:r>
+            <a:r>
+              <a:rPr lang="en-US" sz="1200" baseline="0" smtClean="0">
+                <a:solidFill>
+                  <a:prstClr val="black"/>
+                </a:solidFill>
+                <a:latin typeface="ArialMT"/>
+                <a:sym typeface="Wingdings"/>
+              </a:rPr>
+              <a:t>(target) variables!</a:t>
+            </a:r>
+            <a:endParaRPr lang="en-US" sz="1200" baseline="0" dirty="0" smtClean="0">
+              <a:solidFill>
+                <a:prstClr val="black"/>
+              </a:solidFill>
+              <a:latin typeface="ArialMT"/>
+              <a:sym typeface="Wingdings"/>
+            </a:endParaRPr>
+          </a:p>
+        </p:txBody>
+      </p:sp>
+      <p:sp>
+        <p:nvSpPr>
+          <p:cNvPr id="4" name="Slide Number Placeholder 3"/>
+          <p:cNvSpPr>
+            <a:spLocks noGrp="1"/>
+          </p:cNvSpPr>
+          <p:nvPr>
+            <p:ph type="sldNum" sz="quarter" idx="10"/>
+          </p:nvPr>
+        </p:nvSpPr>
+        <p:spPr/>
+        <p:txBody>
+          <a:bodyPr/>
+          <a:lstStyle/>
+          <a:p>
+            <a:fld id="{ADD4B5B7-85EF-4E48-AC80-2380FACD9C23}" type="slidenum">
+              <a:rPr lang="en-US" smtClean="0"/>
+              <a:t>15</a:t>
+            </a:fld>
+            <a:endParaRPr lang="en-US"/>
+          </a:p>
+        </p:txBody>
+      </p:sp>
+    </p:spTree>
+    <p:extLst>
+      <p:ext uri="{BB962C8B-B14F-4D97-AF65-F5344CB8AC3E}">
+        <p14:creationId xmlns:p14="http://schemas.microsoft.com/office/powerpoint/2010/main" val="645762702"/>
+      </p:ext>
+    </p:extLst>
+  </p:cSld>
+  <p:clrMapOvr>
+    <a:masterClrMapping/>
+  </p:clrMapOvr>
+</p:notes>
+</file>
+
+<file path=ppt/notesSlides/notesSlide16.xml><?xml version="1.0" encoding="utf-8"?>
+<p:notes xmlns:a="http://schemas.openxmlformats.org/drawingml/2006/main" xmlns:r="http://schemas.openxmlformats.org/officeDocument/2006/relationships" xmlns:p="http://schemas.openxmlformats.org/presentationml/2006/main">
+  <p:cSld>
+    <p:spTree>
+      <p:nvGrpSpPr>
+        <p:cNvPr id="1" name=""/>
+        <p:cNvGrpSpPr/>
+        <p:nvPr/>
+      </p:nvGrpSpPr>
+      <p:grpSpPr>
+        <a:xfrm>
+          <a:off x="0" y="0"/>
+          <a:ext cx="0" cy="0"/>
+          <a:chOff x="0" y="0"/>
+          <a:chExt cx="0" cy="0"/>
+        </a:xfrm>
+      </p:grpSpPr>
+      <p:sp>
+        <p:nvSpPr>
+          <p:cNvPr id="2" name="Slide Image Placeholder 1"/>
+          <p:cNvSpPr>
+            <a:spLocks noGrp="1" noRot="1" noChangeAspect="1"/>
+          </p:cNvSpPr>
+          <p:nvPr>
+            <p:ph type="sldImg"/>
+          </p:nvPr>
+        </p:nvSpPr>
+        <p:spPr/>
+      </p:sp>
+      <p:sp>
+        <p:nvSpPr>
+          <p:cNvPr id="3" name="Notes Placeholder 2"/>
+          <p:cNvSpPr>
+            <a:spLocks noGrp="1"/>
+          </p:cNvSpPr>
+          <p:nvPr>
+            <p:ph type="body" idx="1"/>
+          </p:nvPr>
+        </p:nvSpPr>
+        <p:spPr/>
+        <p:txBody>
+          <a:bodyPr/>
+          <a:lstStyle/>
           <a:p>
             <a:pPr marL="0" marR="0" indent="0" algn="l" defTabSz="457200" rtl="0" eaLnBrk="1" fontAlgn="auto" latinLnBrk="0" hangingPunct="1">
               <a:lnSpc>
@@ -1213,36 +1545,7 @@
                 <a:latin typeface="ArialMT"/>
                 <a:sym typeface="Wingdings"/>
               </a:rPr>
-              <a:t>Q: can you think of examples?</a:t>
-            </a:r>
-          </a:p>
-          <a:p>
-            <a:pPr marL="0" marR="0" indent="0" algn="l" defTabSz="457200" rtl="0" eaLnBrk="1" fontAlgn="auto" latinLnBrk="0" hangingPunct="1">
-              <a:lnSpc>
-                <a:spcPct val="100000"/>
-              </a:lnSpc>
-              <a:spcBef>
-                <a:spcPts val="0"/>
-              </a:spcBef>
-              <a:spcAft>
-                <a:spcPts val="0"/>
-              </a:spcAft>
-              <a:buClrTx/>
-              <a:buSzTx/>
-              <a:buFontTx/>
-              <a:buNone/>
-              <a:tabLst/>
-              <a:defRPr/>
-            </a:pPr>
-            <a:r>
-              <a:rPr lang="en-US" sz="1200" baseline="0" dirty="0" smtClean="0">
-                <a:solidFill>
-                  <a:prstClr val="black"/>
-                </a:solidFill>
-                <a:latin typeface="ArialMT"/>
-                <a:sym typeface="Wingdings"/>
-              </a:rPr>
-              <a:t>Q: what kinds of learning tasks could we carry out with these types of data?</a:t>
+              <a:t>Q: do you know of any particular models/algorithms that fit into these categories?</a:t>
             </a:r>
           </a:p>
           <a:p>
@@ -1271,216 +1574,6 @@
               <a:sym typeface="Wingdings"/>
             </a:endParaRPr>
           </a:p>
-        </p:txBody>
-      </p:sp>
-      <p:sp>
-        <p:nvSpPr>
-          <p:cNvPr id="4" name="Slide Number Placeholder 3"/>
-          <p:cNvSpPr>
-            <a:spLocks noGrp="1"/>
-          </p:cNvSpPr>
-          <p:nvPr>
-            <p:ph type="sldNum" sz="quarter" idx="10"/>
-          </p:nvPr>
-        </p:nvSpPr>
-        <p:spPr/>
-        <p:txBody>
-          <a:bodyPr/>
-          <a:lstStyle/>
-          <a:p>
-            <a:fld id="{ADD4B5B7-85EF-4E48-AC80-2380FACD9C23}" type="slidenum">
-              <a:rPr lang="en-US" smtClean="0"/>
-              <a:t>14</a:t>
-            </a:fld>
-            <a:endParaRPr lang="en-US"/>
-          </a:p>
-        </p:txBody>
-      </p:sp>
-    </p:spTree>
-    <p:extLst>
-      <p:ext uri="{BB962C8B-B14F-4D97-AF65-F5344CB8AC3E}">
-        <p14:creationId xmlns:p14="http://schemas.microsoft.com/office/powerpoint/2010/main" val="645762702"/>
-      </p:ext>
-    </p:extLst>
-  </p:cSld>
-  <p:clrMapOvr>
-    <a:masterClrMapping/>
-  </p:clrMapOvr>
-</p:notes>
-</file>
-
-<file path=ppt/notesSlides/notesSlide15.xml><?xml version="1.0" encoding="utf-8"?>
-<p:notes xmlns:a="http://schemas.openxmlformats.org/drawingml/2006/main" xmlns:r="http://schemas.openxmlformats.org/officeDocument/2006/relationships" xmlns:p="http://schemas.openxmlformats.org/presentationml/2006/main">
-  <p:cSld>
-    <p:spTree>
-      <p:nvGrpSpPr>
-        <p:cNvPr id="1" name=""/>
-        <p:cNvGrpSpPr/>
-        <p:nvPr/>
-      </p:nvGrpSpPr>
-      <p:grpSpPr>
-        <a:xfrm>
-          <a:off x="0" y="0"/>
-          <a:ext cx="0" cy="0"/>
-          <a:chOff x="0" y="0"/>
-          <a:chExt cx="0" cy="0"/>
-        </a:xfrm>
-      </p:grpSpPr>
-      <p:sp>
-        <p:nvSpPr>
-          <p:cNvPr id="56321" name="Rectangle 1"/>
-          <p:cNvSpPr>
-            <a:spLocks noChangeArrowheads="1"/>
-          </p:cNvSpPr>
-          <p:nvPr>
-            <p:ph type="sldImg"/>
-          </p:nvPr>
-        </p:nvSpPr>
-        <p:spPr>
-          <a:xfrm>
-            <a:off x="376238" y="685800"/>
-            <a:ext cx="6105525" cy="3429000"/>
-          </a:xfrm>
-        </p:spPr>
-      </p:sp>
-      <p:sp>
-        <p:nvSpPr>
-          <p:cNvPr id="56322" name="Rectangle 2"/>
-          <p:cNvSpPr>
-            <a:spLocks noChangeArrowheads="1"/>
-          </p:cNvSpPr>
-          <p:nvPr>
-            <p:ph type="body" idx="1"/>
-          </p:nvPr>
-        </p:nvSpPr>
-        <p:spPr/>
-        <p:txBody>
-          <a:bodyPr/>
-          <a:lstStyle/>
-          <a:p>
-            <a:pPr>
-              <a:buClr>
-                <a:srgbClr val="000000"/>
-              </a:buClr>
-              <a:buFont typeface="Arial" charset="0"/>
-              <a:buNone/>
-            </a:pPr>
-            <a:r>
-              <a:rPr lang="en-US">
-                <a:solidFill>
-                  <a:srgbClr val="000000"/>
-                </a:solidFill>
-                <a:latin typeface="Arial" charset="0"/>
-                <a:cs typeface="Arial" charset="0"/>
-                <a:sym typeface="Arial" charset="0"/>
-              </a:rPr>
-              <a:t>Note: these characterize </a:t>
-            </a:r>
-            <a:endParaRPr lang="en-US">
-              <a:solidFill>
-                <a:srgbClr val="000000"/>
-              </a:solidFill>
-            </a:endParaRPr>
-          </a:p>
-          <a:p>
-            <a:pPr>
-              <a:buClr>
-                <a:srgbClr val="000000"/>
-              </a:buClr>
-              <a:buFont typeface="Arial" charset="0"/>
-              <a:buNone/>
-            </a:pPr>
-            <a:r>
-              <a:rPr lang="en-US">
-                <a:solidFill>
-                  <a:srgbClr val="000000"/>
-                </a:solidFill>
-                <a:latin typeface="Arial" charset="0"/>
-                <a:cs typeface="Arial" charset="0"/>
-                <a:sym typeface="Arial" charset="0"/>
-              </a:rPr>
-              <a:t>Q: can you think of examples?</a:t>
-            </a:r>
-            <a:endParaRPr lang="en-US">
-              <a:solidFill>
-                <a:srgbClr val="000000"/>
-              </a:solidFill>
-            </a:endParaRPr>
-          </a:p>
-          <a:p>
-            <a:pPr>
-              <a:buClr>
-                <a:srgbClr val="000000"/>
-              </a:buClr>
-              <a:buFont typeface="Arial" charset="0"/>
-              <a:buNone/>
-            </a:pPr>
-            <a:r>
-              <a:rPr lang="en-US">
-                <a:solidFill>
-                  <a:srgbClr val="000000"/>
-                </a:solidFill>
-                <a:latin typeface="Arial" charset="0"/>
-                <a:cs typeface="Arial" charset="0"/>
-                <a:sym typeface="Arial" charset="0"/>
-              </a:rPr>
-              <a:t>Q: what kinds of learning tasks could we carry out with these types of data?</a:t>
-            </a:r>
-            <a:endParaRPr lang="en-US"/>
-          </a:p>
-        </p:txBody>
-      </p:sp>
-    </p:spTree>
-  </p:cSld>
-  <p:clrMapOvr>
-    <a:masterClrMapping/>
-  </p:clrMapOvr>
-</p:notes>
-</file>
-
-<file path=ppt/notesSlides/notesSlide16.xml><?xml version="1.0" encoding="utf-8"?>
-<p:notes xmlns:a="http://schemas.openxmlformats.org/drawingml/2006/main" xmlns:r="http://schemas.openxmlformats.org/officeDocument/2006/relationships" xmlns:p="http://schemas.openxmlformats.org/presentationml/2006/main">
-  <p:cSld>
-    <p:spTree>
-      <p:nvGrpSpPr>
-        <p:cNvPr id="1" name=""/>
-        <p:cNvGrpSpPr/>
-        <p:nvPr/>
-      </p:nvGrpSpPr>
-      <p:grpSpPr>
-        <a:xfrm>
-          <a:off x="0" y="0"/>
-          <a:ext cx="0" cy="0"/>
-          <a:chOff x="0" y="0"/>
-          <a:chExt cx="0" cy="0"/>
-        </a:xfrm>
-      </p:grpSpPr>
-      <p:sp>
-        <p:nvSpPr>
-          <p:cNvPr id="2" name="Slide Image Placeholder 1"/>
-          <p:cNvSpPr>
-            <a:spLocks noGrp="1" noRot="1" noChangeAspect="1"/>
-          </p:cNvSpPr>
-          <p:nvPr>
-            <p:ph type="sldImg"/>
-          </p:nvPr>
-        </p:nvSpPr>
-        <p:spPr/>
-      </p:sp>
-      <p:sp>
-        <p:nvSpPr>
-          <p:cNvPr id="3" name="Notes Placeholder 2"/>
-          <p:cNvSpPr>
-            <a:spLocks noGrp="1"/>
-          </p:cNvSpPr>
-          <p:nvPr>
-            <p:ph type="body" idx="1"/>
-          </p:nvPr>
-        </p:nvSpPr>
-        <p:spPr/>
-        <p:txBody>
-          <a:bodyPr/>
-          <a:lstStyle/>
           <a:p>
             <a:pPr marL="0" marR="0" indent="0" algn="l" defTabSz="457200" rtl="0" eaLnBrk="1" fontAlgn="auto" latinLnBrk="0" hangingPunct="1">
               <a:lnSpc>
@@ -1507,18 +1600,136 @@
                 <a:latin typeface="ArialMT"/>
                 <a:sym typeface="Wingdings"/>
               </a:rPr>
-              <a:t>Note: these characterize the dependent </a:t>
-            </a:r>
-            <a:r>
-              <a:rPr lang="en-US" sz="1200" baseline="0" smtClean="0">
+              <a:t>Classification for targeting ads (likely purchasers), regression, clustering (</a:t>
+            </a:r>
+            <a:r>
+              <a:rPr lang="en-US" sz="1200" baseline="0" dirty="0" err="1" smtClean="0">
                 <a:solidFill>
                   <a:prstClr val="black"/>
                 </a:solidFill>
                 <a:latin typeface="ArialMT"/>
                 <a:sym typeface="Wingdings"/>
               </a:rPr>
-              <a:t>(target) variables!</a:t>
-            </a:r>
+              <a:t>recsys</a:t>
+            </a:r>
+            <a:r>
+              <a:rPr lang="en-US" sz="1200" baseline="0" dirty="0" smtClean="0">
+                <a:solidFill>
+                  <a:prstClr val="black"/>
+                </a:solidFill>
+                <a:latin typeface="ArialMT"/>
+                <a:sym typeface="Wingdings"/>
+              </a:rPr>
+              <a:t>), dim reduction (</a:t>
+            </a:r>
+            <a:r>
+              <a:rPr lang="en-US" sz="1200" baseline="0" dirty="0" err="1" smtClean="0">
+                <a:solidFill>
+                  <a:prstClr val="black"/>
+                </a:solidFill>
+                <a:latin typeface="ArialMT"/>
+                <a:sym typeface="Wingdings"/>
+              </a:rPr>
+              <a:t>mtx</a:t>
+            </a:r>
+            <a:r>
+              <a:rPr lang="en-US" sz="1200" baseline="0" dirty="0" smtClean="0">
+                <a:solidFill>
+                  <a:prstClr val="black"/>
+                </a:solidFill>
+                <a:latin typeface="ArialMT"/>
+                <a:sym typeface="Wingdings"/>
+              </a:rPr>
+              <a:t> decomposition)</a:t>
+            </a:r>
+          </a:p>
+          <a:p>
+            <a:pPr marL="0" marR="0" indent="0" algn="l" defTabSz="457200" rtl="0" eaLnBrk="1" fontAlgn="auto" latinLnBrk="0" hangingPunct="1">
+              <a:lnSpc>
+                <a:spcPct val="100000"/>
+              </a:lnSpc>
+              <a:spcBef>
+                <a:spcPts val="0"/>
+              </a:spcBef>
+              <a:spcAft>
+                <a:spcPts val="0"/>
+              </a:spcAft>
+              <a:buClrTx/>
+              <a:buSzTx/>
+              <a:buFontTx/>
+              <a:buNone/>
+              <a:tabLst/>
+              <a:defRPr/>
+            </a:pPr>
+            <a:r>
+              <a:rPr lang="en-US" sz="1200" baseline="0" dirty="0" smtClean="0">
+                <a:solidFill>
+                  <a:prstClr val="black"/>
+                </a:solidFill>
+                <a:latin typeface="ArialMT"/>
+                <a:sym typeface="Wingdings"/>
+              </a:rPr>
+              <a:t>Combo: </a:t>
+            </a:r>
+            <a:r>
+              <a:rPr lang="en-US" sz="1200" baseline="0" dirty="0" err="1" smtClean="0">
+                <a:solidFill>
+                  <a:prstClr val="black"/>
+                </a:solidFill>
+                <a:latin typeface="ArialMT"/>
+                <a:sym typeface="Wingdings"/>
+              </a:rPr>
+              <a:t>nnmf</a:t>
+            </a:r>
+            <a:r>
+              <a:rPr lang="en-US" sz="1200" baseline="0" dirty="0" smtClean="0">
+                <a:solidFill>
+                  <a:prstClr val="black"/>
+                </a:solidFill>
+                <a:latin typeface="ArialMT"/>
+                <a:sym typeface="Wingdings"/>
+              </a:rPr>
+              <a:t> (</a:t>
+            </a:r>
+            <a:r>
+              <a:rPr lang="en-US" sz="1200" baseline="0" dirty="0" err="1" smtClean="0">
+                <a:solidFill>
+                  <a:prstClr val="black"/>
+                </a:solidFill>
+                <a:latin typeface="ArialMT"/>
+                <a:sym typeface="Wingdings"/>
+              </a:rPr>
+              <a:t>netflix</a:t>
+            </a:r>
+            <a:r>
+              <a:rPr lang="en-US" sz="1200" baseline="0" dirty="0" smtClean="0">
+                <a:solidFill>
+                  <a:prstClr val="black"/>
+                </a:solidFill>
+                <a:latin typeface="ArialMT"/>
+                <a:sym typeface="Wingdings"/>
+              </a:rPr>
+              <a:t> prize)</a:t>
+            </a:r>
+          </a:p>
+          <a:p>
+            <a:pPr marL="0" marR="0" indent="0" algn="l" defTabSz="457200" rtl="0" eaLnBrk="1" fontAlgn="auto" latinLnBrk="0" hangingPunct="1">
+              <a:lnSpc>
+                <a:spcPct val="100000"/>
+              </a:lnSpc>
+              <a:spcBef>
+                <a:spcPts val="0"/>
+              </a:spcBef>
+              <a:spcAft>
+                <a:spcPts val="0"/>
+              </a:spcAft>
+              <a:buClrTx/>
+              <a:buSzTx/>
+              <a:buFontTx/>
+              <a:buNone/>
+              <a:tabLst/>
+              <a:defRPr/>
+            </a:pPr>
             <a:endParaRPr lang="en-US" sz="1200" baseline="0" dirty="0" smtClean="0">
               <a:solidFill>
                 <a:prstClr val="black"/>
@@ -1634,7 +1845,7 @@
                 <a:latin typeface="ArialMT"/>
                 <a:sym typeface="Wingdings"/>
               </a:rPr>
-              <a:t>Q: do you know of any particular models/algorithms that fit into these categories?</a:t>
+              <a:t>Q: are these terms familiar?</a:t>
             </a:r>
           </a:p>
           <a:p>
@@ -1655,32 +1866,6 @@
               <a:tabLst/>
               <a:defRPr/>
             </a:pPr>
-            <a:endParaRPr lang="en-US" sz="1200" baseline="0" dirty="0" smtClean="0">
-              <a:solidFill>
-                <a:prstClr val="black"/>
-              </a:solidFill>
-              <a:latin typeface="ArialMT"/>
-              <a:sym typeface="Wingdings"/>
-            </a:endParaRPr>
-          </a:p>
-          <a:p>
-            <a:pPr marL="0" marR="0" indent="0" algn="l" defTabSz="457200" rtl="0" eaLnBrk="1" fontAlgn="auto" latinLnBrk="0" hangingPunct="1">
-              <a:lnSpc>
-                <a:spcPct val="100000"/>
-              </a:lnSpc>
-              <a:spcBef>
-                <a:spcPts val="0"/>
-              </a:spcBef>
-              <a:spcAft>
-                <a:spcPts val="0"/>
-              </a:spcAft>
-              <a:buClrTx/>
-              <a:buSzTx/>
-              <a:buFontTx/>
-              <a:buNone/>
-              <a:tabLst/>
-              <a:defRPr/>
-            </a:pPr>
             <a:r>
               <a:rPr lang="en-US" sz="1200" baseline="0" dirty="0" smtClean="0">
                 <a:solidFill>
@@ -1689,116 +1874,7 @@
                 <a:latin typeface="ArialMT"/>
                 <a:sym typeface="Wingdings"/>
               </a:rPr>
-              <a:t>Classification for targeting ads (likely purchasers), regression, clustering (</a:t>
-            </a:r>
-            <a:r>
-              <a:rPr lang="en-US" sz="1200" baseline="0" dirty="0" err="1" smtClean="0">
-                <a:solidFill>
-                  <a:prstClr val="black"/>
-                </a:solidFill>
-                <a:latin typeface="ArialMT"/>
-                <a:sym typeface="Wingdings"/>
-              </a:rPr>
-              <a:t>recsys</a:t>
-            </a:r>
-            <a:r>
-              <a:rPr lang="en-US" sz="1200" baseline="0" dirty="0" smtClean="0">
-                <a:solidFill>
-                  <a:prstClr val="black"/>
-                </a:solidFill>
-                <a:latin typeface="ArialMT"/>
-                <a:sym typeface="Wingdings"/>
-              </a:rPr>
-              <a:t>), dim reduction (</a:t>
-            </a:r>
-            <a:r>
-              <a:rPr lang="en-US" sz="1200" baseline="0" dirty="0" err="1" smtClean="0">
-                <a:solidFill>
-                  <a:prstClr val="black"/>
-                </a:solidFill>
-                <a:latin typeface="ArialMT"/>
-                <a:sym typeface="Wingdings"/>
-              </a:rPr>
-              <a:t>mtx</a:t>
-            </a:r>
-            <a:r>
-              <a:rPr lang="en-US" sz="1200" baseline="0" dirty="0" smtClean="0">
-                <a:solidFill>
-                  <a:prstClr val="black"/>
-                </a:solidFill>
-                <a:latin typeface="ArialMT"/>
-                <a:sym typeface="Wingdings"/>
-              </a:rPr>
-              <a:t> decomposition)</a:t>
-            </a:r>
-          </a:p>
-          <a:p>
-            <a:pPr marL="0" marR="0" indent="0" algn="l" defTabSz="457200" rtl="0" eaLnBrk="1" fontAlgn="auto" latinLnBrk="0" hangingPunct="1">
-              <a:lnSpc>
-                <a:spcPct val="100000"/>
-              </a:lnSpc>
-              <a:spcBef>
-                <a:spcPts val="0"/>
-              </a:spcBef>
-              <a:spcAft>
-                <a:spcPts val="0"/>
-              </a:spcAft>
-              <a:buClrTx/>
-              <a:buSzTx/>
-              <a:buFontTx/>
-              <a:buNone/>
-              <a:tabLst/>
-              <a:defRPr/>
-            </a:pPr>
-            <a:r>
-              <a:rPr lang="en-US" sz="1200" baseline="0" dirty="0" smtClean="0">
-                <a:solidFill>
-                  <a:prstClr val="black"/>
-                </a:solidFill>
-                <a:latin typeface="ArialMT"/>
-                <a:sym typeface="Wingdings"/>
-              </a:rPr>
-              <a:t>Combo: </a:t>
-            </a:r>
-            <a:r>
-              <a:rPr lang="en-US" sz="1200" baseline="0" dirty="0" err="1" smtClean="0">
-                <a:solidFill>
-                  <a:prstClr val="black"/>
-                </a:solidFill>
-                <a:latin typeface="ArialMT"/>
-                <a:sym typeface="Wingdings"/>
-              </a:rPr>
-              <a:t>nnmf</a:t>
-            </a:r>
-            <a:r>
-              <a:rPr lang="en-US" sz="1200" baseline="0" dirty="0" smtClean="0">
-                <a:solidFill>
-                  <a:prstClr val="black"/>
-                </a:solidFill>
-                <a:latin typeface="ArialMT"/>
-                <a:sym typeface="Wingdings"/>
-              </a:rPr>
-              <a:t> (</a:t>
-            </a:r>
-            <a:r>
-              <a:rPr lang="en-US" sz="1200" baseline="0" dirty="0" err="1" smtClean="0">
-                <a:solidFill>
-                  <a:prstClr val="black"/>
-                </a:solidFill>
-                <a:latin typeface="ArialMT"/>
-                <a:sym typeface="Wingdings"/>
-              </a:rPr>
-              <a:t>netflix</a:t>
-            </a:r>
-            <a:r>
-              <a:rPr lang="en-US" sz="1200" baseline="0" dirty="0" smtClean="0">
-                <a:solidFill>
-                  <a:prstClr val="black"/>
-                </a:solidFill>
-                <a:latin typeface="ArialMT"/>
-                <a:sym typeface="Wingdings"/>
-              </a:rPr>
-              <a:t> prize)</a:t>
+              <a:t>Q: can you think of particular algorithms that fit into these categories?</a:t>
             </a:r>
           </a:p>
           <a:p>
@@ -1909,88 +1985,24 @@
           <a:bodyPr/>
           <a:lstStyle/>
           <a:p>
-            <a:pPr marL="0" marR="0" indent="0" algn="l" defTabSz="457200" rtl="0" eaLnBrk="1" fontAlgn="auto" latinLnBrk="0" hangingPunct="1">
-              <a:lnSpc>
-                <a:spcPct val="100000"/>
-              </a:lnSpc>
-              <a:spcBef>
-                <a:spcPts val="0"/>
-              </a:spcBef>
-              <a:spcAft>
-                <a:spcPts val="0"/>
-              </a:spcAft>
-              <a:buClrTx/>
-              <a:buSzTx/>
-              <a:buFontTx/>
-              <a:buNone/>
-              <a:tabLst/>
-              <a:defRPr/>
-            </a:pPr>
-            <a:r>
-              <a:rPr lang="en-US" sz="1200" baseline="0" dirty="0" smtClean="0">
-                <a:solidFill>
-                  <a:prstClr val="black"/>
-                </a:solidFill>
-                <a:latin typeface="ArialMT"/>
-                <a:sym typeface="Wingdings"/>
-              </a:rPr>
-              <a:t>Q: are these terms familiar?</a:t>
-            </a:r>
-          </a:p>
-          <a:p>
-            <a:pPr marL="0" marR="0" indent="0" algn="l" defTabSz="457200" rtl="0" eaLnBrk="1" fontAlgn="auto" latinLnBrk="0" hangingPunct="1">
-              <a:lnSpc>
-                <a:spcPct val="100000"/>
-              </a:lnSpc>
-              <a:spcBef>
-                <a:spcPts val="0"/>
-              </a:spcBef>
-              <a:spcAft>
-                <a:spcPts val="0"/>
-              </a:spcAft>
-              <a:buClrTx/>
-              <a:buSzTx/>
-              <a:buFontTx/>
-              <a:buNone/>
-              <a:tabLst/>
-              <a:defRPr/>
-            </a:pPr>
-            <a:r>
-              <a:rPr lang="en-US" sz="1200" baseline="0" dirty="0" smtClean="0">
-                <a:solidFill>
-                  <a:prstClr val="black"/>
-                </a:solidFill>
-                <a:latin typeface="ArialMT"/>
-                <a:sym typeface="Wingdings"/>
-              </a:rPr>
-              <a:t>Q: can you think of particular algorithms that fit into these categories?</a:t>
-            </a:r>
-          </a:p>
-          <a:p>
-            <a:pPr marL="0" marR="0" indent="0" algn="l" defTabSz="457200" rtl="0" eaLnBrk="1" fontAlgn="auto" latinLnBrk="0" hangingPunct="1">
-              <a:lnSpc>
-                <a:spcPct val="100000"/>
-              </a:lnSpc>
-              <a:spcBef>
-                <a:spcPts val="0"/>
-              </a:spcBef>
-              <a:spcAft>
-                <a:spcPts val="0"/>
-              </a:spcAft>
-              <a:buClrTx/>
-              <a:buSzTx/>
-              <a:buFontTx/>
-              <a:buNone/>
-              <a:tabLst/>
-              <a:defRPr/>
-            </a:pPr>
-            <a:endParaRPr lang="en-US" sz="1200" baseline="0" dirty="0" smtClean="0">
-              <a:solidFill>
-                <a:prstClr val="black"/>
-              </a:solidFill>
-              <a:latin typeface="ArialMT"/>
-              <a:sym typeface="Wingdings"/>
-            </a:endParaRPr>
+            <a:r>
+              <a:rPr lang="en-US" dirty="0" smtClean="0"/>
+              <a:t>~3 min</a:t>
+            </a:r>
+          </a:p>
+          <a:p>
+            <a:endParaRPr lang="en-US" dirty="0" smtClean="0"/>
+          </a:p>
+          <a:p>
+            <a:r>
+              <a:rPr lang="en-US" dirty="0" smtClean="0"/>
+              <a:t>Talk to the person next to you for a couple minute,</a:t>
+            </a:r>
+            <a:r>
+              <a:rPr lang="en-US" baseline="0" dirty="0" smtClean="0"/>
+              <a:t> decide on an answer together</a:t>
+            </a:r>
+            <a:endParaRPr lang="en-US" dirty="0"/>
           </a:p>
         </p:txBody>
       </p:sp>
@@ -2020,7 +2032,7 @@
     </p:spTree>
     <p:extLst>
       <p:ext uri="{BB962C8B-B14F-4D97-AF65-F5344CB8AC3E}">
-        <p14:creationId xmlns:p14="http://schemas.microsoft.com/office/powerpoint/2010/main" val="645762702"/>
+        <p14:creationId xmlns:p14="http://schemas.microsoft.com/office/powerpoint/2010/main" val="158773868"/>
       </p:ext>
     </p:extLst>
   </p:cSld>
@@ -2074,24 +2086,33 @@
           <a:bodyPr/>
           <a:lstStyle/>
           <a:p>
-            <a:r>
-              <a:rPr lang="en-US" dirty="0" smtClean="0"/>
-              <a:t>~3 min</a:t>
-            </a:r>
-          </a:p>
-          <a:p>
-            <a:endParaRPr lang="en-US" dirty="0" smtClean="0"/>
-          </a:p>
-          <a:p>
-            <a:r>
-              <a:rPr lang="en-US" dirty="0" smtClean="0"/>
-              <a:t>Talk to the person next to you for a couple minute,</a:t>
-            </a:r>
-            <a:r>
-              <a:rPr lang="en-US" baseline="0" dirty="0" smtClean="0"/>
-              <a:t> decide on an answer together</a:t>
-            </a:r>
-            <a:endParaRPr lang="en-US" dirty="0"/>
+            <a:pPr marL="0" marR="0" indent="0" algn="l" defTabSz="457200" rtl="0" eaLnBrk="1" fontAlgn="auto" latinLnBrk="0" hangingPunct="1">
+              <a:lnSpc>
+                <a:spcPct val="100000"/>
+              </a:lnSpc>
+              <a:spcBef>
+                <a:spcPts val="0"/>
+              </a:spcBef>
+              <a:spcAft>
+                <a:spcPts val="0"/>
+              </a:spcAft>
+              <a:buClrTx/>
+              <a:buSzTx/>
+              <a:buFontTx/>
+              <a:buNone/>
+              <a:tabLst/>
+              <a:defRPr/>
+            </a:pPr>
+            <a:r>
+              <a:rPr lang="en-US" sz="1200" baseline="0" dirty="0" smtClean="0">
+                <a:solidFill>
+                  <a:prstClr val="black"/>
+                </a:solidFill>
+                <a:latin typeface="ArialMT"/>
+                <a:sym typeface="Wingdings"/>
+              </a:rPr>
+              <a:t>Aha!</a:t>
+            </a:r>
           </a:p>
         </p:txBody>
       </p:sp>
@@ -2121,7 +2142,7 @@
     </p:spTree>
     <p:extLst>
       <p:ext uri="{BB962C8B-B14F-4D97-AF65-F5344CB8AC3E}">
-        <p14:creationId xmlns:p14="http://schemas.microsoft.com/office/powerpoint/2010/main" val="158773868"/>
+        <p14:creationId xmlns:p14="http://schemas.microsoft.com/office/powerpoint/2010/main" val="645762702"/>
       </p:ext>
     </p:extLst>
   </p:cSld>
@@ -2263,33 +2284,20 @@
           <a:bodyPr/>
           <a:lstStyle/>
           <a:p>
-            <a:pPr marL="0" marR="0" indent="0" algn="l" defTabSz="457200" rtl="0" eaLnBrk="1" fontAlgn="auto" latinLnBrk="0" hangingPunct="1">
-              <a:lnSpc>
-                <a:spcPct val="100000"/>
-              </a:lnSpc>
-              <a:spcBef>
-                <a:spcPts val="0"/>
-              </a:spcBef>
-              <a:spcAft>
-                <a:spcPts val="0"/>
-              </a:spcAft>
-              <a:buClrTx/>
-              <a:buSzTx/>
-              <a:buFontTx/>
-              <a:buNone/>
-              <a:tabLst/>
-              <a:defRPr/>
-            </a:pPr>
-            <a:r>
-              <a:rPr lang="en-US" sz="1200" baseline="0" dirty="0" smtClean="0">
-                <a:solidFill>
-                  <a:prstClr val="black"/>
-                </a:solidFill>
-                <a:latin typeface="ArialMT"/>
-                <a:sym typeface="Wingdings"/>
-              </a:rPr>
-              <a:t>Aha!</a:t>
-            </a:r>
+            <a:r>
+              <a:rPr lang="en-US" dirty="0" smtClean="0"/>
+              <a:t>~3 min</a:t>
+            </a:r>
+          </a:p>
+          <a:p>
+            <a:endParaRPr lang="en-US" dirty="0" smtClean="0"/>
+          </a:p>
+          <a:p>
+            <a:r>
+              <a:rPr lang="en-US" dirty="0" smtClean="0"/>
+              <a:t>Talk amongst yourselves</a:t>
+            </a:r>
+            <a:endParaRPr lang="en-US" dirty="0"/>
           </a:p>
         </p:txBody>
       </p:sp>
@@ -2319,7 +2327,7 @@
     </p:spTree>
     <p:extLst>
       <p:ext uri="{BB962C8B-B14F-4D97-AF65-F5344CB8AC3E}">
-        <p14:creationId xmlns:p14="http://schemas.microsoft.com/office/powerpoint/2010/main" val="645762702"/>
+        <p14:creationId xmlns:p14="http://schemas.microsoft.com/office/powerpoint/2010/main" val="158773868"/>
       </p:ext>
     </p:extLst>
   </p:cSld>
@@ -2373,20 +2381,33 @@
           <a:bodyPr/>
           <a:lstStyle/>
           <a:p>
-            <a:r>
-              <a:rPr lang="en-US" dirty="0" smtClean="0"/>
-              <a:t>~3 min</a:t>
-            </a:r>
-          </a:p>
-          <a:p>
-            <a:endParaRPr lang="en-US" dirty="0" smtClean="0"/>
-          </a:p>
-          <a:p>
-            <a:r>
-              <a:rPr lang="en-US" dirty="0" smtClean="0"/>
-              <a:t>Talk amongst yourselves</a:t>
-            </a:r>
-            <a:endParaRPr lang="en-US" dirty="0"/>
+            <a:pPr marL="0" marR="0" indent="0" algn="l" defTabSz="457200" rtl="0" eaLnBrk="1" fontAlgn="auto" latinLnBrk="0" hangingPunct="1">
+              <a:lnSpc>
+                <a:spcPct val="100000"/>
+              </a:lnSpc>
+              <a:spcBef>
+                <a:spcPts val="0"/>
+              </a:spcBef>
+              <a:spcAft>
+                <a:spcPts val="0"/>
+              </a:spcAft>
+              <a:buClrTx/>
+              <a:buSzTx/>
+              <a:buFontTx/>
+              <a:buNone/>
+              <a:tabLst/>
+              <a:defRPr/>
+            </a:pPr>
+            <a:r>
+              <a:rPr lang="en-US" sz="1200" baseline="0" dirty="0" smtClean="0">
+                <a:solidFill>
+                  <a:prstClr val="black"/>
+                </a:solidFill>
+                <a:latin typeface="ArialMT"/>
+                <a:sym typeface="Wingdings"/>
+              </a:rPr>
+              <a:t>Makes sense</a:t>
+            </a:r>
           </a:p>
         </p:txBody>
       </p:sp>
@@ -2416,7 +2437,7 @@
     </p:spTree>
     <p:extLst>
       <p:ext uri="{BB962C8B-B14F-4D97-AF65-F5344CB8AC3E}">
-        <p14:creationId xmlns:p14="http://schemas.microsoft.com/office/powerpoint/2010/main" val="158773868"/>
+        <p14:creationId xmlns:p14="http://schemas.microsoft.com/office/powerpoint/2010/main" val="645762702"/>
       </p:ext>
     </p:extLst>
   </p:cSld>
@@ -2445,21 +2466,26 @@
       </p:grpSpPr>
       <p:sp>
         <p:nvSpPr>
-          <p:cNvPr id="2" name="Slide Image Placeholder 1"/>
-          <p:cNvSpPr>
-            <a:spLocks noGrp="1" noRot="1" noChangeAspect="1"/>
+          <p:cNvPr id="39937" name="Rectangle 1"/>
+          <p:cNvSpPr>
+            <a:spLocks noGrp="1" noRot="1" noChangeAspect="1" noChangeArrowheads="1"/>
           </p:cNvSpPr>
           <p:nvPr>
             <p:ph type="sldImg"/>
           </p:nvPr>
         </p:nvSpPr>
-        <p:spPr/>
-      </p:sp>
-      <p:sp>
-        <p:nvSpPr>
-          <p:cNvPr id="3" name="Notes Placeholder 2"/>
-          <p:cNvSpPr>
-            <a:spLocks noGrp="1"/>
+        <p:spPr>
+          <a:xfrm>
+            <a:off x="376238" y="685800"/>
+            <a:ext cx="6105525" cy="3429000"/>
+          </a:xfrm>
+        </p:spPr>
+      </p:sp>
+      <p:sp>
+        <p:nvSpPr>
+          <p:cNvPr id="39938" name="Rectangle 2"/>
+          <p:cNvSpPr>
+            <a:spLocks noGrp="1" noChangeArrowheads="1"/>
           </p:cNvSpPr>
           <p:nvPr>
             <p:ph type="body" idx="1"/>
@@ -2470,65 +2496,54 @@
           <a:bodyPr/>
           <a:lstStyle/>
           <a:p>
-            <a:pPr marL="0" marR="0" indent="0" algn="l" defTabSz="457200" rtl="0" eaLnBrk="1" fontAlgn="auto" latinLnBrk="0" hangingPunct="1">
-              <a:lnSpc>
-                <a:spcPct val="100000"/>
-              </a:lnSpc>
-              <a:spcBef>
-                <a:spcPts val="0"/>
-              </a:spcBef>
-              <a:spcAft>
-                <a:spcPts val="0"/>
-              </a:spcAft>
-              <a:buClrTx/>
-              <a:buSzTx/>
-              <a:buFontTx/>
+            <a:pPr>
+              <a:buClr>
+                <a:srgbClr val="000000"/>
+              </a:buClr>
+              <a:buFont typeface="Arial" charset="0"/>
               <a:buNone/>
-              <a:tabLst/>
-              <a:defRPr/>
             </a:pPr>
             <a:r>
-              <a:rPr lang="en-US" sz="1200" baseline="0" dirty="0" smtClean="0">
+              <a:rPr lang="en-US">
                 <a:solidFill>
-                  <a:prstClr val="black"/>
+                  <a:srgbClr val="000000"/>
                 </a:solidFill>
-                <a:latin typeface="ArialMT"/>
-                <a:sym typeface="Wingdings"/>
-              </a:rPr>
-              <a:t>Makes sense</a:t>
-            </a:r>
-          </a:p>
-        </p:txBody>
-      </p:sp>
-      <p:sp>
-        <p:nvSpPr>
-          <p:cNvPr id="4" name="Slide Number Placeholder 3"/>
-          <p:cNvSpPr>
-            <a:spLocks noGrp="1"/>
-          </p:cNvSpPr>
-          <p:nvPr>
-            <p:ph type="sldNum" sz="quarter" idx="10"/>
-          </p:nvPr>
-        </p:nvSpPr>
-        <p:spPr/>
-        <p:txBody>
-          <a:bodyPr/>
-          <a:lstStyle/>
-          <a:p>
-            <a:fld id="{ADD4B5B7-85EF-4E48-AC80-2380FACD9C23}" type="slidenum">
-              <a:rPr lang="en-US" smtClean="0"/>
-              <a:t>22</a:t>
-            </a:fld>
+                <a:latin typeface="Arial" charset="0"/>
+                <a:cs typeface="Arial" charset="0"/>
+                <a:sym typeface="Arial" charset="0"/>
+              </a:rPr>
+              <a:t>Q: are these terms familiar?</a:t>
+            </a:r>
+            <a:endParaRPr lang="en-US">
+              <a:solidFill>
+                <a:srgbClr val="000000"/>
+              </a:solidFill>
+            </a:endParaRPr>
+          </a:p>
+          <a:p>
+            <a:pPr>
+              <a:buClr>
+                <a:srgbClr val="000000"/>
+              </a:buClr>
+              <a:buFont typeface="Arial" charset="0"/>
+              <a:buNone/>
+            </a:pPr>
+            <a:r>
+              <a:rPr lang="en-US">
+                <a:solidFill>
+                  <a:srgbClr val="000000"/>
+                </a:solidFill>
+                <a:latin typeface="Arial" charset="0"/>
+                <a:cs typeface="Arial" charset="0"/>
+                <a:sym typeface="Arial" charset="0"/>
+              </a:rPr>
+              <a:t>Q: can you think of particular algorithms that fit into these categories?</a:t>
+            </a:r>
             <a:endParaRPr lang="en-US"/>
           </a:p>
         </p:txBody>
       </p:sp>
     </p:spTree>
-    <p:extLst>
-      <p:ext uri="{BB962C8B-B14F-4D97-AF65-F5344CB8AC3E}">
-        <p14:creationId xmlns:p14="http://schemas.microsoft.com/office/powerpoint/2010/main" val="645762702"/>
-      </p:ext>
-    </p:extLst>
   </p:cSld>
   <p:clrMapOvr>
     <a:masterClrMapping/>
@@ -2555,9 +2570,9 @@
       </p:grpSpPr>
       <p:sp>
         <p:nvSpPr>
-          <p:cNvPr id="39937" name="Rectangle 1"/>
-          <p:cNvSpPr>
-            <a:spLocks noChangeArrowheads="1"/>
+          <p:cNvPr id="41985" name="Rectangle 1"/>
+          <p:cNvSpPr>
+            <a:spLocks noGrp="1" noRot="1" noChangeAspect="1" noChangeArrowheads="1"/>
           </p:cNvSpPr>
           <p:nvPr>
             <p:ph type="sldImg"/>
@@ -2572,9 +2587,9 @@
       </p:sp>
       <p:sp>
         <p:nvSpPr>
-          <p:cNvPr id="39938" name="Rectangle 2"/>
-          <p:cNvSpPr>
-            <a:spLocks noChangeArrowheads="1"/>
+          <p:cNvPr id="41986" name="Rectangle 2"/>
+          <p:cNvSpPr>
+            <a:spLocks noGrp="1" noChangeArrowheads="1"/>
           </p:cNvSpPr>
           <p:nvPr>
             <p:ph type="body" idx="1"/>
@@ -2659,9 +2674,9 @@
       </p:grpSpPr>
       <p:sp>
         <p:nvSpPr>
-          <p:cNvPr id="41985" name="Rectangle 1"/>
-          <p:cNvSpPr>
-            <a:spLocks noChangeArrowheads="1"/>
+          <p:cNvPr id="44033" name="Rectangle 1"/>
+          <p:cNvSpPr>
+            <a:spLocks noGrp="1" noRot="1" noChangeAspect="1" noChangeArrowheads="1"/>
           </p:cNvSpPr>
           <p:nvPr>
             <p:ph type="sldImg"/>
@@ -2676,9 +2691,9 @@
       </p:sp>
       <p:sp>
         <p:nvSpPr>
-          <p:cNvPr id="41986" name="Rectangle 2"/>
-          <p:cNvSpPr>
-            <a:spLocks noChangeArrowheads="1"/>
+          <p:cNvPr id="44034" name="Rectangle 2"/>
+          <p:cNvSpPr>
+            <a:spLocks noGrp="1" noChangeArrowheads="1"/>
           </p:cNvSpPr>
           <p:nvPr>
             <p:ph type="body" idx="1"/>
@@ -2763,9 +2778,9 @@
       </p:grpSpPr>
       <p:sp>
         <p:nvSpPr>
-          <p:cNvPr id="44033" name="Rectangle 1"/>
-          <p:cNvSpPr>
-            <a:spLocks noChangeArrowheads="1"/>
+          <p:cNvPr id="46081" name="Rectangle 1"/>
+          <p:cNvSpPr>
+            <a:spLocks noGrp="1" noRot="1" noChangeAspect="1" noChangeArrowheads="1"/>
           </p:cNvSpPr>
           <p:nvPr>
             <p:ph type="sldImg"/>
@@ -2780,9 +2795,9 @@
       </p:sp>
       <p:sp>
         <p:nvSpPr>
-          <p:cNvPr id="44034" name="Rectangle 2"/>
-          <p:cNvSpPr>
-            <a:spLocks noChangeArrowheads="1"/>
+          <p:cNvPr id="46082" name="Rectangle 2"/>
+          <p:cNvSpPr>
+            <a:spLocks noGrp="1" noChangeArrowheads="1"/>
           </p:cNvSpPr>
           <p:nvPr>
             <p:ph type="body" idx="1"/>
@@ -2867,26 +2882,21 @@
       </p:grpSpPr>
       <p:sp>
         <p:nvSpPr>
-          <p:cNvPr id="46081" name="Rectangle 1"/>
-          <p:cNvSpPr>
-            <a:spLocks noChangeArrowheads="1"/>
+          <p:cNvPr id="2" name="Slide Image Placeholder 1"/>
+          <p:cNvSpPr>
+            <a:spLocks noGrp="1" noRot="1" noChangeAspect="1"/>
           </p:cNvSpPr>
           <p:nvPr>
             <p:ph type="sldImg"/>
           </p:nvPr>
         </p:nvSpPr>
-        <p:spPr>
-          <a:xfrm>
-            <a:off x="376238" y="685800"/>
-            <a:ext cx="6105525" cy="3429000"/>
-          </a:xfrm>
-        </p:spPr>
-      </p:sp>
-      <p:sp>
-        <p:nvSpPr>
-          <p:cNvPr id="46082" name="Rectangle 2"/>
-          <p:cNvSpPr>
-            <a:spLocks noChangeArrowheads="1"/>
+        <p:spPr/>
+      </p:sp>
+      <p:sp>
+        <p:nvSpPr>
+          <p:cNvPr id="3" name="Notes Placeholder 2"/>
+          <p:cNvSpPr>
+            <a:spLocks noGrp="1"/>
           </p:cNvSpPr>
           <p:nvPr>
             <p:ph type="body" idx="1"/>
@@ -2897,54 +2907,56 @@
           <a:bodyPr/>
           <a:lstStyle/>
           <a:p>
-            <a:pPr>
-              <a:buClr>
-                <a:srgbClr val="000000"/>
-              </a:buClr>
-              <a:buFont typeface="Arial" charset="0"/>
-              <a:buNone/>
-            </a:pPr>
-            <a:r>
-              <a:rPr lang="en-US">
-                <a:solidFill>
-                  <a:srgbClr val="000000"/>
-                </a:solidFill>
-                <a:latin typeface="Arial" charset="0"/>
-                <a:cs typeface="Arial" charset="0"/>
-                <a:sym typeface="Arial" charset="0"/>
-              </a:rPr>
-              <a:t>Q: are these terms familiar?</a:t>
-            </a:r>
-            <a:endParaRPr lang="en-US">
-              <a:solidFill>
-                <a:srgbClr val="000000"/>
-              </a:solidFill>
-            </a:endParaRPr>
-          </a:p>
-          <a:p>
-            <a:pPr>
-              <a:buClr>
-                <a:srgbClr val="000000"/>
-              </a:buClr>
-              <a:buFont typeface="Arial" charset="0"/>
-              <a:buNone/>
-            </a:pPr>
-            <a:r>
-              <a:rPr lang="en-US">
-                <a:solidFill>
-                  <a:srgbClr val="000000"/>
-                </a:solidFill>
-                <a:latin typeface="Arial" charset="0"/>
-                <a:cs typeface="Arial" charset="0"/>
-                <a:sym typeface="Arial" charset="0"/>
-              </a:rPr>
-              <a:t>Q: can you think of particular algorithms that fit into these categories?</a:t>
-            </a:r>
+            <a:r>
+              <a:rPr lang="en-US" dirty="0" smtClean="0"/>
+              <a:t>~3</a:t>
+            </a:r>
+            <a:r>
+              <a:rPr lang="en-US" baseline="0" dirty="0" smtClean="0"/>
+              <a:t> min</a:t>
+            </a:r>
+          </a:p>
+          <a:p>
+            <a:endParaRPr lang="en-US" baseline="0" dirty="0" smtClean="0"/>
+          </a:p>
+          <a:p>
+            <a:r>
+              <a:rPr lang="en-US" dirty="0" smtClean="0"/>
+              <a:t>Discuss</a:t>
+            </a:r>
+            <a:endParaRPr lang="en-US" dirty="0"/>
+          </a:p>
+        </p:txBody>
+      </p:sp>
+      <p:sp>
+        <p:nvSpPr>
+          <p:cNvPr id="4" name="Slide Number Placeholder 3"/>
+          <p:cNvSpPr>
+            <a:spLocks noGrp="1"/>
+          </p:cNvSpPr>
+          <p:nvPr>
+            <p:ph type="sldNum" sz="quarter" idx="10"/>
+          </p:nvPr>
+        </p:nvSpPr>
+        <p:spPr/>
+        <p:txBody>
+          <a:bodyPr/>
+          <a:lstStyle/>
+          <a:p>
+            <a:fld id="{ADD4B5B7-85EF-4E48-AC80-2380FACD9C23}" type="slidenum">
+              <a:rPr lang="en-US" smtClean="0"/>
+              <a:t>26</a:t>
+            </a:fld>
             <a:endParaRPr lang="en-US"/>
           </a:p>
         </p:txBody>
       </p:sp>
     </p:spTree>
+    <p:extLst>
+      <p:ext uri="{BB962C8B-B14F-4D97-AF65-F5344CB8AC3E}">
+        <p14:creationId xmlns:p14="http://schemas.microsoft.com/office/powerpoint/2010/main" val="158773868"/>
+      </p:ext>
+    </p:extLst>
   </p:cSld>
   <p:clrMapOvr>
     <a:masterClrMapping/>
@@ -2971,21 +2983,26 @@
       </p:grpSpPr>
       <p:sp>
         <p:nvSpPr>
-          <p:cNvPr id="2" name="Slide Image Placeholder 1"/>
-          <p:cNvSpPr>
-            <a:spLocks noGrp="1" noRot="1" noChangeAspect="1"/>
+          <p:cNvPr id="60417" name="Rectangle 1"/>
+          <p:cNvSpPr>
+            <a:spLocks noGrp="1" noRot="1" noChangeAspect="1" noChangeArrowheads="1"/>
           </p:cNvSpPr>
           <p:nvPr>
             <p:ph type="sldImg"/>
           </p:nvPr>
         </p:nvSpPr>
-        <p:spPr/>
-      </p:sp>
-      <p:sp>
-        <p:nvSpPr>
-          <p:cNvPr id="3" name="Notes Placeholder 2"/>
-          <p:cNvSpPr>
-            <a:spLocks noGrp="1"/>
+        <p:spPr>
+          <a:xfrm>
+            <a:off x="376238" y="685800"/>
+            <a:ext cx="6105525" cy="3429000"/>
+          </a:xfrm>
+        </p:spPr>
+      </p:sp>
+      <p:sp>
+        <p:nvSpPr>
+          <p:cNvPr id="60418" name="Rectangle 2"/>
+          <p:cNvSpPr>
+            <a:spLocks noGrp="1" noChangeArrowheads="1"/>
           </p:cNvSpPr>
           <p:nvPr>
             <p:ph type="body" idx="1"/>
@@ -2996,56 +3013,29 @@
           <a:bodyPr/>
           <a:lstStyle/>
           <a:p>
-            <a:r>
-              <a:rPr lang="en-US" dirty="0" smtClean="0"/>
-              <a:t>~3</a:t>
-            </a:r>
-            <a:r>
-              <a:rPr lang="en-US" baseline="0" dirty="0" smtClean="0"/>
-              <a:t> min</a:t>
-            </a:r>
-          </a:p>
-          <a:p>
-            <a:endParaRPr lang="en-US" baseline="0" dirty="0" smtClean="0"/>
-          </a:p>
-          <a:p>
-            <a:r>
-              <a:rPr lang="en-US" dirty="0" smtClean="0"/>
-              <a:t>Discuss</a:t>
-            </a:r>
-            <a:endParaRPr lang="en-US" dirty="0"/>
-          </a:p>
-        </p:txBody>
-      </p:sp>
-      <p:sp>
-        <p:nvSpPr>
-          <p:cNvPr id="4" name="Slide Number Placeholder 3"/>
-          <p:cNvSpPr>
-            <a:spLocks noGrp="1"/>
-          </p:cNvSpPr>
-          <p:nvPr>
-            <p:ph type="sldNum" sz="quarter" idx="10"/>
-          </p:nvPr>
-        </p:nvSpPr>
-        <p:spPr/>
-        <p:txBody>
-          <a:bodyPr/>
-          <a:lstStyle/>
-          <a:p>
-            <a:fld id="{ADD4B5B7-85EF-4E48-AC80-2380FACD9C23}" type="slidenum">
-              <a:rPr lang="en-US" smtClean="0"/>
-              <a:t>27</a:t>
-            </a:fld>
+            <a:pPr>
+              <a:buClr>
+                <a:srgbClr val="000000"/>
+              </a:buClr>
+              <a:buFont typeface="Arial" charset="0"/>
+              <a:buNone/>
+            </a:pPr>
+            <a:r>
+              <a:rPr lang="en-US">
+                <a:solidFill>
+                  <a:srgbClr val="000000"/>
+                </a:solidFill>
+                <a:latin typeface="Arial" charset="0"/>
+                <a:cs typeface="Arial" charset="0"/>
+                <a:sym typeface="Arial" charset="0"/>
+              </a:rPr>
+              <a:t>Aha!</a:t>
+            </a:r>
             <a:endParaRPr lang="en-US"/>
           </a:p>
         </p:txBody>
       </p:sp>
     </p:spTree>
-    <p:extLst>
-      <p:ext uri="{BB962C8B-B14F-4D97-AF65-F5344CB8AC3E}">
-        <p14:creationId xmlns:p14="http://schemas.microsoft.com/office/powerpoint/2010/main" val="158773868"/>
-      </p:ext>
-    </p:extLst>
   </p:cSld>
   <p:clrMapOvr>
     <a:masterClrMapping/>
@@ -3072,9 +3062,9 @@
       </p:grpSpPr>
       <p:sp>
         <p:nvSpPr>
-          <p:cNvPr id="60417" name="Rectangle 1"/>
-          <p:cNvSpPr>
-            <a:spLocks noChangeArrowheads="1"/>
+          <p:cNvPr id="64513" name="Rectangle 1"/>
+          <p:cNvSpPr>
+            <a:spLocks noGrp="1" noRot="1" noChangeAspect="1" noChangeArrowheads="1"/>
           </p:cNvSpPr>
           <p:nvPr>
             <p:ph type="sldImg"/>
@@ -3089,9 +3079,9 @@
       </p:sp>
       <p:sp>
         <p:nvSpPr>
-          <p:cNvPr id="60418" name="Rectangle 2"/>
-          <p:cNvSpPr>
-            <a:spLocks noChangeArrowheads="1"/>
+          <p:cNvPr id="64514" name="Rectangle 2"/>
+          <p:cNvSpPr>
+            <a:spLocks noGrp="1" noChangeArrowheads="1"/>
           </p:cNvSpPr>
           <p:nvPr>
             <p:ph type="body" idx="1"/>
@@ -3151,9 +3141,9 @@
       </p:grpSpPr>
       <p:sp>
         <p:nvSpPr>
-          <p:cNvPr id="64513" name="Rectangle 1"/>
-          <p:cNvSpPr>
-            <a:spLocks noChangeArrowheads="1"/>
+          <p:cNvPr id="62465" name="Rectangle 1"/>
+          <p:cNvSpPr>
+            <a:spLocks noGrp="1" noRot="1" noChangeAspect="1" noChangeArrowheads="1"/>
           </p:cNvSpPr>
           <p:nvPr>
             <p:ph type="sldImg"/>
@@ -3168,9 +3158,9 @@
       </p:sp>
       <p:sp>
         <p:nvSpPr>
-          <p:cNvPr id="64514" name="Rectangle 2"/>
-          <p:cNvSpPr>
-            <a:spLocks noChangeArrowheads="1"/>
+          <p:cNvPr id="62466" name="Rectangle 2"/>
+          <p:cNvSpPr>
+            <a:spLocks noGrp="1" noChangeArrowheads="1"/>
           </p:cNvSpPr>
           <p:nvPr>
             <p:ph type="body" idx="1"/>
@@ -3257,7 +3247,11 @@
           <a:p>
             <a:r>
               <a:rPr lang="en-US" dirty="0" smtClean="0"/>
-              <a:t> </a:t>
+              <a:t>~20</a:t>
+            </a:r>
+            <a:r>
+              <a:rPr lang="en-US" baseline="0" dirty="0" smtClean="0"/>
+              <a:t> min</a:t>
             </a:r>
             <a:endParaRPr lang="en-US" dirty="0"/>
           </a:p>
@@ -3289,7 +3283,7 @@
     </p:spTree>
     <p:extLst>
       <p:ext uri="{BB962C8B-B14F-4D97-AF65-F5344CB8AC3E}">
-        <p14:creationId xmlns:p14="http://schemas.microsoft.com/office/powerpoint/2010/main" val="184081147"/>
+        <p14:creationId xmlns:p14="http://schemas.microsoft.com/office/powerpoint/2010/main" val="158773868"/>
       </p:ext>
     </p:extLst>
   </p:cSld>
@@ -3320,7 +3314,7 @@
         <p:nvSpPr>
           <p:cNvPr id="62465" name="Rectangle 1"/>
           <p:cNvSpPr>
-            <a:spLocks noChangeArrowheads="1"/>
+            <a:spLocks noGrp="1" noRot="1" noChangeAspect="1" noChangeArrowheads="1"/>
           </p:cNvSpPr>
           <p:nvPr>
             <p:ph type="sldImg"/>
@@ -3337,7 +3331,7 @@
         <p:nvSpPr>
           <p:cNvPr id="62466" name="Rectangle 2"/>
           <p:cNvSpPr>
-            <a:spLocks noChangeArrowheads="1"/>
+            <a:spLocks noGrp="1" noChangeArrowheads="1"/>
           </p:cNvSpPr>
           <p:nvPr>
             <p:ph type="body" idx="1"/>
@@ -3397,26 +3391,21 @@
       </p:grpSpPr>
       <p:sp>
         <p:nvSpPr>
-          <p:cNvPr id="62465" name="Rectangle 1"/>
-          <p:cNvSpPr>
-            <a:spLocks noChangeArrowheads="1"/>
+          <p:cNvPr id="2" name="Slide Image Placeholder 1"/>
+          <p:cNvSpPr>
+            <a:spLocks noGrp="1" noRot="1" noChangeAspect="1"/>
           </p:cNvSpPr>
           <p:nvPr>
             <p:ph type="sldImg"/>
           </p:nvPr>
         </p:nvSpPr>
-        <p:spPr>
-          <a:xfrm>
-            <a:off x="376238" y="685800"/>
-            <a:ext cx="6105525" cy="3429000"/>
-          </a:xfrm>
-        </p:spPr>
-      </p:sp>
-      <p:sp>
-        <p:nvSpPr>
-          <p:cNvPr id="62466" name="Rectangle 2"/>
-          <p:cNvSpPr>
-            <a:spLocks noChangeArrowheads="1"/>
+        <p:spPr/>
+      </p:sp>
+      <p:sp>
+        <p:nvSpPr>
+          <p:cNvPr id="3" name="Notes Placeholder 2"/>
+          <p:cNvSpPr>
+            <a:spLocks noGrp="1"/>
           </p:cNvSpPr>
           <p:nvPr>
             <p:ph type="body" idx="1"/>
@@ -3427,29 +3416,56 @@
           <a:bodyPr/>
           <a:lstStyle/>
           <a:p>
-            <a:pPr>
-              <a:buClr>
-                <a:srgbClr val="000000"/>
-              </a:buClr>
-              <a:buFont typeface="Arial" charset="0"/>
-              <a:buNone/>
-            </a:pPr>
-            <a:r>
-              <a:rPr lang="en-US">
-                <a:solidFill>
-                  <a:srgbClr val="000000"/>
-                </a:solidFill>
-                <a:latin typeface="Arial" charset="0"/>
-                <a:cs typeface="Arial" charset="0"/>
-                <a:sym typeface="Arial" charset="0"/>
-              </a:rPr>
-              <a:t>Aha!</a:t>
-            </a:r>
+            <a:r>
+              <a:rPr lang="en-US" dirty="0" smtClean="0"/>
+              <a:t>~3</a:t>
+            </a:r>
+            <a:r>
+              <a:rPr lang="en-US" baseline="0" dirty="0" smtClean="0"/>
+              <a:t> min</a:t>
+            </a:r>
+          </a:p>
+          <a:p>
+            <a:endParaRPr lang="en-US" baseline="0" dirty="0" smtClean="0"/>
+          </a:p>
+          <a:p>
+            <a:r>
+              <a:rPr lang="en-US" dirty="0" smtClean="0"/>
+              <a:t>Discuss</a:t>
+            </a:r>
+            <a:endParaRPr lang="en-US" dirty="0"/>
+          </a:p>
+        </p:txBody>
+      </p:sp>
+      <p:sp>
+        <p:nvSpPr>
+          <p:cNvPr id="4" name="Slide Number Placeholder 3"/>
+          <p:cNvSpPr>
+            <a:spLocks noGrp="1"/>
+          </p:cNvSpPr>
+          <p:nvPr>
+            <p:ph type="sldNum" sz="quarter" idx="10"/>
+          </p:nvPr>
+        </p:nvSpPr>
+        <p:spPr/>
+        <p:txBody>
+          <a:bodyPr/>
+          <a:lstStyle/>
+          <a:p>
+            <a:fld id="{ADD4B5B7-85EF-4E48-AC80-2380FACD9C23}" type="slidenum">
+              <a:rPr lang="en-US" smtClean="0"/>
+              <a:t>31</a:t>
+            </a:fld>
             <a:endParaRPr lang="en-US"/>
           </a:p>
         </p:txBody>
       </p:sp>
     </p:spTree>
+    <p:extLst>
+      <p:ext uri="{BB962C8B-B14F-4D97-AF65-F5344CB8AC3E}">
+        <p14:creationId xmlns:p14="http://schemas.microsoft.com/office/powerpoint/2010/main" val="158773868"/>
+      </p:ext>
+    </p:extLst>
   </p:cSld>
   <p:clrMapOvr>
     <a:masterClrMapping/>
@@ -3501,24 +3517,100 @@
           <a:bodyPr/>
           <a:lstStyle/>
           <a:p>
-            <a:r>
-              <a:rPr lang="en-US" dirty="0" smtClean="0"/>
-              <a:t>~3</a:t>
-            </a:r>
-            <a:r>
-              <a:rPr lang="en-US" baseline="0" dirty="0" smtClean="0"/>
-              <a:t> min</a:t>
-            </a:r>
-          </a:p>
-          <a:p>
-            <a:endParaRPr lang="en-US" baseline="0" dirty="0" smtClean="0"/>
-          </a:p>
-          <a:p>
-            <a:r>
-              <a:rPr lang="en-US" dirty="0" smtClean="0"/>
-              <a:t>Discuss</a:t>
-            </a:r>
-            <a:endParaRPr lang="en-US" dirty="0"/>
+            <a:pPr marL="0" marR="0" indent="0" algn="l" defTabSz="457200" rtl="0" eaLnBrk="1" fontAlgn="auto" latinLnBrk="0" hangingPunct="1">
+              <a:lnSpc>
+                <a:spcPct val="100000"/>
+              </a:lnSpc>
+              <a:spcBef>
+                <a:spcPts val="0"/>
+              </a:spcBef>
+              <a:spcAft>
+                <a:spcPts val="0"/>
+              </a:spcAft>
+              <a:buClrTx/>
+              <a:buSzTx/>
+              <a:buFontTx/>
+              <a:buNone/>
+              <a:tabLst/>
+              <a:defRPr/>
+            </a:pPr>
+            <a:r>
+              <a:rPr lang="en-US" sz="1200" dirty="0" smtClean="0">
+                <a:solidFill>
+                  <a:prstClr val="black"/>
+                </a:solidFill>
+                <a:latin typeface="ArialMT"/>
+              </a:rPr>
+              <a:t>Plug</a:t>
+            </a:r>
+            <a:r>
+              <a:rPr lang="en-US" sz="1200" baseline="0" dirty="0" smtClean="0">
+                <a:solidFill>
+                  <a:prstClr val="black"/>
+                </a:solidFill>
+                <a:latin typeface="ArialMT"/>
+              </a:rPr>
+              <a:t> yourself back into the workflow at the right stage</a:t>
+            </a:r>
+          </a:p>
+          <a:p>
+            <a:pPr marL="0" marR="0" indent="0" algn="l" defTabSz="457200" rtl="0" eaLnBrk="1" fontAlgn="auto" latinLnBrk="0" hangingPunct="1">
+              <a:lnSpc>
+                <a:spcPct val="100000"/>
+              </a:lnSpc>
+              <a:spcBef>
+                <a:spcPts val="0"/>
+              </a:spcBef>
+              <a:spcAft>
+                <a:spcPts val="0"/>
+              </a:spcAft>
+              <a:buClrTx/>
+              <a:buSzTx/>
+              <a:buFontTx/>
+              <a:buNone/>
+              <a:tabLst/>
+              <a:defRPr/>
+            </a:pPr>
+            <a:endParaRPr lang="en-US" sz="1200" baseline="0" dirty="0" smtClean="0">
+              <a:solidFill>
+                <a:prstClr val="black"/>
+              </a:solidFill>
+              <a:latin typeface="ArialMT"/>
+            </a:endParaRPr>
+          </a:p>
+          <a:p>
+            <a:pPr marL="0" marR="0" indent="0" algn="l" defTabSz="457200" rtl="0" eaLnBrk="1" fontAlgn="auto" latinLnBrk="0" hangingPunct="1">
+              <a:lnSpc>
+                <a:spcPct val="100000"/>
+              </a:lnSpc>
+              <a:spcBef>
+                <a:spcPts val="0"/>
+              </a:spcBef>
+              <a:spcAft>
+                <a:spcPts val="0"/>
+              </a:spcAft>
+              <a:buClrTx/>
+              <a:buSzTx/>
+              <a:buFontTx/>
+              <a:buNone/>
+              <a:tabLst/>
+              <a:defRPr/>
+            </a:pPr>
+            <a:r>
+              <a:rPr lang="en-US" sz="1200" baseline="0" dirty="0" smtClean="0">
+                <a:solidFill>
+                  <a:prstClr val="black"/>
+                </a:solidFill>
+                <a:latin typeface="ArialMT"/>
+              </a:rPr>
+              <a:t>Q: How do you know what the right stage is?</a:t>
+            </a:r>
+            <a:endParaRPr lang="en-US" sz="1200" dirty="0" smtClean="0">
+              <a:solidFill>
+                <a:prstClr val="black"/>
+              </a:solidFill>
+              <a:latin typeface="ArialMT"/>
+            </a:endParaRPr>
           </a:p>
         </p:txBody>
       </p:sp>
@@ -3548,7 +3640,7 @@
     </p:spTree>
     <p:extLst>
       <p:ext uri="{BB962C8B-B14F-4D97-AF65-F5344CB8AC3E}">
-        <p14:creationId xmlns:p14="http://schemas.microsoft.com/office/powerpoint/2010/main" val="158773868"/>
+        <p14:creationId xmlns:p14="http://schemas.microsoft.com/office/powerpoint/2010/main" val="645762702"/>
       </p:ext>
     </p:extLst>
   </p:cSld>
@@ -3626,7 +3718,7 @@
                 </a:solidFill>
                 <a:latin typeface="ArialMT"/>
               </a:rPr>
-              <a:t>Plug</a:t>
+              <a:t>Do your results justify action? Further analysis? Revising</a:t>
             </a:r>
             <a:r>
               <a:rPr lang="en-US" sz="1200" baseline="0" dirty="0" smtClean="0">
@@ -3635,7 +3727,25 @@
                 </a:solidFill>
                 <a:latin typeface="ArialMT"/>
               </a:rPr>
-              <a:t> yourself back into the workflow at the right stage</a:t>
+              <a:t> </a:t>
+            </a:r>
+            <a:r>
+              <a:rPr lang="en-US" sz="1200" dirty="0" smtClean="0">
+                <a:solidFill>
+                  <a:prstClr val="black"/>
+                </a:solidFill>
+                <a:latin typeface="ArialMT"/>
+              </a:rPr>
+              <a:t>your original</a:t>
+            </a:r>
+            <a:r>
+              <a:rPr lang="en-US" sz="1200" baseline="0" dirty="0" smtClean="0">
+                <a:solidFill>
+                  <a:prstClr val="black"/>
+                </a:solidFill>
+                <a:latin typeface="ArialMT"/>
+              </a:rPr>
+              <a:t> analysis? Changing your approach altogether?</a:t>
             </a:r>
           </a:p>
           <a:p>
@@ -3661,6 +3771,7 @@
                 <a:prstClr val="black"/>
               </a:solidFill>
               <a:latin typeface="ArialMT"/>
+              <a:sym typeface="Wingdings"/>
             </a:endParaRPr>
           </a:p>
           <a:p>
@@ -3687,8 +3798,9 @@
                   <a:prstClr val="black"/>
                 </a:solidFill>
                 <a:latin typeface="ArialMT"/>
-              </a:rPr>
-              <a:t>Q: How do you know what the right stage is?</a:t>
+                <a:sym typeface="Wingdings"/>
+              </a:rPr>
+              <a:t> These are the types of practical questions we will gain experience with through the hands-on sections of the course!</a:t>
             </a:r>
             <a:endParaRPr lang="en-US" sz="1200" dirty="0" smtClean="0">
               <a:solidFill>
@@ -3779,120 +3891,11 @@
           <a:bodyPr/>
           <a:lstStyle/>
           <a:p>
-            <a:pPr marL="0" marR="0" indent="0" algn="l" defTabSz="457200" rtl="0" eaLnBrk="1" fontAlgn="auto" latinLnBrk="0" hangingPunct="1">
-              <a:lnSpc>
-                <a:spcPct val="100000"/>
-              </a:lnSpc>
-              <a:spcBef>
-                <a:spcPts val="0"/>
-              </a:spcBef>
-              <a:spcAft>
-                <a:spcPts val="0"/>
-              </a:spcAft>
-              <a:buClrTx/>
-              <a:buSzTx/>
-              <a:buFontTx/>
-              <a:buNone/>
-              <a:tabLst/>
-              <a:defRPr/>
-            </a:pPr>
-            <a:r>
-              <a:rPr lang="en-US" sz="1200" dirty="0" smtClean="0">
-                <a:solidFill>
-                  <a:prstClr val="black"/>
-                </a:solidFill>
-                <a:latin typeface="ArialMT"/>
-              </a:rPr>
-              <a:t>Do your results justify action? Further analysis? Revising</a:t>
-            </a:r>
-            <a:r>
-              <a:rPr lang="en-US" sz="1200" baseline="0" dirty="0" smtClean="0">
-                <a:solidFill>
-                  <a:prstClr val="black"/>
-                </a:solidFill>
-                <a:latin typeface="ArialMT"/>
-              </a:rPr>
+            <a:r>
+              <a:rPr lang="en-US" dirty="0" smtClean="0"/>
               <a:t> </a:t>
             </a:r>
-            <a:r>
-              <a:rPr lang="en-US" sz="1200" dirty="0" smtClean="0">
-                <a:solidFill>
-                  <a:prstClr val="black"/>
-                </a:solidFill>
-                <a:latin typeface="ArialMT"/>
-              </a:rPr>
-              <a:t>your original</a:t>
-            </a:r>
-            <a:r>
-              <a:rPr lang="en-US" sz="1200" baseline="0" dirty="0" smtClean="0">
-                <a:solidFill>
-                  <a:prstClr val="black"/>
-                </a:solidFill>
-                <a:latin typeface="ArialMT"/>
-              </a:rPr>
-              <a:t> analysis? Changing your approach altogether?</a:t>
-            </a:r>
-          </a:p>
-          <a:p>
-            <a:pPr marL="0" marR="0" indent="0" algn="l" defTabSz="457200" rtl="0" eaLnBrk="1" fontAlgn="auto" latinLnBrk="0" hangingPunct="1">
-              <a:lnSpc>
-                <a:spcPct val="100000"/>
-              </a:lnSpc>
-              <a:spcBef>
-                <a:spcPts val="0"/>
-              </a:spcBef>
-              <a:spcAft>
-                <a:spcPts val="0"/>
-              </a:spcAft>
-              <a:buClrTx/>
-              <a:buSzTx/>
-              <a:buFontTx/>
-              <a:buNone/>
-              <a:tabLst/>
-              <a:defRPr/>
-            </a:pPr>
-            <a:endParaRPr lang="en-US" sz="1200" baseline="0" dirty="0" smtClean="0">
-              <a:solidFill>
-                <a:prstClr val="black"/>
-              </a:solidFill>
-              <a:latin typeface="ArialMT"/>
-              <a:sym typeface="Wingdings"/>
-            </a:endParaRPr>
-          </a:p>
-          <a:p>
-            <a:pPr marL="0" marR="0" indent="0" algn="l" defTabSz="457200" rtl="0" eaLnBrk="1" fontAlgn="auto" latinLnBrk="0" hangingPunct="1">
-              <a:lnSpc>
-                <a:spcPct val="100000"/>
-              </a:lnSpc>
-              <a:spcBef>
-                <a:spcPts val="0"/>
-              </a:spcBef>
-              <a:spcAft>
-                <a:spcPts val="0"/>
-              </a:spcAft>
-              <a:buClrTx/>
-              <a:buSzTx/>
-              <a:buFontTx/>
-              <a:buNone/>
-              <a:tabLst/>
-              <a:defRPr/>
-            </a:pPr>
-            <a:r>
-              <a:rPr lang="en-US" sz="1200" baseline="0" dirty="0" smtClean="0">
-                <a:solidFill>
-                  <a:prstClr val="black"/>
-                </a:solidFill>
-                <a:latin typeface="ArialMT"/>
-                <a:sym typeface="Wingdings"/>
-              </a:rPr>
-              <a:t> These are the types of practical questions we will gain experience with through the hands-on sections of the course!</a:t>
-            </a:r>
-            <a:endParaRPr lang="en-US" sz="1200" dirty="0" smtClean="0">
-              <a:solidFill>
-                <a:prstClr val="black"/>
-              </a:solidFill>
-              <a:latin typeface="ArialMT"/>
-            </a:endParaRPr>
+            <a:endParaRPr lang="en-US" dirty="0"/>
           </a:p>
         </p:txBody>
       </p:sp>
@@ -3922,7 +3925,7 @@
     </p:spTree>
     <p:extLst>
       <p:ext uri="{BB962C8B-B14F-4D97-AF65-F5344CB8AC3E}">
-        <p14:creationId xmlns:p14="http://schemas.microsoft.com/office/powerpoint/2010/main" val="645762702"/>
+        <p14:creationId xmlns:p14="http://schemas.microsoft.com/office/powerpoint/2010/main" val="158773868"/>
       </p:ext>
     </p:extLst>
   </p:cSld>
@@ -3976,11 +3979,91 @@
           <a:bodyPr/>
           <a:lstStyle/>
           <a:p>
-            <a:r>
-              <a:rPr lang="en-US" dirty="0" smtClean="0"/>
-              <a:t> </a:t>
-            </a:r>
-            <a:endParaRPr lang="en-US" dirty="0"/>
+            <a:pPr marL="0" marR="0" indent="0" algn="l" defTabSz="457200" rtl="0" eaLnBrk="1" fontAlgn="auto" latinLnBrk="0" hangingPunct="1">
+              <a:lnSpc>
+                <a:spcPct val="100000"/>
+              </a:lnSpc>
+              <a:spcBef>
+                <a:spcPts val="0"/>
+              </a:spcBef>
+              <a:spcAft>
+                <a:spcPts val="0"/>
+              </a:spcAft>
+              <a:buClrTx/>
+              <a:buSzTx/>
+              <a:buFontTx/>
+              <a:buNone/>
+              <a:tabLst/>
+              <a:defRPr/>
+            </a:pPr>
+            <a:r>
+              <a:rPr lang="en-US" sz="1200" baseline="0" dirty="0" smtClean="0">
+                <a:solidFill>
+                  <a:prstClr val="black"/>
+                </a:solidFill>
+                <a:latin typeface="ArialMT"/>
+                <a:sym typeface="Wingdings"/>
+              </a:rPr>
+              <a:t>Q: Where does classification belong in this diagram?</a:t>
+            </a:r>
+          </a:p>
+          <a:p>
+            <a:pPr marL="171450" marR="0" indent="-171450" algn="l" defTabSz="457200" rtl="0" eaLnBrk="1" fontAlgn="auto" latinLnBrk="0" hangingPunct="1">
+              <a:lnSpc>
+                <a:spcPct val="100000"/>
+              </a:lnSpc>
+              <a:spcBef>
+                <a:spcPts val="0"/>
+              </a:spcBef>
+              <a:spcAft>
+                <a:spcPts val="0"/>
+              </a:spcAft>
+              <a:buClrTx/>
+              <a:buSzTx/>
+              <a:buFontTx/>
+              <a:buChar char="-"/>
+              <a:tabLst/>
+              <a:defRPr/>
+            </a:pPr>
+            <a:r>
+              <a:rPr lang="en-US" sz="1200" baseline="0" dirty="0" smtClean="0">
+                <a:solidFill>
+                  <a:prstClr val="black"/>
+                </a:solidFill>
+                <a:latin typeface="ArialMT"/>
+                <a:sym typeface="Wingdings"/>
+              </a:rPr>
+              <a:t>Making predictions or extracting structure?</a:t>
+            </a:r>
+          </a:p>
+          <a:p>
+            <a:pPr marL="171450" marR="0" indent="-171450" algn="l" defTabSz="457200" rtl="0" eaLnBrk="1" fontAlgn="auto" latinLnBrk="0" hangingPunct="1">
+              <a:lnSpc>
+                <a:spcPct val="100000"/>
+              </a:lnSpc>
+              <a:spcBef>
+                <a:spcPts val="0"/>
+              </a:spcBef>
+              <a:spcAft>
+                <a:spcPts val="0"/>
+              </a:spcAft>
+              <a:buClrTx/>
+              <a:buSzTx/>
+              <a:buFontTx/>
+              <a:buChar char="-"/>
+              <a:tabLst/>
+              <a:defRPr/>
+            </a:pPr>
+            <a:r>
+              <a:rPr lang="en-US" sz="1200" baseline="0" dirty="0" smtClean="0">
+                <a:solidFill>
+                  <a:prstClr val="black"/>
+                </a:solidFill>
+                <a:latin typeface="ArialMT"/>
+                <a:sym typeface="Wingdings"/>
+              </a:rPr>
+              <a:t>Quantitative data or qualitative data?</a:t>
+            </a:r>
           </a:p>
         </p:txBody>
       </p:sp>
@@ -4010,7 +4093,7 @@
     </p:spTree>
     <p:extLst>
       <p:ext uri="{BB962C8B-B14F-4D97-AF65-F5344CB8AC3E}">
-        <p14:creationId xmlns:p14="http://schemas.microsoft.com/office/powerpoint/2010/main" val="158773868"/>
+        <p14:creationId xmlns:p14="http://schemas.microsoft.com/office/powerpoint/2010/main" val="645762702"/>
       </p:ext>
     </p:extLst>
   </p:cSld>
@@ -4089,11 +4172,11 @@
                 <a:latin typeface="ArialMT"/>
                 <a:sym typeface="Wingdings"/>
               </a:rPr>
-              <a:t>Q: Where does classification belong in this diagram?</a:t>
-            </a:r>
-          </a:p>
-          <a:p>
-            <a:pPr marL="171450" marR="0" indent="-171450" algn="l" defTabSz="457200" rtl="0" eaLnBrk="1" fontAlgn="auto" latinLnBrk="0" hangingPunct="1">
+              <a:t>Supervised learning problem w/ categorical target variables</a:t>
+            </a:r>
+          </a:p>
+          <a:p>
+            <a:pPr marL="0" marR="0" indent="0" algn="l" defTabSz="457200" rtl="0" eaLnBrk="1" fontAlgn="auto" latinLnBrk="0" hangingPunct="1">
               <a:lnSpc>
                 <a:spcPct val="100000"/>
               </a:lnSpc>
@@ -4106,7 +4189,7 @@
               <a:buClrTx/>
               <a:buSzTx/>
               <a:buFontTx/>
-              <a:buChar char="-"/>
+              <a:buNone/>
               <a:tabLst/>
               <a:defRPr/>
             </a:pPr>
@@ -4118,36 +4201,7 @@
                 <a:latin typeface="ArialMT"/>
                 <a:sym typeface="Wingdings"/>
               </a:rPr>
-              <a:t>Making predictions or extracting structure?</a:t>
-            </a:r>
-          </a:p>
-          <a:p>
-            <a:pPr marL="171450" marR="0" indent="-171450" algn="l" defTabSz="457200" rtl="0" eaLnBrk="1" fontAlgn="auto" latinLnBrk="0" hangingPunct="1">
-              <a:lnSpc>
-                <a:spcPct val="100000"/>
-              </a:lnSpc>
-              <a:spcBef>
-                <a:spcPts val="0"/>
-              </a:spcBef>
-              <a:spcAft>
-                <a:spcPts val="0"/>
-              </a:spcAft>
-              <a:buClrTx/>
-              <a:buSzTx/>
-              <a:buFontTx/>
-              <a:buChar char="-"/>
-              <a:tabLst/>
-              <a:defRPr/>
-            </a:pPr>
-            <a:r>
-              <a:rPr lang="en-US" sz="1200" baseline="0" dirty="0" smtClean="0">
-                <a:solidFill>
-                  <a:prstClr val="black"/>
-                </a:solidFill>
-                <a:latin typeface="ArialMT"/>
-                <a:sym typeface="Wingdings"/>
-              </a:rPr>
-              <a:t>Quantitative data or qualitative data?</a:t>
+              <a:t> What do these terms mean?</a:t>
             </a:r>
           </a:p>
         </p:txBody>
@@ -4257,36 +4311,7 @@
                 <a:latin typeface="ArialMT"/>
                 <a:sym typeface="Wingdings"/>
               </a:rPr>
-              <a:t>Supervised learning problem w/ categorical target variables</a:t>
-            </a:r>
-          </a:p>
-          <a:p>
-            <a:pPr marL="0" marR="0" indent="0" algn="l" defTabSz="457200" rtl="0" eaLnBrk="1" fontAlgn="auto" latinLnBrk="0" hangingPunct="1">
-              <a:lnSpc>
-                <a:spcPct val="100000"/>
-              </a:lnSpc>
-              <a:spcBef>
-                <a:spcPts val="0"/>
-              </a:spcBef>
-              <a:spcAft>
-                <a:spcPts val="0"/>
-              </a:spcAft>
-              <a:buClrTx/>
-              <a:buSzTx/>
-              <a:buFontTx/>
-              <a:buNone/>
-              <a:tabLst/>
-              <a:defRPr/>
-            </a:pPr>
-            <a:r>
-              <a:rPr lang="en-US" sz="1200" baseline="0" dirty="0" smtClean="0">
-                <a:solidFill>
-                  <a:prstClr val="black"/>
-                </a:solidFill>
-                <a:latin typeface="ArialMT"/>
-                <a:sym typeface="Wingdings"/>
-              </a:rPr>
-              <a:t> What do these terms mean?</a:t>
+              <a:t>variables = columns, observations/records = rows</a:t>
             </a:r>
           </a:p>
         </p:txBody>
@@ -4396,7 +4421,122 @@
                 <a:latin typeface="ArialMT"/>
                 <a:sym typeface="Wingdings"/>
               </a:rPr>
-              <a:t>variables = columns, observations/records = rows</a:t>
+              <a:t>4 independent </a:t>
+            </a:r>
+            <a:r>
+              <a:rPr lang="en-US" sz="1200" baseline="0" dirty="0" err="1" smtClean="0">
+                <a:solidFill>
+                  <a:prstClr val="black"/>
+                </a:solidFill>
+                <a:latin typeface="ArialMT"/>
+                <a:sym typeface="Wingdings"/>
+              </a:rPr>
+              <a:t>vars</a:t>
+            </a:r>
+            <a:r>
+              <a:rPr lang="en-US" sz="1200" baseline="0" dirty="0" smtClean="0">
+                <a:solidFill>
+                  <a:prstClr val="black"/>
+                </a:solidFill>
+                <a:latin typeface="ArialMT"/>
+                <a:sym typeface="Wingdings"/>
+              </a:rPr>
+              <a:t> (</a:t>
+            </a:r>
+            <a:r>
+              <a:rPr lang="en-US" sz="1200" baseline="0" dirty="0" err="1" smtClean="0">
+                <a:solidFill>
+                  <a:prstClr val="black"/>
+                </a:solidFill>
+                <a:latin typeface="ArialMT"/>
+                <a:sym typeface="Wingdings"/>
+              </a:rPr>
+              <a:t>cts</a:t>
+            </a:r>
+            <a:r>
+              <a:rPr lang="en-US" sz="1200" baseline="0" dirty="0" smtClean="0">
+                <a:solidFill>
+                  <a:prstClr val="black"/>
+                </a:solidFill>
+                <a:latin typeface="ArialMT"/>
+                <a:sym typeface="Wingdings"/>
+              </a:rPr>
+              <a:t>)</a:t>
+            </a:r>
+          </a:p>
+          <a:p>
+            <a:pPr marL="0" marR="0" indent="0" algn="l" defTabSz="457200" rtl="0" eaLnBrk="1" fontAlgn="auto" latinLnBrk="0" hangingPunct="1">
+              <a:lnSpc>
+                <a:spcPct val="100000"/>
+              </a:lnSpc>
+              <a:spcBef>
+                <a:spcPts val="0"/>
+              </a:spcBef>
+              <a:spcAft>
+                <a:spcPts val="0"/>
+              </a:spcAft>
+              <a:buClrTx/>
+              <a:buSzTx/>
+              <a:buFontTx/>
+              <a:buNone/>
+              <a:tabLst/>
+              <a:defRPr/>
+            </a:pPr>
+            <a:endParaRPr lang="en-US" sz="1200" baseline="0" dirty="0" smtClean="0">
+              <a:solidFill>
+                <a:prstClr val="black"/>
+              </a:solidFill>
+              <a:latin typeface="ArialMT"/>
+              <a:sym typeface="Wingdings"/>
+            </a:endParaRPr>
+          </a:p>
+          <a:p>
+            <a:pPr marL="0" marR="0" indent="0" algn="l" defTabSz="457200" rtl="0" eaLnBrk="1" fontAlgn="auto" latinLnBrk="0" hangingPunct="1">
+              <a:lnSpc>
+                <a:spcPct val="100000"/>
+              </a:lnSpc>
+              <a:spcBef>
+                <a:spcPts val="0"/>
+              </a:spcBef>
+              <a:spcAft>
+                <a:spcPts val="0"/>
+              </a:spcAft>
+              <a:buClrTx/>
+              <a:buSzTx/>
+              <a:buFontTx/>
+              <a:buNone/>
+              <a:tabLst/>
+              <a:defRPr/>
+            </a:pPr>
+            <a:r>
+              <a:rPr lang="en-US" sz="1200" baseline="0" dirty="0" smtClean="0">
+                <a:solidFill>
+                  <a:prstClr val="black"/>
+                </a:solidFill>
+                <a:latin typeface="ArialMT"/>
+                <a:sym typeface="Wingdings"/>
+              </a:rPr>
+              <a:t>Note: </a:t>
+            </a:r>
+            <a:r>
+              <a:rPr lang="en-US" sz="1200" baseline="0" dirty="0" err="1" smtClean="0">
+                <a:solidFill>
+                  <a:prstClr val="black"/>
+                </a:solidFill>
+                <a:latin typeface="ArialMT"/>
+                <a:sym typeface="Wingdings"/>
+              </a:rPr>
+              <a:t>vars</a:t>
+            </a:r>
+            <a:r>
+              <a:rPr lang="en-US" sz="1200" baseline="0" dirty="0" smtClean="0">
+                <a:solidFill>
+                  <a:prstClr val="black"/>
+                </a:solidFill>
+                <a:latin typeface="ArialMT"/>
+                <a:sym typeface="Wingdings"/>
+              </a:rPr>
+              <a:t> = columns, records = rows</a:t>
             </a:r>
           </a:p>
         </p:txBody>
@@ -4506,122 +4646,7 @@
                 <a:latin typeface="ArialMT"/>
                 <a:sym typeface="Wingdings"/>
               </a:rPr>
-              <a:t>4 independent </a:t>
-            </a:r>
-            <a:r>
-              <a:rPr lang="en-US" sz="1200" baseline="0" dirty="0" err="1" smtClean="0">
-                <a:solidFill>
-                  <a:prstClr val="black"/>
-                </a:solidFill>
-                <a:latin typeface="ArialMT"/>
-                <a:sym typeface="Wingdings"/>
-              </a:rPr>
-              <a:t>vars</a:t>
-            </a:r>
-            <a:r>
-              <a:rPr lang="en-US" sz="1200" baseline="0" dirty="0" smtClean="0">
-                <a:solidFill>
-                  <a:prstClr val="black"/>
-                </a:solidFill>
-                <a:latin typeface="ArialMT"/>
-                <a:sym typeface="Wingdings"/>
-              </a:rPr>
-              <a:t> (</a:t>
-            </a:r>
-            <a:r>
-              <a:rPr lang="en-US" sz="1200" baseline="0" dirty="0" err="1" smtClean="0">
-                <a:solidFill>
-                  <a:prstClr val="black"/>
-                </a:solidFill>
-                <a:latin typeface="ArialMT"/>
-                <a:sym typeface="Wingdings"/>
-              </a:rPr>
-              <a:t>cts</a:t>
-            </a:r>
-            <a:r>
-              <a:rPr lang="en-US" sz="1200" baseline="0" dirty="0" smtClean="0">
-                <a:solidFill>
-                  <a:prstClr val="black"/>
-                </a:solidFill>
-                <a:latin typeface="ArialMT"/>
-                <a:sym typeface="Wingdings"/>
-              </a:rPr>
-              <a:t>)</a:t>
-            </a:r>
-          </a:p>
-          <a:p>
-            <a:pPr marL="0" marR="0" indent="0" algn="l" defTabSz="457200" rtl="0" eaLnBrk="1" fontAlgn="auto" latinLnBrk="0" hangingPunct="1">
-              <a:lnSpc>
-                <a:spcPct val="100000"/>
-              </a:lnSpc>
-              <a:spcBef>
-                <a:spcPts val="0"/>
-              </a:spcBef>
-              <a:spcAft>
-                <a:spcPts val="0"/>
-              </a:spcAft>
-              <a:buClrTx/>
-              <a:buSzTx/>
-              <a:buFontTx/>
-              <a:buNone/>
-              <a:tabLst/>
-              <a:defRPr/>
-            </a:pPr>
-            <a:endParaRPr lang="en-US" sz="1200" baseline="0" dirty="0" smtClean="0">
-              <a:solidFill>
-                <a:prstClr val="black"/>
-              </a:solidFill>
-              <a:latin typeface="ArialMT"/>
-              <a:sym typeface="Wingdings"/>
-            </a:endParaRPr>
-          </a:p>
-          <a:p>
-            <a:pPr marL="0" marR="0" indent="0" algn="l" defTabSz="457200" rtl="0" eaLnBrk="1" fontAlgn="auto" latinLnBrk="0" hangingPunct="1">
-              <a:lnSpc>
-                <a:spcPct val="100000"/>
-              </a:lnSpc>
-              <a:spcBef>
-                <a:spcPts val="0"/>
-              </a:spcBef>
-              <a:spcAft>
-                <a:spcPts val="0"/>
-              </a:spcAft>
-              <a:buClrTx/>
-              <a:buSzTx/>
-              <a:buFontTx/>
-              <a:buNone/>
-              <a:tabLst/>
-              <a:defRPr/>
-            </a:pPr>
-            <a:r>
-              <a:rPr lang="en-US" sz="1200" baseline="0" dirty="0" smtClean="0">
-                <a:solidFill>
-                  <a:prstClr val="black"/>
-                </a:solidFill>
-                <a:latin typeface="ArialMT"/>
-                <a:sym typeface="Wingdings"/>
-              </a:rPr>
-              <a:t>Note: </a:t>
-            </a:r>
-            <a:r>
-              <a:rPr lang="en-US" sz="1200" baseline="0" dirty="0" err="1" smtClean="0">
-                <a:solidFill>
-                  <a:prstClr val="black"/>
-                </a:solidFill>
-                <a:latin typeface="ArialMT"/>
-                <a:sym typeface="Wingdings"/>
-              </a:rPr>
-              <a:t>vars</a:t>
-            </a:r>
-            <a:r>
-              <a:rPr lang="en-US" sz="1200" baseline="0" dirty="0" smtClean="0">
-                <a:solidFill>
-                  <a:prstClr val="black"/>
-                </a:solidFill>
-                <a:latin typeface="ArialMT"/>
-                <a:sym typeface="Wingdings"/>
-              </a:rPr>
-              <a:t> = columns, records = rows</a:t>
+              <a:t>Class label = target variable, the thing we want to predict</a:t>
             </a:r>
           </a:p>
         </p:txBody>
@@ -4706,15 +4731,59 @@
           <a:bodyPr/>
           <a:lstStyle/>
           <a:p>
-            <a:r>
-              <a:rPr lang="en-US" dirty="0" smtClean="0"/>
-              <a:t>~20</a:t>
-            </a:r>
-            <a:r>
-              <a:rPr lang="en-US" baseline="0" dirty="0" smtClean="0"/>
-              <a:t> min</a:t>
-            </a:r>
-            <a:endParaRPr lang="en-US" dirty="0"/>
+            <a:pPr marL="0" marR="0" indent="0" algn="l" defTabSz="457200" rtl="0" eaLnBrk="1" fontAlgn="auto" latinLnBrk="0" hangingPunct="1">
+              <a:lnSpc>
+                <a:spcPct val="100000"/>
+              </a:lnSpc>
+              <a:spcBef>
+                <a:spcPts val="0"/>
+              </a:spcBef>
+              <a:spcAft>
+                <a:spcPts val="0"/>
+              </a:spcAft>
+              <a:buClrTx/>
+              <a:buSzTx/>
+              <a:buFontTx/>
+              <a:buNone/>
+              <a:tabLst/>
+              <a:defRPr/>
+            </a:pPr>
+            <a:r>
+              <a:rPr lang="en-US" sz="1200" baseline="0" dirty="0" smtClean="0">
+                <a:solidFill>
+                  <a:prstClr val="black"/>
+                </a:solidFill>
+                <a:latin typeface="ArialMT"/>
+                <a:sym typeface="Wingdings"/>
+              </a:rPr>
+              <a:t>Data-oriented </a:t>
+            </a:r>
+          </a:p>
+          <a:p>
+            <a:pPr marL="0" marR="0" indent="0" algn="l" defTabSz="457200" rtl="0" eaLnBrk="1" fontAlgn="auto" latinLnBrk="0" hangingPunct="1">
+              <a:lnSpc>
+                <a:spcPct val="100000"/>
+              </a:lnSpc>
+              <a:spcBef>
+                <a:spcPts val="0"/>
+              </a:spcBef>
+              <a:spcAft>
+                <a:spcPts val="0"/>
+              </a:spcAft>
+              <a:buClrTx/>
+              <a:buSzTx/>
+              <a:buFontTx/>
+              <a:buNone/>
+              <a:tabLst/>
+              <a:defRPr/>
+            </a:pPr>
+            <a:endParaRPr lang="en-US" sz="1200" baseline="0" dirty="0" smtClean="0">
+              <a:solidFill>
+                <a:prstClr val="black"/>
+              </a:solidFill>
+              <a:latin typeface="ArialMT"/>
+              <a:sym typeface="Wingdings"/>
+            </a:endParaRPr>
           </a:p>
         </p:txBody>
       </p:sp>
@@ -4744,7 +4813,7 @@
     </p:spTree>
     <p:extLst>
       <p:ext uri="{BB962C8B-B14F-4D97-AF65-F5344CB8AC3E}">
-        <p14:creationId xmlns:p14="http://schemas.microsoft.com/office/powerpoint/2010/main" val="158773868"/>
+        <p14:creationId xmlns:p14="http://schemas.microsoft.com/office/powerpoint/2010/main" val="645762702"/>
       </p:ext>
     </p:extLst>
   </p:cSld>
@@ -4823,7 +4892,7 @@
                 <a:latin typeface="ArialMT"/>
                 <a:sym typeface="Wingdings"/>
               </a:rPr>
-              <a:t>Class label = target variable, the thing we want to predict</a:t>
+              <a:t>Q: any ideas?</a:t>
             </a:r>
           </a:p>
         </p:txBody>
@@ -4933,7 +5002,7 @@
                 <a:latin typeface="ArialMT"/>
                 <a:sym typeface="Wingdings"/>
               </a:rPr>
-              <a:t>Q: any ideas?</a:t>
+              <a:t> </a:t>
             </a:r>
           </a:p>
         </p:txBody>
@@ -5043,7 +5112,7 @@
                 <a:latin typeface="ArialMT"/>
                 <a:sym typeface="Wingdings"/>
               </a:rPr>
-              <a:t> </a:t>
+              <a:t>Q: how are we going to use the data?</a:t>
             </a:r>
           </a:p>
         </p:txBody>
@@ -5153,7 +5222,7 @@
                 <a:latin typeface="ArialMT"/>
                 <a:sym typeface="Wingdings"/>
               </a:rPr>
-              <a:t>Q: how are we going to use the data?</a:t>
+              <a:t> </a:t>
             </a:r>
           </a:p>
         </p:txBody>
@@ -5923,34 +5992,8 @@
                 <a:latin typeface="ArialMT"/>
                 <a:sym typeface="Wingdings"/>
               </a:rPr>
-              <a:t>Data-oriented </a:t>
-            </a:r>
-          </a:p>
-          <a:p>
-            <a:pPr marL="0" marR="0" indent="0" algn="l" defTabSz="457200" rtl="0" eaLnBrk="1" fontAlgn="auto" latinLnBrk="0" hangingPunct="1">
-              <a:lnSpc>
-                <a:spcPct val="100000"/>
-              </a:lnSpc>
-              <a:spcBef>
-                <a:spcPts val="0"/>
-              </a:spcBef>
-              <a:spcAft>
-                <a:spcPts val="0"/>
-              </a:spcAft>
-              <a:buClrTx/>
-              <a:buSzTx/>
-              <a:buFontTx/>
-              <a:buNone/>
-              <a:tabLst/>
-              <a:defRPr/>
-            </a:pPr>
-            <a:endParaRPr lang="en-US" sz="1200" baseline="0" dirty="0" smtClean="0">
-              <a:solidFill>
-                <a:prstClr val="black"/>
-              </a:solidFill>
-              <a:latin typeface="ArialMT"/>
-              <a:sym typeface="Wingdings"/>
-            </a:endParaRPr>
+              <a:t> </a:t>
+            </a:r>
           </a:p>
         </p:txBody>
       </p:sp>
@@ -6059,7 +6102,7 @@
                 <a:latin typeface="ArialMT"/>
                 <a:sym typeface="Wingdings"/>
               </a:rPr>
-              <a:t> </a:t>
+              <a:t>We will have more to say about distance functions later</a:t>
             </a:r>
           </a:p>
         </p:txBody>
@@ -6144,33 +6187,49 @@
           <a:bodyPr/>
           <a:lstStyle/>
           <a:p>
-            <a:pPr marL="0" marR="0" indent="0" algn="l" defTabSz="457200" rtl="0" eaLnBrk="1" fontAlgn="auto" latinLnBrk="0" hangingPunct="1">
-              <a:lnSpc>
-                <a:spcPct val="100000"/>
-              </a:lnSpc>
-              <a:spcBef>
-                <a:spcPts val="0"/>
-              </a:spcBef>
-              <a:spcAft>
-                <a:spcPts val="0"/>
-              </a:spcAft>
-              <a:buClrTx/>
-              <a:buSzTx/>
-              <a:buFontTx/>
-              <a:buNone/>
-              <a:tabLst/>
-              <a:defRPr/>
-            </a:pPr>
-            <a:r>
-              <a:rPr lang="en-US" sz="1200" baseline="0" dirty="0" smtClean="0">
-                <a:solidFill>
-                  <a:prstClr val="black"/>
-                </a:solidFill>
-                <a:latin typeface="ArialMT"/>
-                <a:sym typeface="Wingdings"/>
-              </a:rPr>
-              <a:t>We will have more to say about distance functions later</a:t>
-            </a:r>
+            <a:r>
+              <a:rPr lang="en-US" dirty="0" smtClean="0"/>
+              <a:t>~20 min</a:t>
+            </a:r>
+          </a:p>
+          <a:p>
+            <a:r>
+              <a:rPr lang="en-US" dirty="0" smtClean="0"/>
+              <a:t>Q:</a:t>
+            </a:r>
+            <a:r>
+              <a:rPr lang="en-US" baseline="0" dirty="0" smtClean="0"/>
+              <a:t> </a:t>
+            </a:r>
+            <a:r>
+              <a:rPr lang="en-US" dirty="0" smtClean="0"/>
+              <a:t>what</a:t>
+            </a:r>
+            <a:r>
+              <a:rPr lang="en-US" baseline="0" dirty="0" smtClean="0"/>
+              <a:t> do you think of the math we saw?</a:t>
+            </a:r>
+            <a:endParaRPr lang="en-US" dirty="0" smtClean="0"/>
+          </a:p>
+          <a:p>
+            <a:r>
+              <a:rPr lang="en-US" dirty="0" smtClean="0"/>
+              <a:t>Q:</a:t>
+            </a:r>
+            <a:r>
+              <a:rPr lang="en-US" baseline="0" dirty="0" smtClean="0"/>
+              <a:t> how do you like using R?</a:t>
+            </a:r>
+          </a:p>
+          <a:p>
+            <a:r>
+              <a:rPr lang="en-US" baseline="0" dirty="0" smtClean="0"/>
+              <a:t>Q: does anything seem mysterious?</a:t>
+            </a:r>
+            <a:endParaRPr lang="en-US" dirty="0" smtClean="0"/>
+          </a:p>
+          <a:p>
+            <a:endParaRPr lang="en-US" dirty="0"/>
           </a:p>
         </p:txBody>
       </p:sp>
@@ -6192,132 +6251,6 @@
             <a:fld id="{ADD4B5B7-85EF-4E48-AC80-2380FACD9C23}" type="slidenum">
               <a:rPr lang="en-US" smtClean="0"/>
               <a:t>51</a:t>
-            </a:fld>
-            <a:endParaRPr lang="en-US"/>
-          </a:p>
-        </p:txBody>
-      </p:sp>
-    </p:spTree>
-    <p:extLst>
-      <p:ext uri="{BB962C8B-B14F-4D97-AF65-F5344CB8AC3E}">
-        <p14:creationId xmlns:p14="http://schemas.microsoft.com/office/powerpoint/2010/main" val="645762702"/>
-      </p:ext>
-    </p:extLst>
-  </p:cSld>
-  <p:clrMapOvr>
-    <a:masterClrMapping/>
-  </p:clrMapOvr>
-</p:notes>
-</file>
-
-<file path=ppt/notesSlides/notesSlide52.xml><?xml version="1.0" encoding="utf-8"?>
-<p:notes xmlns:a="http://schemas.openxmlformats.org/drawingml/2006/main" xmlns:r="http://schemas.openxmlformats.org/officeDocument/2006/relationships" xmlns:p="http://schemas.openxmlformats.org/presentationml/2006/main">
-  <p:cSld>
-    <p:spTree>
-      <p:nvGrpSpPr>
-        <p:cNvPr id="1" name=""/>
-        <p:cNvGrpSpPr/>
-        <p:nvPr/>
-      </p:nvGrpSpPr>
-      <p:grpSpPr>
-        <a:xfrm>
-          <a:off x="0" y="0"/>
-          <a:ext cx="0" cy="0"/>
-          <a:chOff x="0" y="0"/>
-          <a:chExt cx="0" cy="0"/>
-        </a:xfrm>
-      </p:grpSpPr>
-      <p:sp>
-        <p:nvSpPr>
-          <p:cNvPr id="2" name="Slide Image Placeholder 1"/>
-          <p:cNvSpPr>
-            <a:spLocks noGrp="1" noRot="1" noChangeAspect="1"/>
-          </p:cNvSpPr>
-          <p:nvPr>
-            <p:ph type="sldImg"/>
-          </p:nvPr>
-        </p:nvSpPr>
-        <p:spPr/>
-      </p:sp>
-      <p:sp>
-        <p:nvSpPr>
-          <p:cNvPr id="3" name="Notes Placeholder 2"/>
-          <p:cNvSpPr>
-            <a:spLocks noGrp="1"/>
-          </p:cNvSpPr>
-          <p:nvPr>
-            <p:ph type="body" idx="1"/>
-          </p:nvPr>
-        </p:nvSpPr>
-        <p:spPr/>
-        <p:txBody>
-          <a:bodyPr/>
-          <a:lstStyle/>
-          <a:p>
-            <a:r>
-              <a:rPr lang="en-US" dirty="0" smtClean="0"/>
-              <a:t>~20 min</a:t>
-            </a:r>
-          </a:p>
-          <a:p>
-            <a:r>
-              <a:rPr lang="en-US" dirty="0" smtClean="0"/>
-              <a:t>Q:</a:t>
-            </a:r>
-            <a:r>
-              <a:rPr lang="en-US" baseline="0" dirty="0" smtClean="0"/>
-              <a:t> </a:t>
-            </a:r>
-            <a:r>
-              <a:rPr lang="en-US" dirty="0" smtClean="0"/>
-              <a:t>what</a:t>
-            </a:r>
-            <a:r>
-              <a:rPr lang="en-US" baseline="0" dirty="0" smtClean="0"/>
-              <a:t> do you think of the math we saw?</a:t>
-            </a:r>
-            <a:endParaRPr lang="en-US" dirty="0" smtClean="0"/>
-          </a:p>
-          <a:p>
-            <a:r>
-              <a:rPr lang="en-US" dirty="0" smtClean="0"/>
-              <a:t>Q:</a:t>
-            </a:r>
-            <a:r>
-              <a:rPr lang="en-US" baseline="0" dirty="0" smtClean="0"/>
-              <a:t> how do you like using R?</a:t>
-            </a:r>
-          </a:p>
-          <a:p>
-            <a:r>
-              <a:rPr lang="en-US" baseline="0" dirty="0" smtClean="0"/>
-              <a:t>Q: does anything seem mysterious?</a:t>
-            </a:r>
-            <a:endParaRPr lang="en-US" dirty="0" smtClean="0"/>
-          </a:p>
-          <a:p>
-            <a:endParaRPr lang="en-US" dirty="0"/>
-          </a:p>
-        </p:txBody>
-      </p:sp>
-      <p:sp>
-        <p:nvSpPr>
-          <p:cNvPr id="4" name="Slide Number Placeholder 3"/>
-          <p:cNvSpPr>
-            <a:spLocks noGrp="1"/>
-          </p:cNvSpPr>
-          <p:nvPr>
-            <p:ph type="sldNum" sz="quarter" idx="10"/>
-          </p:nvPr>
-        </p:nvSpPr>
-        <p:spPr/>
-        <p:txBody>
-          <a:bodyPr/>
-          <a:lstStyle/>
-          <a:p>
-            <a:fld id="{ADD4B5B7-85EF-4E48-AC80-2380FACD9C23}" type="slidenum">
-              <a:rPr lang="en-US" smtClean="0"/>
-              <a:t>52</a:t>
             </a:fld>
             <a:endParaRPr lang="en-US"/>
           </a:p>
@@ -6405,7 +6338,62 @@
                 <a:latin typeface="ArialMT"/>
                 <a:sym typeface="Wingdings"/>
               </a:rPr>
-              <a:t> </a:t>
+              <a:t>Representation: Helps you figure out what you’re looking at</a:t>
+            </a:r>
+          </a:p>
+          <a:p>
+            <a:pPr marL="0" marR="0" indent="0" algn="l" defTabSz="457200" rtl="0" eaLnBrk="1" fontAlgn="auto" latinLnBrk="0" hangingPunct="1">
+              <a:lnSpc>
+                <a:spcPct val="100000"/>
+              </a:lnSpc>
+              <a:spcBef>
+                <a:spcPts val="0"/>
+              </a:spcBef>
+              <a:spcAft>
+                <a:spcPts val="0"/>
+              </a:spcAft>
+              <a:buClrTx/>
+              <a:buSzTx/>
+              <a:buFontTx/>
+              <a:buNone/>
+              <a:tabLst/>
+              <a:defRPr/>
+            </a:pPr>
+            <a:endParaRPr lang="en-US" sz="1200" baseline="0" dirty="0" smtClean="0">
+              <a:solidFill>
+                <a:prstClr val="black"/>
+              </a:solidFill>
+              <a:latin typeface="ArialMT"/>
+              <a:sym typeface="Wingdings"/>
+            </a:endParaRPr>
+          </a:p>
+          <a:p>
+            <a:pPr marL="0" marR="0" indent="0" algn="l" defTabSz="457200" rtl="0" eaLnBrk="1" fontAlgn="auto" latinLnBrk="0" hangingPunct="1">
+              <a:lnSpc>
+                <a:spcPct val="100000"/>
+              </a:lnSpc>
+              <a:spcBef>
+                <a:spcPts val="0"/>
+              </a:spcBef>
+              <a:spcAft>
+                <a:spcPts val="0"/>
+              </a:spcAft>
+              <a:buClrTx/>
+              <a:buSzTx/>
+              <a:buFontTx/>
+              <a:buNone/>
+              <a:tabLst/>
+              <a:defRPr/>
+            </a:pPr>
+            <a:r>
+              <a:rPr lang="en-US" sz="1200" baseline="0" dirty="0" smtClean="0">
+                <a:solidFill>
+                  <a:prstClr val="black"/>
+                </a:solidFill>
+                <a:latin typeface="ArialMT"/>
+                <a:sym typeface="Wingdings"/>
+              </a:rPr>
+              <a:t>Q: can you think of examples?</a:t>
             </a:r>
           </a:p>
         </p:txBody>
@@ -6508,6 +6496,16 @@
               <a:defRPr/>
             </a:pPr>
             <a:r>
+              <a:rPr lang="en-US" sz="1200" baseline="0" dirty="0" err="1" smtClean="0">
+                <a:solidFill>
+                  <a:prstClr val="black"/>
+                </a:solidFill>
+                <a:latin typeface="ArialMT"/>
+                <a:sym typeface="Wingdings"/>
+              </a:rPr>
+              <a:t>Genlzn</a:t>
+            </a:r>
+            <a:r>
               <a:rPr lang="en-US" sz="1200" baseline="0" dirty="0" smtClean="0">
                 <a:solidFill>
                   <a:prstClr val="black"/>
@@ -6515,7 +6513,7 @@
                 <a:latin typeface="ArialMT"/>
                 <a:sym typeface="Wingdings"/>
               </a:rPr>
-              <a:t>Representation: Helps you figure out what you’re looking at</a:t>
+              <a:t>: helps you figure out what is likely to happen in the future</a:t>
             </a:r>
           </a:p>
           <a:p>
@@ -6570,7 +6568,7 @@
                 <a:latin typeface="ArialMT"/>
                 <a:sym typeface="Wingdings"/>
               </a:rPr>
-              <a:t>Q: can you think of examples?</a:t>
+              <a:t>Keep these terms in mind…later we will use them to think about ML problems (write these on the white board)</a:t>
             </a:r>
           </a:p>
         </p:txBody>
@@ -6655,98 +6653,11 @@
           <a:bodyPr/>
           <a:lstStyle/>
           <a:p>
-            <a:pPr marL="0" marR="0" indent="0" algn="l" defTabSz="457200" rtl="0" eaLnBrk="1" fontAlgn="auto" latinLnBrk="0" hangingPunct="1">
-              <a:lnSpc>
-                <a:spcPct val="100000"/>
-              </a:lnSpc>
-              <a:spcBef>
-                <a:spcPts val="0"/>
-              </a:spcBef>
-              <a:spcAft>
-                <a:spcPts val="0"/>
-              </a:spcAft>
-              <a:buClrTx/>
-              <a:buSzTx/>
-              <a:buFontTx/>
-              <a:buNone/>
-              <a:tabLst/>
-              <a:defRPr/>
-            </a:pPr>
-            <a:r>
-              <a:rPr lang="en-US" sz="1200" baseline="0" dirty="0" err="1" smtClean="0">
-                <a:solidFill>
-                  <a:prstClr val="black"/>
-                </a:solidFill>
-                <a:latin typeface="ArialMT"/>
-                <a:sym typeface="Wingdings"/>
-              </a:rPr>
-              <a:t>Genlzn</a:t>
-            </a:r>
-            <a:r>
-              <a:rPr lang="en-US" sz="1200" baseline="0" dirty="0" smtClean="0">
-                <a:solidFill>
-                  <a:prstClr val="black"/>
-                </a:solidFill>
-                <a:latin typeface="ArialMT"/>
-                <a:sym typeface="Wingdings"/>
-              </a:rPr>
-              <a:t>: helps you figure out what is likely to happen in the future</a:t>
-            </a:r>
-          </a:p>
-          <a:p>
-            <a:pPr marL="0" marR="0" indent="0" algn="l" defTabSz="457200" rtl="0" eaLnBrk="1" fontAlgn="auto" latinLnBrk="0" hangingPunct="1">
-              <a:lnSpc>
-                <a:spcPct val="100000"/>
-              </a:lnSpc>
-              <a:spcBef>
-                <a:spcPts val="0"/>
-              </a:spcBef>
-              <a:spcAft>
-                <a:spcPts val="0"/>
-              </a:spcAft>
-              <a:buClrTx/>
-              <a:buSzTx/>
-              <a:buFontTx/>
-              <a:buNone/>
-              <a:tabLst/>
-              <a:defRPr/>
-            </a:pPr>
-            <a:endParaRPr lang="en-US" sz="1200" baseline="0" dirty="0" smtClean="0">
-              <a:solidFill>
-                <a:prstClr val="black"/>
-              </a:solidFill>
-              <a:latin typeface="ArialMT"/>
-              <a:sym typeface="Wingdings"/>
-            </a:endParaRPr>
-          </a:p>
-          <a:p>
-            <a:pPr marL="0" marR="0" indent="0" algn="l" defTabSz="457200" rtl="0" eaLnBrk="1" fontAlgn="auto" latinLnBrk="0" hangingPunct="1">
-              <a:lnSpc>
-                <a:spcPct val="100000"/>
-              </a:lnSpc>
-              <a:spcBef>
-                <a:spcPts val="0"/>
-              </a:spcBef>
-              <a:spcAft>
-                <a:spcPts val="0"/>
-              </a:spcAft>
-              <a:buClrTx/>
-              <a:buSzTx/>
-              <a:buFontTx/>
-              <a:buNone/>
-              <a:tabLst/>
-              <a:defRPr/>
-            </a:pPr>
-            <a:r>
-              <a:rPr lang="en-US" sz="1200" baseline="0" dirty="0" smtClean="0">
-                <a:solidFill>
-                  <a:prstClr val="black"/>
-                </a:solidFill>
-                <a:latin typeface="ArialMT"/>
-                <a:sym typeface="Wingdings"/>
-              </a:rPr>
-              <a:t>Keep these terms in mind…later we will use them to think about ML problems (write these on the white board)</a:t>
-            </a:r>
+            <a:r>
+              <a:rPr lang="en-US" dirty="0" smtClean="0"/>
+              <a:t> </a:t>
+            </a:r>
+            <a:endParaRPr lang="en-US" dirty="0"/>
           </a:p>
         </p:txBody>
       </p:sp>
@@ -6832,7 +6743,7 @@
           <a:p>
             <a:r>
               <a:rPr lang="en-US" dirty="0" smtClean="0"/>
-              <a:t> </a:t>
+              <a:t>~20 min</a:t>
             </a:r>
             <a:endParaRPr lang="en-US" dirty="0"/>
           </a:p>
@@ -6864,7 +6775,7 @@
     </p:spTree>
     <p:extLst>
       <p:ext uri="{BB962C8B-B14F-4D97-AF65-F5344CB8AC3E}">
-        <p14:creationId xmlns:p14="http://schemas.microsoft.com/office/powerpoint/2010/main" val="645762702"/>
+        <p14:creationId xmlns:p14="http://schemas.microsoft.com/office/powerpoint/2010/main" val="158773868"/>
       </p:ext>
     </p:extLst>
   </p:cSld>
@@ -13515,116 +13426,6 @@
       </p:grpSpPr>
       <p:sp>
         <p:nvSpPr>
-          <p:cNvPr id="2" name="Title 1"/>
-          <p:cNvSpPr>
-            <a:spLocks noGrp="1"/>
-          </p:cNvSpPr>
-          <p:nvPr>
-            <p:ph type="title"/>
-          </p:nvPr>
-        </p:nvSpPr>
-        <p:spPr>
-          <a:xfrm>
-            <a:off x="347663" y="3238500"/>
-            <a:ext cx="8426450" cy="1828800"/>
-          </a:xfrm>
-        </p:spPr>
-        <p:txBody>
-          <a:bodyPr/>
-          <a:lstStyle/>
-          <a:p>
-            <a:pPr>
-              <a:defRPr/>
-            </a:pPr>
-            <a:r>
-              <a:rPr lang="en-US" sz="7500" dirty="0" smtClean="0"/>
-              <a:t>II. machine learning problems</a:t>
-            </a:r>
-            <a:endParaRPr lang="en-US" sz="7500" dirty="0"/>
-          </a:p>
-        </p:txBody>
-      </p:sp>
-      <p:sp>
-        <p:nvSpPr>
-          <p:cNvPr id="4" name="Content Placeholder 3"/>
-          <p:cNvSpPr>
-            <a:spLocks noGrp="1"/>
-          </p:cNvSpPr>
-          <p:nvPr>
-            <p:ph sz="quarter" idx="11"/>
-          </p:nvPr>
-        </p:nvSpPr>
-        <p:spPr>
-          <a:xfrm>
-            <a:off x="371475" y="495300"/>
-            <a:ext cx="6400800" cy="304800"/>
-          </a:xfrm>
-        </p:spPr>
-        <p:txBody>
-          <a:bodyPr wrap="square" lIns="91440" tIns="45720" rIns="91440" bIns="45720" numCol="1" anchor="t" anchorCtr="0" compatLnSpc="1">
-            <a:prstTxWarp prst="textNoShape">
-              <a:avLst/>
-            </a:prstTxWarp>
-          </a:bodyPr>
-          <a:lstStyle/>
-          <a:p>
-            <a:pPr marL="0" indent="0"/>
-            <a:r>
-              <a:rPr lang="en-US" cap="none" dirty="0" smtClean="0">
-                <a:latin typeface="PFDinTextCompPro-Bold" charset="0"/>
-                <a:ea typeface="ヒラギノ角ゴ ProN W3" charset="0"/>
-                <a:cs typeface="ヒラギノ角ゴ ProN W3" charset="0"/>
-              </a:rPr>
-              <a:t>INTRO TO DATA SCIENCE</a:t>
-            </a:r>
-            <a:endParaRPr lang="en-US" cap="none" dirty="0">
-              <a:latin typeface="PFDinTextCompPro-Bold" charset="0"/>
-              <a:ea typeface="ヒラギノ角ゴ ProN W3" charset="0"/>
-              <a:cs typeface="ヒラギノ角ゴ ProN W3" charset="0"/>
-            </a:endParaRPr>
-          </a:p>
-        </p:txBody>
-      </p:sp>
-    </p:spTree>
-    <p:extLst>
-      <p:ext uri="{BB962C8B-B14F-4D97-AF65-F5344CB8AC3E}">
-        <p14:creationId xmlns:p14="http://schemas.microsoft.com/office/powerpoint/2010/main" val="2943625627"/>
-      </p:ext>
-    </p:extLst>
-  </p:cSld>
-  <p:clrMapOvr>
-    <a:masterClrMapping/>
-  </p:clrMapOvr>
-  <p:transition xmlns:p14="http://schemas.microsoft.com/office/powerpoint/2010/main"/>
-  <p:timing>
-    <p:tnLst>
-      <p:par>
-        <p:cTn xmlns:p14="http://schemas.microsoft.com/office/powerpoint/2010/main" id="1" dur="indefinite" restart="never" nodeType="tmRoot"/>
-      </p:par>
-    </p:tnLst>
-  </p:timing>
-</p:sld>
-</file>
-
-<file path=ppt/slides/slide11.xml><?xml version="1.0" encoding="utf-8"?>
-<p:sld xmlns:a="http://schemas.openxmlformats.org/drawingml/2006/main" xmlns:r="http://schemas.openxmlformats.org/officeDocument/2006/relationships" xmlns:p="http://schemas.openxmlformats.org/presentationml/2006/main">
-  <p:cSld>
-    <p:spTree>
-      <p:nvGrpSpPr>
-        <p:cNvPr id="1" name=""/>
-        <p:cNvGrpSpPr/>
-        <p:nvPr/>
-      </p:nvGrpSpPr>
-      <p:grpSpPr>
-        <a:xfrm>
-          <a:off x="0" y="0"/>
-          <a:ext cx="0" cy="0"/>
-          <a:chOff x="0" y="0"/>
-          <a:chExt cx="0" cy="0"/>
-        </a:xfrm>
-      </p:grpSpPr>
-      <p:sp>
-        <p:nvSpPr>
           <p:cNvPr id="4" name="Content Placeholder 3"/>
           <p:cNvSpPr>
             <a:spLocks noGrp="1"/>
@@ -13679,7 +13480,7 @@
               <a:pPr>
                 <a:defRPr/>
               </a:pPr>
-              <a:t>11</a:t>
+              <a:t>10</a:t>
             </a:fld>
             <a:endParaRPr lang="en-US"/>
           </a:p>
@@ -13869,7 +13670,7 @@
 </p:sld>
 </file>
 
-<file path=ppt/slides/slide12.xml><?xml version="1.0" encoding="utf-8"?>
+<file path=ppt/slides/slide11.xml><?xml version="1.0" encoding="utf-8"?>
 <p:sld xmlns:a="http://schemas.openxmlformats.org/drawingml/2006/main" xmlns:r="http://schemas.openxmlformats.org/officeDocument/2006/relationships" xmlns:p="http://schemas.openxmlformats.org/presentationml/2006/main">
   <p:cSld>
     <p:spTree>
@@ -13909,7 +13710,7 @@
               <a:pPr>
                 <a:defRPr/>
               </a:pPr>
-              <a:t>12</a:t>
+              <a:t>11</a:t>
             </a:fld>
             <a:endParaRPr lang="en-US"/>
           </a:p>
@@ -14319,7 +14120,7 @@
 </p:sld>
 </file>
 
-<file path=ppt/slides/slide13.xml><?xml version="1.0" encoding="utf-8"?>
+<file path=ppt/slides/slide12.xml><?xml version="1.0" encoding="utf-8"?>
 <p:sld xmlns:a="http://schemas.openxmlformats.org/drawingml/2006/main" xmlns:r="http://schemas.openxmlformats.org/officeDocument/2006/relationships" xmlns:p="http://schemas.openxmlformats.org/presentationml/2006/main">
   <p:cSld>
     <p:spTree>
@@ -14359,7 +14160,7 @@
               <a:pPr>
                 <a:defRPr/>
               </a:pPr>
-              <a:t>13</a:t>
+              <a:t>12</a:t>
             </a:fld>
             <a:endParaRPr lang="en-US"/>
           </a:p>
@@ -14913,7 +14714,7 @@
 </p:sld>
 </file>
 
-<file path=ppt/slides/slide14.xml><?xml version="1.0" encoding="utf-8"?>
+<file path=ppt/slides/slide13.xml><?xml version="1.0" encoding="utf-8"?>
 <p:sld xmlns:a="http://schemas.openxmlformats.org/drawingml/2006/main" xmlns:r="http://schemas.openxmlformats.org/officeDocument/2006/relationships" xmlns:p="http://schemas.openxmlformats.org/presentationml/2006/main">
   <p:cSld>
     <p:spTree>
@@ -14986,7 +14787,7 @@
               <a:pPr>
                 <a:defRPr/>
               </a:pPr>
-              <a:t>14</a:t>
+              <a:t>13</a:t>
             </a:fld>
             <a:endParaRPr lang="en-US"/>
           </a:p>
@@ -15158,7 +14959,7 @@
 </p:sld>
 </file>
 
-<file path=ppt/slides/slide15.xml><?xml version="1.0" encoding="utf-8"?>
+<file path=ppt/slides/slide14.xml><?xml version="1.0" encoding="utf-8"?>
 <p:sld xmlns:a="http://schemas.openxmlformats.org/drawingml/2006/main" xmlns:r="http://schemas.openxmlformats.org/officeDocument/2006/relationships" xmlns:p="http://schemas.openxmlformats.org/presentationml/2006/main">
   <p:cSld>
     <p:spTree>
@@ -15179,7 +14980,7 @@
         <p:nvSpPr>
           <p:cNvPr id="55297" name="Rectangle 1"/>
           <p:cNvSpPr>
-            <a:spLocks noChangeArrowheads="1"/>
+            <a:spLocks noGrp="1" noChangeArrowheads="1"/>
           </p:cNvSpPr>
           <p:nvPr>
             <p:ph type="body" idx="1"/>
@@ -15335,7 +15136,7 @@
                 </a:lnSpc>
                 <a:buClrTx/>
               </a:pPr>
-              <a:t>15</a:t>
+              <a:t>14</a:t>
             </a:fld>
             <a:endParaRPr lang="en-US"/>
           </a:p>
@@ -15751,7 +15552,7 @@
 </p:sld>
 </file>
 
-<file path=ppt/slides/slide16.xml><?xml version="1.0" encoding="utf-8"?>
+<file path=ppt/slides/slide15.xml><?xml version="1.0" encoding="utf-8"?>
 <p:sld xmlns:a="http://schemas.openxmlformats.org/drawingml/2006/main" xmlns:r="http://schemas.openxmlformats.org/officeDocument/2006/relationships" xmlns:p="http://schemas.openxmlformats.org/presentationml/2006/main">
   <p:cSld>
     <p:spTree>
@@ -15824,7 +15625,7 @@
               <a:pPr>
                 <a:defRPr/>
               </a:pPr>
-              <a:t>16</a:t>
+              <a:t>15</a:t>
             </a:fld>
             <a:endParaRPr lang="en-US"/>
           </a:p>
@@ -16291,7 +16092,7 @@
 </p:sld>
 </file>
 
-<file path=ppt/slides/slide17.xml><?xml version="1.0" encoding="utf-8"?>
+<file path=ppt/slides/slide16.xml><?xml version="1.0" encoding="utf-8"?>
 <p:sld xmlns:a="http://schemas.openxmlformats.org/drawingml/2006/main" xmlns:r="http://schemas.openxmlformats.org/officeDocument/2006/relationships" xmlns:p="http://schemas.openxmlformats.org/presentationml/2006/main">
   <p:cSld>
     <p:spTree>
@@ -16364,7 +16165,7 @@
               <a:pPr>
                 <a:defRPr/>
               </a:pPr>
-              <a:t>17</a:t>
+              <a:t>16</a:t>
             </a:fld>
             <a:endParaRPr lang="en-US"/>
           </a:p>
@@ -16619,7 +16420,7 @@
 </p:sld>
 </file>
 
-<file path=ppt/slides/slide18.xml><?xml version="1.0" encoding="utf-8"?>
+<file path=ppt/slides/slide17.xml><?xml version="1.0" encoding="utf-8"?>
 <p:sld xmlns:a="http://schemas.openxmlformats.org/drawingml/2006/main" xmlns:r="http://schemas.openxmlformats.org/officeDocument/2006/relationships" xmlns:p="http://schemas.openxmlformats.org/presentationml/2006/main">
   <p:cSld>
     <p:spTree>
@@ -16692,7 +16493,7 @@
               <a:pPr>
                 <a:defRPr/>
               </a:pPr>
-              <a:t>18</a:t>
+              <a:t>17</a:t>
             </a:fld>
             <a:endParaRPr lang="en-US"/>
           </a:p>
@@ -17226,7 +17027,7 @@
 </p:sld>
 </file>
 
-<file path=ppt/slides/slide19.xml><?xml version="1.0" encoding="utf-8"?>
+<file path=ppt/slides/slide18.xml><?xml version="1.0" encoding="utf-8"?>
 <p:sld xmlns:a="http://schemas.openxmlformats.org/drawingml/2006/main" xmlns:r="http://schemas.openxmlformats.org/officeDocument/2006/relationships" xmlns:p="http://schemas.openxmlformats.org/presentationml/2006/main">
   <p:cSld>
     <p:spTree>
@@ -17404,7 +17205,7 @@
 </p:sld>
 </file>
 
-<file path=ppt/slides/slide2.xml><?xml version="1.0" encoding="utf-8"?>
+<file path=ppt/slides/slide19.xml><?xml version="1.0" encoding="utf-8"?>
 <p:sld xmlns:a="http://schemas.openxmlformats.org/drawingml/2006/main" xmlns:r="http://schemas.openxmlformats.org/officeDocument/2006/relationships" xmlns:p="http://schemas.openxmlformats.org/presentationml/2006/main">
   <p:cSld>
     <p:spTree>
@@ -17423,227 +17224,6 @@
       </p:grpSpPr>
       <p:sp>
         <p:nvSpPr>
-          <p:cNvPr id="11" name="Content Placeholder 10"/>
-          <p:cNvSpPr>
-            <a:spLocks noGrp="1"/>
-          </p:cNvSpPr>
-          <p:nvPr>
-            <p:ph sz="quarter" idx="11"/>
-          </p:nvPr>
-        </p:nvSpPr>
-        <p:spPr>
-          <a:xfrm>
-            <a:off x="371475" y="495300"/>
-            <a:ext cx="7129463" cy="304800"/>
-          </a:xfrm>
-        </p:spPr>
-        <p:txBody>
-          <a:bodyPr/>
-          <a:lstStyle/>
-          <a:p>
-            <a:pPr eaLnBrk="1" hangingPunct="1">
-              <a:lnSpc>
-                <a:spcPts val="2448"/>
-              </a:lnSpc>
-              <a:defRPr/>
-            </a:pPr>
-            <a:r>
-              <a:rPr lang="en-US" dirty="0" smtClean="0">
-                <a:latin typeface="PFDinTextCompPro-Bold" charset="0"/>
-                <a:ea typeface="ＭＳ Ｐゴシック" charset="0"/>
-                <a:cs typeface="PFDinTextCompPro-Bold" charset="0"/>
-                <a:sym typeface="PFDinTextCompPro-Bold" charset="0"/>
-              </a:rPr>
-              <a:t>Buzzword break</a:t>
-            </a:r>
-          </a:p>
-          <a:p>
-            <a:pPr eaLnBrk="1" hangingPunct="1">
-              <a:lnSpc>
-                <a:spcPts val="2448"/>
-              </a:lnSpc>
-              <a:defRPr/>
-            </a:pPr>
-            <a:endParaRPr lang="en-US" dirty="0" smtClean="0"/>
-          </a:p>
-        </p:txBody>
-      </p:sp>
-      <p:sp>
-        <p:nvSpPr>
-          <p:cNvPr id="6" name="Slide Number Placeholder 3"/>
-          <p:cNvSpPr>
-            <a:spLocks noGrp="1"/>
-          </p:cNvSpPr>
-          <p:nvPr>
-            <p:ph type="sldNum" sz="quarter" idx="13"/>
-          </p:nvPr>
-        </p:nvSpPr>
-        <p:spPr/>
-        <p:txBody>
-          <a:bodyPr/>
-          <a:lstStyle/>
-          <a:p>
-            <a:pPr>
-              <a:defRPr/>
-            </a:pPr>
-            <a:fld id="{6F4A1B40-4074-4A43-A415-862C3E2C2127}" type="slidenum">
-              <a:rPr lang="en-US"/>
-              <a:pPr>
-                <a:defRPr/>
-              </a:pPr>
-              <a:t>2</a:t>
-            </a:fld>
-            <a:endParaRPr lang="en-US"/>
-          </a:p>
-        </p:txBody>
-      </p:sp>
-      <p:pic>
-        <p:nvPicPr>
-          <p:cNvPr id="3" name="Picture 2"/>
-          <p:cNvPicPr>
-            <a:picLocks noChangeAspect="1"/>
-          </p:cNvPicPr>
-          <p:nvPr/>
-        </p:nvPicPr>
-        <p:blipFill>
-          <a:blip r:embed="rId3"/>
-          <a:stretch>
-            <a:fillRect/>
-          </a:stretch>
-        </p:blipFill>
-        <p:spPr>
-          <a:xfrm>
-            <a:off x="1176337" y="1181100"/>
-            <a:ext cx="7010400" cy="3505200"/>
-          </a:xfrm>
-          <a:prstGeom prst="rect">
-            <a:avLst/>
-          </a:prstGeom>
-        </p:spPr>
-      </p:pic>
-      <p:sp>
-        <p:nvSpPr>
-          <p:cNvPr id="4" name="TextBox 3"/>
-          <p:cNvSpPr txBox="1"/>
-          <p:nvPr/>
-        </p:nvSpPr>
-        <p:spPr>
-          <a:xfrm>
-            <a:off x="411217" y="4928056"/>
-            <a:ext cx="3736920" cy="215444"/>
-          </a:xfrm>
-          <a:prstGeom prst="rect">
-            <a:avLst/>
-          </a:prstGeom>
-          <a:noFill/>
-        </p:spPr>
-        <p:txBody>
-          <a:bodyPr wrap="none" rtlCol="0">
-            <a:spAutoFit/>
-          </a:bodyPr>
-          <a:lstStyle/>
-          <a:p>
-            <a:pPr algn="l"/>
-            <a:r>
-              <a:rPr lang="en-US" sz="800" i="1" dirty="0" smtClean="0">
-                <a:latin typeface="+mn-lt"/>
-              </a:rPr>
-              <a:t>source</a:t>
-            </a:r>
-            <a:r>
-              <a:rPr lang="en-US" sz="800" i="1" dirty="0">
-                <a:latin typeface="+mn-lt"/>
-              </a:rPr>
-              <a:t>: http://</a:t>
-            </a:r>
-            <a:r>
-              <a:rPr lang="en-US" sz="800" i="1" dirty="0" err="1">
-                <a:latin typeface="+mn-lt"/>
-              </a:rPr>
-              <a:t>people.cs.umass.edu</a:t>
-            </a:r>
-            <a:r>
-              <a:rPr lang="en-US" sz="800" i="1" dirty="0">
-                <a:latin typeface="+mn-lt"/>
-              </a:rPr>
-              <a:t>/~</a:t>
-            </a:r>
-            <a:r>
-              <a:rPr lang="en-US" sz="800" i="1" dirty="0" err="1">
-                <a:latin typeface="+mn-lt"/>
-              </a:rPr>
-              <a:t>mcgregor</a:t>
-            </a:r>
-            <a:r>
-              <a:rPr lang="en-US" sz="800" i="1" dirty="0">
-                <a:latin typeface="+mn-lt"/>
-              </a:rPr>
-              <a:t>/</a:t>
-            </a:r>
-            <a:r>
-              <a:rPr lang="en-US" sz="800" i="1" dirty="0" err="1">
-                <a:latin typeface="+mn-lt"/>
-              </a:rPr>
-              <a:t>stocworkshop</a:t>
-            </a:r>
-            <a:r>
-              <a:rPr lang="en-US" sz="800" i="1" dirty="0">
-                <a:latin typeface="+mn-lt"/>
-              </a:rPr>
-              <a:t>/</a:t>
-            </a:r>
-            <a:r>
-              <a:rPr lang="en-US" sz="800" i="1" dirty="0" err="1">
-                <a:latin typeface="+mn-lt"/>
-              </a:rPr>
-              <a:t>langford.pdf</a:t>
-            </a:r>
-            <a:endParaRPr lang="en-US" sz="800" i="1" dirty="0">
-              <a:latin typeface="+mn-lt"/>
-            </a:endParaRPr>
-          </a:p>
-        </p:txBody>
-      </p:sp>
-    </p:spTree>
-    <p:extLst>
-      <p:ext uri="{BB962C8B-B14F-4D97-AF65-F5344CB8AC3E}">
-        <p14:creationId xmlns:p14="http://schemas.microsoft.com/office/powerpoint/2010/main" val="1967664136"/>
-      </p:ext>
-    </p:extLst>
-  </p:cSld>
-  <p:clrMapOvr>
-    <a:masterClrMapping/>
-  </p:clrMapOvr>
-  <p:transition xmlns:p14="http://schemas.microsoft.com/office/powerpoint/2010/main"/>
-  <p:timing>
-    <p:tnLst>
-      <p:par>
-        <p:cTn xmlns:p14="http://schemas.microsoft.com/office/powerpoint/2010/main" id="1" dur="indefinite" restart="never" nodeType="tmRoot"/>
-      </p:par>
-    </p:tnLst>
-  </p:timing>
-</p:sld>
-</file>
-
-<file path=ppt/slides/slide20.xml><?xml version="1.0" encoding="utf-8"?>
-<p:sld xmlns:a="http://schemas.openxmlformats.org/drawingml/2006/main" xmlns:r="http://schemas.openxmlformats.org/officeDocument/2006/relationships" xmlns:p="http://schemas.openxmlformats.org/presentationml/2006/main">
-  <p:cSld>
-    <p:spTree>
-      <p:nvGrpSpPr>
-        <p:cNvPr id="1" name=""/>
-        <p:cNvGrpSpPr/>
-        <p:nvPr/>
-      </p:nvGrpSpPr>
-      <p:grpSpPr>
-        <a:xfrm>
-          <a:off x="0" y="0"/>
-          <a:ext cx="0" cy="0"/>
-          <a:chOff x="0" y="0"/>
-          <a:chExt cx="0" cy="0"/>
-        </a:xfrm>
-      </p:grpSpPr>
-      <p:sp>
-        <p:nvSpPr>
           <p:cNvPr id="4" name="Content Placeholder 3"/>
           <p:cNvSpPr>
             <a:spLocks noGrp="1"/>
@@ -17707,7 +17287,7 @@
               <a:pPr>
                 <a:defRPr/>
               </a:pPr>
-              <a:t>20</a:t>
+              <a:t>19</a:t>
             </a:fld>
             <a:endParaRPr lang="en-US"/>
           </a:p>
@@ -18174,15 +17754,6 @@
                 </a:rPr>
                 <a:t>Practical goal: provide insight and solve problems.</a:t>
               </a:r>
-              <a:endParaRPr lang="en-US" sz="900" dirty="0" smtClean="0">
-                <a:solidFill>
-                  <a:schemeClr val="tx1"/>
-                </a:solidFill>
-                <a:latin typeface="News706 BT" charset="0"/>
-                <a:ea typeface="ＭＳ Ｐゴシック" charset="0"/>
-                <a:cs typeface="ＭＳ Ｐゴシック" charset="0"/>
-                <a:sym typeface="News706 BT" charset="0"/>
-              </a:endParaRPr>
             </a:p>
           </p:txBody>
         </p:sp>
@@ -18334,15 +17905,6 @@
                 </a:rPr>
                 <a:t>Academic goal: make good predictions by some metric.</a:t>
               </a:r>
-              <a:endParaRPr lang="en-US" sz="900" dirty="0" smtClean="0">
-                <a:solidFill>
-                  <a:schemeClr val="tx1"/>
-                </a:solidFill>
-                <a:latin typeface="News706 BT" charset="0"/>
-                <a:ea typeface="ＭＳ Ｐゴシック" charset="0"/>
-                <a:cs typeface="ＭＳ Ｐゴシック" charset="0"/>
-                <a:sym typeface="News706 BT" charset="0"/>
-              </a:endParaRPr>
             </a:p>
           </p:txBody>
         </p:sp>
@@ -18351,6 +17913,434 @@
     <p:extLst>
       <p:ext uri="{BB962C8B-B14F-4D97-AF65-F5344CB8AC3E}">
         <p14:creationId xmlns:p14="http://schemas.microsoft.com/office/powerpoint/2010/main" val="3390606154"/>
+      </p:ext>
+    </p:extLst>
+  </p:cSld>
+  <p:clrMapOvr>
+    <a:masterClrMapping/>
+  </p:clrMapOvr>
+  <p:transition xmlns:p14="http://schemas.microsoft.com/office/powerpoint/2010/main"/>
+  <p:timing>
+    <p:tnLst>
+      <p:par>
+        <p:cTn xmlns:p14="http://schemas.microsoft.com/office/powerpoint/2010/main" id="1" dur="indefinite" restart="never" nodeType="tmRoot"/>
+      </p:par>
+    </p:tnLst>
+  </p:timing>
+</p:sld>
+</file>
+
+<file path=ppt/slides/slide2.xml><?xml version="1.0" encoding="utf-8"?>
+<p:sld xmlns:a="http://schemas.openxmlformats.org/drawingml/2006/main" xmlns:r="http://schemas.openxmlformats.org/officeDocument/2006/relationships" xmlns:p="http://schemas.openxmlformats.org/presentationml/2006/main">
+  <p:cSld>
+    <p:spTree>
+      <p:nvGrpSpPr>
+        <p:cNvPr id="1" name=""/>
+        <p:cNvGrpSpPr/>
+        <p:nvPr/>
+      </p:nvGrpSpPr>
+      <p:grpSpPr>
+        <a:xfrm>
+          <a:off x="0" y="0"/>
+          <a:ext cx="0" cy="0"/>
+          <a:chOff x="0" y="0"/>
+          <a:chExt cx="0" cy="0"/>
+        </a:xfrm>
+      </p:grpSpPr>
+      <p:sp>
+        <p:nvSpPr>
+          <p:cNvPr id="19457" name="Title 1"/>
+          <p:cNvSpPr>
+            <a:spLocks noGrp="1"/>
+          </p:cNvSpPr>
+          <p:nvPr>
+            <p:ph type="ctrTitle"/>
+          </p:nvPr>
+        </p:nvSpPr>
+        <p:spPr bwMode="auto">
+          <a:xfrm>
+            <a:off x="519112" y="1066800"/>
+            <a:ext cx="8429625" cy="3695700"/>
+          </a:xfrm>
+          <a:extLst>
+            <a:ext uri="{909E8E84-426E-40dd-AFC4-6F175D3DCCD1}">
+              <a14:hiddenFill xmlns:a14="http://schemas.microsoft.com/office/drawing/2010/main">
+                <a:solidFill>
+                  <a:srgbClr val="FFFFFF"/>
+                </a:solidFill>
+              </a14:hiddenFill>
+            </a:ext>
+            <a:ext uri="{91240B29-F687-4f45-9708-019B960494DF}">
+              <a14:hiddenLine xmlns:a14="http://schemas.microsoft.com/office/drawing/2010/main" w="9525">
+                <a:solidFill>
+                  <a:srgbClr val="000000"/>
+                </a:solidFill>
+                <a:miter lim="800000"/>
+                <a:headEnd/>
+                <a:tailEnd/>
+              </a14:hiddenLine>
+            </a:ext>
+            <a:ext uri="{FAA26D3D-D897-4be2-8F04-BA451C77F1D7}">
+              <ma14:placeholderFlag xmlns:ma14="http://schemas.microsoft.com/office/mac/drawingml/2011/main" val="1"/>
+            </a:ext>
+          </a:extLst>
+        </p:spPr>
+        <p:txBody>
+          <a:bodyPr wrap="square" numCol="1" anchor="t" anchorCtr="0" compatLnSpc="1">
+            <a:prstTxWarp prst="textNoShape">
+              <a:avLst/>
+            </a:prstTxWarp>
+          </a:bodyPr>
+          <a:lstStyle/>
+          <a:p>
+            <a:pPr>
+              <a:lnSpc>
+                <a:spcPts val="3600"/>
+              </a:lnSpc>
+              <a:defRPr/>
+            </a:pPr>
+            <a:r>
+              <a:rPr lang="en-US" sz="3000" dirty="0" smtClean="0">
+                <a:latin typeface="PFDinTextCompPro-Bold" charset="0"/>
+                <a:ea typeface="ヒラギノ角ゴ ProN W6" charset="0"/>
+                <a:cs typeface="ヒラギノ角ゴ ProN W6" charset="0"/>
+              </a:rPr>
+              <a:t/>
+            </a:r>
+            <a:br>
+              <a:rPr lang="en-US" sz="3000" dirty="0" smtClean="0">
+                <a:latin typeface="PFDinTextCompPro-Bold" charset="0"/>
+                <a:ea typeface="ヒラギノ角ゴ ProN W6" charset="0"/>
+                <a:cs typeface="ヒラギノ角ゴ ProN W6" charset="0"/>
+              </a:rPr>
+            </a:br>
+            <a:r>
+              <a:rPr lang="en-US" sz="3000" dirty="0" smtClean="0">
+                <a:latin typeface="PFDinTextCompPro-Bold" charset="0"/>
+                <a:ea typeface="ヒラギノ角ゴ ProN W6" charset="0"/>
+                <a:cs typeface="ヒラギノ角ゴ ProN W6" charset="0"/>
+              </a:rPr>
+              <a:t/>
+            </a:r>
+            <a:br>
+              <a:rPr lang="en-US" sz="3000" dirty="0" smtClean="0">
+                <a:latin typeface="PFDinTextCompPro-Bold" charset="0"/>
+                <a:ea typeface="ヒラギノ角ゴ ProN W6" charset="0"/>
+                <a:cs typeface="ヒラギノ角ゴ ProN W6" charset="0"/>
+              </a:rPr>
+            </a:br>
+            <a:r>
+              <a:rPr lang="en-US" sz="3000" dirty="0" smtClean="0">
+                <a:latin typeface="PFDinTextCompPro-Bold" charset="0"/>
+                <a:ea typeface="ヒラギノ角ゴ ProN W6" charset="0"/>
+                <a:cs typeface="ヒラギノ角ゴ ProN W6" charset="0"/>
+              </a:rPr>
+              <a:t>I. what is machine learning?</a:t>
+            </a:r>
+            <a:br>
+              <a:rPr lang="en-US" sz="3000" dirty="0" smtClean="0">
+                <a:latin typeface="PFDinTextCompPro-Bold" charset="0"/>
+                <a:ea typeface="ヒラギノ角ゴ ProN W6" charset="0"/>
+                <a:cs typeface="ヒラギノ角ゴ ProN W6" charset="0"/>
+              </a:rPr>
+            </a:br>
+            <a:r>
+              <a:rPr lang="en-US" sz="3000" dirty="0" err="1" smtClean="0">
+                <a:latin typeface="PFDinTextCompPro-Bold" charset="0"/>
+                <a:ea typeface="ヒラギノ角ゴ ProN W6" charset="0"/>
+                <a:cs typeface="ヒラギノ角ゴ ProN W6" charset="0"/>
+              </a:rPr>
+              <a:t>iI</a:t>
+            </a:r>
+            <a:r>
+              <a:rPr lang="en-US" sz="3000" dirty="0" smtClean="0">
+                <a:latin typeface="PFDinTextCompPro-Bold" charset="0"/>
+                <a:ea typeface="ヒラギノ角ゴ ProN W6" charset="0"/>
+                <a:cs typeface="ヒラギノ角ゴ ProN W6" charset="0"/>
+              </a:rPr>
+              <a:t>. machine learning problems</a:t>
+            </a:r>
+            <a:br>
+              <a:rPr lang="en-US" sz="3000" dirty="0" smtClean="0">
+                <a:latin typeface="PFDinTextCompPro-Bold" charset="0"/>
+                <a:ea typeface="ヒラギノ角ゴ ProN W6" charset="0"/>
+                <a:cs typeface="ヒラギノ角ゴ ProN W6" charset="0"/>
+              </a:rPr>
+            </a:br>
+            <a:r>
+              <a:rPr lang="en-US" sz="3000" dirty="0" smtClean="0">
+                <a:latin typeface="PFDinTextCompPro-Bold" charset="0"/>
+                <a:ea typeface="ヒラギノ角ゴ ProN W6" charset="0"/>
+                <a:cs typeface="ヒラギノ角ゴ ProN W6" charset="0"/>
+              </a:rPr>
+              <a:t>III. Classification with K Nearest Neighbors</a:t>
+            </a:r>
+            <a:endParaRPr lang="en-US" sz="3000" cap="none" dirty="0">
+              <a:latin typeface="PFDinTextCompPro-Bold" charset="0"/>
+              <a:ea typeface="ヒラギノ角ゴ ProN W6" charset="0"/>
+              <a:cs typeface="ヒラギノ角ゴ ProN W6" charset="0"/>
+            </a:endParaRPr>
+          </a:p>
+        </p:txBody>
+      </p:sp>
+      <p:sp>
+        <p:nvSpPr>
+          <p:cNvPr id="11" name="Content Placeholder 10"/>
+          <p:cNvSpPr>
+            <a:spLocks noGrp="1"/>
+          </p:cNvSpPr>
+          <p:nvPr>
+            <p:ph sz="quarter" idx="11"/>
+          </p:nvPr>
+        </p:nvSpPr>
+        <p:spPr>
+          <a:xfrm>
+            <a:off x="371475" y="495300"/>
+            <a:ext cx="7129463" cy="304800"/>
+          </a:xfrm>
+        </p:spPr>
+        <p:txBody>
+          <a:bodyPr/>
+          <a:lstStyle/>
+          <a:p>
+            <a:pPr eaLnBrk="1" hangingPunct="1">
+              <a:lnSpc>
+                <a:spcPts val="2448"/>
+              </a:lnSpc>
+              <a:defRPr/>
+            </a:pPr>
+            <a:r>
+              <a:rPr lang="en-US" dirty="0" smtClean="0">
+                <a:latin typeface="PFDinTextCompPro-Bold" charset="0"/>
+                <a:ea typeface="ＭＳ Ｐゴシック" charset="0"/>
+                <a:cs typeface="PFDinTextCompPro-Bold" charset="0"/>
+                <a:sym typeface="PFDinTextCompPro-Bold" charset="0"/>
+              </a:rPr>
+              <a:t>agenda</a:t>
+            </a:r>
+          </a:p>
+          <a:p>
+            <a:pPr eaLnBrk="1" hangingPunct="1">
+              <a:lnSpc>
+                <a:spcPts val="2448"/>
+              </a:lnSpc>
+              <a:defRPr/>
+            </a:pPr>
+            <a:endParaRPr lang="en-US" dirty="0" smtClean="0"/>
+          </a:p>
+        </p:txBody>
+      </p:sp>
+      <p:sp>
+        <p:nvSpPr>
+          <p:cNvPr id="6" name="Slide Number Placeholder 3"/>
+          <p:cNvSpPr>
+            <a:spLocks noGrp="1"/>
+          </p:cNvSpPr>
+          <p:nvPr>
+            <p:ph type="sldNum" sz="quarter" idx="13"/>
+          </p:nvPr>
+        </p:nvSpPr>
+        <p:spPr/>
+        <p:txBody>
+          <a:bodyPr/>
+          <a:lstStyle/>
+          <a:p>
+            <a:pPr>
+              <a:defRPr/>
+            </a:pPr>
+            <a:fld id="{6F4A1B40-4074-4A43-A415-862C3E2C2127}" type="slidenum">
+              <a:rPr lang="en-US"/>
+              <a:pPr>
+                <a:defRPr/>
+              </a:pPr>
+              <a:t>2</a:t>
+            </a:fld>
+            <a:endParaRPr lang="en-US"/>
+          </a:p>
+        </p:txBody>
+      </p:sp>
+    </p:spTree>
+    <p:extLst>
+      <p:ext uri="{BB962C8B-B14F-4D97-AF65-F5344CB8AC3E}">
+        <p14:creationId xmlns:p14="http://schemas.microsoft.com/office/powerpoint/2010/main" val="820825700"/>
+      </p:ext>
+    </p:extLst>
+  </p:cSld>
+  <p:clrMapOvr>
+    <a:masterClrMapping/>
+  </p:clrMapOvr>
+  <p:transition xmlns:p14="http://schemas.microsoft.com/office/powerpoint/2010/main"/>
+  <p:timing>
+    <p:tnLst>
+      <p:par>
+        <p:cTn xmlns:p14="http://schemas.microsoft.com/office/powerpoint/2010/main" id="1" dur="indefinite" restart="never" nodeType="tmRoot"/>
+      </p:par>
+    </p:tnLst>
+  </p:timing>
+</p:sld>
+</file>
+
+<file path=ppt/slides/slide20.xml><?xml version="1.0" encoding="utf-8"?>
+<p:sld xmlns:a="http://schemas.openxmlformats.org/drawingml/2006/main" xmlns:r="http://schemas.openxmlformats.org/officeDocument/2006/relationships" xmlns:p="http://schemas.openxmlformats.org/presentationml/2006/main">
+  <p:cSld>
+    <p:spTree>
+      <p:nvGrpSpPr>
+        <p:cNvPr id="1" name=""/>
+        <p:cNvGrpSpPr/>
+        <p:nvPr/>
+      </p:nvGrpSpPr>
+      <p:grpSpPr>
+        <a:xfrm>
+          <a:off x="0" y="0"/>
+          <a:ext cx="0" cy="0"/>
+          <a:chOff x="0" y="0"/>
+          <a:chExt cx="0" cy="0"/>
+        </a:xfrm>
+      </p:grpSpPr>
+      <p:sp>
+        <p:nvSpPr>
+          <p:cNvPr id="2" name="Title 1"/>
+          <p:cNvSpPr>
+            <a:spLocks noGrp="1"/>
+          </p:cNvSpPr>
+          <p:nvPr>
+            <p:ph type="title"/>
+          </p:nvPr>
+        </p:nvSpPr>
+        <p:spPr>
+          <a:xfrm>
+            <a:off x="347663" y="1181100"/>
+            <a:ext cx="8426450" cy="3733800"/>
+          </a:xfrm>
+        </p:spPr>
+        <p:txBody>
+          <a:bodyPr/>
+          <a:lstStyle/>
+          <a:p>
+            <a:pPr>
+              <a:lnSpc>
+                <a:spcPct val="80000"/>
+              </a:lnSpc>
+              <a:defRPr/>
+            </a:pPr>
+            <a:r>
+              <a:rPr lang="en-US" sz="7500" b="0" dirty="0" smtClean="0">
+                <a:latin typeface="PFDinTextCompPro-MediumItalic"/>
+                <a:cs typeface="PFDinTextCompPro-MediumItalic"/>
+              </a:rPr>
+              <a:t>How</a:t>
+            </a:r>
+            <a:br>
+              <a:rPr lang="en-US" sz="7500" b="0" dirty="0" smtClean="0">
+                <a:latin typeface="PFDinTextCompPro-MediumItalic"/>
+                <a:cs typeface="PFDinTextCompPro-MediumItalic"/>
+              </a:rPr>
+            </a:br>
+            <a:r>
+              <a:rPr lang="en-US" sz="4000" b="0" dirty="0" smtClean="0">
+                <a:latin typeface="PFDinTextCompPro-MediumItalic"/>
+                <a:cs typeface="PFDinTextCompPro-MediumItalic"/>
+              </a:rPr>
+              <a:t>do you</a:t>
+            </a:r>
+            <a:br>
+              <a:rPr lang="en-US" sz="4000" b="0" dirty="0" smtClean="0">
+                <a:latin typeface="PFDinTextCompPro-MediumItalic"/>
+                <a:cs typeface="PFDinTextCompPro-MediumItalic"/>
+              </a:rPr>
+            </a:br>
+            <a:r>
+              <a:rPr lang="en-US" sz="7500" b="0" dirty="0" smtClean="0">
+                <a:latin typeface="PFDinTextCompPro-MediumItalic"/>
+                <a:cs typeface="PFDinTextCompPro-MediumItalic"/>
+              </a:rPr>
+              <a:t>determine</a:t>
+            </a:r>
+            <a:br>
+              <a:rPr lang="en-US" sz="7500" b="0" dirty="0" smtClean="0">
+                <a:latin typeface="PFDinTextCompPro-MediumItalic"/>
+                <a:cs typeface="PFDinTextCompPro-MediumItalic"/>
+              </a:rPr>
+            </a:br>
+            <a:r>
+              <a:rPr lang="en-US" sz="4000" b="0" dirty="0" smtClean="0">
+                <a:latin typeface="PFDinTextCompPro-MediumItalic"/>
+                <a:cs typeface="PFDinTextCompPro-MediumItalic"/>
+              </a:rPr>
+              <a:t>the right</a:t>
+            </a:r>
+            <a:r>
+              <a:rPr lang="en-US" sz="5000" b="0" dirty="0" smtClean="0">
+                <a:latin typeface="PFDinTextCompPro-MediumItalic"/>
+                <a:cs typeface="PFDinTextCompPro-MediumItalic"/>
+              </a:rPr>
+              <a:t/>
+            </a:r>
+            <a:br>
+              <a:rPr lang="en-US" sz="5000" b="0" dirty="0" smtClean="0">
+                <a:latin typeface="PFDinTextCompPro-MediumItalic"/>
+                <a:cs typeface="PFDinTextCompPro-MediumItalic"/>
+              </a:rPr>
+            </a:br>
+            <a:r>
+              <a:rPr lang="en-US" sz="7500" b="0" dirty="0" smtClean="0">
+                <a:latin typeface="PFDinTextCompPro-MediumItalic"/>
+                <a:cs typeface="PFDinTextCompPro-MediumItalic"/>
+              </a:rPr>
+              <a:t>approach?</a:t>
+            </a:r>
+            <a:endParaRPr lang="en-US" sz="5000" b="0" dirty="0">
+              <a:latin typeface="PFDinTextCompPro-MediumItalic"/>
+              <a:cs typeface="PFDinTextCompPro-MediumItalic"/>
+            </a:endParaRPr>
+          </a:p>
+        </p:txBody>
+      </p:sp>
+      <p:sp>
+        <p:nvSpPr>
+          <p:cNvPr id="4" name="Content Placeholder 3"/>
+          <p:cNvSpPr>
+            <a:spLocks noGrp="1"/>
+          </p:cNvSpPr>
+          <p:nvPr>
+            <p:ph sz="quarter" idx="11"/>
+          </p:nvPr>
+        </p:nvSpPr>
+        <p:spPr>
+          <a:xfrm>
+            <a:off x="371475" y="495300"/>
+            <a:ext cx="6400800" cy="304800"/>
+          </a:xfrm>
+        </p:spPr>
+        <p:txBody>
+          <a:bodyPr wrap="square" lIns="91440" tIns="45720" rIns="91440" bIns="45720" numCol="1" anchor="t" anchorCtr="0" compatLnSpc="1">
+            <a:prstTxWarp prst="textNoShape">
+              <a:avLst/>
+            </a:prstTxWarp>
+          </a:bodyPr>
+          <a:lstStyle/>
+          <a:p>
+            <a:pPr marL="0" indent="0"/>
+            <a:r>
+              <a:rPr lang="en-US" cap="none" dirty="0" smtClean="0">
+                <a:latin typeface="PFDinTextCompPro-Bold" charset="0"/>
+                <a:ea typeface="ヒラギノ角ゴ ProN W3" charset="0"/>
+                <a:cs typeface="ヒラギノ角ゴ ProN W3" charset="0"/>
+              </a:rPr>
+              <a:t>QUESTION</a:t>
+            </a:r>
+            <a:endParaRPr lang="en-US" cap="none" dirty="0">
+              <a:latin typeface="PFDinTextCompPro-Bold" charset="0"/>
+              <a:ea typeface="ヒラギノ角ゴ ProN W3" charset="0"/>
+              <a:cs typeface="ヒラギノ角ゴ ProN W3" charset="0"/>
+            </a:endParaRPr>
+          </a:p>
+        </p:txBody>
+      </p:sp>
+    </p:spTree>
+    <p:extLst>
+      <p:ext uri="{BB962C8B-B14F-4D97-AF65-F5344CB8AC3E}">
+        <p14:creationId xmlns:p14="http://schemas.microsoft.com/office/powerpoint/2010/main" val="1739142334"/>
       </p:ext>
     </p:extLst>
   </p:cSld>
@@ -18387,184 +18377,6 @@
       </p:grpSpPr>
       <p:sp>
         <p:nvSpPr>
-          <p:cNvPr id="2" name="Title 1"/>
-          <p:cNvSpPr>
-            <a:spLocks noGrp="1"/>
-          </p:cNvSpPr>
-          <p:nvPr>
-            <p:ph type="title"/>
-          </p:nvPr>
-        </p:nvSpPr>
-        <p:spPr>
-          <a:xfrm>
-            <a:off x="347663" y="1181100"/>
-            <a:ext cx="8426450" cy="3733800"/>
-          </a:xfrm>
-        </p:spPr>
-        <p:txBody>
-          <a:bodyPr/>
-          <a:lstStyle/>
-          <a:p>
-            <a:pPr>
-              <a:lnSpc>
-                <a:spcPct val="80000"/>
-              </a:lnSpc>
-              <a:defRPr/>
-            </a:pPr>
-            <a:r>
-              <a:rPr lang="en-US" sz="7500" b="0" dirty="0" smtClean="0">
-                <a:latin typeface="PFDinTextCompPro-MediumItalic"/>
-                <a:cs typeface="PFDinTextCompPro-MediumItalic"/>
-              </a:rPr>
-              <a:t>How</a:t>
-            </a:r>
-            <a:br>
-              <a:rPr lang="en-US" sz="7500" b="0" dirty="0" smtClean="0">
-                <a:latin typeface="PFDinTextCompPro-MediumItalic"/>
-                <a:cs typeface="PFDinTextCompPro-MediumItalic"/>
-              </a:rPr>
-            </a:br>
-            <a:r>
-              <a:rPr lang="en-US" sz="4000" b="0" dirty="0" smtClean="0">
-                <a:latin typeface="PFDinTextCompPro-MediumItalic"/>
-                <a:cs typeface="PFDinTextCompPro-MediumItalic"/>
-              </a:rPr>
-              <a:t>do you</a:t>
-            </a:r>
-            <a:br>
-              <a:rPr lang="en-US" sz="4000" b="0" dirty="0" smtClean="0">
-                <a:latin typeface="PFDinTextCompPro-MediumItalic"/>
-                <a:cs typeface="PFDinTextCompPro-MediumItalic"/>
-              </a:rPr>
-            </a:br>
-            <a:r>
-              <a:rPr lang="en-US" sz="7500" b="0" dirty="0" smtClean="0">
-                <a:latin typeface="PFDinTextCompPro-MediumItalic"/>
-                <a:cs typeface="PFDinTextCompPro-MediumItalic"/>
-              </a:rPr>
-              <a:t>determine</a:t>
-            </a:r>
-            <a:br>
-              <a:rPr lang="en-US" sz="7500" b="0" dirty="0" smtClean="0">
-                <a:latin typeface="PFDinTextCompPro-MediumItalic"/>
-                <a:cs typeface="PFDinTextCompPro-MediumItalic"/>
-              </a:rPr>
-            </a:br>
-            <a:r>
-              <a:rPr lang="en-US" sz="4000" b="0" dirty="0" smtClean="0">
-                <a:latin typeface="PFDinTextCompPro-MediumItalic"/>
-                <a:cs typeface="PFDinTextCompPro-MediumItalic"/>
-              </a:rPr>
-              <a:t>the right</a:t>
-            </a:r>
-            <a:r>
-              <a:rPr lang="en-US" sz="5000" b="0" dirty="0" smtClean="0">
-                <a:latin typeface="PFDinTextCompPro-MediumItalic"/>
-                <a:cs typeface="PFDinTextCompPro-MediumItalic"/>
-              </a:rPr>
-              <a:t/>
-            </a:r>
-            <a:br>
-              <a:rPr lang="en-US" sz="5000" b="0" dirty="0" smtClean="0">
-                <a:latin typeface="PFDinTextCompPro-MediumItalic"/>
-                <a:cs typeface="PFDinTextCompPro-MediumItalic"/>
-              </a:rPr>
-            </a:br>
-            <a:r>
-              <a:rPr lang="en-US" sz="7500" b="0" dirty="0" smtClean="0">
-                <a:latin typeface="PFDinTextCompPro-MediumItalic"/>
-                <a:cs typeface="PFDinTextCompPro-MediumItalic"/>
-              </a:rPr>
-              <a:t>approach?</a:t>
-            </a:r>
-            <a:endParaRPr lang="en-US" sz="5000" b="0" dirty="0">
-              <a:latin typeface="PFDinTextCompPro-MediumItalic"/>
-              <a:cs typeface="PFDinTextCompPro-MediumItalic"/>
-            </a:endParaRPr>
-          </a:p>
-        </p:txBody>
-      </p:sp>
-      <p:sp>
-        <p:nvSpPr>
-          <p:cNvPr id="4" name="Content Placeholder 3"/>
-          <p:cNvSpPr>
-            <a:spLocks noGrp="1"/>
-          </p:cNvSpPr>
-          <p:nvPr>
-            <p:ph sz="quarter" idx="11"/>
-          </p:nvPr>
-        </p:nvSpPr>
-        <p:spPr>
-          <a:xfrm>
-            <a:off x="371475" y="495300"/>
-            <a:ext cx="6400800" cy="304800"/>
-          </a:xfrm>
-        </p:spPr>
-        <p:txBody>
-          <a:bodyPr wrap="square" lIns="91440" tIns="45720" rIns="91440" bIns="45720" numCol="1" anchor="t" anchorCtr="0" compatLnSpc="1">
-            <a:prstTxWarp prst="textNoShape">
-              <a:avLst/>
-            </a:prstTxWarp>
-          </a:bodyPr>
-          <a:lstStyle/>
-          <a:p>
-            <a:pPr marL="0" indent="0"/>
-            <a:r>
-              <a:rPr lang="en-US" cap="none" dirty="0" smtClean="0">
-                <a:latin typeface="PFDinTextCompPro-Bold" charset="0"/>
-                <a:ea typeface="ヒラギノ角ゴ ProN W3" charset="0"/>
-                <a:cs typeface="ヒラギノ角ゴ ProN W3" charset="0"/>
-              </a:rPr>
-              <a:t>QUESTION</a:t>
-            </a:r>
-            <a:endParaRPr lang="en-US" cap="none" dirty="0">
-              <a:latin typeface="PFDinTextCompPro-Bold" charset="0"/>
-              <a:ea typeface="ヒラギノ角ゴ ProN W3" charset="0"/>
-              <a:cs typeface="ヒラギノ角ゴ ProN W3" charset="0"/>
-            </a:endParaRPr>
-          </a:p>
-        </p:txBody>
-      </p:sp>
-    </p:spTree>
-    <p:extLst>
-      <p:ext uri="{BB962C8B-B14F-4D97-AF65-F5344CB8AC3E}">
-        <p14:creationId xmlns:p14="http://schemas.microsoft.com/office/powerpoint/2010/main" val="1739142334"/>
-      </p:ext>
-    </p:extLst>
-  </p:cSld>
-  <p:clrMapOvr>
-    <a:masterClrMapping/>
-  </p:clrMapOvr>
-  <p:transition xmlns:p14="http://schemas.microsoft.com/office/powerpoint/2010/main"/>
-  <p:timing>
-    <p:tnLst>
-      <p:par>
-        <p:cTn xmlns:p14="http://schemas.microsoft.com/office/powerpoint/2010/main" id="1" dur="indefinite" restart="never" nodeType="tmRoot"/>
-      </p:par>
-    </p:tnLst>
-  </p:timing>
-</p:sld>
-</file>
-
-<file path=ppt/slides/slide22.xml><?xml version="1.0" encoding="utf-8"?>
-<p:sld xmlns:a="http://schemas.openxmlformats.org/drawingml/2006/main" xmlns:r="http://schemas.openxmlformats.org/officeDocument/2006/relationships" xmlns:p="http://schemas.openxmlformats.org/presentationml/2006/main">
-  <p:cSld>
-    <p:spTree>
-      <p:nvGrpSpPr>
-        <p:cNvPr id="1" name=""/>
-        <p:cNvGrpSpPr/>
-        <p:nvPr/>
-      </p:nvGrpSpPr>
-      <p:grpSpPr>
-        <a:xfrm>
-          <a:off x="0" y="0"/>
-          <a:ext cx="0" cy="0"/>
-          <a:chOff x="0" y="0"/>
-          <a:chExt cx="0" cy="0"/>
-        </a:xfrm>
-      </p:grpSpPr>
-      <p:sp>
-        <p:nvSpPr>
           <p:cNvPr id="4" name="Content Placeholder 3"/>
           <p:cNvSpPr>
             <a:spLocks noGrp="1"/>
@@ -18619,7 +18431,7 @@
               <a:pPr>
                 <a:defRPr/>
               </a:pPr>
-              <a:t>22</a:t>
+              <a:t>21</a:t>
             </a:fld>
             <a:endParaRPr lang="en-US"/>
           </a:p>
@@ -19071,19 +18883,7 @@
                   <a:cs typeface="ＭＳ Ｐゴシック" charset="0"/>
                   <a:sym typeface="News706 BT" charset="0"/>
                 </a:rPr>
-                <a:t>The right approach is determined by the desired </a:t>
-              </a:r>
-              <a:r>
-                <a:rPr lang="en-US" sz="900" dirty="0" smtClean="0">
-                  <a:solidFill>
-                    <a:schemeClr val="tx1"/>
-                  </a:solidFill>
-                  <a:latin typeface="News706 BT" charset="0"/>
-                  <a:ea typeface="ＭＳ Ｐゴシック" charset="0"/>
-                  <a:cs typeface="ＭＳ Ｐゴシック" charset="0"/>
-                  <a:sym typeface="News706 BT" charset="0"/>
-                </a:rPr>
-                <a:t>solution </a:t>
+                <a:t>The right approach is determined by the desired solution </a:t>
               </a:r>
               <a:r>
                 <a:rPr lang="en-US" sz="900" b="1" dirty="0" smtClean="0">
@@ -19109,15 +18909,6 @@
                 </a:rPr>
                 <a:t>.</a:t>
               </a:r>
-              <a:endParaRPr lang="en-US" sz="900" dirty="0" smtClean="0">
-                <a:solidFill>
-                  <a:schemeClr val="tx1"/>
-                </a:solidFill>
-                <a:latin typeface="News706 BT" charset="0"/>
-                <a:ea typeface="ＭＳ Ｐゴシック" charset="0"/>
-                <a:cs typeface="ＭＳ Ｐゴシック" charset="0"/>
-                <a:sym typeface="News706 BT" charset="0"/>
-              </a:endParaRPr>
             </a:p>
           </p:txBody>
         </p:sp>
@@ -19143,7 +18934,7 @@
 </p:sld>
 </file>
 
-<file path=ppt/slides/slide23.xml><?xml version="1.0" encoding="utf-8"?>
+<file path=ppt/slides/slide22.xml><?xml version="1.0" encoding="utf-8"?>
 <p:sld xmlns:a="http://schemas.openxmlformats.org/drawingml/2006/main" xmlns:r="http://schemas.openxmlformats.org/officeDocument/2006/relationships" xmlns:p="http://schemas.openxmlformats.org/presentationml/2006/main">
   <p:cSld>
     <p:spTree>
@@ -19164,7 +18955,7 @@
         <p:nvSpPr>
           <p:cNvPr id="38913" name="Rectangle 1"/>
           <p:cNvSpPr>
-            <a:spLocks noChangeArrowheads="1"/>
+            <a:spLocks noGrp="1" noChangeArrowheads="1"/>
           </p:cNvSpPr>
           <p:nvPr>
             <p:ph type="body" idx="1"/>
@@ -19320,7 +19111,7 @@
                 </a:lnSpc>
                 <a:buClrTx/>
               </a:pPr>
-              <a:t>23</a:t>
+              <a:t>22</a:t>
             </a:fld>
             <a:endParaRPr lang="en-US"/>
           </a:p>
@@ -19549,7 +19340,7 @@
 </p:sld>
 </file>
 
-<file path=ppt/slides/slide24.xml><?xml version="1.0" encoding="utf-8"?>
+<file path=ppt/slides/slide23.xml><?xml version="1.0" encoding="utf-8"?>
 <p:sld xmlns:a="http://schemas.openxmlformats.org/drawingml/2006/main" xmlns:r="http://schemas.openxmlformats.org/officeDocument/2006/relationships" xmlns:p="http://schemas.openxmlformats.org/presentationml/2006/main">
   <p:cSld>
     <p:spTree>
@@ -19570,7 +19361,7 @@
         <p:nvSpPr>
           <p:cNvPr id="40961" name="Rectangle 1"/>
           <p:cNvSpPr>
-            <a:spLocks noChangeArrowheads="1"/>
+            <a:spLocks noGrp="1" noChangeArrowheads="1"/>
           </p:cNvSpPr>
           <p:nvPr>
             <p:ph type="body" idx="1"/>
@@ -19726,7 +19517,7 @@
                 </a:lnSpc>
                 <a:buClrTx/>
               </a:pPr>
-              <a:t>24</a:t>
+              <a:t>23</a:t>
             </a:fld>
             <a:endParaRPr lang="en-US"/>
           </a:p>
@@ -20079,7 +19870,7 @@
 </p:sld>
 </file>
 
-<file path=ppt/slides/slide25.xml><?xml version="1.0" encoding="utf-8"?>
+<file path=ppt/slides/slide24.xml><?xml version="1.0" encoding="utf-8"?>
 <p:sld xmlns:a="http://schemas.openxmlformats.org/drawingml/2006/main" xmlns:r="http://schemas.openxmlformats.org/officeDocument/2006/relationships" xmlns:p="http://schemas.openxmlformats.org/presentationml/2006/main">
   <p:cSld>
     <p:spTree>
@@ -20100,7 +19891,7 @@
         <p:nvSpPr>
           <p:cNvPr id="43009" name="Rectangle 1"/>
           <p:cNvSpPr>
-            <a:spLocks noChangeArrowheads="1"/>
+            <a:spLocks noGrp="1" noChangeArrowheads="1"/>
           </p:cNvSpPr>
           <p:nvPr>
             <p:ph type="body" idx="1"/>
@@ -20256,7 +20047,7 @@
                 </a:lnSpc>
                 <a:buClrTx/>
               </a:pPr>
-              <a:t>25</a:t>
+              <a:t>24</a:t>
             </a:fld>
             <a:endParaRPr lang="en-US"/>
           </a:p>
@@ -20655,7 +20446,7 @@
 </p:sld>
 </file>
 
-<file path=ppt/slides/slide26.xml><?xml version="1.0" encoding="utf-8"?>
+<file path=ppt/slides/slide25.xml><?xml version="1.0" encoding="utf-8"?>
 <p:sld xmlns:a="http://schemas.openxmlformats.org/drawingml/2006/main" xmlns:r="http://schemas.openxmlformats.org/officeDocument/2006/relationships" xmlns:p="http://schemas.openxmlformats.org/presentationml/2006/main">
   <p:cSld>
     <p:spTree>
@@ -20676,7 +20467,7 @@
         <p:nvSpPr>
           <p:cNvPr id="45057" name="Rectangle 1"/>
           <p:cNvSpPr>
-            <a:spLocks noChangeArrowheads="1"/>
+            <a:spLocks noGrp="1" noChangeArrowheads="1"/>
           </p:cNvSpPr>
           <p:nvPr>
             <p:ph type="body" idx="1"/>
@@ -20832,7 +20623,7 @@
                 </a:lnSpc>
                 <a:buClrTx/>
               </a:pPr>
-              <a:t>26</a:t>
+              <a:t>25</a:t>
             </a:fld>
             <a:endParaRPr lang="en-US"/>
           </a:p>
@@ -21207,7 +20998,7 @@
 </p:sld>
 </file>
 
-<file path=ppt/slides/slide27.xml><?xml version="1.0" encoding="utf-8"?>
+<file path=ppt/slides/slide26.xml><?xml version="1.0" encoding="utf-8"?>
 <p:sld xmlns:a="http://schemas.openxmlformats.org/drawingml/2006/main" xmlns:r="http://schemas.openxmlformats.org/officeDocument/2006/relationships" xmlns:p="http://schemas.openxmlformats.org/presentationml/2006/main">
   <p:cSld>
     <p:spTree>
@@ -21257,13 +21048,6 @@
               </a:rPr>
               <a:t>HOW</a:t>
             </a:r>
-            <a:r>
-              <a:rPr lang="en-US" sz="7500" b="0" dirty="0" smtClean="0">
-                <a:latin typeface="PFDinTextCompPro-MediumItalic"/>
-                <a:cs typeface="PFDinTextCompPro-MediumItalic"/>
-              </a:rPr>
-              <a:t/>
-            </a:r>
             <a:br>
               <a:rPr lang="en-US" sz="7500" b="0" dirty="0" smtClean="0">
                 <a:latin typeface="PFDinTextCompPro-MediumItalic"/>
@@ -21290,13 +21074,6 @@
               </a:rPr>
               <a:t>KNOW</a:t>
             </a:r>
-            <a:r>
-              <a:rPr lang="en-US" sz="7500" b="0" dirty="0" smtClean="0">
-                <a:latin typeface="PFDinTextCompPro-MediumItalic"/>
-                <a:cs typeface="PFDinTextCompPro-MediumItalic"/>
-              </a:rPr>
-              <a:t/>
-            </a:r>
             <a:br>
               <a:rPr lang="en-US" sz="7500" b="0" dirty="0" smtClean="0">
                 <a:latin typeface="PFDinTextCompPro-MediumItalic"/>
@@ -21308,14 +21085,7 @@
                 <a:latin typeface="PFDinTextCompPro-MediumItalic"/>
                 <a:cs typeface="PFDinTextCompPro-MediumItalic"/>
               </a:rPr>
-              <a:t>IF</a:t>
-            </a:r>
-            <a:r>
-              <a:rPr lang="en-US" sz="4000" b="0" dirty="0" smtClean="0">
-                <a:latin typeface="PFDinTextCompPro-MediumItalic"/>
-                <a:cs typeface="PFDinTextCompPro-MediumItalic"/>
-              </a:rPr>
-              <a:t> </a:t>
+              <a:t>IF </a:t>
             </a:r>
             <a:r>
               <a:rPr lang="en-US" sz="4000" b="0" dirty="0" err="1" smtClean="0">
@@ -21342,14 +21112,7 @@
                 <a:latin typeface="PFDinTextCompPro-MediumItalic"/>
                 <a:cs typeface="PFDinTextCompPro-MediumItalic"/>
               </a:rPr>
-              <a:t>DOING WELL</a:t>
-            </a:r>
-            <a:r>
-              <a:rPr lang="en-US" sz="7500" b="0" dirty="0" smtClean="0">
-                <a:latin typeface="PFDinTextCompPro-MediumItalic"/>
-                <a:cs typeface="PFDinTextCompPro-MediumItalic"/>
-              </a:rPr>
-              <a:t>?</a:t>
+              <a:t>DOING WELL?</a:t>
             </a:r>
             <a:endParaRPr lang="en-US" sz="5000" b="0" dirty="0">
               <a:latin typeface="PFDinTextCompPro-MediumItalic"/>
@@ -21420,7 +21183,7 @@
 </p:sld>
 </file>
 
-<file path=ppt/slides/slide28.xml><?xml version="1.0" encoding="utf-8"?>
+<file path=ppt/slides/slide27.xml><?xml version="1.0" encoding="utf-8"?>
 <p:sld xmlns:a="http://schemas.openxmlformats.org/drawingml/2006/main" xmlns:r="http://schemas.openxmlformats.org/officeDocument/2006/relationships" xmlns:p="http://schemas.openxmlformats.org/presentationml/2006/main">
   <p:cSld>
     <p:spTree>
@@ -21441,7 +21204,7 @@
         <p:nvSpPr>
           <p:cNvPr id="59393" name="Rectangle 1"/>
           <p:cNvSpPr>
-            <a:spLocks noChangeArrowheads="1"/>
+            <a:spLocks noGrp="1" noChangeArrowheads="1"/>
           </p:cNvSpPr>
           <p:nvPr>
             <p:ph type="body" idx="1"/>
@@ -21597,7 +21360,7 @@
                 </a:lnSpc>
                 <a:buClrTx/>
               </a:pPr>
-              <a:t>28</a:t>
+              <a:t>27</a:t>
             </a:fld>
             <a:endParaRPr lang="en-US"/>
           </a:p>
@@ -21876,7 +21639,7 @@
 </p:sld>
 </file>
 
-<file path=ppt/slides/slide29.xml><?xml version="1.0" encoding="utf-8"?>
+<file path=ppt/slides/slide28.xml><?xml version="1.0" encoding="utf-8"?>
 <p:sld xmlns:a="http://schemas.openxmlformats.org/drawingml/2006/main" xmlns:r="http://schemas.openxmlformats.org/officeDocument/2006/relationships" xmlns:p="http://schemas.openxmlformats.org/presentationml/2006/main">
   <p:cSld>
     <p:spTree>
@@ -21897,7 +21660,7 @@
         <p:nvSpPr>
           <p:cNvPr id="63489" name="Rectangle 1"/>
           <p:cNvSpPr>
-            <a:spLocks noChangeArrowheads="1"/>
+            <a:spLocks noGrp="1" noChangeArrowheads="1"/>
           </p:cNvSpPr>
           <p:nvPr>
             <p:ph type="body" idx="1"/>
@@ -22053,7 +21816,7 @@
                 </a:lnSpc>
                 <a:buClrTx/>
               </a:pPr>
-              <a:t>29</a:t>
+              <a:t>28</a:t>
             </a:fld>
             <a:endParaRPr lang="en-US"/>
           </a:p>
@@ -22309,7 +22072,7 @@
 </p:sld>
 </file>
 
-<file path=ppt/slides/slide3.xml><?xml version="1.0" encoding="utf-8"?>
+<file path=ppt/slides/slide29.xml><?xml version="1.0" encoding="utf-8"?>
 <p:sld xmlns:a="http://schemas.openxmlformats.org/drawingml/2006/main" xmlns:r="http://schemas.openxmlformats.org/officeDocument/2006/relationships" xmlns:p="http://schemas.openxmlformats.org/presentationml/2006/main">
   <p:cSld>
     <p:spTree>
@@ -22328,291 +22091,9 @@
       </p:grpSpPr>
       <p:sp>
         <p:nvSpPr>
-          <p:cNvPr id="19457" name="Title 1"/>
-          <p:cNvSpPr>
-            <a:spLocks noGrp="1"/>
-          </p:cNvSpPr>
-          <p:nvPr>
-            <p:ph type="ctrTitle"/>
-          </p:nvPr>
-        </p:nvSpPr>
-        <p:spPr bwMode="auto">
-          <a:xfrm>
-            <a:off x="519112" y="1066800"/>
-            <a:ext cx="8429625" cy="3695700"/>
-          </a:xfrm>
-          <a:extLst>
-            <a:ext uri="{909E8E84-426E-40dd-AFC4-6F175D3DCCD1}">
-              <a14:hiddenFill xmlns:a14="http://schemas.microsoft.com/office/drawing/2010/main">
-                <a:solidFill>
-                  <a:srgbClr val="FFFFFF"/>
-                </a:solidFill>
-              </a14:hiddenFill>
-            </a:ext>
-            <a:ext uri="{91240B29-F687-4f45-9708-019B960494DF}">
-              <a14:hiddenLine xmlns:a14="http://schemas.microsoft.com/office/drawing/2010/main" w="9525">
-                <a:solidFill>
-                  <a:srgbClr val="000000"/>
-                </a:solidFill>
-                <a:miter lim="800000"/>
-                <a:headEnd/>
-                <a:tailEnd/>
-              </a14:hiddenLine>
-            </a:ext>
-            <a:ext uri="{FAA26D3D-D897-4be2-8F04-BA451C77F1D7}">
-              <ma14:placeholderFlag xmlns:ma14="http://schemas.microsoft.com/office/mac/drawingml/2011/main" val="1"/>
-            </a:ext>
-          </a:extLst>
-        </p:spPr>
-        <p:txBody>
-          <a:bodyPr wrap="square" numCol="1" anchor="t" anchorCtr="0" compatLnSpc="1">
-            <a:prstTxWarp prst="textNoShape">
-              <a:avLst/>
-            </a:prstTxWarp>
-          </a:bodyPr>
-          <a:lstStyle/>
-          <a:p>
-            <a:pPr>
-              <a:lnSpc>
-                <a:spcPts val="3600"/>
-              </a:lnSpc>
-              <a:defRPr/>
-            </a:pPr>
-            <a:r>
-              <a:rPr lang="en-US" sz="3000" dirty="0" smtClean="0">
-                <a:latin typeface="PFDinTextCompPro-Bold" charset="0"/>
-                <a:ea typeface="ヒラギノ角ゴ ProN W6" charset="0"/>
-                <a:cs typeface="ヒラギノ角ゴ ProN W6" charset="0"/>
-              </a:rPr>
-              <a:t/>
-            </a:r>
-            <a:br>
-              <a:rPr lang="en-US" sz="3000" dirty="0" smtClean="0">
-                <a:latin typeface="PFDinTextCompPro-Bold" charset="0"/>
-                <a:ea typeface="ヒラギノ角ゴ ProN W6" charset="0"/>
-                <a:cs typeface="ヒラギノ角ゴ ProN W6" charset="0"/>
-              </a:rPr>
-            </a:br>
-            <a:r>
-              <a:rPr lang="en-US" sz="3000" dirty="0" smtClean="0">
-                <a:latin typeface="PFDinTextCompPro-Bold" charset="0"/>
-                <a:ea typeface="ヒラギノ角ゴ ProN W6" charset="0"/>
-                <a:cs typeface="ヒラギノ角ゴ ProN W6" charset="0"/>
-              </a:rPr>
-              <a:t/>
-            </a:r>
-            <a:br>
-              <a:rPr lang="en-US" sz="3000" dirty="0" smtClean="0">
-                <a:latin typeface="PFDinTextCompPro-Bold" charset="0"/>
-                <a:ea typeface="ヒラギノ角ゴ ProN W6" charset="0"/>
-                <a:cs typeface="ヒラギノ角ゴ ProN W6" charset="0"/>
-              </a:rPr>
-            </a:br>
-            <a:r>
-              <a:rPr lang="en-US" sz="3000" dirty="0" smtClean="0">
-                <a:latin typeface="PFDinTextCompPro-Bold" charset="0"/>
-                <a:ea typeface="ヒラギノ角ゴ ProN W6" charset="0"/>
-                <a:cs typeface="ヒラギノ角ゴ ProN W6" charset="0"/>
-              </a:rPr>
-              <a:t>I</a:t>
-            </a:r>
-            <a:r>
-              <a:rPr lang="en-US" sz="3000" dirty="0" smtClean="0">
-                <a:latin typeface="PFDinTextCompPro-Bold" charset="0"/>
-                <a:ea typeface="ヒラギノ角ゴ ProN W6" charset="0"/>
-                <a:cs typeface="ヒラギノ角ゴ ProN W6" charset="0"/>
-              </a:rPr>
-              <a:t>. what is machine learning?</a:t>
-            </a:r>
-            <a:br>
-              <a:rPr lang="en-US" sz="3000" dirty="0" smtClean="0">
-                <a:latin typeface="PFDinTextCompPro-Bold" charset="0"/>
-                <a:ea typeface="ヒラギノ角ゴ ProN W6" charset="0"/>
-                <a:cs typeface="ヒラギノ角ゴ ProN W6" charset="0"/>
-              </a:rPr>
-            </a:br>
-            <a:r>
-              <a:rPr lang="en-US" sz="3000" dirty="0" err="1" smtClean="0">
-                <a:latin typeface="PFDinTextCompPro-Bold" charset="0"/>
-                <a:ea typeface="ヒラギノ角ゴ ProN W6" charset="0"/>
-                <a:cs typeface="ヒラギノ角ゴ ProN W6" charset="0"/>
-              </a:rPr>
-              <a:t>iI</a:t>
-            </a:r>
-            <a:r>
-              <a:rPr lang="en-US" sz="3000" dirty="0" smtClean="0">
-                <a:latin typeface="PFDinTextCompPro-Bold" charset="0"/>
-                <a:ea typeface="ヒラギノ角ゴ ProN W6" charset="0"/>
-                <a:cs typeface="ヒラギノ角ゴ ProN W6" charset="0"/>
-              </a:rPr>
-              <a:t>. machine learning problems</a:t>
-            </a:r>
-            <a:br>
-              <a:rPr lang="en-US" sz="3000" dirty="0" smtClean="0">
-                <a:latin typeface="PFDinTextCompPro-Bold" charset="0"/>
-                <a:ea typeface="ヒラギノ角ゴ ProN W6" charset="0"/>
-                <a:cs typeface="ヒラギノ角ゴ ProN W6" charset="0"/>
-              </a:rPr>
-            </a:br>
-            <a:r>
-              <a:rPr lang="en-US" sz="3000" dirty="0" smtClean="0">
-                <a:latin typeface="PFDinTextCompPro-Bold" charset="0"/>
-                <a:ea typeface="ヒラギノ角ゴ ProN W6" charset="0"/>
-                <a:cs typeface="ヒラギノ角ゴ ProN W6" charset="0"/>
-              </a:rPr>
-              <a:t>III</a:t>
-            </a:r>
-            <a:r>
-              <a:rPr lang="en-US" sz="3000" dirty="0" smtClean="0">
-                <a:latin typeface="PFDinTextCompPro-Bold" charset="0"/>
-                <a:ea typeface="ヒラギノ角ゴ ProN W6" charset="0"/>
-                <a:cs typeface="ヒラギノ角ゴ ProN W6" charset="0"/>
-              </a:rPr>
-              <a:t>. </a:t>
-            </a:r>
-            <a:r>
-              <a:rPr lang="en-US" sz="3000" dirty="0" smtClean="0">
-                <a:latin typeface="PFDinTextCompPro-Bold" charset="0"/>
-                <a:ea typeface="ヒラギノ角ゴ ProN W6" charset="0"/>
-                <a:cs typeface="ヒラギノ角ゴ ProN W6" charset="0"/>
-              </a:rPr>
-              <a:t>Classification with </a:t>
-            </a:r>
-            <a:r>
-              <a:rPr lang="en-US" sz="3000" dirty="0" smtClean="0">
-                <a:latin typeface="PFDinTextCompPro-Bold" charset="0"/>
-                <a:ea typeface="ヒラギノ角ゴ ProN W6" charset="0"/>
-                <a:cs typeface="ヒラギノ角ゴ ProN W6" charset="0"/>
-              </a:rPr>
-              <a:t>K Nearest Neighbors</a:t>
-            </a:r>
-            <a:endParaRPr lang="en-US" sz="3000" cap="none" dirty="0">
-              <a:latin typeface="PFDinTextCompPro-Bold" charset="0"/>
-              <a:ea typeface="ヒラギノ角ゴ ProN W6" charset="0"/>
-              <a:cs typeface="ヒラギノ角ゴ ProN W6" charset="0"/>
-            </a:endParaRPr>
-          </a:p>
-        </p:txBody>
-      </p:sp>
-      <p:sp>
-        <p:nvSpPr>
-          <p:cNvPr id="11" name="Content Placeholder 10"/>
-          <p:cNvSpPr>
-            <a:spLocks noGrp="1"/>
-          </p:cNvSpPr>
-          <p:nvPr>
-            <p:ph sz="quarter" idx="11"/>
-          </p:nvPr>
-        </p:nvSpPr>
-        <p:spPr>
-          <a:xfrm>
-            <a:off x="371475" y="495300"/>
-            <a:ext cx="7129463" cy="304800"/>
-          </a:xfrm>
-        </p:spPr>
-        <p:txBody>
-          <a:bodyPr/>
-          <a:lstStyle/>
-          <a:p>
-            <a:pPr eaLnBrk="1" hangingPunct="1">
-              <a:lnSpc>
-                <a:spcPts val="2448"/>
-              </a:lnSpc>
-              <a:defRPr/>
-            </a:pPr>
-            <a:r>
-              <a:rPr lang="en-US" dirty="0" smtClean="0">
-                <a:latin typeface="PFDinTextCompPro-Bold" charset="0"/>
-                <a:ea typeface="ＭＳ Ｐゴシック" charset="0"/>
-                <a:cs typeface="PFDinTextCompPro-Bold" charset="0"/>
-                <a:sym typeface="PFDinTextCompPro-Bold" charset="0"/>
-              </a:rPr>
-              <a:t>agenda</a:t>
-            </a:r>
-          </a:p>
-          <a:p>
-            <a:pPr eaLnBrk="1" hangingPunct="1">
-              <a:lnSpc>
-                <a:spcPts val="2448"/>
-              </a:lnSpc>
-              <a:defRPr/>
-            </a:pPr>
-            <a:endParaRPr lang="en-US" dirty="0" smtClean="0"/>
-          </a:p>
-        </p:txBody>
-      </p:sp>
-      <p:sp>
-        <p:nvSpPr>
-          <p:cNvPr id="6" name="Slide Number Placeholder 3"/>
-          <p:cNvSpPr>
-            <a:spLocks noGrp="1"/>
-          </p:cNvSpPr>
-          <p:nvPr>
-            <p:ph type="sldNum" sz="quarter" idx="13"/>
-          </p:nvPr>
-        </p:nvSpPr>
-        <p:spPr/>
-        <p:txBody>
-          <a:bodyPr/>
-          <a:lstStyle/>
-          <a:p>
-            <a:pPr>
-              <a:defRPr/>
-            </a:pPr>
-            <a:fld id="{6F4A1B40-4074-4A43-A415-862C3E2C2127}" type="slidenum">
-              <a:rPr lang="en-US"/>
-              <a:pPr>
-                <a:defRPr/>
-              </a:pPr>
-              <a:t>3</a:t>
-            </a:fld>
-            <a:endParaRPr lang="en-US"/>
-          </a:p>
-        </p:txBody>
-      </p:sp>
-    </p:spTree>
-    <p:extLst>
-      <p:ext uri="{BB962C8B-B14F-4D97-AF65-F5344CB8AC3E}">
-        <p14:creationId xmlns:p14="http://schemas.microsoft.com/office/powerpoint/2010/main" val="820825700"/>
-      </p:ext>
-    </p:extLst>
-  </p:cSld>
-  <p:clrMapOvr>
-    <a:masterClrMapping/>
-  </p:clrMapOvr>
-  <p:transition xmlns:p14="http://schemas.microsoft.com/office/powerpoint/2010/main"/>
-  <p:timing>
-    <p:tnLst>
-      <p:par>
-        <p:cTn xmlns:p14="http://schemas.microsoft.com/office/powerpoint/2010/main" id="1" dur="indefinite" restart="never" nodeType="tmRoot"/>
-      </p:par>
-    </p:tnLst>
-  </p:timing>
-</p:sld>
-</file>
-
-<file path=ppt/slides/slide30.xml><?xml version="1.0" encoding="utf-8"?>
-<p:sld xmlns:a="http://schemas.openxmlformats.org/drawingml/2006/main" xmlns:r="http://schemas.openxmlformats.org/officeDocument/2006/relationships" xmlns:p="http://schemas.openxmlformats.org/presentationml/2006/main">
-  <p:cSld>
-    <p:spTree>
-      <p:nvGrpSpPr>
-        <p:cNvPr id="1" name=""/>
-        <p:cNvGrpSpPr/>
-        <p:nvPr/>
-      </p:nvGrpSpPr>
-      <p:grpSpPr>
-        <a:xfrm>
-          <a:off x="0" y="0"/>
-          <a:ext cx="0" cy="0"/>
-          <a:chOff x="0" y="0"/>
-          <a:chExt cx="0" cy="0"/>
-        </a:xfrm>
-      </p:grpSpPr>
-      <p:sp>
-        <p:nvSpPr>
           <p:cNvPr id="61441" name="Rectangle 1"/>
           <p:cNvSpPr>
-            <a:spLocks noChangeArrowheads="1"/>
+            <a:spLocks noGrp="1" noChangeArrowheads="1"/>
           </p:cNvSpPr>
           <p:nvPr>
             <p:ph type="body" idx="1"/>
@@ -22768,7 +22249,7 @@
                 </a:lnSpc>
                 <a:buClrTx/>
               </a:pPr>
-              <a:t>30</a:t>
+              <a:t>29</a:t>
             </a:fld>
             <a:endParaRPr lang="en-US"/>
           </a:p>
@@ -23047,7 +22528,7 @@
 </p:sld>
 </file>
 
-<file path=ppt/slides/slide31.xml><?xml version="1.0" encoding="utf-8"?>
+<file path=ppt/slides/slide3.xml><?xml version="1.0" encoding="utf-8"?>
 <p:sld xmlns:a="http://schemas.openxmlformats.org/drawingml/2006/main" xmlns:r="http://schemas.openxmlformats.org/officeDocument/2006/relationships" xmlns:p="http://schemas.openxmlformats.org/presentationml/2006/main">
   <p:cSld>
     <p:spTree>
@@ -23066,9 +22547,119 @@
       </p:grpSpPr>
       <p:sp>
         <p:nvSpPr>
+          <p:cNvPr id="2" name="Title 1"/>
+          <p:cNvSpPr>
+            <a:spLocks noGrp="1"/>
+          </p:cNvSpPr>
+          <p:nvPr>
+            <p:ph type="title"/>
+          </p:nvPr>
+        </p:nvSpPr>
+        <p:spPr>
+          <a:xfrm>
+            <a:off x="347663" y="3238500"/>
+            <a:ext cx="8426450" cy="1828800"/>
+          </a:xfrm>
+        </p:spPr>
+        <p:txBody>
+          <a:bodyPr/>
+          <a:lstStyle/>
+          <a:p>
+            <a:pPr>
+              <a:defRPr/>
+            </a:pPr>
+            <a:r>
+              <a:rPr lang="en-US" sz="7500" dirty="0" smtClean="0"/>
+              <a:t>I. What is machine learning?</a:t>
+            </a:r>
+            <a:endParaRPr lang="en-US" sz="7500" dirty="0"/>
+          </a:p>
+        </p:txBody>
+      </p:sp>
+      <p:sp>
+        <p:nvSpPr>
+          <p:cNvPr id="4" name="Content Placeholder 3"/>
+          <p:cNvSpPr>
+            <a:spLocks noGrp="1"/>
+          </p:cNvSpPr>
+          <p:nvPr>
+            <p:ph sz="quarter" idx="11"/>
+          </p:nvPr>
+        </p:nvSpPr>
+        <p:spPr>
+          <a:xfrm>
+            <a:off x="371475" y="495300"/>
+            <a:ext cx="6400800" cy="304800"/>
+          </a:xfrm>
+        </p:spPr>
+        <p:txBody>
+          <a:bodyPr wrap="square" lIns="91440" tIns="45720" rIns="91440" bIns="45720" numCol="1" anchor="t" anchorCtr="0" compatLnSpc="1">
+            <a:prstTxWarp prst="textNoShape">
+              <a:avLst/>
+            </a:prstTxWarp>
+          </a:bodyPr>
+          <a:lstStyle/>
+          <a:p>
+            <a:pPr marL="0" indent="0"/>
+            <a:r>
+              <a:rPr lang="en-US" cap="none" dirty="0" smtClean="0">
+                <a:latin typeface="PFDinTextCompPro-Bold" charset="0"/>
+                <a:ea typeface="ヒラギノ角ゴ ProN W3" charset="0"/>
+                <a:cs typeface="ヒラギノ角ゴ ProN W3" charset="0"/>
+              </a:rPr>
+              <a:t>INTRO TO DATA SCIENCE</a:t>
+            </a:r>
+            <a:endParaRPr lang="en-US" cap="none" dirty="0">
+              <a:latin typeface="PFDinTextCompPro-Bold" charset="0"/>
+              <a:ea typeface="ヒラギノ角ゴ ProN W3" charset="0"/>
+              <a:cs typeface="ヒラギノ角ゴ ProN W3" charset="0"/>
+            </a:endParaRPr>
+          </a:p>
+        </p:txBody>
+      </p:sp>
+    </p:spTree>
+    <p:extLst>
+      <p:ext uri="{BB962C8B-B14F-4D97-AF65-F5344CB8AC3E}">
+        <p14:creationId xmlns:p14="http://schemas.microsoft.com/office/powerpoint/2010/main" val="1265447067"/>
+      </p:ext>
+    </p:extLst>
+  </p:cSld>
+  <p:clrMapOvr>
+    <a:masterClrMapping/>
+  </p:clrMapOvr>
+  <p:transition xmlns:p14="http://schemas.microsoft.com/office/powerpoint/2010/main"/>
+  <p:timing>
+    <p:tnLst>
+      <p:par>
+        <p:cTn xmlns:p14="http://schemas.microsoft.com/office/powerpoint/2010/main" id="1" dur="indefinite" restart="never" nodeType="tmRoot"/>
+      </p:par>
+    </p:tnLst>
+  </p:timing>
+</p:sld>
+</file>
+
+<file path=ppt/slides/slide30.xml><?xml version="1.0" encoding="utf-8"?>
+<p:sld xmlns:a="http://schemas.openxmlformats.org/drawingml/2006/main" xmlns:r="http://schemas.openxmlformats.org/officeDocument/2006/relationships" xmlns:p="http://schemas.openxmlformats.org/presentationml/2006/main">
+  <p:cSld>
+    <p:spTree>
+      <p:nvGrpSpPr>
+        <p:cNvPr id="1" name=""/>
+        <p:cNvGrpSpPr/>
+        <p:nvPr/>
+      </p:nvGrpSpPr>
+      <p:grpSpPr>
+        <a:xfrm>
+          <a:off x="0" y="0"/>
+          <a:ext cx="0" cy="0"/>
+          <a:chOff x="0" y="0"/>
+          <a:chExt cx="0" cy="0"/>
+        </a:xfrm>
+      </p:grpSpPr>
+      <p:sp>
+        <p:nvSpPr>
           <p:cNvPr id="61441" name="Rectangle 1"/>
           <p:cNvSpPr>
-            <a:spLocks noChangeArrowheads="1"/>
+            <a:spLocks noGrp="1" noChangeArrowheads="1"/>
           </p:cNvSpPr>
           <p:nvPr>
             <p:ph type="body" idx="1"/>
@@ -23224,7 +22815,7 @@
                 </a:lnSpc>
                 <a:buClrTx/>
               </a:pPr>
-              <a:t>31</a:t>
+              <a:t>30</a:t>
             </a:fld>
             <a:endParaRPr lang="en-US"/>
           </a:p>
@@ -23709,15 +23300,6 @@
                 </a:rPr>
                 <a:t>There may be external sources of feedback, for example conversion rates in production systems.</a:t>
               </a:r>
-              <a:endParaRPr lang="en-US" sz="900" dirty="0" smtClean="0">
-                <a:solidFill>
-                  <a:schemeClr val="tx1"/>
-                </a:solidFill>
-                <a:latin typeface="News706 BT" charset="0"/>
-                <a:ea typeface="ＭＳ Ｐゴシック" charset="0"/>
-                <a:cs typeface="ＭＳ Ｐゴシック" charset="0"/>
-                <a:sym typeface="News706 BT" charset="0"/>
-              </a:endParaRPr>
             </a:p>
           </p:txBody>
         </p:sp>
@@ -23736,7 +23318,7 @@
 </p:sld>
 </file>
 
-<file path=ppt/slides/slide32.xml><?xml version="1.0" encoding="utf-8"?>
+<file path=ppt/slides/slide31.xml><?xml version="1.0" encoding="utf-8"?>
 <p:sld xmlns:a="http://schemas.openxmlformats.org/drawingml/2006/main" xmlns:r="http://schemas.openxmlformats.org/officeDocument/2006/relationships" xmlns:p="http://schemas.openxmlformats.org/presentationml/2006/main">
   <p:cSld>
     <p:spTree>
@@ -23914,7 +23496,7 @@
 </p:sld>
 </file>
 
-<file path=ppt/slides/slide33.xml><?xml version="1.0" encoding="utf-8"?>
+<file path=ppt/slides/slide32.xml><?xml version="1.0" encoding="utf-8"?>
 <p:sld xmlns:a="http://schemas.openxmlformats.org/drawingml/2006/main" xmlns:r="http://schemas.openxmlformats.org/officeDocument/2006/relationships" xmlns:p="http://schemas.openxmlformats.org/presentationml/2006/main">
   <p:cSld>
     <p:spTree>
@@ -23987,7 +23569,7 @@
               <a:pPr>
                 <a:defRPr/>
               </a:pPr>
-              <a:t>33</a:t>
+              <a:t>32</a:t>
             </a:fld>
             <a:endParaRPr lang="en-US"/>
           </a:p>
@@ -24348,19 +23930,7 @@
                   <a:cs typeface="ＭＳ Ｐゴシック" charset="0"/>
                   <a:sym typeface="News706 BT" charset="0"/>
                 </a:rPr>
-                <a:t>Interpret them and react </a:t>
-              </a:r>
-              <a:r>
-                <a:rPr lang="en-US" sz="900" dirty="0" smtClean="0">
-                  <a:solidFill>
-                    <a:schemeClr val="tx1"/>
-                  </a:solidFill>
-                  <a:latin typeface="News706 BT" charset="0"/>
-                  <a:ea typeface="ＭＳ Ｐゴシック" charset="0"/>
-                  <a:cs typeface="ＭＳ Ｐゴシック" charset="0"/>
-                  <a:sym typeface="News706 BT" charset="0"/>
-                </a:rPr>
-                <a:t>accordingly - </a:t>
+                <a:t>Interpret them and react accordingly - </a:t>
               </a:r>
               <a:r>
                 <a:rPr lang="en-US" sz="900" i="1" dirty="0" smtClean="0">
@@ -24386,15 +23956,6 @@
                 </a:rPr>
                 <a:t>.</a:t>
               </a:r>
-              <a:endParaRPr lang="en-US" sz="900" dirty="0" smtClean="0">
-                <a:solidFill>
-                  <a:schemeClr val="tx1"/>
-                </a:solidFill>
-                <a:latin typeface="News706 BT" charset="0"/>
-                <a:ea typeface="ＭＳ Ｐゴシック" charset="0"/>
-                <a:cs typeface="ＭＳ Ｐゴシック" charset="0"/>
-                <a:sym typeface="News706 BT" charset="0"/>
-              </a:endParaRPr>
             </a:p>
           </p:txBody>
         </p:sp>
@@ -24420,7 +23981,7 @@
 </p:sld>
 </file>
 
-<file path=ppt/slides/slide34.xml><?xml version="1.0" encoding="utf-8"?>
+<file path=ppt/slides/slide33.xml><?xml version="1.0" encoding="utf-8"?>
 <p:sld xmlns:a="http://schemas.openxmlformats.org/drawingml/2006/main" xmlns:r="http://schemas.openxmlformats.org/officeDocument/2006/relationships" xmlns:p="http://schemas.openxmlformats.org/presentationml/2006/main">
   <p:cSld>
     <p:spTree>
@@ -24493,7 +24054,7 @@
               <a:pPr>
                 <a:defRPr/>
               </a:pPr>
-              <a:t>34</a:t>
+              <a:t>33</a:t>
             </a:fld>
             <a:endParaRPr lang="en-US"/>
           </a:p>
@@ -25105,7 +24666,7 @@
 </p:sld>
 </file>
 
-<file path=ppt/slides/slide35.xml><?xml version="1.0" encoding="utf-8"?>
+<file path=ppt/slides/slide34.xml><?xml version="1.0" encoding="utf-8"?>
 <p:sld xmlns:a="http://schemas.openxmlformats.org/drawingml/2006/main" xmlns:r="http://schemas.openxmlformats.org/officeDocument/2006/relationships" xmlns:p="http://schemas.openxmlformats.org/presentationml/2006/main">
   <p:cSld>
     <p:spTree>
@@ -25230,7 +24791,7 @@
 </p:sld>
 </file>
 
-<file path=ppt/slides/slide36.xml><?xml version="1.0" encoding="utf-8"?>
+<file path=ppt/slides/slide35.xml><?xml version="1.0" encoding="utf-8"?>
 <p:sld xmlns:a="http://schemas.openxmlformats.org/drawingml/2006/main" xmlns:r="http://schemas.openxmlformats.org/officeDocument/2006/relationships" xmlns:p="http://schemas.openxmlformats.org/presentationml/2006/main">
   <p:cSld>
     <p:spTree>
@@ -25303,7 +24864,7 @@
               <a:pPr>
                 <a:defRPr/>
               </a:pPr>
-              <a:t>36</a:t>
+              <a:t>35</a:t>
             </a:fld>
             <a:endParaRPr lang="en-US"/>
           </a:p>
@@ -25547,7 +25108,7 @@
 </p:sld>
 </file>
 
-<file path=ppt/slides/slide37.xml><?xml version="1.0" encoding="utf-8"?>
+<file path=ppt/slides/slide36.xml><?xml version="1.0" encoding="utf-8"?>
 <p:sld xmlns:a="http://schemas.openxmlformats.org/drawingml/2006/main" xmlns:r="http://schemas.openxmlformats.org/officeDocument/2006/relationships" xmlns:p="http://schemas.openxmlformats.org/presentationml/2006/main">
   <p:cSld>
     <p:spTree>
@@ -25620,7 +25181,7 @@
               <a:pPr>
                 <a:defRPr/>
               </a:pPr>
-              <a:t>37</a:t>
+              <a:t>36</a:t>
             </a:fld>
             <a:endParaRPr lang="en-US"/>
           </a:p>
@@ -25899,7 +25460,7 @@
 </p:sld>
 </file>
 
-<file path=ppt/slides/slide38.xml><?xml version="1.0" encoding="utf-8"?>
+<file path=ppt/slides/slide37.xml><?xml version="1.0" encoding="utf-8"?>
 <p:sld xmlns:a="http://schemas.openxmlformats.org/drawingml/2006/main" xmlns:r="http://schemas.openxmlformats.org/officeDocument/2006/relationships" xmlns:p="http://schemas.openxmlformats.org/presentationml/2006/main">
   <p:cSld>
     <p:spTree>
@@ -25972,7 +25533,7 @@
               <a:pPr>
                 <a:defRPr/>
               </a:pPr>
-              <a:t>38</a:t>
+              <a:t>37</a:t>
             </a:fld>
             <a:endParaRPr lang="en-US"/>
           </a:p>
@@ -26039,6 +25600,262 @@
     <p:extLst>
       <p:ext uri="{BB962C8B-B14F-4D97-AF65-F5344CB8AC3E}">
         <p14:creationId xmlns:p14="http://schemas.microsoft.com/office/powerpoint/2010/main" val="605394816"/>
+      </p:ext>
+    </p:extLst>
+  </p:cSld>
+  <p:clrMapOvr>
+    <a:masterClrMapping/>
+  </p:clrMapOvr>
+  <p:transition xmlns:p14="http://schemas.microsoft.com/office/powerpoint/2010/main"/>
+  <p:timing>
+    <p:tnLst>
+      <p:par>
+        <p:cTn xmlns:p14="http://schemas.microsoft.com/office/powerpoint/2010/main" id="1" dur="indefinite" restart="never" nodeType="tmRoot"/>
+      </p:par>
+    </p:tnLst>
+  </p:timing>
+</p:sld>
+</file>
+
+<file path=ppt/slides/slide38.xml><?xml version="1.0" encoding="utf-8"?>
+<p:sld xmlns:a="http://schemas.openxmlformats.org/drawingml/2006/main" xmlns:r="http://schemas.openxmlformats.org/officeDocument/2006/relationships" xmlns:p="http://schemas.openxmlformats.org/presentationml/2006/main">
+  <p:cSld>
+    <p:spTree>
+      <p:nvGrpSpPr>
+        <p:cNvPr id="1" name=""/>
+        <p:cNvGrpSpPr/>
+        <p:nvPr/>
+      </p:nvGrpSpPr>
+      <p:grpSpPr>
+        <a:xfrm>
+          <a:off x="0" y="0"/>
+          <a:ext cx="0" cy="0"/>
+          <a:chOff x="0" y="0"/>
+          <a:chExt cx="0" cy="0"/>
+        </a:xfrm>
+      </p:grpSpPr>
+      <p:sp>
+        <p:nvSpPr>
+          <p:cNvPr id="4" name="Content Placeholder 3"/>
+          <p:cNvSpPr>
+            <a:spLocks noGrp="1"/>
+          </p:cNvSpPr>
+          <p:nvPr>
+            <p:ph sz="quarter" idx="11"/>
+          </p:nvPr>
+        </p:nvSpPr>
+        <p:spPr>
+          <a:xfrm>
+            <a:off x="414337" y="495300"/>
+            <a:ext cx="6400800" cy="304800"/>
+          </a:xfrm>
+        </p:spPr>
+        <p:txBody>
+          <a:bodyPr/>
+          <a:lstStyle/>
+          <a:p>
+            <a:pPr eaLnBrk="1" hangingPunct="1">
+              <a:lnSpc>
+                <a:spcPts val="2448"/>
+              </a:lnSpc>
+              <a:defRPr/>
+            </a:pPr>
+            <a:r>
+              <a:rPr lang="en-US" dirty="0" smtClean="0"/>
+              <a:t>Classification problems</a:t>
+            </a:r>
+          </a:p>
+        </p:txBody>
+      </p:sp>
+      <p:sp>
+        <p:nvSpPr>
+          <p:cNvPr id="8" name="Slide Number Placeholder 3"/>
+          <p:cNvSpPr>
+            <a:spLocks noGrp="1"/>
+          </p:cNvSpPr>
+          <p:nvPr>
+            <p:ph type="sldNum" sz="quarter" idx="13"/>
+          </p:nvPr>
+        </p:nvSpPr>
+        <p:spPr/>
+        <p:txBody>
+          <a:bodyPr/>
+          <a:lstStyle/>
+          <a:p>
+            <a:pPr>
+              <a:defRPr/>
+            </a:pPr>
+            <a:fld id="{BD5AD749-DAD1-6A4A-A2AA-CB20EAD0AEB7}" type="slidenum">
+              <a:rPr lang="en-US"/>
+              <a:pPr>
+                <a:defRPr/>
+              </a:pPr>
+              <a:t>38</a:t>
+            </a:fld>
+            <a:endParaRPr lang="en-US"/>
+          </a:p>
+        </p:txBody>
+      </p:sp>
+      <p:pic>
+        <p:nvPicPr>
+          <p:cNvPr id="6" name="Picture 5"/>
+          <p:cNvPicPr>
+            <a:picLocks noChangeAspect="1"/>
+          </p:cNvPicPr>
+          <p:nvPr/>
+        </p:nvPicPr>
+        <p:blipFill>
+          <a:blip r:embed="rId3"/>
+          <a:stretch>
+            <a:fillRect/>
+          </a:stretch>
+        </p:blipFill>
+        <p:spPr>
+          <a:xfrm>
+            <a:off x="2054003" y="1582394"/>
+            <a:ext cx="4953000" cy="2646706"/>
+          </a:xfrm>
+          <a:prstGeom prst="rect">
+            <a:avLst/>
+          </a:prstGeom>
+        </p:spPr>
+      </p:pic>
+      <p:sp>
+        <p:nvSpPr>
+          <p:cNvPr id="9" name="TextBox 8"/>
+          <p:cNvSpPr txBox="1"/>
+          <p:nvPr/>
+        </p:nvSpPr>
+        <p:spPr>
+          <a:xfrm>
+            <a:off x="414337" y="952500"/>
+            <a:ext cx="4338386" cy="553998"/>
+          </a:xfrm>
+          <a:prstGeom prst="rect">
+            <a:avLst/>
+          </a:prstGeom>
+          <a:noFill/>
+        </p:spPr>
+        <p:txBody>
+          <a:bodyPr wrap="none" rtlCol="0">
+            <a:spAutoFit/>
+          </a:bodyPr>
+          <a:lstStyle/>
+          <a:p>
+            <a:pPr algn="l"/>
+            <a:r>
+              <a:rPr lang="en-US" sz="3000" dirty="0" smtClean="0">
+                <a:latin typeface="PFDinTextCompPro-Italic"/>
+                <a:cs typeface="PFDinTextCompPro-Italic"/>
+              </a:rPr>
+              <a:t>Here’s (part of) an example dataset:</a:t>
+            </a:r>
+          </a:p>
+        </p:txBody>
+      </p:sp>
+      <p:sp>
+        <p:nvSpPr>
+          <p:cNvPr id="7" name="TextBox 6"/>
+          <p:cNvSpPr txBox="1"/>
+          <p:nvPr/>
+        </p:nvSpPr>
+        <p:spPr>
+          <a:xfrm rot="16200000">
+            <a:off x="3117972" y="1986346"/>
+            <a:ext cx="1140685" cy="5478423"/>
+          </a:xfrm>
+          <a:prstGeom prst="rect">
+            <a:avLst/>
+          </a:prstGeom>
+          <a:noFill/>
+        </p:spPr>
+        <p:txBody>
+          <a:bodyPr wrap="none" rtlCol="0">
+            <a:spAutoFit/>
+          </a:bodyPr>
+          <a:lstStyle/>
+          <a:p>
+            <a:r>
+              <a:rPr lang="en-US" sz="35000" dirty="0" smtClean="0">
+                <a:solidFill>
+                  <a:srgbClr val="0000FF"/>
+                </a:solidFill>
+                <a:latin typeface="PFDinTextCompPro-Thin"/>
+                <a:cs typeface="PFDinTextCompPro-Thin"/>
+              </a:rPr>
+              <a:t>{</a:t>
+            </a:r>
+            <a:endParaRPr lang="en-US" sz="35000" dirty="0">
+              <a:solidFill>
+                <a:srgbClr val="0000FF"/>
+              </a:solidFill>
+              <a:latin typeface="PFDinTextCompPro-Thin"/>
+              <a:cs typeface="PFDinTextCompPro-Thin"/>
+            </a:endParaRPr>
+          </a:p>
+        </p:txBody>
+      </p:sp>
+      <p:sp>
+        <p:nvSpPr>
+          <p:cNvPr id="10" name="TextBox 9"/>
+          <p:cNvSpPr txBox="1"/>
+          <p:nvPr/>
+        </p:nvSpPr>
+        <p:spPr>
+          <a:xfrm>
+            <a:off x="261938" y="2527637"/>
+            <a:ext cx="1597336" cy="1015663"/>
+          </a:xfrm>
+          <a:prstGeom prst="rect">
+            <a:avLst/>
+          </a:prstGeom>
+          <a:noFill/>
+        </p:spPr>
+        <p:txBody>
+          <a:bodyPr wrap="none" rtlCol="0">
+            <a:spAutoFit/>
+          </a:bodyPr>
+          <a:lstStyle/>
+          <a:p>
+            <a:r>
+              <a:rPr lang="en-US" sz="3000" dirty="0">
+                <a:solidFill>
+                  <a:srgbClr val="0000FF"/>
+                </a:solidFill>
+                <a:latin typeface="PFDinTextCompPro-Italic"/>
+                <a:cs typeface="PFDinTextCompPro-Italic"/>
+              </a:rPr>
+              <a:t>i</a:t>
+            </a:r>
+            <a:r>
+              <a:rPr lang="en-US" sz="3000" dirty="0" smtClean="0">
+                <a:solidFill>
+                  <a:srgbClr val="0000FF"/>
+                </a:solidFill>
+                <a:latin typeface="PFDinTextCompPro-Italic"/>
+                <a:cs typeface="PFDinTextCompPro-Italic"/>
+              </a:rPr>
+              <a:t>ndependent</a:t>
+            </a:r>
+          </a:p>
+          <a:p>
+            <a:r>
+              <a:rPr lang="en-US" sz="3000" dirty="0" smtClean="0">
+                <a:solidFill>
+                  <a:srgbClr val="0000FF"/>
+                </a:solidFill>
+                <a:latin typeface="PFDinTextCompPro-Italic"/>
+                <a:cs typeface="PFDinTextCompPro-Italic"/>
+              </a:rPr>
+              <a:t>variables</a:t>
+            </a:r>
+          </a:p>
+        </p:txBody>
+      </p:sp>
+    </p:spTree>
+    <p:extLst>
+      <p:ext uri="{BB962C8B-B14F-4D97-AF65-F5344CB8AC3E}">
+        <p14:creationId xmlns:p14="http://schemas.microsoft.com/office/powerpoint/2010/main" val="121281463"/>
       </p:ext>
     </p:extLst>
   </p:cSld>
@@ -26100,7 +25917,7 @@
               <a:defRPr/>
             </a:pPr>
             <a:r>
-              <a:rPr lang="en-US" dirty="0" smtClean="0"/>
+              <a:rPr lang="en-US" dirty="0"/>
               <a:t>Classification problems</a:t>
             </a:r>
           </a:p>
@@ -26242,7 +26059,7 @@
         </p:nvSpPr>
         <p:spPr>
           <a:xfrm>
-            <a:off x="261938" y="2527637"/>
+            <a:off x="261937" y="2527637"/>
             <a:ext cx="1597336" cy="1015663"/>
           </a:xfrm>
           <a:prstGeom prst="rect">
@@ -26291,10 +26108,122 @@
           </a:p>
         </p:txBody>
       </p:sp>
+      <p:sp>
+        <p:nvSpPr>
+          <p:cNvPr id="11" name="TextBox 10"/>
+          <p:cNvSpPr txBox="1"/>
+          <p:nvPr/>
+        </p:nvSpPr>
+        <p:spPr>
+          <a:xfrm rot="10800000">
+            <a:off x="7119938" y="1790700"/>
+            <a:ext cx="730963" cy="3170099"/>
+          </a:xfrm>
+          <a:prstGeom prst="rect">
+            <a:avLst/>
+          </a:prstGeom>
+          <a:noFill/>
+        </p:spPr>
+        <p:txBody>
+          <a:bodyPr wrap="none" rtlCol="0">
+            <a:spAutoFit/>
+          </a:bodyPr>
+          <a:lstStyle/>
+          <a:p>
+            <a:r>
+              <a:rPr lang="en-US" sz="20000" dirty="0" smtClean="0">
+                <a:solidFill>
+                  <a:schemeClr val="accent3">
+                    <a:lumMod val="50000"/>
+                  </a:schemeClr>
+                </a:solidFill>
+                <a:latin typeface="PFDinTextCompPro-Thin"/>
+                <a:cs typeface="PFDinTextCompPro-Thin"/>
+              </a:rPr>
+              <a:t>{</a:t>
+            </a:r>
+            <a:endParaRPr lang="en-US" sz="20000" dirty="0">
+              <a:solidFill>
+                <a:schemeClr val="accent3">
+                  <a:lumMod val="50000"/>
+                </a:schemeClr>
+              </a:solidFill>
+              <a:latin typeface="PFDinTextCompPro-Thin"/>
+              <a:cs typeface="PFDinTextCompPro-Thin"/>
+            </a:endParaRPr>
+          </a:p>
+        </p:txBody>
+      </p:sp>
+      <p:sp>
+        <p:nvSpPr>
+          <p:cNvPr id="12" name="TextBox 11"/>
+          <p:cNvSpPr txBox="1"/>
+          <p:nvPr/>
+        </p:nvSpPr>
+        <p:spPr>
+          <a:xfrm>
+            <a:off x="7811689" y="2448461"/>
+            <a:ext cx="1226874" cy="1323439"/>
+          </a:xfrm>
+          <a:prstGeom prst="rect">
+            <a:avLst/>
+          </a:prstGeom>
+          <a:noFill/>
+        </p:spPr>
+        <p:txBody>
+          <a:bodyPr wrap="none" rtlCol="0">
+            <a:spAutoFit/>
+          </a:bodyPr>
+          <a:lstStyle/>
+          <a:p>
+            <a:r>
+              <a:rPr lang="en-US" sz="3000" dirty="0" smtClean="0">
+                <a:solidFill>
+                  <a:srgbClr val="CE0035"/>
+                </a:solidFill>
+                <a:latin typeface="PFDinTextCompPro-Italic"/>
+                <a:cs typeface="PFDinTextCompPro-Italic"/>
+              </a:rPr>
+              <a:t>class</a:t>
+            </a:r>
+          </a:p>
+          <a:p>
+            <a:r>
+              <a:rPr lang="en-US" sz="3000" dirty="0" smtClean="0">
+                <a:solidFill>
+                  <a:srgbClr val="CE0035"/>
+                </a:solidFill>
+                <a:latin typeface="PFDinTextCompPro-Italic"/>
+                <a:cs typeface="PFDinTextCompPro-Italic"/>
+              </a:rPr>
+              <a:t>labels</a:t>
+            </a:r>
+          </a:p>
+          <a:p>
+            <a:r>
+              <a:rPr lang="en-US" sz="2000" i="1" dirty="0" smtClean="0">
+                <a:solidFill>
+                  <a:srgbClr val="CE0035"/>
+                </a:solidFill>
+                <a:latin typeface="PFDinTextCompPro-Italic"/>
+                <a:cs typeface="PFDinTextCompPro-Italic"/>
+              </a:rPr>
+              <a:t>(categorical)</a:t>
+            </a:r>
+            <a:endParaRPr lang="en-US" sz="2000" i="1" dirty="0">
+              <a:solidFill>
+                <a:srgbClr val="CE0035"/>
+              </a:solidFill>
+              <a:latin typeface="PFDinTextCompPro-Italic"/>
+              <a:cs typeface="PFDinTextCompPro-Italic"/>
+            </a:endParaRPr>
+          </a:p>
+        </p:txBody>
+      </p:sp>
     </p:spTree>
     <p:extLst>
       <p:ext uri="{BB962C8B-B14F-4D97-AF65-F5344CB8AC3E}">
-        <p14:creationId xmlns:p14="http://schemas.microsoft.com/office/powerpoint/2010/main" val="121281463"/>
+        <p14:creationId xmlns:p14="http://schemas.microsoft.com/office/powerpoint/2010/main" val="3884125298"/>
       </p:ext>
     </p:extLst>
   </p:cSld>
@@ -26331,20 +26260,48 @@
       </p:grpSpPr>
       <p:sp>
         <p:nvSpPr>
-          <p:cNvPr id="2" name="Title 1"/>
+          <p:cNvPr id="4" name="Content Placeholder 3"/>
           <p:cNvSpPr>
             <a:spLocks noGrp="1"/>
           </p:cNvSpPr>
           <p:nvPr>
-            <p:ph type="title"/>
+            <p:ph sz="quarter" idx="11"/>
           </p:nvPr>
         </p:nvSpPr>
         <p:spPr>
           <a:xfrm>
-            <a:off x="347663" y="3238500"/>
-            <a:ext cx="8426450" cy="1828800"/>
+            <a:off x="414337" y="495300"/>
+            <a:ext cx="6400800" cy="304800"/>
           </a:xfrm>
         </p:spPr>
+        <p:txBody>
+          <a:bodyPr/>
+          <a:lstStyle/>
+          <a:p>
+            <a:pPr eaLnBrk="1" hangingPunct="1">
+              <a:lnSpc>
+                <a:spcPts val="2448"/>
+              </a:lnSpc>
+              <a:defRPr/>
+            </a:pPr>
+            <a:r>
+              <a:rPr lang="en-US" dirty="0" smtClean="0"/>
+              <a:t>What is machine learning?</a:t>
+            </a:r>
+          </a:p>
+        </p:txBody>
+      </p:sp>
+      <p:sp>
+        <p:nvSpPr>
+          <p:cNvPr id="8" name="Slide Number Placeholder 3"/>
+          <p:cNvSpPr>
+            <a:spLocks noGrp="1"/>
+          </p:cNvSpPr>
+          <p:nvPr>
+            <p:ph type="sldNum" sz="quarter" idx="13"/>
+          </p:nvPr>
+        </p:nvSpPr>
+        <p:spPr/>
         <p:txBody>
           <a:bodyPr/>
           <a:lstStyle/>
@@ -26352,59 +26309,283 @@
             <a:pPr>
               <a:defRPr/>
             </a:pPr>
-            <a:r>
-              <a:rPr lang="en-US" sz="7500" dirty="0" smtClean="0"/>
-              <a:t>I. What is machine learning?</a:t>
-            </a:r>
-            <a:endParaRPr lang="en-US" sz="7500" dirty="0"/>
-          </a:p>
-        </p:txBody>
-      </p:sp>
-      <p:sp>
-        <p:nvSpPr>
-          <p:cNvPr id="4" name="Content Placeholder 3"/>
+            <a:fld id="{BD5AD749-DAD1-6A4A-A2AA-CB20EAD0AEB7}" type="slidenum">
+              <a:rPr lang="en-US"/>
+              <a:pPr>
+                <a:defRPr/>
+              </a:pPr>
+              <a:t>4</a:t>
+            </a:fld>
+            <a:endParaRPr lang="en-US"/>
+          </a:p>
+        </p:txBody>
+      </p:sp>
+      <p:sp>
+        <p:nvSpPr>
+          <p:cNvPr id="20485" name="Subtitle 2"/>
           <p:cNvSpPr>
             <a:spLocks noGrp="1"/>
           </p:cNvSpPr>
           <p:nvPr>
-            <p:ph sz="quarter" idx="11"/>
+            <p:ph type="subTitle" idx="1"/>
           </p:nvPr>
         </p:nvSpPr>
-        <p:spPr>
+        <p:spPr bwMode="auto">
           <a:xfrm>
-            <a:off x="371475" y="495300"/>
-            <a:ext cx="6400800" cy="304800"/>
+            <a:off x="566737" y="1181100"/>
+            <a:ext cx="8305800" cy="3581400"/>
           </a:xfrm>
+          <a:noFill/>
+          <a:extLst>
+            <a:ext uri="{909E8E84-426E-40dd-AFC4-6F175D3DCCD1}">
+              <a14:hiddenFill xmlns:a14="http://schemas.microsoft.com/office/drawing/2010/main">
+                <a:solidFill>
+                  <a:srgbClr val="FFFFFF"/>
+                </a:solidFill>
+              </a14:hiddenFill>
+            </a:ext>
+            <a:ext uri="{91240B29-F687-4f45-9708-019B960494DF}">
+              <a14:hiddenLine xmlns:a14="http://schemas.microsoft.com/office/drawing/2010/main" w="9525">
+                <a:solidFill>
+                  <a:srgbClr val="000000"/>
+                </a:solidFill>
+                <a:miter lim="800000"/>
+                <a:headEnd/>
+                <a:tailEnd/>
+              </a14:hiddenLine>
+            </a:ext>
+            <a:ext uri="{FAA26D3D-D897-4be2-8F04-BA451C77F1D7}">
+              <ma14:placeholderFlag xmlns:ma14="http://schemas.microsoft.com/office/mac/drawingml/2011/main" val="1"/>
+            </a:ext>
+          </a:extLst>
         </p:spPr>
         <p:txBody>
-          <a:bodyPr wrap="square" lIns="91440" tIns="45720" rIns="91440" bIns="45720" numCol="1" anchor="t" anchorCtr="0" compatLnSpc="1">
+          <a:bodyPr wrap="square" numCol="1" anchor="t" anchorCtr="0" compatLnSpc="1">
             <a:prstTxWarp prst="textNoShape">
               <a:avLst/>
             </a:prstTxWarp>
           </a:bodyPr>
           <a:lstStyle/>
           <a:p>
-            <a:pPr marL="0" indent="0"/>
-            <a:r>
-              <a:rPr lang="en-US" cap="none" dirty="0" smtClean="0">
-                <a:latin typeface="PFDinTextCompPro-Bold" charset="0"/>
-                <a:ea typeface="ヒラギノ角ゴ ProN W3" charset="0"/>
-                <a:cs typeface="ヒラギノ角ゴ ProN W3" charset="0"/>
-              </a:rPr>
-              <a:t>INTRO TO DATA SCIENCE</a:t>
-            </a:r>
-            <a:endParaRPr lang="en-US" cap="none" dirty="0">
-              <a:latin typeface="PFDinTextCompPro-Bold" charset="0"/>
+            <a:pPr marL="0" indent="0">
+              <a:lnSpc>
+                <a:spcPct val="100000"/>
+              </a:lnSpc>
+              <a:buNone/>
+            </a:pPr>
+            <a:r>
+              <a:rPr lang="en-US" sz="1400" dirty="0"/>
+              <a:t>from </a:t>
+            </a:r>
+            <a:r>
+              <a:rPr lang="en-US" sz="1400" dirty="0" smtClean="0"/>
+              <a:t>Wikipedia:</a:t>
+            </a:r>
+          </a:p>
+          <a:p>
+            <a:pPr marL="0" indent="0">
+              <a:lnSpc>
+                <a:spcPct val="100000"/>
+              </a:lnSpc>
+              <a:buNone/>
+            </a:pPr>
+            <a:endParaRPr lang="en-US" sz="1400" dirty="0" smtClean="0"/>
+          </a:p>
+          <a:p>
+            <a:pPr marL="0" indent="0">
+              <a:lnSpc>
+                <a:spcPct val="100000"/>
+              </a:lnSpc>
+              <a:buNone/>
+            </a:pPr>
+            <a:r>
+              <a:rPr lang="en-US" sz="1400" dirty="0" smtClean="0"/>
+              <a:t>“Machine </a:t>
+            </a:r>
+            <a:r>
+              <a:rPr lang="en-US" sz="1400" dirty="0"/>
+              <a:t>learning, a branch of artificial intelligence, is about the construction and study of systems that can </a:t>
+            </a:r>
+            <a:r>
+              <a:rPr lang="en-US" sz="1400" i="1" dirty="0"/>
+              <a:t>learn from </a:t>
+            </a:r>
+            <a:r>
+              <a:rPr lang="en-US" sz="1400" i="1" dirty="0" smtClean="0"/>
+              <a:t>data</a:t>
+            </a:r>
+            <a:r>
+              <a:rPr lang="en-US" sz="1400" dirty="0" smtClean="0"/>
+              <a:t>.”</a:t>
+            </a:r>
+          </a:p>
+          <a:p>
+            <a:pPr marL="0" indent="0">
+              <a:lnSpc>
+                <a:spcPct val="100000"/>
+              </a:lnSpc>
+              <a:buNone/>
+            </a:pPr>
+            <a:endParaRPr lang="en-US" sz="1400" dirty="0"/>
+          </a:p>
+          <a:p>
+            <a:pPr marL="0" indent="0">
+              <a:lnSpc>
+                <a:spcPct val="100000"/>
+              </a:lnSpc>
+              <a:buNone/>
+            </a:pPr>
+            <a:endParaRPr lang="en-US" sz="1400" dirty="0" smtClean="0"/>
+          </a:p>
+          <a:p>
+            <a:pPr marL="0" indent="0">
+              <a:lnSpc>
+                <a:spcPct val="100000"/>
+              </a:lnSpc>
+              <a:buNone/>
+            </a:pPr>
+            <a:endParaRPr lang="en-US" sz="1400" dirty="0"/>
+          </a:p>
+          <a:p>
+            <a:pPr marL="0" indent="0">
+              <a:lnSpc>
+                <a:spcPct val="100000"/>
+              </a:lnSpc>
+              <a:buNone/>
+            </a:pPr>
+            <a:endParaRPr lang="en-US" sz="1400" dirty="0" smtClean="0"/>
+          </a:p>
+          <a:p>
+            <a:pPr marL="0" indent="0">
+              <a:lnSpc>
+                <a:spcPct val="100000"/>
+              </a:lnSpc>
+              <a:buNone/>
+            </a:pPr>
+            <a:endParaRPr lang="en-US" sz="1400" dirty="0"/>
+          </a:p>
+          <a:p>
+            <a:pPr marL="0" indent="0">
+              <a:lnSpc>
+                <a:spcPct val="100000"/>
+              </a:lnSpc>
+              <a:buNone/>
+            </a:pPr>
+            <a:endParaRPr lang="en-US" sz="1400" dirty="0" smtClean="0"/>
+          </a:p>
+          <a:p>
+            <a:pPr marL="0" indent="0">
+              <a:lnSpc>
+                <a:spcPct val="100000"/>
+              </a:lnSpc>
+              <a:buNone/>
+            </a:pPr>
+            <a:endParaRPr lang="en-US" sz="1400" dirty="0" smtClean="0"/>
+          </a:p>
+          <a:p>
+            <a:pPr>
+              <a:lnSpc>
+                <a:spcPct val="100000"/>
+              </a:lnSpc>
+              <a:buFont typeface="Lucida Grande" charset="0"/>
+              <a:buChar char="‣"/>
+            </a:pPr>
+            <a:endParaRPr lang="en-US" sz="1400" dirty="0"/>
+          </a:p>
+          <a:p>
+            <a:pPr marL="0" indent="0">
+              <a:lnSpc>
+                <a:spcPct val="100000"/>
+              </a:lnSpc>
+              <a:buNone/>
+            </a:pPr>
+            <a:endParaRPr lang="en-US" sz="1400" dirty="0" smtClean="0"/>
+          </a:p>
+          <a:p>
+            <a:pPr>
+              <a:lnSpc>
+                <a:spcPct val="100000"/>
+              </a:lnSpc>
+              <a:buFont typeface="Lucida Grande" charset="0"/>
+              <a:buChar char="‣"/>
+            </a:pPr>
+            <a:endParaRPr lang="en-US" sz="1400" dirty="0"/>
+          </a:p>
+          <a:p>
+            <a:pPr marL="0" indent="0">
+              <a:lnSpc>
+                <a:spcPct val="100000"/>
+              </a:lnSpc>
+              <a:buNone/>
+            </a:pPr>
+            <a:endParaRPr lang="en-US" sz="1400" dirty="0">
+              <a:latin typeface="News706 BT" charset="0"/>
               <a:ea typeface="ヒラギノ角ゴ ProN W3" charset="0"/>
               <a:cs typeface="ヒラギノ角ゴ ProN W3" charset="0"/>
             </a:endParaRPr>
           </a:p>
+          <a:p>
+            <a:pPr marL="0" indent="0">
+              <a:lnSpc>
+                <a:spcPct val="100000"/>
+              </a:lnSpc>
+              <a:buNone/>
+            </a:pPr>
+            <a:r>
+              <a:rPr lang="en-US" sz="800" i="1" dirty="0" smtClean="0"/>
+              <a:t>source: http</a:t>
+            </a:r>
+            <a:r>
+              <a:rPr lang="en-US" sz="800" i="1" dirty="0"/>
+              <a:t>://</a:t>
+            </a:r>
+            <a:r>
+              <a:rPr lang="en-US" sz="800" i="1" dirty="0" err="1"/>
+              <a:t>en.wikipedia.org</a:t>
+            </a:r>
+            <a:r>
+              <a:rPr lang="en-US" sz="800" i="1" dirty="0"/>
+              <a:t>/wiki/</a:t>
+            </a:r>
+            <a:r>
+              <a:rPr lang="en-US" sz="800" i="1" dirty="0" err="1" smtClean="0"/>
+              <a:t>Machine_learning</a:t>
+            </a:r>
+            <a:endParaRPr lang="en-US" sz="800" dirty="0"/>
+          </a:p>
+          <a:p>
+            <a:pPr marL="0" indent="0">
+              <a:lnSpc>
+                <a:spcPct val="100000"/>
+              </a:lnSpc>
+              <a:buNone/>
+            </a:pPr>
+            <a:endParaRPr lang="en-US" sz="1400" dirty="0" smtClean="0">
+              <a:latin typeface="News706 BT" charset="0"/>
+              <a:ea typeface="ヒラギノ角ゴ ProN W3" charset="0"/>
+              <a:cs typeface="ヒラギノ角ゴ ProN W3" charset="0"/>
+            </a:endParaRPr>
+          </a:p>
+          <a:p>
+            <a:pPr>
+              <a:lnSpc>
+                <a:spcPct val="100000"/>
+              </a:lnSpc>
+              <a:buFont typeface="Lucida Grande" charset="0"/>
+              <a:buChar char="‣"/>
+            </a:pPr>
+            <a:endParaRPr lang="en-US" sz="1400" dirty="0">
+              <a:latin typeface="News706 BT" charset="0"/>
+              <a:ea typeface="ヒラギノ角ゴ ProN W3" charset="0"/>
+              <a:cs typeface="ヒラギノ角ゴ ProN W3" charset="0"/>
+            </a:endParaRPr>
+          </a:p>
         </p:txBody>
       </p:sp>
     </p:spTree>
     <p:extLst>
       <p:ext uri="{BB962C8B-B14F-4D97-AF65-F5344CB8AC3E}">
-        <p14:creationId xmlns:p14="http://schemas.microsoft.com/office/powerpoint/2010/main" val="1265447067"/>
+        <p14:creationId xmlns:p14="http://schemas.microsoft.com/office/powerpoint/2010/main" val="3803518707"/>
       </p:ext>
     </p:extLst>
   </p:cSld>
@@ -26501,40 +26682,16 @@
           </a:p>
         </p:txBody>
       </p:sp>
-      <p:pic>
-        <p:nvPicPr>
-          <p:cNvPr id="6" name="Picture 5"/>
-          <p:cNvPicPr>
-            <a:picLocks noChangeAspect="1"/>
-          </p:cNvPicPr>
+      <p:sp>
+        <p:nvSpPr>
+          <p:cNvPr id="5" name="TextBox 4"/>
+          <p:cNvSpPr txBox="1"/>
           <p:nvPr/>
-        </p:nvPicPr>
-        <p:blipFill>
-          <a:blip r:embed="rId3"/>
-          <a:stretch>
-            <a:fillRect/>
-          </a:stretch>
-        </p:blipFill>
+        </p:nvSpPr>
         <p:spPr>
           <a:xfrm>
-            <a:off x="2054003" y="1582394"/>
-            <a:ext cx="4953000" cy="2646706"/>
-          </a:xfrm>
-          <a:prstGeom prst="rect">
-            <a:avLst/>
-          </a:prstGeom>
-        </p:spPr>
-      </p:pic>
-      <p:sp>
-        <p:nvSpPr>
-          <p:cNvPr id="9" name="TextBox 8"/>
-          <p:cNvSpPr txBox="1"/>
-          <p:nvPr/>
-        </p:nvSpPr>
-        <p:spPr>
-          <a:xfrm>
-            <a:off x="414337" y="952500"/>
-            <a:ext cx="4338386" cy="553998"/>
+            <a:off x="591183" y="1057513"/>
+            <a:ext cx="4124502" cy="1015663"/>
           </a:xfrm>
           <a:prstGeom prst="rect">
             <a:avLst/>
@@ -26553,216 +26710,11 @@
                 <a:latin typeface="PFDinTextCompPro-Italic"/>
                 <a:cs typeface="PFDinTextCompPro-Italic"/>
               </a:rPr>
-              <a:t>Here’s (part of) an example dataset:</a:t>
-            </a:r>
-          </a:p>
-        </p:txBody>
-      </p:sp>
-      <p:sp>
-        <p:nvSpPr>
-          <p:cNvPr id="7" name="TextBox 6"/>
-          <p:cNvSpPr txBox="1"/>
-          <p:nvPr/>
-        </p:nvSpPr>
-        <p:spPr>
-          <a:xfrm rot="16200000">
-            <a:off x="3117972" y="1986346"/>
-            <a:ext cx="1140685" cy="5478423"/>
-          </a:xfrm>
-          <a:prstGeom prst="rect">
-            <a:avLst/>
-          </a:prstGeom>
-          <a:noFill/>
-        </p:spPr>
-        <p:txBody>
-          <a:bodyPr wrap="none" rtlCol="0">
-            <a:spAutoFit/>
-          </a:bodyPr>
-          <a:lstStyle/>
-          <a:p>
-            <a:r>
-              <a:rPr lang="en-US" sz="35000" dirty="0" smtClean="0">
-                <a:solidFill>
-                  <a:srgbClr val="0000FF"/>
-                </a:solidFill>
-                <a:latin typeface="PFDinTextCompPro-Thin"/>
-                <a:cs typeface="PFDinTextCompPro-Thin"/>
-              </a:rPr>
-              <a:t>{</a:t>
-            </a:r>
-            <a:endParaRPr lang="en-US" sz="35000" dirty="0">
-              <a:solidFill>
-                <a:srgbClr val="0000FF"/>
-              </a:solidFill>
-              <a:latin typeface="PFDinTextCompPro-Thin"/>
-              <a:cs typeface="PFDinTextCompPro-Thin"/>
-            </a:endParaRPr>
-          </a:p>
-        </p:txBody>
-      </p:sp>
-      <p:sp>
-        <p:nvSpPr>
-          <p:cNvPr id="10" name="TextBox 9"/>
-          <p:cNvSpPr txBox="1"/>
-          <p:nvPr/>
-        </p:nvSpPr>
-        <p:spPr>
-          <a:xfrm>
-            <a:off x="261937" y="2527637"/>
-            <a:ext cx="1597336" cy="1015663"/>
-          </a:xfrm>
-          <a:prstGeom prst="rect">
-            <a:avLst/>
-          </a:prstGeom>
-          <a:noFill/>
-        </p:spPr>
-        <p:txBody>
-          <a:bodyPr wrap="none" rtlCol="0">
-            <a:spAutoFit/>
-          </a:bodyPr>
-          <a:lstStyle/>
-          <a:p>
-            <a:r>
-              <a:rPr lang="en-US" sz="3000" dirty="0">
-                <a:solidFill>
-                  <a:srgbClr val="0000FF"/>
-                </a:solidFill>
-                <a:latin typeface="PFDinTextCompPro-Italic"/>
-                <a:cs typeface="PFDinTextCompPro-Italic"/>
-              </a:rPr>
-              <a:t>i</a:t>
-            </a:r>
-            <a:r>
-              <a:rPr lang="en-US" sz="3000" dirty="0" smtClean="0">
-                <a:solidFill>
-                  <a:srgbClr val="0000FF"/>
-                </a:solidFill>
-                <a:latin typeface="PFDinTextCompPro-Italic"/>
-                <a:cs typeface="PFDinTextCompPro-Italic"/>
-              </a:rPr>
-              <a:t>ndependent</a:t>
-            </a:r>
-          </a:p>
-          <a:p>
-            <a:r>
-              <a:rPr lang="en-US" sz="3000" dirty="0" smtClean="0">
-                <a:solidFill>
-                  <a:srgbClr val="0000FF"/>
-                </a:solidFill>
-                <a:latin typeface="PFDinTextCompPro-Italic"/>
-                <a:cs typeface="PFDinTextCompPro-Italic"/>
-              </a:rPr>
-              <a:t>variables</a:t>
-            </a:r>
-          </a:p>
-        </p:txBody>
-      </p:sp>
-      <p:sp>
-        <p:nvSpPr>
-          <p:cNvPr id="11" name="TextBox 10"/>
-          <p:cNvSpPr txBox="1"/>
-          <p:nvPr/>
-        </p:nvSpPr>
-        <p:spPr>
-          <a:xfrm rot="10800000">
-            <a:off x="7119938" y="1790700"/>
-            <a:ext cx="730963" cy="3170099"/>
-          </a:xfrm>
-          <a:prstGeom prst="rect">
-            <a:avLst/>
-          </a:prstGeom>
-          <a:noFill/>
-        </p:spPr>
-        <p:txBody>
-          <a:bodyPr wrap="none" rtlCol="0">
-            <a:spAutoFit/>
-          </a:bodyPr>
-          <a:lstStyle/>
-          <a:p>
-            <a:r>
-              <a:rPr lang="en-US" sz="20000" dirty="0" smtClean="0">
-                <a:solidFill>
-                  <a:schemeClr val="accent3">
-                    <a:lumMod val="50000"/>
-                  </a:schemeClr>
-                </a:solidFill>
-                <a:latin typeface="PFDinTextCompPro-Thin"/>
-                <a:cs typeface="PFDinTextCompPro-Thin"/>
-              </a:rPr>
-              <a:t>{</a:t>
-            </a:r>
-            <a:endParaRPr lang="en-US" sz="20000" dirty="0">
-              <a:solidFill>
-                <a:schemeClr val="accent3">
-                  <a:lumMod val="50000"/>
-                </a:schemeClr>
-              </a:solidFill>
-              <a:latin typeface="PFDinTextCompPro-Thin"/>
-              <a:cs typeface="PFDinTextCompPro-Thin"/>
-            </a:endParaRPr>
-          </a:p>
-        </p:txBody>
-      </p:sp>
-      <p:sp>
-        <p:nvSpPr>
-          <p:cNvPr id="12" name="TextBox 11"/>
-          <p:cNvSpPr txBox="1"/>
-          <p:nvPr/>
-        </p:nvSpPr>
-        <p:spPr>
-          <a:xfrm>
-            <a:off x="7811689" y="2448461"/>
-            <a:ext cx="1226874" cy="1323439"/>
-          </a:xfrm>
-          <a:prstGeom prst="rect">
-            <a:avLst/>
-          </a:prstGeom>
-          <a:noFill/>
-        </p:spPr>
-        <p:txBody>
-          <a:bodyPr wrap="none" rtlCol="0">
-            <a:spAutoFit/>
-          </a:bodyPr>
-          <a:lstStyle/>
-          <a:p>
-            <a:r>
-              <a:rPr lang="en-US" sz="3000" dirty="0" smtClean="0">
-                <a:solidFill>
-                  <a:srgbClr val="CE0035"/>
-                </a:solidFill>
-                <a:latin typeface="PFDinTextCompPro-Italic"/>
-                <a:cs typeface="PFDinTextCompPro-Italic"/>
-              </a:rPr>
-              <a:t>class</a:t>
-            </a:r>
-          </a:p>
-          <a:p>
-            <a:r>
-              <a:rPr lang="en-US" sz="3000" dirty="0" smtClean="0">
-                <a:solidFill>
-                  <a:srgbClr val="CE0035"/>
-                </a:solidFill>
-                <a:latin typeface="PFDinTextCompPro-Italic"/>
-                <a:cs typeface="PFDinTextCompPro-Italic"/>
-              </a:rPr>
-              <a:t>labels</a:t>
-            </a:r>
-          </a:p>
-          <a:p>
-            <a:r>
-              <a:rPr lang="en-US" sz="2000" i="1" dirty="0" smtClean="0">
-                <a:solidFill>
-                  <a:srgbClr val="CE0035"/>
-                </a:solidFill>
-                <a:latin typeface="PFDinTextCompPro-Italic"/>
-                <a:cs typeface="PFDinTextCompPro-Italic"/>
-              </a:rPr>
-              <a:t>(categorical)</a:t>
-            </a:r>
-            <a:endParaRPr lang="en-US" sz="2000" i="1" dirty="0">
-              <a:solidFill>
-                <a:srgbClr val="CE0035"/>
-              </a:solidFill>
+              <a:t>Q: What does “supervised” mean?</a:t>
+            </a:r>
+          </a:p>
+          <a:p>
+            <a:endParaRPr lang="en-US" sz="3000" dirty="0">
               <a:latin typeface="PFDinTextCompPro-Italic"/>
               <a:cs typeface="PFDinTextCompPro-Italic"/>
             </a:endParaRPr>
@@ -26772,7 +26724,7 @@
     </p:spTree>
     <p:extLst>
       <p:ext uri="{BB962C8B-B14F-4D97-AF65-F5344CB8AC3E}">
-        <p14:creationId xmlns:p14="http://schemas.microsoft.com/office/powerpoint/2010/main" val="3884125298"/>
+        <p14:creationId xmlns:p14="http://schemas.microsoft.com/office/powerpoint/2010/main" val="1965983547"/>
       </p:ext>
     </p:extLst>
   </p:cSld>
@@ -26864,145 +26816,6 @@
                 <a:defRPr/>
               </a:pPr>
               <a:t>41</a:t>
-            </a:fld>
-            <a:endParaRPr lang="en-US"/>
-          </a:p>
-        </p:txBody>
-      </p:sp>
-      <p:sp>
-        <p:nvSpPr>
-          <p:cNvPr id="5" name="TextBox 4"/>
-          <p:cNvSpPr txBox="1"/>
-          <p:nvPr/>
-        </p:nvSpPr>
-        <p:spPr>
-          <a:xfrm>
-            <a:off x="591183" y="1057513"/>
-            <a:ext cx="4124502" cy="1015663"/>
-          </a:xfrm>
-          <a:prstGeom prst="rect">
-            <a:avLst/>
-          </a:prstGeom>
-          <a:noFill/>
-        </p:spPr>
-        <p:txBody>
-          <a:bodyPr wrap="none" rtlCol="0">
-            <a:spAutoFit/>
-          </a:bodyPr>
-          <a:lstStyle/>
-          <a:p>
-            <a:pPr algn="l"/>
-            <a:r>
-              <a:rPr lang="en-US" sz="3000" dirty="0" smtClean="0">
-                <a:latin typeface="PFDinTextCompPro-Italic"/>
-                <a:cs typeface="PFDinTextCompPro-Italic"/>
-              </a:rPr>
-              <a:t>Q: What does “supervised” mean?</a:t>
-            </a:r>
-          </a:p>
-          <a:p>
-            <a:endParaRPr lang="en-US" sz="3000" dirty="0">
-              <a:latin typeface="PFDinTextCompPro-Italic"/>
-              <a:cs typeface="PFDinTextCompPro-Italic"/>
-            </a:endParaRPr>
-          </a:p>
-        </p:txBody>
-      </p:sp>
-    </p:spTree>
-    <p:extLst>
-      <p:ext uri="{BB962C8B-B14F-4D97-AF65-F5344CB8AC3E}">
-        <p14:creationId xmlns:p14="http://schemas.microsoft.com/office/powerpoint/2010/main" val="1965983547"/>
-      </p:ext>
-    </p:extLst>
-  </p:cSld>
-  <p:clrMapOvr>
-    <a:masterClrMapping/>
-  </p:clrMapOvr>
-  <p:transition xmlns:p14="http://schemas.microsoft.com/office/powerpoint/2010/main"/>
-  <p:timing>
-    <p:tnLst>
-      <p:par>
-        <p:cTn xmlns:p14="http://schemas.microsoft.com/office/powerpoint/2010/main" id="1" dur="indefinite" restart="never" nodeType="tmRoot"/>
-      </p:par>
-    </p:tnLst>
-  </p:timing>
-</p:sld>
-</file>
-
-<file path=ppt/slides/slide42.xml><?xml version="1.0" encoding="utf-8"?>
-<p:sld xmlns:a="http://schemas.openxmlformats.org/drawingml/2006/main" xmlns:r="http://schemas.openxmlformats.org/officeDocument/2006/relationships" xmlns:p="http://schemas.openxmlformats.org/presentationml/2006/main">
-  <p:cSld>
-    <p:spTree>
-      <p:nvGrpSpPr>
-        <p:cNvPr id="1" name=""/>
-        <p:cNvGrpSpPr/>
-        <p:nvPr/>
-      </p:nvGrpSpPr>
-      <p:grpSpPr>
-        <a:xfrm>
-          <a:off x="0" y="0"/>
-          <a:ext cx="0" cy="0"/>
-          <a:chOff x="0" y="0"/>
-          <a:chExt cx="0" cy="0"/>
-        </a:xfrm>
-      </p:grpSpPr>
-      <p:sp>
-        <p:nvSpPr>
-          <p:cNvPr id="4" name="Content Placeholder 3"/>
-          <p:cNvSpPr>
-            <a:spLocks noGrp="1"/>
-          </p:cNvSpPr>
-          <p:nvPr>
-            <p:ph sz="quarter" idx="11"/>
-          </p:nvPr>
-        </p:nvSpPr>
-        <p:spPr>
-          <a:xfrm>
-            <a:off x="414337" y="495300"/>
-            <a:ext cx="6400800" cy="304800"/>
-          </a:xfrm>
-        </p:spPr>
-        <p:txBody>
-          <a:bodyPr/>
-          <a:lstStyle/>
-          <a:p>
-            <a:pPr eaLnBrk="1" hangingPunct="1">
-              <a:lnSpc>
-                <a:spcPts val="2448"/>
-              </a:lnSpc>
-              <a:defRPr/>
-            </a:pPr>
-            <a:r>
-              <a:rPr lang="en-US" dirty="0"/>
-              <a:t>Classification problems</a:t>
-            </a:r>
-          </a:p>
-        </p:txBody>
-      </p:sp>
-      <p:sp>
-        <p:nvSpPr>
-          <p:cNvPr id="8" name="Slide Number Placeholder 3"/>
-          <p:cNvSpPr>
-            <a:spLocks noGrp="1"/>
-          </p:cNvSpPr>
-          <p:nvPr>
-            <p:ph type="sldNum" sz="quarter" idx="13"/>
-          </p:nvPr>
-        </p:nvSpPr>
-        <p:spPr/>
-        <p:txBody>
-          <a:bodyPr/>
-          <a:lstStyle/>
-          <a:p>
-            <a:pPr>
-              <a:defRPr/>
-            </a:pPr>
-            <a:fld id="{BD5AD749-DAD1-6A4A-A2AA-CB20EAD0AEB7}" type="slidenum">
-              <a:rPr lang="en-US"/>
-              <a:pPr>
-                <a:defRPr/>
-              </a:pPr>
-              <a:t>42</a:t>
             </a:fld>
             <a:endParaRPr lang="en-US"/>
           </a:p>
@@ -27129,6 +26942,139 @@
 </p:sld>
 </file>
 
+<file path=ppt/slides/slide42.xml><?xml version="1.0" encoding="utf-8"?>
+<p:sld xmlns:a="http://schemas.openxmlformats.org/drawingml/2006/main" xmlns:r="http://schemas.openxmlformats.org/officeDocument/2006/relationships" xmlns:p="http://schemas.openxmlformats.org/presentationml/2006/main">
+  <p:cSld>
+    <p:spTree>
+      <p:nvGrpSpPr>
+        <p:cNvPr id="1" name=""/>
+        <p:cNvGrpSpPr/>
+        <p:nvPr/>
+      </p:nvGrpSpPr>
+      <p:grpSpPr>
+        <a:xfrm>
+          <a:off x="0" y="0"/>
+          <a:ext cx="0" cy="0"/>
+          <a:chOff x="0" y="0"/>
+          <a:chExt cx="0" cy="0"/>
+        </a:xfrm>
+      </p:grpSpPr>
+      <p:sp>
+        <p:nvSpPr>
+          <p:cNvPr id="4" name="Content Placeholder 3"/>
+          <p:cNvSpPr>
+            <a:spLocks noGrp="1"/>
+          </p:cNvSpPr>
+          <p:nvPr>
+            <p:ph sz="quarter" idx="11"/>
+          </p:nvPr>
+        </p:nvSpPr>
+        <p:spPr>
+          <a:xfrm>
+            <a:off x="414337" y="495300"/>
+            <a:ext cx="6400800" cy="304800"/>
+          </a:xfrm>
+        </p:spPr>
+        <p:txBody>
+          <a:bodyPr/>
+          <a:lstStyle/>
+          <a:p>
+            <a:pPr eaLnBrk="1" hangingPunct="1">
+              <a:lnSpc>
+                <a:spcPts val="2448"/>
+              </a:lnSpc>
+              <a:defRPr/>
+            </a:pPr>
+            <a:r>
+              <a:rPr lang="en-US" dirty="0"/>
+              <a:t>Classification problems</a:t>
+            </a:r>
+          </a:p>
+        </p:txBody>
+      </p:sp>
+      <p:sp>
+        <p:nvSpPr>
+          <p:cNvPr id="8" name="Slide Number Placeholder 3"/>
+          <p:cNvSpPr>
+            <a:spLocks noGrp="1"/>
+          </p:cNvSpPr>
+          <p:nvPr>
+            <p:ph type="sldNum" sz="quarter" idx="13"/>
+          </p:nvPr>
+        </p:nvSpPr>
+        <p:spPr/>
+        <p:txBody>
+          <a:bodyPr/>
+          <a:lstStyle/>
+          <a:p>
+            <a:pPr>
+              <a:defRPr/>
+            </a:pPr>
+            <a:fld id="{BD5AD749-DAD1-6A4A-A2AA-CB20EAD0AEB7}" type="slidenum">
+              <a:rPr lang="en-US"/>
+              <a:pPr>
+                <a:defRPr/>
+              </a:pPr>
+              <a:t>42</a:t>
+            </a:fld>
+            <a:endParaRPr lang="en-US"/>
+          </a:p>
+        </p:txBody>
+      </p:sp>
+      <p:sp>
+        <p:nvSpPr>
+          <p:cNvPr id="5" name="TextBox 4"/>
+          <p:cNvSpPr txBox="1"/>
+          <p:nvPr/>
+        </p:nvSpPr>
+        <p:spPr>
+          <a:xfrm>
+            <a:off x="591183" y="1057513"/>
+            <a:ext cx="5295952" cy="553998"/>
+          </a:xfrm>
+          <a:prstGeom prst="rect">
+            <a:avLst/>
+          </a:prstGeom>
+          <a:noFill/>
+        </p:spPr>
+        <p:txBody>
+          <a:bodyPr wrap="none" rtlCol="0">
+            <a:spAutoFit/>
+          </a:bodyPr>
+          <a:lstStyle/>
+          <a:p>
+            <a:pPr algn="l"/>
+            <a:r>
+              <a:rPr lang="en-US" sz="3000" dirty="0" smtClean="0">
+                <a:latin typeface="PFDinTextCompPro-Italic"/>
+                <a:cs typeface="PFDinTextCompPro-Italic"/>
+              </a:rPr>
+              <a:t>Q: How does a classification problem work?</a:t>
+            </a:r>
+          </a:p>
+        </p:txBody>
+      </p:sp>
+    </p:spTree>
+    <p:extLst>
+      <p:ext uri="{BB962C8B-B14F-4D97-AF65-F5344CB8AC3E}">
+        <p14:creationId xmlns:p14="http://schemas.microsoft.com/office/powerpoint/2010/main" val="1300819571"/>
+      </p:ext>
+    </p:extLst>
+  </p:cSld>
+  <p:clrMapOvr>
+    <a:masterClrMapping/>
+  </p:clrMapOvr>
+  <p:transition xmlns:p14="http://schemas.microsoft.com/office/powerpoint/2010/main"/>
+  <p:timing>
+    <p:tnLst>
+      <p:par>
+        <p:cTn xmlns:p14="http://schemas.microsoft.com/office/powerpoint/2010/main" id="1" dur="indefinite" restart="never" nodeType="tmRoot"/>
+      </p:par>
+    </p:tnLst>
+  </p:timing>
+</p:sld>
+</file>
+
 <file path=ppt/slides/slide43.xml><?xml version="1.0" encoding="utf-8"?>
 <p:sld xmlns:a="http://schemas.openxmlformats.org/drawingml/2006/main" xmlns:r="http://schemas.openxmlformats.org/officeDocument/2006/relationships" xmlns:p="http://schemas.openxmlformats.org/presentationml/2006/main">
   <p:cSld>
@@ -27217,7 +27163,7 @@
         <p:spPr>
           <a:xfrm>
             <a:off x="591183" y="1057513"/>
-            <a:ext cx="5295952" cy="553998"/>
+            <a:ext cx="5295952" cy="1477328"/>
           </a:xfrm>
           <a:prstGeom prst="rect">
             <a:avLst/>
@@ -27239,12 +27185,128 @@
               <a:t>Q: How does a classification problem work?</a:t>
             </a:r>
           </a:p>
+          <a:p>
+            <a:r>
+              <a:rPr lang="en-US" sz="3000" dirty="0" smtClean="0">
+                <a:latin typeface="PFDinTextCompPro-Italic"/>
+                <a:cs typeface="PFDinTextCompPro-Italic"/>
+              </a:rPr>
+              <a:t>A: Data in, predicted labels out.</a:t>
+            </a:r>
+          </a:p>
+          <a:p>
+            <a:pPr marL="457200" indent="-457200">
+              <a:buFontTx/>
+              <a:buChar char="-"/>
+            </a:pPr>
+            <a:endParaRPr lang="en-US" sz="3000" dirty="0">
+              <a:latin typeface="PFDinTextCompPro-Italic"/>
+              <a:cs typeface="PFDinTextCompPro-Italic"/>
+            </a:endParaRPr>
+          </a:p>
+        </p:txBody>
+      </p:sp>
+      <p:pic>
+        <p:nvPicPr>
+          <p:cNvPr id="2" name="Picture 1"/>
+          <p:cNvPicPr>
+            <a:picLocks noChangeAspect="1"/>
+          </p:cNvPicPr>
+          <p:nvPr/>
+        </p:nvPicPr>
+        <p:blipFill>
+          <a:blip r:embed="rId3"/>
+          <a:stretch>
+            <a:fillRect/>
+          </a:stretch>
+        </p:blipFill>
+        <p:spPr>
+          <a:xfrm>
+            <a:off x="1674177" y="2552700"/>
+            <a:ext cx="6014720" cy="1534160"/>
+          </a:xfrm>
+          <a:prstGeom prst="rect">
+            <a:avLst/>
+          </a:prstGeom>
+        </p:spPr>
+      </p:pic>
+      <p:sp>
+        <p:nvSpPr>
+          <p:cNvPr id="6" name="TextBox 5"/>
+          <p:cNvSpPr txBox="1"/>
+          <p:nvPr/>
+        </p:nvSpPr>
+        <p:spPr>
+          <a:xfrm>
+            <a:off x="150098" y="4991100"/>
+            <a:ext cx="3198311" cy="215444"/>
+          </a:xfrm>
+          <a:prstGeom prst="rect">
+            <a:avLst/>
+          </a:prstGeom>
+          <a:noFill/>
+        </p:spPr>
+        <p:txBody>
+          <a:bodyPr wrap="none" rtlCol="0">
+            <a:spAutoFit/>
+          </a:bodyPr>
+          <a:lstStyle/>
+          <a:p>
+            <a:r>
+              <a:rPr lang="en-US" sz="800" i="1" dirty="0" smtClean="0">
+                <a:latin typeface="+mn-lt"/>
+              </a:rPr>
+              <a:t>source: http</a:t>
+            </a:r>
+            <a:r>
+              <a:rPr lang="en-US" sz="800" i="1" dirty="0">
+                <a:latin typeface="+mn-lt"/>
+              </a:rPr>
+              <a:t>://www-</a:t>
+            </a:r>
+            <a:r>
+              <a:rPr lang="en-US" sz="800" i="1" dirty="0" err="1">
+                <a:latin typeface="+mn-lt"/>
+              </a:rPr>
+              <a:t>users.cs.umn.edu</a:t>
+            </a:r>
+            <a:r>
+              <a:rPr lang="en-US" sz="800" i="1" dirty="0">
+                <a:latin typeface="+mn-lt"/>
+              </a:rPr>
+              <a:t>/~</a:t>
+            </a:r>
+            <a:r>
+              <a:rPr lang="en-US" sz="800" i="1" dirty="0" err="1">
+                <a:latin typeface="+mn-lt"/>
+              </a:rPr>
+              <a:t>kumar</a:t>
+            </a:r>
+            <a:r>
+              <a:rPr lang="en-US" sz="800" i="1" dirty="0">
+                <a:latin typeface="+mn-lt"/>
+              </a:rPr>
+              <a:t>/</a:t>
+            </a:r>
+            <a:r>
+              <a:rPr lang="en-US" sz="800" i="1" dirty="0" err="1">
+                <a:latin typeface="+mn-lt"/>
+              </a:rPr>
+              <a:t>dmbook</a:t>
+            </a:r>
+            <a:r>
+              <a:rPr lang="en-US" sz="800" i="1" dirty="0">
+                <a:latin typeface="+mn-lt"/>
+              </a:rPr>
+              <a:t>/ch4.pdf</a:t>
+            </a:r>
+          </a:p>
         </p:txBody>
       </p:sp>
     </p:spTree>
     <p:extLst>
       <p:ext uri="{BB962C8B-B14F-4D97-AF65-F5344CB8AC3E}">
-        <p14:creationId xmlns:p14="http://schemas.microsoft.com/office/powerpoint/2010/main" val="1300819571"/>
+        <p14:creationId xmlns:p14="http://schemas.microsoft.com/office/powerpoint/2010/main" val="259967038"/>
       </p:ext>
     </p:extLst>
   </p:cSld>
@@ -27306,9 +27368,14 @@
               <a:defRPr/>
             </a:pPr>
             <a:r>
-              <a:rPr lang="en-US" dirty="0"/>
-              <a:t>Classification problems</a:t>
-            </a:r>
+              <a:rPr lang="en-US" dirty="0" err="1" smtClean="0"/>
+              <a:t>Knn</a:t>
+            </a:r>
+            <a:r>
+              <a:rPr lang="en-US" dirty="0" smtClean="0"/>
+              <a:t> classification - basics</a:t>
+            </a:r>
+            <a:endParaRPr lang="en-US" dirty="0"/>
           </a:p>
         </p:txBody>
       </p:sp>
@@ -27338,58 +27405,6 @@
               <a:t>44</a:t>
             </a:fld>
             <a:endParaRPr lang="en-US"/>
-          </a:p>
-        </p:txBody>
-      </p:sp>
-      <p:sp>
-        <p:nvSpPr>
-          <p:cNvPr id="5" name="TextBox 4"/>
-          <p:cNvSpPr txBox="1"/>
-          <p:nvPr/>
-        </p:nvSpPr>
-        <p:spPr>
-          <a:xfrm>
-            <a:off x="591183" y="1057513"/>
-            <a:ext cx="5295952" cy="1477328"/>
-          </a:xfrm>
-          <a:prstGeom prst="rect">
-            <a:avLst/>
-          </a:prstGeom>
-          <a:noFill/>
-        </p:spPr>
-        <p:txBody>
-          <a:bodyPr wrap="none" rtlCol="0">
-            <a:spAutoFit/>
-          </a:bodyPr>
-          <a:lstStyle/>
-          <a:p>
-            <a:pPr algn="l"/>
-            <a:r>
-              <a:rPr lang="en-US" sz="3000" dirty="0" smtClean="0">
-                <a:latin typeface="PFDinTextCompPro-Italic"/>
-                <a:cs typeface="PFDinTextCompPro-Italic"/>
-              </a:rPr>
-              <a:t>Q: How does a classification problem work?</a:t>
-            </a:r>
-          </a:p>
-          <a:p>
-            <a:r>
-              <a:rPr lang="en-US" sz="3000" dirty="0" smtClean="0">
-                <a:latin typeface="PFDinTextCompPro-Italic"/>
-                <a:cs typeface="PFDinTextCompPro-Italic"/>
-              </a:rPr>
-              <a:t>A: Data in, predicted labels out.</a:t>
-            </a:r>
-          </a:p>
-          <a:p>
-            <a:pPr marL="457200" indent="-457200">
-              <a:buFontTx/>
-              <a:buChar char="-"/>
-            </a:pPr>
-            <a:endParaRPr lang="en-US" sz="3000" dirty="0">
-              <a:latin typeface="PFDinTextCompPro-Italic"/>
-              <a:cs typeface="PFDinTextCompPro-Italic"/>
-            </a:endParaRPr>
           </a:p>
         </p:txBody>
       </p:sp>
@@ -27409,8 +27424,8 @@
         </p:blipFill>
         <p:spPr>
           <a:xfrm>
-            <a:off x="1674177" y="2552700"/>
-            <a:ext cx="6014720" cy="1534160"/>
+            <a:off x="4300537" y="1725789"/>
+            <a:ext cx="4572000" cy="3159958"/>
           </a:xfrm>
           <a:prstGeom prst="rect">
             <a:avLst/>
@@ -27425,8 +27440,8 @@
         </p:nvSpPr>
         <p:spPr>
           <a:xfrm>
-            <a:off x="150098" y="4991100"/>
-            <a:ext cx="3198311" cy="215444"/>
+            <a:off x="623608" y="1057513"/>
+            <a:ext cx="6386596" cy="553998"/>
           </a:xfrm>
           <a:prstGeom prst="rect">
             <a:avLst/>
@@ -27439,53 +27454,13 @@
           </a:bodyPr>
           <a:lstStyle/>
           <a:p>
-            <a:r>
-              <a:rPr lang="en-US" sz="800" i="1" dirty="0" smtClean="0">
-                <a:latin typeface="+mn-lt"/>
-              </a:rPr>
-              <a:t>source: http</a:t>
-            </a:r>
-            <a:r>
-              <a:rPr lang="en-US" sz="800" i="1" dirty="0">
-                <a:latin typeface="+mn-lt"/>
-              </a:rPr>
-              <a:t>://www-</a:t>
-            </a:r>
-            <a:r>
-              <a:rPr lang="en-US" sz="800" i="1" dirty="0" err="1">
-                <a:latin typeface="+mn-lt"/>
-              </a:rPr>
-              <a:t>users.cs.umn.edu</a:t>
-            </a:r>
-            <a:r>
-              <a:rPr lang="en-US" sz="800" i="1" dirty="0">
-                <a:latin typeface="+mn-lt"/>
-              </a:rPr>
-              <a:t>/~</a:t>
-            </a:r>
-            <a:r>
-              <a:rPr lang="en-US" sz="800" i="1" dirty="0" err="1">
-                <a:latin typeface="+mn-lt"/>
-              </a:rPr>
-              <a:t>kumar</a:t>
-            </a:r>
-            <a:r>
-              <a:rPr lang="en-US" sz="800" i="1" dirty="0">
-                <a:latin typeface="+mn-lt"/>
-              </a:rPr>
-              <a:t>/</a:t>
-            </a:r>
-            <a:r>
-              <a:rPr lang="en-US" sz="800" i="1" dirty="0" err="1">
-                <a:latin typeface="+mn-lt"/>
-              </a:rPr>
-              <a:t>dmbook</a:t>
-            </a:r>
-            <a:r>
-              <a:rPr lang="en-US" sz="800" i="1" dirty="0">
-                <a:latin typeface="+mn-lt"/>
-              </a:rPr>
-              <a:t>/ch4.pdf</a:t>
+            <a:pPr algn="l"/>
+            <a:r>
+              <a:rPr lang="en-US" sz="3000" dirty="0" smtClean="0">
+                <a:latin typeface="PFDinTextCompPro-Italic"/>
+                <a:cs typeface="PFDinTextCompPro-Italic"/>
+              </a:rPr>
+              <a:t>Suppose we want to predict the color of the grey dot.</a:t>
             </a:r>
           </a:p>
         </p:txBody>
@@ -27493,7 +27468,7 @@
     </p:spTree>
     <p:extLst>
       <p:ext uri="{BB962C8B-B14F-4D97-AF65-F5344CB8AC3E}">
-        <p14:creationId xmlns:p14="http://schemas.microsoft.com/office/powerpoint/2010/main" val="259967038"/>
+        <p14:creationId xmlns:p14="http://schemas.microsoft.com/office/powerpoint/2010/main" val="3487360592"/>
       </p:ext>
     </p:extLst>
   </p:cSld>
@@ -27590,168 +27565,6 @@
                 <a:defRPr/>
               </a:pPr>
               <a:t>45</a:t>
-            </a:fld>
-            <a:endParaRPr lang="en-US"/>
-          </a:p>
-        </p:txBody>
-      </p:sp>
-      <p:pic>
-        <p:nvPicPr>
-          <p:cNvPr id="2" name="Picture 1"/>
-          <p:cNvPicPr>
-            <a:picLocks noChangeAspect="1"/>
-          </p:cNvPicPr>
-          <p:nvPr/>
-        </p:nvPicPr>
-        <p:blipFill>
-          <a:blip r:embed="rId3"/>
-          <a:stretch>
-            <a:fillRect/>
-          </a:stretch>
-        </p:blipFill>
-        <p:spPr>
-          <a:xfrm>
-            <a:off x="4300537" y="1725789"/>
-            <a:ext cx="4572000" cy="3159958"/>
-          </a:xfrm>
-          <a:prstGeom prst="rect">
-            <a:avLst/>
-          </a:prstGeom>
-        </p:spPr>
-      </p:pic>
-      <p:sp>
-        <p:nvSpPr>
-          <p:cNvPr id="6" name="TextBox 5"/>
-          <p:cNvSpPr txBox="1"/>
-          <p:nvPr/>
-        </p:nvSpPr>
-        <p:spPr>
-          <a:xfrm>
-            <a:off x="623608" y="1057513"/>
-            <a:ext cx="6386596" cy="553998"/>
-          </a:xfrm>
-          <a:prstGeom prst="rect">
-            <a:avLst/>
-          </a:prstGeom>
-          <a:noFill/>
-        </p:spPr>
-        <p:txBody>
-          <a:bodyPr wrap="none" rtlCol="0">
-            <a:spAutoFit/>
-          </a:bodyPr>
-          <a:lstStyle/>
-          <a:p>
-            <a:pPr algn="l"/>
-            <a:r>
-              <a:rPr lang="en-US" sz="3000" dirty="0" smtClean="0">
-                <a:latin typeface="PFDinTextCompPro-Italic"/>
-                <a:cs typeface="PFDinTextCompPro-Italic"/>
-              </a:rPr>
-              <a:t>Suppose we want to predict the color of the grey dot.</a:t>
-            </a:r>
-          </a:p>
-        </p:txBody>
-      </p:sp>
-    </p:spTree>
-    <p:extLst>
-      <p:ext uri="{BB962C8B-B14F-4D97-AF65-F5344CB8AC3E}">
-        <p14:creationId xmlns:p14="http://schemas.microsoft.com/office/powerpoint/2010/main" val="3487360592"/>
-      </p:ext>
-    </p:extLst>
-  </p:cSld>
-  <p:clrMapOvr>
-    <a:masterClrMapping/>
-  </p:clrMapOvr>
-  <p:transition xmlns:p14="http://schemas.microsoft.com/office/powerpoint/2010/main"/>
-  <p:timing>
-    <p:tnLst>
-      <p:par>
-        <p:cTn xmlns:p14="http://schemas.microsoft.com/office/powerpoint/2010/main" id="1" dur="indefinite" restart="never" nodeType="tmRoot"/>
-      </p:par>
-    </p:tnLst>
-  </p:timing>
-</p:sld>
-</file>
-
-<file path=ppt/slides/slide46.xml><?xml version="1.0" encoding="utf-8"?>
-<p:sld xmlns:a="http://schemas.openxmlformats.org/drawingml/2006/main" xmlns:r="http://schemas.openxmlformats.org/officeDocument/2006/relationships" xmlns:p="http://schemas.openxmlformats.org/presentationml/2006/main">
-  <p:cSld>
-    <p:spTree>
-      <p:nvGrpSpPr>
-        <p:cNvPr id="1" name=""/>
-        <p:cNvGrpSpPr/>
-        <p:nvPr/>
-      </p:nvGrpSpPr>
-      <p:grpSpPr>
-        <a:xfrm>
-          <a:off x="0" y="0"/>
-          <a:ext cx="0" cy="0"/>
-          <a:chOff x="0" y="0"/>
-          <a:chExt cx="0" cy="0"/>
-        </a:xfrm>
-      </p:grpSpPr>
-      <p:sp>
-        <p:nvSpPr>
-          <p:cNvPr id="4" name="Content Placeholder 3"/>
-          <p:cNvSpPr>
-            <a:spLocks noGrp="1"/>
-          </p:cNvSpPr>
-          <p:nvPr>
-            <p:ph sz="quarter" idx="11"/>
-          </p:nvPr>
-        </p:nvSpPr>
-        <p:spPr>
-          <a:xfrm>
-            <a:off x="414337" y="495300"/>
-            <a:ext cx="6400800" cy="304800"/>
-          </a:xfrm>
-        </p:spPr>
-        <p:txBody>
-          <a:bodyPr/>
-          <a:lstStyle/>
-          <a:p>
-            <a:pPr eaLnBrk="1" hangingPunct="1">
-              <a:lnSpc>
-                <a:spcPts val="2448"/>
-              </a:lnSpc>
-              <a:defRPr/>
-            </a:pPr>
-            <a:r>
-              <a:rPr lang="en-US" dirty="0" err="1" smtClean="0"/>
-              <a:t>Knn</a:t>
-            </a:r>
-            <a:r>
-              <a:rPr lang="en-US" dirty="0" smtClean="0"/>
-              <a:t> classification - basics</a:t>
-            </a:r>
-            <a:endParaRPr lang="en-US" dirty="0"/>
-          </a:p>
-        </p:txBody>
-      </p:sp>
-      <p:sp>
-        <p:nvSpPr>
-          <p:cNvPr id="8" name="Slide Number Placeholder 3"/>
-          <p:cNvSpPr>
-            <a:spLocks noGrp="1"/>
-          </p:cNvSpPr>
-          <p:nvPr>
-            <p:ph type="sldNum" sz="quarter" idx="13"/>
-          </p:nvPr>
-        </p:nvSpPr>
-        <p:spPr/>
-        <p:txBody>
-          <a:bodyPr/>
-          <a:lstStyle/>
-          <a:p>
-            <a:pPr>
-              <a:defRPr/>
-            </a:pPr>
-            <a:fld id="{BD5AD749-DAD1-6A4A-A2AA-CB20EAD0AEB7}" type="slidenum">
-              <a:rPr lang="en-US"/>
-              <a:pPr>
-                <a:defRPr/>
-              </a:pPr>
-              <a:t>46</a:t>
             </a:fld>
             <a:endParaRPr lang="en-US"/>
           </a:p>
@@ -28034,15 +27847,6 @@
                 </a:rPr>
                 <a:t>What are the features? What are the labels?</a:t>
               </a:r>
-              <a:endParaRPr lang="en-US" sz="900" dirty="0" smtClean="0">
-                <a:solidFill>
-                  <a:schemeClr val="tx1"/>
-                </a:solidFill>
-                <a:latin typeface="News706 BT" charset="0"/>
-                <a:ea typeface="ＭＳ Ｐゴシック" charset="0"/>
-                <a:cs typeface="ＭＳ Ｐゴシック" charset="0"/>
-                <a:sym typeface="News706 BT" charset="0"/>
-              </a:endParaRPr>
             </a:p>
           </p:txBody>
         </p:sp>
@@ -28051,6 +27855,168 @@
     <p:extLst>
       <p:ext uri="{BB962C8B-B14F-4D97-AF65-F5344CB8AC3E}">
         <p14:creationId xmlns:p14="http://schemas.microsoft.com/office/powerpoint/2010/main" val="831085152"/>
+      </p:ext>
+    </p:extLst>
+  </p:cSld>
+  <p:clrMapOvr>
+    <a:masterClrMapping/>
+  </p:clrMapOvr>
+  <p:transition xmlns:p14="http://schemas.microsoft.com/office/powerpoint/2010/main"/>
+  <p:timing>
+    <p:tnLst>
+      <p:par>
+        <p:cTn xmlns:p14="http://schemas.microsoft.com/office/powerpoint/2010/main" id="1" dur="indefinite" restart="never" nodeType="tmRoot"/>
+      </p:par>
+    </p:tnLst>
+  </p:timing>
+</p:sld>
+</file>
+
+<file path=ppt/slides/slide46.xml><?xml version="1.0" encoding="utf-8"?>
+<p:sld xmlns:a="http://schemas.openxmlformats.org/drawingml/2006/main" xmlns:r="http://schemas.openxmlformats.org/officeDocument/2006/relationships" xmlns:p="http://schemas.openxmlformats.org/presentationml/2006/main">
+  <p:cSld>
+    <p:spTree>
+      <p:nvGrpSpPr>
+        <p:cNvPr id="1" name=""/>
+        <p:cNvGrpSpPr/>
+        <p:nvPr/>
+      </p:nvGrpSpPr>
+      <p:grpSpPr>
+        <a:xfrm>
+          <a:off x="0" y="0"/>
+          <a:ext cx="0" cy="0"/>
+          <a:chOff x="0" y="0"/>
+          <a:chExt cx="0" cy="0"/>
+        </a:xfrm>
+      </p:grpSpPr>
+      <p:sp>
+        <p:nvSpPr>
+          <p:cNvPr id="4" name="Content Placeholder 3"/>
+          <p:cNvSpPr>
+            <a:spLocks noGrp="1"/>
+          </p:cNvSpPr>
+          <p:nvPr>
+            <p:ph sz="quarter" idx="11"/>
+          </p:nvPr>
+        </p:nvSpPr>
+        <p:spPr>
+          <a:xfrm>
+            <a:off x="414337" y="495300"/>
+            <a:ext cx="6400800" cy="304800"/>
+          </a:xfrm>
+        </p:spPr>
+        <p:txBody>
+          <a:bodyPr/>
+          <a:lstStyle/>
+          <a:p>
+            <a:pPr eaLnBrk="1" hangingPunct="1">
+              <a:lnSpc>
+                <a:spcPts val="2448"/>
+              </a:lnSpc>
+              <a:defRPr/>
+            </a:pPr>
+            <a:r>
+              <a:rPr lang="en-US" dirty="0" err="1" smtClean="0"/>
+              <a:t>Knn</a:t>
+            </a:r>
+            <a:r>
+              <a:rPr lang="en-US" dirty="0" smtClean="0"/>
+              <a:t> classification - basics</a:t>
+            </a:r>
+            <a:endParaRPr lang="en-US" dirty="0"/>
+          </a:p>
+        </p:txBody>
+      </p:sp>
+      <p:sp>
+        <p:nvSpPr>
+          <p:cNvPr id="8" name="Slide Number Placeholder 3"/>
+          <p:cNvSpPr>
+            <a:spLocks noGrp="1"/>
+          </p:cNvSpPr>
+          <p:nvPr>
+            <p:ph type="sldNum" sz="quarter" idx="13"/>
+          </p:nvPr>
+        </p:nvSpPr>
+        <p:spPr/>
+        <p:txBody>
+          <a:bodyPr/>
+          <a:lstStyle/>
+          <a:p>
+            <a:pPr>
+              <a:defRPr/>
+            </a:pPr>
+            <a:fld id="{BD5AD749-DAD1-6A4A-A2AA-CB20EAD0AEB7}" type="slidenum">
+              <a:rPr lang="en-US"/>
+              <a:pPr>
+                <a:defRPr/>
+              </a:pPr>
+              <a:t>46</a:t>
+            </a:fld>
+            <a:endParaRPr lang="en-US"/>
+          </a:p>
+        </p:txBody>
+      </p:sp>
+      <p:pic>
+        <p:nvPicPr>
+          <p:cNvPr id="2" name="Picture 1"/>
+          <p:cNvPicPr>
+            <a:picLocks noChangeAspect="1"/>
+          </p:cNvPicPr>
+          <p:nvPr/>
+        </p:nvPicPr>
+        <p:blipFill>
+          <a:blip r:embed="rId3"/>
+          <a:stretch>
+            <a:fillRect/>
+          </a:stretch>
+        </p:blipFill>
+        <p:spPr>
+          <a:xfrm>
+            <a:off x="4300537" y="1725789"/>
+            <a:ext cx="4572000" cy="3159958"/>
+          </a:xfrm>
+          <a:prstGeom prst="rect">
+            <a:avLst/>
+          </a:prstGeom>
+        </p:spPr>
+      </p:pic>
+      <p:sp>
+        <p:nvSpPr>
+          <p:cNvPr id="6" name="TextBox 5"/>
+          <p:cNvSpPr txBox="1"/>
+          <p:nvPr/>
+        </p:nvSpPr>
+        <p:spPr>
+          <a:xfrm>
+            <a:off x="623608" y="1057513"/>
+            <a:ext cx="6386596" cy="553998"/>
+          </a:xfrm>
+          <a:prstGeom prst="rect">
+            <a:avLst/>
+          </a:prstGeom>
+          <a:noFill/>
+        </p:spPr>
+        <p:txBody>
+          <a:bodyPr wrap="none" rtlCol="0">
+            <a:spAutoFit/>
+          </a:bodyPr>
+          <a:lstStyle/>
+          <a:p>
+            <a:pPr algn="l"/>
+            <a:r>
+              <a:rPr lang="en-US" sz="3000" dirty="0" smtClean="0">
+                <a:latin typeface="PFDinTextCompPro-Italic"/>
+                <a:cs typeface="PFDinTextCompPro-Italic"/>
+              </a:rPr>
+              <a:t>Suppose we want to predict the color of the grey dot.</a:t>
+            </a:r>
+          </a:p>
+        </p:txBody>
+      </p:sp>
+    </p:spTree>
+    <p:extLst>
+      <p:ext uri="{BB962C8B-B14F-4D97-AF65-F5344CB8AC3E}">
+        <p14:creationId xmlns:p14="http://schemas.microsoft.com/office/powerpoint/2010/main" val="4293276168"/>
       </p:ext>
     </p:extLst>
   </p:cSld>
@@ -28117,7 +28083,7 @@
             </a:r>
             <a:r>
               <a:rPr lang="en-US" dirty="0" smtClean="0"/>
-              <a:t> classification - basics</a:t>
+              <a:t> classification</a:t>
             </a:r>
             <a:endParaRPr lang="en-US" dirty="0"/>
           </a:p>
@@ -28185,7 +28151,7 @@
         <p:spPr>
           <a:xfrm>
             <a:off x="623608" y="1057513"/>
-            <a:ext cx="6386596" cy="553998"/>
+            <a:ext cx="6386596" cy="1323439"/>
           </a:xfrm>
           <a:prstGeom prst="rect">
             <a:avLst/>
@@ -28207,12 +28173,62 @@
               <a:t>Suppose we want to predict the color of the grey dot.</a:t>
             </a:r>
           </a:p>
+          <a:p>
+            <a:pPr algn="l"/>
+            <a:endParaRPr lang="en-US" sz="2500" dirty="0">
+              <a:latin typeface="PFDinTextCompPro-Italic"/>
+              <a:cs typeface="PFDinTextCompPro-Italic"/>
+            </a:endParaRPr>
+          </a:p>
+          <a:p>
+            <a:pPr algn="l"/>
+            <a:r>
+              <a:rPr lang="en-US" sz="2500" dirty="0" smtClean="0">
+                <a:latin typeface="PFDinTextCompPro-Italic"/>
+                <a:cs typeface="PFDinTextCompPro-Italic"/>
+              </a:rPr>
+              <a:t>1)  Pick a value for k.</a:t>
+            </a:r>
+          </a:p>
+        </p:txBody>
+      </p:sp>
+      <p:sp>
+        <p:nvSpPr>
+          <p:cNvPr id="3" name="TextBox 2"/>
+          <p:cNvSpPr txBox="1"/>
+          <p:nvPr/>
+        </p:nvSpPr>
+        <p:spPr>
+          <a:xfrm>
+            <a:off x="4833668" y="3904446"/>
+            <a:ext cx="686069" cy="477054"/>
+          </a:xfrm>
+          <a:prstGeom prst="rect">
+            <a:avLst/>
+          </a:prstGeom>
+          <a:noFill/>
+        </p:spPr>
+        <p:txBody>
+          <a:bodyPr wrap="none" rtlCol="0">
+            <a:spAutoFit/>
+          </a:bodyPr>
+          <a:lstStyle/>
+          <a:p>
+            <a:r>
+              <a:rPr lang="en-US" sz="2500" dirty="0" smtClean="0">
+                <a:latin typeface="PFDinTextCompPro-Italic"/>
+                <a:cs typeface="PFDinTextCompPro-Italic"/>
+              </a:rPr>
+              <a:t>k = 3</a:t>
+            </a:r>
+            <a:endParaRPr lang="en-US" sz="2500" dirty="0"/>
+          </a:p>
         </p:txBody>
       </p:sp>
     </p:spTree>
     <p:extLst>
       <p:ext uri="{BB962C8B-B14F-4D97-AF65-F5344CB8AC3E}">
-        <p14:creationId xmlns:p14="http://schemas.microsoft.com/office/powerpoint/2010/main" val="4293276168"/>
+        <p14:creationId xmlns:p14="http://schemas.microsoft.com/office/powerpoint/2010/main" val="4086403882"/>
       </p:ext>
     </p:extLst>
   </p:cSld>
@@ -28309,218 +28325,6 @@
                 <a:defRPr/>
               </a:pPr>
               <a:t>48</a:t>
-            </a:fld>
-            <a:endParaRPr lang="en-US"/>
-          </a:p>
-        </p:txBody>
-      </p:sp>
-      <p:pic>
-        <p:nvPicPr>
-          <p:cNvPr id="2" name="Picture 1"/>
-          <p:cNvPicPr>
-            <a:picLocks noChangeAspect="1"/>
-          </p:cNvPicPr>
-          <p:nvPr/>
-        </p:nvPicPr>
-        <p:blipFill>
-          <a:blip r:embed="rId3"/>
-          <a:stretch>
-            <a:fillRect/>
-          </a:stretch>
-        </p:blipFill>
-        <p:spPr>
-          <a:xfrm>
-            <a:off x="4300537" y="1725789"/>
-            <a:ext cx="4572000" cy="3159958"/>
-          </a:xfrm>
-          <a:prstGeom prst="rect">
-            <a:avLst/>
-          </a:prstGeom>
-        </p:spPr>
-      </p:pic>
-      <p:sp>
-        <p:nvSpPr>
-          <p:cNvPr id="6" name="TextBox 5"/>
-          <p:cNvSpPr txBox="1"/>
-          <p:nvPr/>
-        </p:nvSpPr>
-        <p:spPr>
-          <a:xfrm>
-            <a:off x="623608" y="1057513"/>
-            <a:ext cx="6386596" cy="1323439"/>
-          </a:xfrm>
-          <a:prstGeom prst="rect">
-            <a:avLst/>
-          </a:prstGeom>
-          <a:noFill/>
-        </p:spPr>
-        <p:txBody>
-          <a:bodyPr wrap="none" rtlCol="0">
-            <a:spAutoFit/>
-          </a:bodyPr>
-          <a:lstStyle/>
-          <a:p>
-            <a:pPr algn="l"/>
-            <a:r>
-              <a:rPr lang="en-US" sz="3000" dirty="0" smtClean="0">
-                <a:latin typeface="PFDinTextCompPro-Italic"/>
-                <a:cs typeface="PFDinTextCompPro-Italic"/>
-              </a:rPr>
-              <a:t>Suppose we want to predict the color of the grey dot.</a:t>
-            </a:r>
-          </a:p>
-          <a:p>
-            <a:pPr algn="l"/>
-            <a:endParaRPr lang="en-US" sz="2500" dirty="0">
-              <a:latin typeface="PFDinTextCompPro-Italic"/>
-              <a:cs typeface="PFDinTextCompPro-Italic"/>
-            </a:endParaRPr>
-          </a:p>
-          <a:p>
-            <a:pPr algn="l"/>
-            <a:r>
-              <a:rPr lang="en-US" sz="2500" dirty="0" smtClean="0">
-                <a:latin typeface="PFDinTextCompPro-Italic"/>
-                <a:cs typeface="PFDinTextCompPro-Italic"/>
-              </a:rPr>
-              <a:t>1)  Pick a value for k.</a:t>
-            </a:r>
-          </a:p>
-        </p:txBody>
-      </p:sp>
-      <p:sp>
-        <p:nvSpPr>
-          <p:cNvPr id="3" name="TextBox 2"/>
-          <p:cNvSpPr txBox="1"/>
-          <p:nvPr/>
-        </p:nvSpPr>
-        <p:spPr>
-          <a:xfrm>
-            <a:off x="4833668" y="3904446"/>
-            <a:ext cx="686069" cy="477054"/>
-          </a:xfrm>
-          <a:prstGeom prst="rect">
-            <a:avLst/>
-          </a:prstGeom>
-          <a:noFill/>
-        </p:spPr>
-        <p:txBody>
-          <a:bodyPr wrap="none" rtlCol="0">
-            <a:spAutoFit/>
-          </a:bodyPr>
-          <a:lstStyle/>
-          <a:p>
-            <a:r>
-              <a:rPr lang="en-US" sz="2500" dirty="0" smtClean="0">
-                <a:latin typeface="PFDinTextCompPro-Italic"/>
-                <a:cs typeface="PFDinTextCompPro-Italic"/>
-              </a:rPr>
-              <a:t>k = 3</a:t>
-            </a:r>
-            <a:endParaRPr lang="en-US" sz="2500" dirty="0"/>
-          </a:p>
-        </p:txBody>
-      </p:sp>
-    </p:spTree>
-    <p:extLst>
-      <p:ext uri="{BB962C8B-B14F-4D97-AF65-F5344CB8AC3E}">
-        <p14:creationId xmlns:p14="http://schemas.microsoft.com/office/powerpoint/2010/main" val="4086403882"/>
-      </p:ext>
-    </p:extLst>
-  </p:cSld>
-  <p:clrMapOvr>
-    <a:masterClrMapping/>
-  </p:clrMapOvr>
-  <p:transition xmlns:p14="http://schemas.microsoft.com/office/powerpoint/2010/main"/>
-  <p:timing>
-    <p:tnLst>
-      <p:par>
-        <p:cTn xmlns:p14="http://schemas.microsoft.com/office/powerpoint/2010/main" id="1" dur="indefinite" restart="never" nodeType="tmRoot"/>
-      </p:par>
-    </p:tnLst>
-  </p:timing>
-</p:sld>
-</file>
-
-<file path=ppt/slides/slide49.xml><?xml version="1.0" encoding="utf-8"?>
-<p:sld xmlns:a="http://schemas.openxmlformats.org/drawingml/2006/main" xmlns:r="http://schemas.openxmlformats.org/officeDocument/2006/relationships" xmlns:p="http://schemas.openxmlformats.org/presentationml/2006/main">
-  <p:cSld>
-    <p:spTree>
-      <p:nvGrpSpPr>
-        <p:cNvPr id="1" name=""/>
-        <p:cNvGrpSpPr/>
-        <p:nvPr/>
-      </p:nvGrpSpPr>
-      <p:grpSpPr>
-        <a:xfrm>
-          <a:off x="0" y="0"/>
-          <a:ext cx="0" cy="0"/>
-          <a:chOff x="0" y="0"/>
-          <a:chExt cx="0" cy="0"/>
-        </a:xfrm>
-      </p:grpSpPr>
-      <p:sp>
-        <p:nvSpPr>
-          <p:cNvPr id="4" name="Content Placeholder 3"/>
-          <p:cNvSpPr>
-            <a:spLocks noGrp="1"/>
-          </p:cNvSpPr>
-          <p:nvPr>
-            <p:ph sz="quarter" idx="11"/>
-          </p:nvPr>
-        </p:nvSpPr>
-        <p:spPr>
-          <a:xfrm>
-            <a:off x="414337" y="495300"/>
-            <a:ext cx="6400800" cy="304800"/>
-          </a:xfrm>
-        </p:spPr>
-        <p:txBody>
-          <a:bodyPr/>
-          <a:lstStyle/>
-          <a:p>
-            <a:pPr eaLnBrk="1" hangingPunct="1">
-              <a:lnSpc>
-                <a:spcPts val="2448"/>
-              </a:lnSpc>
-              <a:defRPr/>
-            </a:pPr>
-            <a:r>
-              <a:rPr lang="en-US" dirty="0" err="1" smtClean="0"/>
-              <a:t>Knn</a:t>
-            </a:r>
-            <a:r>
-              <a:rPr lang="en-US" dirty="0" smtClean="0"/>
-              <a:t> classification</a:t>
-            </a:r>
-            <a:endParaRPr lang="en-US" dirty="0"/>
-          </a:p>
-        </p:txBody>
-      </p:sp>
-      <p:sp>
-        <p:nvSpPr>
-          <p:cNvPr id="8" name="Slide Number Placeholder 3"/>
-          <p:cNvSpPr>
-            <a:spLocks noGrp="1"/>
-          </p:cNvSpPr>
-          <p:nvPr>
-            <p:ph type="sldNum" sz="quarter" idx="13"/>
-          </p:nvPr>
-        </p:nvSpPr>
-        <p:spPr/>
-        <p:txBody>
-          <a:bodyPr/>
-          <a:lstStyle/>
-          <a:p>
-            <a:pPr>
-              <a:defRPr/>
-            </a:pPr>
-            <a:fld id="{BD5AD749-DAD1-6A4A-A2AA-CB20EAD0AEB7}" type="slidenum">
-              <a:rPr lang="en-US"/>
-              <a:pPr>
-                <a:defRPr/>
-              </a:pPr>
-              <a:t>49</a:t>
             </a:fld>
             <a:endParaRPr lang="en-US"/>
           </a:p>
@@ -28790,6 +28594,215 @@
 </p:sld>
 </file>
 
+<file path=ppt/slides/slide49.xml><?xml version="1.0" encoding="utf-8"?>
+<p:sld xmlns:a="http://schemas.openxmlformats.org/drawingml/2006/main" xmlns:r="http://schemas.openxmlformats.org/officeDocument/2006/relationships" xmlns:p="http://schemas.openxmlformats.org/presentationml/2006/main">
+  <p:cSld>
+    <p:spTree>
+      <p:nvGrpSpPr>
+        <p:cNvPr id="1" name=""/>
+        <p:cNvGrpSpPr/>
+        <p:nvPr/>
+      </p:nvGrpSpPr>
+      <p:grpSpPr>
+        <a:xfrm>
+          <a:off x="0" y="0"/>
+          <a:ext cx="0" cy="0"/>
+          <a:chOff x="0" y="0"/>
+          <a:chExt cx="0" cy="0"/>
+        </a:xfrm>
+      </p:grpSpPr>
+      <p:sp>
+        <p:nvSpPr>
+          <p:cNvPr id="4" name="Content Placeholder 3"/>
+          <p:cNvSpPr>
+            <a:spLocks noGrp="1"/>
+          </p:cNvSpPr>
+          <p:nvPr>
+            <p:ph sz="quarter" idx="11"/>
+          </p:nvPr>
+        </p:nvSpPr>
+        <p:spPr>
+          <a:xfrm>
+            <a:off x="414337" y="495300"/>
+            <a:ext cx="6400800" cy="304800"/>
+          </a:xfrm>
+        </p:spPr>
+        <p:txBody>
+          <a:bodyPr/>
+          <a:lstStyle/>
+          <a:p>
+            <a:pPr eaLnBrk="1" hangingPunct="1">
+              <a:lnSpc>
+                <a:spcPts val="2448"/>
+              </a:lnSpc>
+              <a:defRPr/>
+            </a:pPr>
+            <a:r>
+              <a:rPr lang="en-US" dirty="0" err="1" smtClean="0"/>
+              <a:t>Knn</a:t>
+            </a:r>
+            <a:r>
+              <a:rPr lang="en-US" dirty="0" smtClean="0"/>
+              <a:t> classification</a:t>
+            </a:r>
+            <a:endParaRPr lang="en-US" dirty="0"/>
+          </a:p>
+        </p:txBody>
+      </p:sp>
+      <p:sp>
+        <p:nvSpPr>
+          <p:cNvPr id="8" name="Slide Number Placeholder 3"/>
+          <p:cNvSpPr>
+            <a:spLocks noGrp="1"/>
+          </p:cNvSpPr>
+          <p:nvPr>
+            <p:ph type="sldNum" sz="quarter" idx="13"/>
+          </p:nvPr>
+        </p:nvSpPr>
+        <p:spPr/>
+        <p:txBody>
+          <a:bodyPr/>
+          <a:lstStyle/>
+          <a:p>
+            <a:pPr>
+              <a:defRPr/>
+            </a:pPr>
+            <a:fld id="{BD5AD749-DAD1-6A4A-A2AA-CB20EAD0AEB7}" type="slidenum">
+              <a:rPr lang="en-US"/>
+              <a:pPr>
+                <a:defRPr/>
+              </a:pPr>
+              <a:t>49</a:t>
+            </a:fld>
+            <a:endParaRPr lang="en-US"/>
+          </a:p>
+        </p:txBody>
+      </p:sp>
+      <p:pic>
+        <p:nvPicPr>
+          <p:cNvPr id="3" name="Picture 2"/>
+          <p:cNvPicPr>
+            <a:picLocks noChangeAspect="1"/>
+          </p:cNvPicPr>
+          <p:nvPr/>
+        </p:nvPicPr>
+        <p:blipFill>
+          <a:blip r:embed="rId3"/>
+          <a:stretch>
+            <a:fillRect/>
+          </a:stretch>
+        </p:blipFill>
+        <p:spPr>
+          <a:xfrm>
+            <a:off x="4300537" y="1773936"/>
+            <a:ext cx="4493584" cy="3048000"/>
+          </a:xfrm>
+          <a:prstGeom prst="rect">
+            <a:avLst/>
+          </a:prstGeom>
+        </p:spPr>
+      </p:pic>
+      <p:sp>
+        <p:nvSpPr>
+          <p:cNvPr id="6" name="TextBox 5"/>
+          <p:cNvSpPr txBox="1"/>
+          <p:nvPr/>
+        </p:nvSpPr>
+        <p:spPr>
+          <a:xfrm>
+            <a:off x="623608" y="1057513"/>
+            <a:ext cx="6386596" cy="2477601"/>
+          </a:xfrm>
+          <a:prstGeom prst="rect">
+            <a:avLst/>
+          </a:prstGeom>
+          <a:noFill/>
+        </p:spPr>
+        <p:txBody>
+          <a:bodyPr wrap="none" rtlCol="0">
+            <a:spAutoFit/>
+          </a:bodyPr>
+          <a:lstStyle/>
+          <a:p>
+            <a:pPr algn="l"/>
+            <a:r>
+              <a:rPr lang="en-US" sz="3000" dirty="0" smtClean="0">
+                <a:latin typeface="PFDinTextCompPro-Italic"/>
+                <a:cs typeface="PFDinTextCompPro-Italic"/>
+              </a:rPr>
+              <a:t>Suppose we want to predict the color of the grey dot.</a:t>
+            </a:r>
+          </a:p>
+          <a:p>
+            <a:pPr algn="l"/>
+            <a:endParaRPr lang="en-US" sz="2500" dirty="0">
+              <a:latin typeface="PFDinTextCompPro-Italic"/>
+              <a:cs typeface="PFDinTextCompPro-Italic"/>
+            </a:endParaRPr>
+          </a:p>
+          <a:p>
+            <a:pPr algn="l"/>
+            <a:r>
+              <a:rPr lang="en-US" sz="2500" dirty="0" smtClean="0">
+                <a:latin typeface="PFDinTextCompPro-Italic"/>
+                <a:cs typeface="PFDinTextCompPro-Italic"/>
+              </a:rPr>
+              <a:t>1)  Pick a value for k.</a:t>
+            </a:r>
+          </a:p>
+          <a:p>
+            <a:pPr algn="l"/>
+            <a:r>
+              <a:rPr lang="en-US" sz="2500" dirty="0" smtClean="0">
+                <a:latin typeface="PFDinTextCompPro-Italic"/>
+                <a:cs typeface="PFDinTextCompPro-Italic"/>
+              </a:rPr>
+              <a:t>2)  Find colors of k nearest neighbors.</a:t>
+            </a:r>
+          </a:p>
+          <a:p>
+            <a:pPr algn="l"/>
+            <a:r>
+              <a:rPr lang="en-US" sz="2500" dirty="0" smtClean="0">
+                <a:latin typeface="PFDinTextCompPro-Italic"/>
+                <a:cs typeface="PFDinTextCompPro-Italic"/>
+              </a:rPr>
+              <a:t>3)  Assign the most common color</a:t>
+            </a:r>
+          </a:p>
+          <a:p>
+            <a:pPr algn="l"/>
+            <a:r>
+              <a:rPr lang="en-US" sz="2500" dirty="0" smtClean="0">
+                <a:latin typeface="PFDinTextCompPro-Italic"/>
+                <a:cs typeface="PFDinTextCompPro-Italic"/>
+              </a:rPr>
+              <a:t>       to the grey dot.</a:t>
+            </a:r>
+          </a:p>
+        </p:txBody>
+      </p:sp>
+    </p:spTree>
+    <p:extLst>
+      <p:ext uri="{BB962C8B-B14F-4D97-AF65-F5344CB8AC3E}">
+        <p14:creationId xmlns:p14="http://schemas.microsoft.com/office/powerpoint/2010/main" val="49878289"/>
+      </p:ext>
+    </p:extLst>
+  </p:cSld>
+  <p:clrMapOvr>
+    <a:masterClrMapping/>
+  </p:clrMapOvr>
+  <p:transition xmlns:p14="http://schemas.microsoft.com/office/powerpoint/2010/main"/>
+  <p:timing>
+    <p:tnLst>
+      <p:par>
+        <p:cTn xmlns:p14="http://schemas.microsoft.com/office/powerpoint/2010/main" id="1" dur="indefinite" restart="never" nodeType="tmRoot"/>
+      </p:par>
+    </p:tnLst>
+  </p:timing>
+</p:sld>
+</file>
+
 <file path=ppt/slides/slide5.xml><?xml version="1.0" encoding="utf-8"?>
 <p:sld xmlns:a="http://schemas.openxmlformats.org/drawingml/2006/main" xmlns:r="http://schemas.openxmlformats.org/officeDocument/2006/relationships" xmlns:p="http://schemas.openxmlformats.org/presentationml/2006/main">
   <p:cSld>
@@ -28975,15 +28988,6 @@
               </a:lnSpc>
               <a:buNone/>
             </a:pPr>
-            <a:endParaRPr lang="en-US" sz="1400" dirty="0"/>
-          </a:p>
-          <a:p>
-            <a:pPr marL="0" indent="0">
-              <a:lnSpc>
-                <a:spcPct val="100000"/>
-              </a:lnSpc>
-              <a:buNone/>
-            </a:pPr>
             <a:endParaRPr lang="en-US" sz="1400" dirty="0" smtClean="0"/>
           </a:p>
           <a:p>
@@ -29002,7 +29006,7 @@
               </a:lnSpc>
               <a:buNone/>
             </a:pPr>
-            <a:endParaRPr lang="en-US" sz="1400" dirty="0" smtClean="0"/>
+            <a:endParaRPr lang="en-US" sz="1400" dirty="0"/>
           </a:p>
           <a:p>
             <a:pPr marL="0" indent="0">
@@ -29011,7 +29015,39 @@
               </a:lnSpc>
               <a:buNone/>
             </a:pPr>
-            <a:endParaRPr lang="en-US" sz="1400" dirty="0"/>
+            <a:r>
+              <a:rPr lang="en-US" sz="1400" dirty="0" smtClean="0"/>
+              <a:t>“The </a:t>
+            </a:r>
+            <a:r>
+              <a:rPr lang="en-US" sz="1400" dirty="0"/>
+              <a:t>core of machine learning deals with </a:t>
+            </a:r>
+            <a:r>
+              <a:rPr lang="en-US" sz="1400" i="1" dirty="0"/>
+              <a:t>representation </a:t>
+            </a:r>
+            <a:r>
+              <a:rPr lang="en-US" sz="1400" dirty="0"/>
+              <a:t>and </a:t>
+            </a:r>
+            <a:r>
+              <a:rPr lang="en-US" sz="1400" i="1" dirty="0" smtClean="0"/>
+              <a:t>generalization</a:t>
+            </a:r>
+            <a:r>
+              <a:rPr lang="en-US" sz="1400" dirty="0" smtClean="0"/>
+              <a:t>…”</a:t>
+            </a:r>
+          </a:p>
+          <a:p>
+            <a:pPr marL="0" indent="0">
+              <a:lnSpc>
+                <a:spcPct val="100000"/>
+              </a:lnSpc>
+              <a:buNone/>
+            </a:pPr>
+            <a:endParaRPr lang="en-US" sz="1400" i="1" dirty="0"/>
           </a:p>
           <a:p>
             <a:pPr marL="0" indent="0">
@@ -29134,7 +29170,7 @@
     </p:spTree>
     <p:extLst>
       <p:ext uri="{BB962C8B-B14F-4D97-AF65-F5344CB8AC3E}">
-        <p14:creationId xmlns:p14="http://schemas.microsoft.com/office/powerpoint/2010/main" val="3803518707"/>
+        <p14:creationId xmlns:p14="http://schemas.microsoft.com/office/powerpoint/2010/main" val="2681127561"/>
       </p:ext>
     </p:extLst>
   </p:cSld>
@@ -29231,215 +29267,6 @@
                 <a:defRPr/>
               </a:pPr>
               <a:t>50</a:t>
-            </a:fld>
-            <a:endParaRPr lang="en-US"/>
-          </a:p>
-        </p:txBody>
-      </p:sp>
-      <p:pic>
-        <p:nvPicPr>
-          <p:cNvPr id="3" name="Picture 2"/>
-          <p:cNvPicPr>
-            <a:picLocks noChangeAspect="1"/>
-          </p:cNvPicPr>
-          <p:nvPr/>
-        </p:nvPicPr>
-        <p:blipFill>
-          <a:blip r:embed="rId3"/>
-          <a:stretch>
-            <a:fillRect/>
-          </a:stretch>
-        </p:blipFill>
-        <p:spPr>
-          <a:xfrm>
-            <a:off x="4300537" y="1773936"/>
-            <a:ext cx="4493584" cy="3048000"/>
-          </a:xfrm>
-          <a:prstGeom prst="rect">
-            <a:avLst/>
-          </a:prstGeom>
-        </p:spPr>
-      </p:pic>
-      <p:sp>
-        <p:nvSpPr>
-          <p:cNvPr id="6" name="TextBox 5"/>
-          <p:cNvSpPr txBox="1"/>
-          <p:nvPr/>
-        </p:nvSpPr>
-        <p:spPr>
-          <a:xfrm>
-            <a:off x="623608" y="1057513"/>
-            <a:ext cx="6386596" cy="2477601"/>
-          </a:xfrm>
-          <a:prstGeom prst="rect">
-            <a:avLst/>
-          </a:prstGeom>
-          <a:noFill/>
-        </p:spPr>
-        <p:txBody>
-          <a:bodyPr wrap="none" rtlCol="0">
-            <a:spAutoFit/>
-          </a:bodyPr>
-          <a:lstStyle/>
-          <a:p>
-            <a:pPr algn="l"/>
-            <a:r>
-              <a:rPr lang="en-US" sz="3000" dirty="0" smtClean="0">
-                <a:latin typeface="PFDinTextCompPro-Italic"/>
-                <a:cs typeface="PFDinTextCompPro-Italic"/>
-              </a:rPr>
-              <a:t>Suppose we want to predict the color of the grey dot.</a:t>
-            </a:r>
-          </a:p>
-          <a:p>
-            <a:pPr algn="l"/>
-            <a:endParaRPr lang="en-US" sz="2500" dirty="0">
-              <a:latin typeface="PFDinTextCompPro-Italic"/>
-              <a:cs typeface="PFDinTextCompPro-Italic"/>
-            </a:endParaRPr>
-          </a:p>
-          <a:p>
-            <a:pPr algn="l"/>
-            <a:r>
-              <a:rPr lang="en-US" sz="2500" dirty="0" smtClean="0">
-                <a:latin typeface="PFDinTextCompPro-Italic"/>
-                <a:cs typeface="PFDinTextCompPro-Italic"/>
-              </a:rPr>
-              <a:t>1)  Pick a value for k.</a:t>
-            </a:r>
-          </a:p>
-          <a:p>
-            <a:pPr algn="l"/>
-            <a:r>
-              <a:rPr lang="en-US" sz="2500" dirty="0" smtClean="0">
-                <a:latin typeface="PFDinTextCompPro-Italic"/>
-                <a:cs typeface="PFDinTextCompPro-Italic"/>
-              </a:rPr>
-              <a:t>2)  Find colors of k nearest neighbors.</a:t>
-            </a:r>
-          </a:p>
-          <a:p>
-            <a:pPr algn="l"/>
-            <a:r>
-              <a:rPr lang="en-US" sz="2500" dirty="0" smtClean="0">
-                <a:latin typeface="PFDinTextCompPro-Italic"/>
-                <a:cs typeface="PFDinTextCompPro-Italic"/>
-              </a:rPr>
-              <a:t>3)  Assign the most common color</a:t>
-            </a:r>
-          </a:p>
-          <a:p>
-            <a:pPr algn="l"/>
-            <a:r>
-              <a:rPr lang="en-US" sz="2500" dirty="0" smtClean="0">
-                <a:latin typeface="PFDinTextCompPro-Italic"/>
-                <a:cs typeface="PFDinTextCompPro-Italic"/>
-              </a:rPr>
-              <a:t>       to the grey dot.</a:t>
-            </a:r>
-          </a:p>
-        </p:txBody>
-      </p:sp>
-    </p:spTree>
-    <p:extLst>
-      <p:ext uri="{BB962C8B-B14F-4D97-AF65-F5344CB8AC3E}">
-        <p14:creationId xmlns:p14="http://schemas.microsoft.com/office/powerpoint/2010/main" val="49878289"/>
-      </p:ext>
-    </p:extLst>
-  </p:cSld>
-  <p:clrMapOvr>
-    <a:masterClrMapping/>
-  </p:clrMapOvr>
-  <p:transition xmlns:p14="http://schemas.microsoft.com/office/powerpoint/2010/main"/>
-  <p:timing>
-    <p:tnLst>
-      <p:par>
-        <p:cTn xmlns:p14="http://schemas.microsoft.com/office/powerpoint/2010/main" id="1" dur="indefinite" restart="never" nodeType="tmRoot"/>
-      </p:par>
-    </p:tnLst>
-  </p:timing>
-</p:sld>
-</file>
-
-<file path=ppt/slides/slide51.xml><?xml version="1.0" encoding="utf-8"?>
-<p:sld xmlns:a="http://schemas.openxmlformats.org/drawingml/2006/main" xmlns:r="http://schemas.openxmlformats.org/officeDocument/2006/relationships" xmlns:p="http://schemas.openxmlformats.org/presentationml/2006/main">
-  <p:cSld>
-    <p:spTree>
-      <p:nvGrpSpPr>
-        <p:cNvPr id="1" name=""/>
-        <p:cNvGrpSpPr/>
-        <p:nvPr/>
-      </p:nvGrpSpPr>
-      <p:grpSpPr>
-        <a:xfrm>
-          <a:off x="0" y="0"/>
-          <a:ext cx="0" cy="0"/>
-          <a:chOff x="0" y="0"/>
-          <a:chExt cx="0" cy="0"/>
-        </a:xfrm>
-      </p:grpSpPr>
-      <p:sp>
-        <p:nvSpPr>
-          <p:cNvPr id="4" name="Content Placeholder 3"/>
-          <p:cNvSpPr>
-            <a:spLocks noGrp="1"/>
-          </p:cNvSpPr>
-          <p:nvPr>
-            <p:ph sz="quarter" idx="11"/>
-          </p:nvPr>
-        </p:nvSpPr>
-        <p:spPr>
-          <a:xfrm>
-            <a:off x="414337" y="495300"/>
-            <a:ext cx="6400800" cy="304800"/>
-          </a:xfrm>
-        </p:spPr>
-        <p:txBody>
-          <a:bodyPr/>
-          <a:lstStyle/>
-          <a:p>
-            <a:pPr eaLnBrk="1" hangingPunct="1">
-              <a:lnSpc>
-                <a:spcPts val="2448"/>
-              </a:lnSpc>
-              <a:defRPr/>
-            </a:pPr>
-            <a:r>
-              <a:rPr lang="en-US" dirty="0" err="1" smtClean="0"/>
-              <a:t>Knn</a:t>
-            </a:r>
-            <a:r>
-              <a:rPr lang="en-US" dirty="0" smtClean="0"/>
-              <a:t> classification</a:t>
-            </a:r>
-            <a:endParaRPr lang="en-US" dirty="0"/>
-          </a:p>
-        </p:txBody>
-      </p:sp>
-      <p:sp>
-        <p:nvSpPr>
-          <p:cNvPr id="8" name="Slide Number Placeholder 3"/>
-          <p:cNvSpPr>
-            <a:spLocks noGrp="1"/>
-          </p:cNvSpPr>
-          <p:nvPr>
-            <p:ph type="sldNum" sz="quarter" idx="13"/>
-          </p:nvPr>
-        </p:nvSpPr>
-        <p:spPr/>
-        <p:txBody>
-          <a:bodyPr/>
-          <a:lstStyle/>
-          <a:p>
-            <a:pPr>
-              <a:defRPr/>
-            </a:pPr>
-            <a:fld id="{BD5AD749-DAD1-6A4A-A2AA-CB20EAD0AEB7}" type="slidenum">
-              <a:rPr lang="en-US"/>
-              <a:pPr>
-                <a:defRPr/>
-              </a:pPr>
-              <a:t>51</a:t>
             </a:fld>
             <a:endParaRPr lang="en-US"/>
           </a:p>
@@ -29767,19 +29594,7 @@
                   <a:cs typeface="ＭＳ Ｐゴシック" charset="0"/>
                   <a:sym typeface="News706 BT" charset="0"/>
                 </a:rPr>
-                <a:t>Our definition of “nearest” implicitly uses </a:t>
-              </a:r>
-              <a:r>
-                <a:rPr lang="en-US" sz="900" dirty="0" smtClean="0">
-                  <a:solidFill>
-                    <a:schemeClr val="tx1"/>
-                  </a:solidFill>
-                  <a:latin typeface="News706 BT" charset="0"/>
-                  <a:ea typeface="ＭＳ Ｐゴシック" charset="0"/>
-                  <a:cs typeface="ＭＳ Ｐゴシック" charset="0"/>
-                  <a:sym typeface="News706 BT" charset="0"/>
-                </a:rPr>
-                <a:t>the </a:t>
+                <a:t>Our definition of “nearest” implicitly uses the </a:t>
               </a:r>
               <a:r>
                 <a:rPr lang="en-US" sz="900" i="1" dirty="0" smtClean="0">
@@ -29791,19 +29606,7 @@
                   <a:cs typeface="ＭＳ Ｐゴシック" charset="0"/>
                   <a:sym typeface="News706 BT" charset="0"/>
                 </a:rPr>
-                <a:t>Euclidean </a:t>
-              </a:r>
-              <a:r>
-                <a:rPr lang="en-US" sz="900" i="1" dirty="0" smtClean="0">
-                  <a:solidFill>
-                    <a:schemeClr val="tx1"/>
-                  </a:solidFill>
-                  <a:latin typeface="News706 BT" charset="0"/>
-                  <a:ea typeface="ＭＳ Ｐゴシック" charset="0"/>
-                  <a:cs typeface="ＭＳ Ｐゴシック" charset="0"/>
-                  <a:sym typeface="News706 BT" charset="0"/>
-                </a:rPr>
-                <a:t>distance function.</a:t>
+                <a:t>Euclidean distance function.</a:t>
               </a:r>
               <a:endParaRPr lang="en-US" sz="900" dirty="0" smtClean="0">
                 <a:solidFill>
@@ -29839,7 +29642,7 @@
 </p:sld>
 </file>
 
-<file path=ppt/slides/slide52.xml><?xml version="1.0" encoding="utf-8"?>
+<file path=ppt/slides/slide51.xml><?xml version="1.0" encoding="utf-8"?>
 <p:sld xmlns:a="http://schemas.openxmlformats.org/drawingml/2006/main" xmlns:r="http://schemas.openxmlformats.org/officeDocument/2006/relationships" xmlns:p="http://schemas.openxmlformats.org/presentationml/2006/main">
   <p:cSld>
     <p:spTree>
@@ -30162,23 +29965,32 @@
               </a:lnSpc>
               <a:buNone/>
             </a:pPr>
-            <a:endParaRPr lang="en-US" sz="1400" i="1" dirty="0"/>
-          </a:p>
-          <a:p>
-            <a:pPr marL="0" indent="0">
+            <a:endParaRPr lang="en-US" sz="1400" dirty="0" smtClean="0"/>
+          </a:p>
+          <a:p>
+            <a:pPr>
               <a:lnSpc>
                 <a:spcPct val="100000"/>
               </a:lnSpc>
-              <a:buNone/>
+              <a:buFont typeface="Lucida Grande" charset="0"/>
+              <a:buChar char="‣"/>
             </a:pPr>
-            <a:endParaRPr lang="en-US" sz="1400" dirty="0" smtClean="0"/>
-          </a:p>
-          <a:p>
-            <a:pPr marL="0" indent="0">
+            <a:r>
+              <a:rPr lang="en-US" sz="1400" i="1" dirty="0"/>
+              <a:t>representation</a:t>
+            </a:r>
+            <a:r>
+              <a:rPr lang="en-US" sz="1400" dirty="0"/>
+              <a:t> – extracting structure from data</a:t>
+            </a:r>
+          </a:p>
+          <a:p>
+            <a:pPr>
               <a:lnSpc>
                 <a:spcPct val="100000"/>
               </a:lnSpc>
-              <a:buNone/>
+              <a:buFont typeface="Lucida Grande" charset="0"/>
+              <a:buChar char="‣"/>
             </a:pPr>
             <a:endParaRPr lang="en-US" sz="1400" dirty="0" smtClean="0"/>
           </a:p>
@@ -30193,11 +30005,12 @@
             <a:endParaRPr lang="en-US" sz="1400" dirty="0"/>
           </a:p>
           <a:p>
-            <a:pPr marL="0" indent="0">
+            <a:pPr>
               <a:lnSpc>
                 <a:spcPct val="100000"/>
               </a:lnSpc>
-              <a:buNone/>
+              <a:buFont typeface="Lucida Grande" charset="0"/>
+              <a:buChar char="‣"/>
             </a:pPr>
             <a:endParaRPr lang="en-US" sz="1400" dirty="0" smtClean="0"/>
           </a:p>
@@ -30285,7 +30098,7 @@
     </p:spTree>
     <p:extLst>
       <p:ext uri="{BB962C8B-B14F-4D97-AF65-F5344CB8AC3E}">
-        <p14:creationId xmlns:p14="http://schemas.microsoft.com/office/powerpoint/2010/main" val="2681127561"/>
+        <p14:creationId xmlns:p14="http://schemas.microsoft.com/office/powerpoint/2010/main" val="216421822"/>
       </p:ext>
     </p:extLst>
   </p:cSld>
@@ -30563,7 +30376,11 @@
             </a:r>
             <a:r>
               <a:rPr lang="en-US" sz="1400" dirty="0"/>
-              <a:t> – extracting structure from data</a:t>
+              <a:t> – extracting structure from </a:t>
+            </a:r>
+            <a:r>
+              <a:rPr lang="en-US" sz="1400" dirty="0" smtClean="0"/>
+              <a:t>data</a:t>
             </a:r>
           </a:p>
           <a:p>
@@ -30574,7 +30391,24 @@
               <a:buFont typeface="Lucida Grande" charset="0"/>
               <a:buChar char="‣"/>
             </a:pPr>
-            <a:endParaRPr lang="en-US" sz="1400" dirty="0" smtClean="0"/>
+            <a:endParaRPr lang="en-US" sz="1400" i="1" dirty="0" smtClean="0"/>
+          </a:p>
+          <a:p>
+            <a:pPr>
+              <a:lnSpc>
+                <a:spcPct val="100000"/>
+              </a:lnSpc>
+              <a:buFont typeface="Lucida Grande" charset="0"/>
+              <a:buChar char="‣"/>
+            </a:pPr>
+            <a:r>
+              <a:rPr lang="en-US" sz="1400" i="1" dirty="0" smtClean="0"/>
+              <a:t>generalization </a:t>
+            </a:r>
+            <a:r>
+              <a:rPr lang="en-US" sz="1400" dirty="0"/>
+              <a:t>– making predictions from data</a:t>
+            </a:r>
           </a:p>
           <a:p>
             <a:pPr>
@@ -30587,22 +30421,11 @@
             <a:endParaRPr lang="en-US" sz="1400" dirty="0"/>
           </a:p>
           <a:p>
-            <a:pPr>
+            <a:pPr marL="0" indent="0">
               <a:lnSpc>
                 <a:spcPct val="100000"/>
               </a:lnSpc>
-              <a:buFont typeface="Lucida Grande" charset="0"/>
-              <a:buChar char="‣"/>
-            </a:pPr>
-            <a:endParaRPr lang="en-US" sz="1400" dirty="0" smtClean="0"/>
-          </a:p>
-          <a:p>
-            <a:pPr>
-              <a:lnSpc>
-                <a:spcPct val="100000"/>
-              </a:lnSpc>
-              <a:buFont typeface="Lucida Grande" charset="0"/>
-              <a:buChar char="‣"/>
+              <a:buNone/>
             </a:pPr>
             <a:endParaRPr lang="en-US" sz="1400" dirty="0"/>
           </a:p>
@@ -30680,7 +30503,7 @@
     </p:spTree>
     <p:extLst>
       <p:ext uri="{BB962C8B-B14F-4D97-AF65-F5344CB8AC3E}">
-        <p14:creationId xmlns:p14="http://schemas.microsoft.com/office/powerpoint/2010/main" val="216421822"/>
+        <p14:creationId xmlns:p14="http://schemas.microsoft.com/office/powerpoint/2010/main" val="2440224381"/>
       </p:ext>
     </p:extLst>
   </p:cSld>
@@ -30743,8 +30566,9 @@
             </a:pPr>
             <a:r>
               <a:rPr lang="en-US" dirty="0" smtClean="0"/>
-              <a:t>What is machine learning?</a:t>
-            </a:r>
+              <a:t>You want to go here</a:t>
+            </a:r>
+            <a:endParaRPr lang="en-US" dirty="0"/>
           </a:p>
         </p:txBody>
       </p:sp>
@@ -30772,412 +30596,6 @@
                 <a:defRPr/>
               </a:pPr>
               <a:t>8</a:t>
-            </a:fld>
-            <a:endParaRPr lang="en-US"/>
-          </a:p>
-        </p:txBody>
-      </p:sp>
-      <p:sp>
-        <p:nvSpPr>
-          <p:cNvPr id="20485" name="Subtitle 2"/>
-          <p:cNvSpPr>
-            <a:spLocks noGrp="1"/>
-          </p:cNvSpPr>
-          <p:nvPr>
-            <p:ph type="subTitle" idx="1"/>
-          </p:nvPr>
-        </p:nvSpPr>
-        <p:spPr bwMode="auto">
-          <a:xfrm>
-            <a:off x="566737" y="1181100"/>
-            <a:ext cx="8305800" cy="3581400"/>
-          </a:xfrm>
-          <a:noFill/>
-          <a:extLst>
-            <a:ext uri="{909E8E84-426E-40dd-AFC4-6F175D3DCCD1}">
-              <a14:hiddenFill xmlns:a14="http://schemas.microsoft.com/office/drawing/2010/main">
-                <a:solidFill>
-                  <a:srgbClr val="FFFFFF"/>
-                </a:solidFill>
-              </a14:hiddenFill>
-            </a:ext>
-            <a:ext uri="{91240B29-F687-4f45-9708-019B960494DF}">
-              <a14:hiddenLine xmlns:a14="http://schemas.microsoft.com/office/drawing/2010/main" w="9525">
-                <a:solidFill>
-                  <a:srgbClr val="000000"/>
-                </a:solidFill>
-                <a:miter lim="800000"/>
-                <a:headEnd/>
-                <a:tailEnd/>
-              </a14:hiddenLine>
-            </a:ext>
-            <a:ext uri="{FAA26D3D-D897-4be2-8F04-BA451C77F1D7}">
-              <ma14:placeholderFlag xmlns:ma14="http://schemas.microsoft.com/office/mac/drawingml/2011/main" val="1"/>
-            </a:ext>
-          </a:extLst>
-        </p:spPr>
-        <p:txBody>
-          <a:bodyPr wrap="square" numCol="1" anchor="t" anchorCtr="0" compatLnSpc="1">
-            <a:prstTxWarp prst="textNoShape">
-              <a:avLst/>
-            </a:prstTxWarp>
-          </a:bodyPr>
-          <a:lstStyle/>
-          <a:p>
-            <a:pPr marL="0" indent="0">
-              <a:lnSpc>
-                <a:spcPct val="100000"/>
-              </a:lnSpc>
-              <a:buNone/>
-            </a:pPr>
-            <a:r>
-              <a:rPr lang="en-US" sz="1400" dirty="0"/>
-              <a:t>from </a:t>
-            </a:r>
-            <a:r>
-              <a:rPr lang="en-US" sz="1400" dirty="0" smtClean="0"/>
-              <a:t>Wikipedia:</a:t>
-            </a:r>
-          </a:p>
-          <a:p>
-            <a:pPr marL="0" indent="0">
-              <a:lnSpc>
-                <a:spcPct val="100000"/>
-              </a:lnSpc>
-              <a:buNone/>
-            </a:pPr>
-            <a:endParaRPr lang="en-US" sz="1400" dirty="0" smtClean="0"/>
-          </a:p>
-          <a:p>
-            <a:pPr marL="0" indent="0">
-              <a:lnSpc>
-                <a:spcPct val="100000"/>
-              </a:lnSpc>
-              <a:buNone/>
-            </a:pPr>
-            <a:r>
-              <a:rPr lang="en-US" sz="1400" dirty="0" smtClean="0"/>
-              <a:t>“Machine </a:t>
-            </a:r>
-            <a:r>
-              <a:rPr lang="en-US" sz="1400" dirty="0"/>
-              <a:t>learning, a branch of artificial intelligence, is about the construction and study of systems that can </a:t>
-            </a:r>
-            <a:r>
-              <a:rPr lang="en-US" sz="1400" i="1" dirty="0"/>
-              <a:t>learn from </a:t>
-            </a:r>
-            <a:r>
-              <a:rPr lang="en-US" sz="1400" i="1" dirty="0" smtClean="0"/>
-              <a:t>data</a:t>
-            </a:r>
-            <a:r>
-              <a:rPr lang="en-US" sz="1400" dirty="0" smtClean="0"/>
-              <a:t>.”</a:t>
-            </a:r>
-          </a:p>
-          <a:p>
-            <a:pPr marL="0" indent="0">
-              <a:lnSpc>
-                <a:spcPct val="100000"/>
-              </a:lnSpc>
-              <a:buNone/>
-            </a:pPr>
-            <a:endParaRPr lang="en-US" sz="1400" dirty="0" smtClean="0"/>
-          </a:p>
-          <a:p>
-            <a:pPr marL="0" indent="0">
-              <a:lnSpc>
-                <a:spcPct val="100000"/>
-              </a:lnSpc>
-              <a:buNone/>
-            </a:pPr>
-            <a:endParaRPr lang="en-US" sz="1400" dirty="0"/>
-          </a:p>
-          <a:p>
-            <a:pPr marL="0" indent="0">
-              <a:lnSpc>
-                <a:spcPct val="100000"/>
-              </a:lnSpc>
-              <a:buNone/>
-            </a:pPr>
-            <a:endParaRPr lang="en-US" sz="1400" dirty="0"/>
-          </a:p>
-          <a:p>
-            <a:pPr marL="0" indent="0">
-              <a:lnSpc>
-                <a:spcPct val="100000"/>
-              </a:lnSpc>
-              <a:buNone/>
-            </a:pPr>
-            <a:r>
-              <a:rPr lang="en-US" sz="1400" dirty="0" smtClean="0"/>
-              <a:t>“The </a:t>
-            </a:r>
-            <a:r>
-              <a:rPr lang="en-US" sz="1400" dirty="0"/>
-              <a:t>core of machine learning deals with </a:t>
-            </a:r>
-            <a:r>
-              <a:rPr lang="en-US" sz="1400" i="1" dirty="0"/>
-              <a:t>representation </a:t>
-            </a:r>
-            <a:r>
-              <a:rPr lang="en-US" sz="1400" dirty="0"/>
-              <a:t>and </a:t>
-            </a:r>
-            <a:r>
-              <a:rPr lang="en-US" sz="1400" i="1" dirty="0" smtClean="0"/>
-              <a:t>generalization</a:t>
-            </a:r>
-            <a:r>
-              <a:rPr lang="en-US" sz="1400" dirty="0" smtClean="0"/>
-              <a:t>…”</a:t>
-            </a:r>
-          </a:p>
-          <a:p>
-            <a:pPr marL="0" indent="0">
-              <a:lnSpc>
-                <a:spcPct val="100000"/>
-              </a:lnSpc>
-              <a:buNone/>
-            </a:pPr>
-            <a:endParaRPr lang="en-US" sz="1400" dirty="0" smtClean="0"/>
-          </a:p>
-          <a:p>
-            <a:pPr>
-              <a:lnSpc>
-                <a:spcPct val="100000"/>
-              </a:lnSpc>
-              <a:buFont typeface="Lucida Grande" charset="0"/>
-              <a:buChar char="‣"/>
-            </a:pPr>
-            <a:r>
-              <a:rPr lang="en-US" sz="1400" i="1" dirty="0"/>
-              <a:t>representation</a:t>
-            </a:r>
-            <a:r>
-              <a:rPr lang="en-US" sz="1400" dirty="0"/>
-              <a:t> – extracting structure from </a:t>
-            </a:r>
-            <a:r>
-              <a:rPr lang="en-US" sz="1400" dirty="0" smtClean="0"/>
-              <a:t>data</a:t>
-            </a:r>
-          </a:p>
-          <a:p>
-            <a:pPr>
-              <a:lnSpc>
-                <a:spcPct val="100000"/>
-              </a:lnSpc>
-              <a:buFont typeface="Lucida Grande" charset="0"/>
-              <a:buChar char="‣"/>
-            </a:pPr>
-            <a:endParaRPr lang="en-US" sz="1400" i="1" dirty="0" smtClean="0"/>
-          </a:p>
-          <a:p>
-            <a:pPr>
-              <a:lnSpc>
-                <a:spcPct val="100000"/>
-              </a:lnSpc>
-              <a:buFont typeface="Lucida Grande" charset="0"/>
-              <a:buChar char="‣"/>
-            </a:pPr>
-            <a:r>
-              <a:rPr lang="en-US" sz="1400" i="1" dirty="0" smtClean="0"/>
-              <a:t>generalization </a:t>
-            </a:r>
-            <a:r>
-              <a:rPr lang="en-US" sz="1400" dirty="0"/>
-              <a:t>– making predictions from data</a:t>
-            </a:r>
-          </a:p>
-          <a:p>
-            <a:pPr>
-              <a:lnSpc>
-                <a:spcPct val="100000"/>
-              </a:lnSpc>
-              <a:buFont typeface="Lucida Grande" charset="0"/>
-              <a:buChar char="‣"/>
-            </a:pPr>
-            <a:endParaRPr lang="en-US" sz="1400" dirty="0"/>
-          </a:p>
-          <a:p>
-            <a:pPr marL="0" indent="0">
-              <a:lnSpc>
-                <a:spcPct val="100000"/>
-              </a:lnSpc>
-              <a:buNone/>
-            </a:pPr>
-            <a:endParaRPr lang="en-US" sz="1400" dirty="0"/>
-          </a:p>
-          <a:p>
-            <a:pPr marL="0" indent="0">
-              <a:lnSpc>
-                <a:spcPct val="100000"/>
-              </a:lnSpc>
-              <a:buNone/>
-            </a:pPr>
-            <a:endParaRPr lang="en-US" sz="1400" dirty="0">
-              <a:latin typeface="News706 BT" charset="0"/>
-              <a:ea typeface="ヒラギノ角ゴ ProN W3" charset="0"/>
-              <a:cs typeface="ヒラギノ角ゴ ProN W3" charset="0"/>
-            </a:endParaRPr>
-          </a:p>
-          <a:p>
-            <a:pPr marL="0" indent="0">
-              <a:lnSpc>
-                <a:spcPct val="100000"/>
-              </a:lnSpc>
-              <a:buNone/>
-            </a:pPr>
-            <a:r>
-              <a:rPr lang="en-US" sz="800" i="1" dirty="0" smtClean="0"/>
-              <a:t>source: http</a:t>
-            </a:r>
-            <a:r>
-              <a:rPr lang="en-US" sz="800" i="1" dirty="0"/>
-              <a:t>://</a:t>
-            </a:r>
-            <a:r>
-              <a:rPr lang="en-US" sz="800" i="1" dirty="0" err="1"/>
-              <a:t>en.wikipedia.org</a:t>
-            </a:r>
-            <a:r>
-              <a:rPr lang="en-US" sz="800" i="1" dirty="0"/>
-              <a:t>/wiki/</a:t>
-            </a:r>
-            <a:r>
-              <a:rPr lang="en-US" sz="800" i="1" dirty="0" err="1" smtClean="0"/>
-              <a:t>Machine_learning</a:t>
-            </a:r>
-            <a:endParaRPr lang="en-US" sz="800" dirty="0"/>
-          </a:p>
-          <a:p>
-            <a:pPr marL="0" indent="0">
-              <a:lnSpc>
-                <a:spcPct val="100000"/>
-              </a:lnSpc>
-              <a:buNone/>
-            </a:pPr>
-            <a:endParaRPr lang="en-US" sz="1400" dirty="0" smtClean="0">
-              <a:latin typeface="News706 BT" charset="0"/>
-              <a:ea typeface="ヒラギノ角ゴ ProN W3" charset="0"/>
-              <a:cs typeface="ヒラギノ角ゴ ProN W3" charset="0"/>
-            </a:endParaRPr>
-          </a:p>
-          <a:p>
-            <a:pPr>
-              <a:lnSpc>
-                <a:spcPct val="100000"/>
-              </a:lnSpc>
-              <a:buFont typeface="Lucida Grande" charset="0"/>
-              <a:buChar char="‣"/>
-            </a:pPr>
-            <a:endParaRPr lang="en-US" sz="1400" dirty="0">
-              <a:latin typeface="News706 BT" charset="0"/>
-              <a:ea typeface="ヒラギノ角ゴ ProN W3" charset="0"/>
-              <a:cs typeface="ヒラギノ角ゴ ProN W3" charset="0"/>
-            </a:endParaRPr>
-          </a:p>
-        </p:txBody>
-      </p:sp>
-    </p:spTree>
-    <p:extLst>
-      <p:ext uri="{BB962C8B-B14F-4D97-AF65-F5344CB8AC3E}">
-        <p14:creationId xmlns:p14="http://schemas.microsoft.com/office/powerpoint/2010/main" val="2440224381"/>
-      </p:ext>
-    </p:extLst>
-  </p:cSld>
-  <p:clrMapOvr>
-    <a:masterClrMapping/>
-  </p:clrMapOvr>
-  <p:transition xmlns:p14="http://schemas.microsoft.com/office/powerpoint/2010/main"/>
-  <p:timing>
-    <p:tnLst>
-      <p:par>
-        <p:cTn xmlns:p14="http://schemas.microsoft.com/office/powerpoint/2010/main" id="1" dur="indefinite" restart="never" nodeType="tmRoot"/>
-      </p:par>
-    </p:tnLst>
-  </p:timing>
-</p:sld>
-</file>
-
-<file path=ppt/slides/slide9.xml><?xml version="1.0" encoding="utf-8"?>
-<p:sld xmlns:a="http://schemas.openxmlformats.org/drawingml/2006/main" xmlns:r="http://schemas.openxmlformats.org/officeDocument/2006/relationships" xmlns:p="http://schemas.openxmlformats.org/presentationml/2006/main">
-  <p:cSld>
-    <p:spTree>
-      <p:nvGrpSpPr>
-        <p:cNvPr id="1" name=""/>
-        <p:cNvGrpSpPr/>
-        <p:nvPr/>
-      </p:nvGrpSpPr>
-      <p:grpSpPr>
-        <a:xfrm>
-          <a:off x="0" y="0"/>
-          <a:ext cx="0" cy="0"/>
-          <a:chOff x="0" y="0"/>
-          <a:chExt cx="0" cy="0"/>
-        </a:xfrm>
-      </p:grpSpPr>
-      <p:sp>
-        <p:nvSpPr>
-          <p:cNvPr id="4" name="Content Placeholder 3"/>
-          <p:cNvSpPr>
-            <a:spLocks noGrp="1"/>
-          </p:cNvSpPr>
-          <p:nvPr>
-            <p:ph sz="quarter" idx="11"/>
-          </p:nvPr>
-        </p:nvSpPr>
-        <p:spPr>
-          <a:xfrm>
-            <a:off x="414337" y="495300"/>
-            <a:ext cx="6400800" cy="304800"/>
-          </a:xfrm>
-        </p:spPr>
-        <p:txBody>
-          <a:bodyPr/>
-          <a:lstStyle/>
-          <a:p>
-            <a:pPr eaLnBrk="1" hangingPunct="1">
-              <a:lnSpc>
-                <a:spcPts val="2448"/>
-              </a:lnSpc>
-              <a:defRPr/>
-            </a:pPr>
-            <a:r>
-              <a:rPr lang="en-US" dirty="0" smtClean="0"/>
-              <a:t>You want to go here</a:t>
-            </a:r>
-            <a:endParaRPr lang="en-US" dirty="0"/>
-          </a:p>
-        </p:txBody>
-      </p:sp>
-      <p:sp>
-        <p:nvSpPr>
-          <p:cNvPr id="8" name="Slide Number Placeholder 3"/>
-          <p:cNvSpPr>
-            <a:spLocks noGrp="1"/>
-          </p:cNvSpPr>
-          <p:nvPr>
-            <p:ph type="sldNum" sz="quarter" idx="13"/>
-          </p:nvPr>
-        </p:nvSpPr>
-        <p:spPr/>
-        <p:txBody>
-          <a:bodyPr/>
-          <a:lstStyle/>
-          <a:p>
-            <a:pPr>
-              <a:defRPr/>
-            </a:pPr>
-            <a:fld id="{BD5AD749-DAD1-6A4A-A2AA-CB20EAD0AEB7}" type="slidenum">
-              <a:rPr lang="en-US"/>
-              <a:pPr>
-                <a:defRPr/>
-              </a:pPr>
-              <a:t>9</a:t>
             </a:fld>
             <a:endParaRPr lang="en-US"/>
           </a:p>
@@ -31557,6 +30975,116 @@
     <p:extLst>
       <p:ext uri="{BB962C8B-B14F-4D97-AF65-F5344CB8AC3E}">
         <p14:creationId xmlns:p14="http://schemas.microsoft.com/office/powerpoint/2010/main" val="3358928715"/>
+      </p:ext>
+    </p:extLst>
+  </p:cSld>
+  <p:clrMapOvr>
+    <a:masterClrMapping/>
+  </p:clrMapOvr>
+  <p:transition xmlns:p14="http://schemas.microsoft.com/office/powerpoint/2010/main"/>
+  <p:timing>
+    <p:tnLst>
+      <p:par>
+        <p:cTn xmlns:p14="http://schemas.microsoft.com/office/powerpoint/2010/main" id="1" dur="indefinite" restart="never" nodeType="tmRoot"/>
+      </p:par>
+    </p:tnLst>
+  </p:timing>
+</p:sld>
+</file>
+
+<file path=ppt/slides/slide9.xml><?xml version="1.0" encoding="utf-8"?>
+<p:sld xmlns:a="http://schemas.openxmlformats.org/drawingml/2006/main" xmlns:r="http://schemas.openxmlformats.org/officeDocument/2006/relationships" xmlns:p="http://schemas.openxmlformats.org/presentationml/2006/main">
+  <p:cSld>
+    <p:spTree>
+      <p:nvGrpSpPr>
+        <p:cNvPr id="1" name=""/>
+        <p:cNvGrpSpPr/>
+        <p:nvPr/>
+      </p:nvGrpSpPr>
+      <p:grpSpPr>
+        <a:xfrm>
+          <a:off x="0" y="0"/>
+          <a:ext cx="0" cy="0"/>
+          <a:chOff x="0" y="0"/>
+          <a:chExt cx="0" cy="0"/>
+        </a:xfrm>
+      </p:grpSpPr>
+      <p:sp>
+        <p:nvSpPr>
+          <p:cNvPr id="2" name="Title 1"/>
+          <p:cNvSpPr>
+            <a:spLocks noGrp="1"/>
+          </p:cNvSpPr>
+          <p:nvPr>
+            <p:ph type="title"/>
+          </p:nvPr>
+        </p:nvSpPr>
+        <p:spPr>
+          <a:xfrm>
+            <a:off x="347663" y="3238500"/>
+            <a:ext cx="8426450" cy="1828800"/>
+          </a:xfrm>
+        </p:spPr>
+        <p:txBody>
+          <a:bodyPr/>
+          <a:lstStyle/>
+          <a:p>
+            <a:pPr>
+              <a:defRPr/>
+            </a:pPr>
+            <a:r>
+              <a:rPr lang="en-US" sz="7500" dirty="0" smtClean="0"/>
+              <a:t>II. machine learning problems</a:t>
+            </a:r>
+            <a:endParaRPr lang="en-US" sz="7500" dirty="0"/>
+          </a:p>
+        </p:txBody>
+      </p:sp>
+      <p:sp>
+        <p:nvSpPr>
+          <p:cNvPr id="4" name="Content Placeholder 3"/>
+          <p:cNvSpPr>
+            <a:spLocks noGrp="1"/>
+          </p:cNvSpPr>
+          <p:nvPr>
+            <p:ph sz="quarter" idx="11"/>
+          </p:nvPr>
+        </p:nvSpPr>
+        <p:spPr>
+          <a:xfrm>
+            <a:off x="371475" y="495300"/>
+            <a:ext cx="6400800" cy="304800"/>
+          </a:xfrm>
+        </p:spPr>
+        <p:txBody>
+          <a:bodyPr wrap="square" lIns="91440" tIns="45720" rIns="91440" bIns="45720" numCol="1" anchor="t" anchorCtr="0" compatLnSpc="1">
+            <a:prstTxWarp prst="textNoShape">
+              <a:avLst/>
+            </a:prstTxWarp>
+          </a:bodyPr>
+          <a:lstStyle/>
+          <a:p>
+            <a:pPr marL="0" indent="0"/>
+            <a:r>
+              <a:rPr lang="en-US" cap="none" dirty="0" smtClean="0">
+                <a:latin typeface="PFDinTextCompPro-Bold" charset="0"/>
+                <a:ea typeface="ヒラギノ角ゴ ProN W3" charset="0"/>
+                <a:cs typeface="ヒラギノ角ゴ ProN W3" charset="0"/>
+              </a:rPr>
+              <a:t>INTRO TO DATA SCIENCE</a:t>
+            </a:r>
+            <a:endParaRPr lang="en-US" cap="none" dirty="0">
+              <a:latin typeface="PFDinTextCompPro-Bold" charset="0"/>
+              <a:ea typeface="ヒラギノ角ゴ ProN W3" charset="0"/>
+              <a:cs typeface="ヒラギノ角ゴ ProN W3" charset="0"/>
+            </a:endParaRPr>
+          </a:p>
+        </p:txBody>
+      </p:sp>
+    </p:spTree>
+    <p:extLst>
+      <p:ext uri="{BB962C8B-B14F-4D97-AF65-F5344CB8AC3E}">
+        <p14:creationId xmlns:p14="http://schemas.microsoft.com/office/powerpoint/2010/main" val="2943625627"/>
       </p:ext>
     </p:extLst>
   </p:cSld>
